--- a/gestion_projet/Project_Review03022017.pptx
+++ b/gestion_projet/Project_Review03022017.pptx
@@ -5,7 +5,7 @@
     <p:sldMasterId id="2147483660" r:id="rId1"/>
   </p:sldMasterIdLst>
   <p:notesMasterIdLst>
-    <p:notesMasterId r:id="rId17"/>
+    <p:notesMasterId r:id="rId22"/>
   </p:notesMasterIdLst>
   <p:sldIdLst>
     <p:sldId id="256" r:id="rId2"/>
@@ -21,8 +21,13 @@
     <p:sldId id="266" r:id="rId12"/>
     <p:sldId id="268" r:id="rId13"/>
     <p:sldId id="271" r:id="rId14"/>
-    <p:sldId id="275" r:id="rId15"/>
-    <p:sldId id="276" r:id="rId16"/>
+    <p:sldId id="279" r:id="rId15"/>
+    <p:sldId id="283" r:id="rId16"/>
+    <p:sldId id="280" r:id="rId17"/>
+    <p:sldId id="281" r:id="rId18"/>
+    <p:sldId id="277" r:id="rId19"/>
+    <p:sldId id="275" r:id="rId20"/>
+    <p:sldId id="276" r:id="rId21"/>
   </p:sldIdLst>
   <p:sldSz cx="9144000" cy="6858000" type="screen4x3"/>
   <p:notesSz cx="6858000" cy="9144000"/>
@@ -5462,7 +5467,7 @@
             <a:fld id="{E7BC6B20-0E55-B44F-B76C-FA5F981DE882}" type="datetimeFigureOut">
               <a:rPr lang="fr-FR" smtClean="0"/>
               <a:pPr/>
-              <a:t>24/01/2017</a:t>
+              <a:t>26/01/2017</a:t>
             </a:fld>
             <a:endParaRPr lang="fr-FR"/>
           </a:p>
@@ -5631,7 +5636,7 @@
     </p:spTree>
     <p:extLst>
       <p:ext uri="{BB962C8B-B14F-4D97-AF65-F5344CB8AC3E}">
-        <p14:creationId xmlns:p14="http://schemas.microsoft.com/office/powerpoint/2010/main" xmlns="" val="2987060632"/>
+        <p14:creationId xmlns="" xmlns:p14="http://schemas.microsoft.com/office/powerpoint/2010/main" val="2987060632"/>
       </p:ext>
     </p:extLst>
   </p:cSld>
@@ -10479,7 +10484,7 @@
     </p:spTree>
     <p:extLst>
       <p:ext uri="{BB962C8B-B14F-4D97-AF65-F5344CB8AC3E}">
-        <p14:creationId xmlns:p14="http://schemas.microsoft.com/office/powerpoint/2010/main" xmlns="" val="1476706907"/>
+        <p14:creationId xmlns="" xmlns:p14="http://schemas.microsoft.com/office/powerpoint/2010/main" val="1476706907"/>
       </p:ext>
     </p:extLst>
   </p:cSld>
@@ -10529,7 +10534,8 @@
               <a:tblGrid>
                 <a:gridCol w="4140000"/>
                 <a:gridCol w="2070000"/>
-                <a:gridCol w="2070000"/>
+                <a:gridCol w="1520198"/>
+                <a:gridCol w="549802"/>
               </a:tblGrid>
               <a:tr h="360000">
                 <a:tc>
@@ -10539,14 +10545,14 @@
                     <a:p>
                       <a:pPr algn="l"/>
                       <a:r>
-                        <a:rPr lang="fr-FR" sz="1600" b="0" i="0" u="sng" noProof="0" dirty="0" smtClean="0"/>
+                        <a:rPr lang="fr-FR" sz="1600" b="0" i="0" u="sng" noProof="0" smtClean="0"/>
                         <a:t>WP :</a:t>
                       </a:r>
                       <a:r>
-                        <a:rPr lang="fr-FR" sz="1600" b="0" i="0" noProof="0" dirty="0" smtClean="0"/>
+                        <a:rPr lang="fr-FR" sz="1600" b="0" i="0" noProof="0" smtClean="0"/>
                         <a:t>  Bibliographie</a:t>
                       </a:r>
-                      <a:endParaRPr lang="fr-FR" sz="1600" b="0" i="0" noProof="0" dirty="0"/>
+                      <a:endParaRPr lang="fr-FR" sz="1600" b="0" i="0" noProof="0"/>
                     </a:p>
                   </a:txBody>
                   <a:tcPr/>
@@ -10557,76 +10563,82 @@
                     <a:lstStyle/>
                     <a:p>
                       <a:r>
-                        <a:rPr lang="fr-FR" sz="1600" b="0" i="0" u="sng" noProof="0" dirty="0" smtClean="0"/>
+                        <a:rPr lang="fr-FR" sz="1600" b="0" i="0" u="sng" noProof="0" smtClean="0"/>
                         <a:t>Date</a:t>
                       </a:r>
                       <a:r>
-                        <a:rPr lang="fr-FR" sz="1600" b="0" i="0" u="sng" baseline="0" noProof="0" dirty="0" smtClean="0"/>
+                        <a:rPr lang="fr-FR" sz="1600" b="0" i="0" u="sng" baseline="0" noProof="0" smtClean="0"/>
+                        <a:t> :</a:t>
+                      </a:r>
+                      <a:r>
+                        <a:rPr lang="fr-FR" sz="1600" b="0" i="0" u="none" baseline="0" noProof="0" smtClean="0"/>
                         <a:t> </a:t>
                       </a:r>
                       <a:r>
-                        <a:rPr lang="fr-FR" sz="1600" b="0" i="0" u="sng" baseline="0" noProof="0" dirty="0" smtClean="0"/>
-                        <a:t>:</a:t>
-                      </a:r>
-                      <a:r>
-                        <a:rPr lang="fr-FR" sz="1600" b="0" i="0" u="none" baseline="0" noProof="0" dirty="0" smtClean="0"/>
-                        <a:t> </a:t>
-                      </a:r>
-                      <a:r>
-                        <a:rPr lang="fr-FR" sz="1400" b="0" i="0" u="none" baseline="0" noProof="0" dirty="0" smtClean="0"/>
+                        <a:rPr lang="fr-FR" sz="1400" b="0" i="0" u="none" baseline="0" noProof="0" smtClean="0"/>
                         <a:t>24/01/2017</a:t>
                       </a:r>
-                      <a:endParaRPr lang="fr-FR" sz="1600" b="0" i="0" noProof="0" dirty="0"/>
+                      <a:endParaRPr lang="fr-FR" sz="1600" b="0" i="0" noProof="0"/>
                     </a:p>
                   </a:txBody>
                   <a:tcPr/>
                 </a:tc>
-                <a:tc>
+                <a:tc gridSpan="2">
                   <a:txBody>
                     <a:bodyPr/>
                     <a:lstStyle/>
                     <a:p>
                       <a:r>
-                        <a:rPr lang="fr-FR" sz="1600" b="0" i="0" u="sng" noProof="0" dirty="0" smtClean="0"/>
+                        <a:rPr lang="fr-FR" sz="1600" b="0" i="0" u="sng" noProof="0" smtClean="0"/>
                         <a:t>Name :</a:t>
                       </a:r>
                       <a:r>
-                        <a:rPr lang="fr-FR" sz="1600" b="0" i="0" noProof="0" dirty="0" smtClean="0"/>
+                        <a:rPr lang="fr-FR" sz="1600" b="0" i="0" noProof="0" smtClean="0"/>
                         <a:t> </a:t>
                       </a:r>
                       <a:r>
-                        <a:rPr lang="fr-FR" sz="1400" b="0" i="0" noProof="0" dirty="0" smtClean="0"/>
+                        <a:rPr lang="fr-FR" sz="1400" b="0" i="0" noProof="0" smtClean="0"/>
                         <a:t>M.BAUDRY</a:t>
                       </a:r>
                       <a:r>
-                        <a:rPr lang="fr-FR" sz="1600" b="0" i="0" noProof="0" dirty="0" smtClean="0"/>
+                        <a:rPr lang="fr-FR" sz="1600" b="0" i="0" noProof="0" smtClean="0"/>
                         <a:t>  </a:t>
                       </a:r>
-                      <a:endParaRPr lang="fr-FR" sz="1600" b="0" i="0" noProof="0" dirty="0"/>
+                      <a:endParaRPr lang="fr-FR" sz="1600" b="0" i="0" noProof="0"/>
+                    </a:p>
+                  </a:txBody>
+                  <a:tcPr/>
+                </a:tc>
+                <a:tc hMerge="1">
+                  <a:txBody>
+                    <a:bodyPr/>
+                    <a:lstStyle/>
+                    <a:p>
+                      <a:endParaRPr lang="fr-FR"/>
                     </a:p>
                   </a:txBody>
                   <a:tcPr/>
                 </a:tc>
               </a:tr>
               <a:tr h="1080000">
-                <a:tc gridSpan="3">
+                <a:tc gridSpan="4">
                   <a:txBody>
                     <a:bodyPr/>
                     <a:lstStyle/>
                     <a:p>
                       <a:r>
-                        <a:rPr lang="fr-FR" sz="1600" u="sng" noProof="0" dirty="0" smtClean="0"/>
+                        <a:rPr lang="fr-FR" sz="1600" u="sng" noProof="0" smtClean="0"/>
                         <a:t>Description</a:t>
                       </a:r>
                       <a:r>
-                        <a:rPr lang="fr-FR" sz="1600" u="sng" baseline="0" noProof="0" dirty="0" smtClean="0"/>
+                        <a:rPr lang="fr-FR" sz="1600" u="sng" baseline="0" noProof="0" smtClean="0"/>
                         <a:t> </a:t>
                       </a:r>
                       <a:r>
-                        <a:rPr lang="fr-FR" sz="1600" u="none" baseline="0" noProof="0" dirty="0" smtClean="0"/>
-                        <a:t>: </a:t>
+                        <a:rPr lang="fr-FR" sz="1600" u="none" baseline="0" noProof="0" smtClean="0"/>
+                        <a:t>: Il s’agit de faire une recherche préliminaire sur les méthodes et algorithmes utilisable pour notre problèmes. Il faut donc lire des articles et ensuite faire les choix des méthodes </a:t>
                       </a:r>
-                      <a:endParaRPr lang="fr-FR" sz="1600" u="sng" noProof="0" dirty="0"/>
+                      <a:endParaRPr lang="fr-FR" sz="1600" u="sng" noProof="0"/>
                     </a:p>
                   </a:txBody>
                   <a:tcPr>
@@ -10663,6 +10675,16 @@
                   </a:txBody>
                   <a:tcPr/>
                 </a:tc>
+                <a:tc hMerge="1">
+                  <a:txBody>
+                    <a:bodyPr/>
+                    <a:lstStyle/>
+                    <a:p>
+                      <a:endParaRPr lang="fr-FR"/>
+                    </a:p>
+                  </a:txBody>
+                  <a:tcPr/>
+                </a:tc>
               </a:tr>
               <a:tr h="1440000">
                 <a:tc>
@@ -10672,7 +10694,7 @@
                     <a:p>
                       <a:pPr marL="0" algn="l" rtl="0" eaLnBrk="1" latinLnBrk="0" hangingPunct="1"/>
                       <a:r>
-                        <a:rPr kumimoji="0" lang="fr-FR" sz="1600" u="sng" kern="1200" noProof="0" dirty="0" smtClean="0">
+                        <a:rPr kumimoji="0" lang="fr-FR" sz="1600" u="sng" kern="1200" noProof="0" smtClean="0">
                           <a:solidFill>
                             <a:schemeClr val="tx1"/>
                           </a:solidFill>
@@ -10683,7 +10705,7 @@
                         <a:t>Statuts – Résumé</a:t>
                       </a:r>
                       <a:r>
-                        <a:rPr kumimoji="0" lang="fr-FR" sz="1600" u="sng" kern="1200" baseline="0" noProof="0" dirty="0" smtClean="0">
+                        <a:rPr kumimoji="0" lang="fr-FR" sz="1600" u="sng" kern="1200" baseline="0" noProof="0" smtClean="0">
                           <a:solidFill>
                             <a:schemeClr val="tx1"/>
                           </a:solidFill>
@@ -10694,7 +10716,7 @@
                         <a:t> avec budget </a:t>
                       </a:r>
                       <a:r>
-                        <a:rPr kumimoji="0" lang="fr-FR" sz="1600" u="sng" kern="1200" noProof="0" dirty="0" smtClean="0">
+                        <a:rPr kumimoji="0" lang="fr-FR" sz="1600" u="sng" kern="1200" noProof="0" smtClean="0">
                           <a:solidFill>
                             <a:schemeClr val="tx1"/>
                           </a:solidFill>
@@ -10704,14 +10726,72 @@
                         </a:rPr>
                         <a:t>:  </a:t>
                       </a:r>
-                      <a:endParaRPr kumimoji="0" lang="fr-FR" sz="1600" u="sng" kern="1200" noProof="0" dirty="0">
-                        <a:solidFill>
-                          <a:schemeClr val="tx1"/>
-                        </a:solidFill>
-                        <a:latin typeface="+mn-lt"/>
-                        <a:ea typeface="+mn-ea"/>
-                        <a:cs typeface="+mn-cs"/>
-                      </a:endParaRPr>
+                      <a:br>
+                        <a:rPr kumimoji="0" lang="fr-FR" sz="1600" u="sng" kern="1200" noProof="0" smtClean="0">
+                          <a:solidFill>
+                            <a:schemeClr val="tx1"/>
+                          </a:solidFill>
+                          <a:latin typeface="+mn-lt"/>
+                          <a:ea typeface="+mn-ea"/>
+                          <a:cs typeface="+mn-cs"/>
+                        </a:rPr>
+                      </a:br>
+                      <a:r>
+                        <a:rPr kumimoji="0" lang="fr-FR" sz="1200" u="none" kern="1200" noProof="0" smtClean="0">
+                          <a:solidFill>
+                            <a:schemeClr val="tx1"/>
+                          </a:solidFill>
+                          <a:latin typeface="+mn-lt"/>
+                          <a:ea typeface="+mn-ea"/>
+                          <a:cs typeface="+mn-cs"/>
+                        </a:rPr>
+                        <a:t>Phase terminé</a:t>
+                      </a:r>
+                      <a:r>
+                        <a:rPr kumimoji="0" lang="fr-FR" sz="1200" u="none" kern="1200" baseline="0" noProof="0" smtClean="0">
+                          <a:solidFill>
+                            <a:schemeClr val="tx1"/>
+                          </a:solidFill>
+                          <a:latin typeface="+mn-lt"/>
+                          <a:ea typeface="+mn-ea"/>
+                          <a:cs typeface="+mn-cs"/>
+                        </a:rPr>
+                        <a:t> : </a:t>
+                      </a:r>
+                    </a:p>
+                    <a:p>
+                      <a:pPr marL="0" algn="l" rtl="0" eaLnBrk="1" latinLnBrk="0" hangingPunct="1">
+                        <a:buFont typeface="Arial" pitchFamily="34" charset="0"/>
+                        <a:buChar char="•"/>
+                      </a:pPr>
+                      <a:r>
+                        <a:rPr kumimoji="0" lang="fr-FR" sz="1200" u="none" kern="1200" baseline="0" noProof="0" smtClean="0">
+                          <a:solidFill>
+                            <a:schemeClr val="tx1"/>
+                          </a:solidFill>
+                          <a:latin typeface="+mn-lt"/>
+                          <a:ea typeface="+mn-ea"/>
+                          <a:cs typeface="+mn-cs"/>
+                        </a:rPr>
+                        <a:t> 11 articles lu / 11 fiches de lectures </a:t>
+                      </a:r>
+                    </a:p>
+                    <a:p>
+                      <a:pPr marL="0" algn="l" rtl="0" eaLnBrk="1" latinLnBrk="0" hangingPunct="1">
+                        <a:buFont typeface="Arial" pitchFamily="34" charset="0"/>
+                        <a:buChar char="•"/>
+                      </a:pPr>
+                      <a:r>
+                        <a:rPr kumimoji="0" lang="fr-FR" sz="1200" u="none" kern="1200" baseline="0" noProof="0" smtClean="0">
+                          <a:solidFill>
+                            <a:schemeClr val="tx1"/>
+                          </a:solidFill>
+                          <a:latin typeface="+mn-lt"/>
+                          <a:ea typeface="+mn-ea"/>
+                          <a:cs typeface="+mn-cs"/>
+                        </a:rPr>
+                        <a:t> Choix technique : OCSVM / Comparateurs symétries</a:t>
+                      </a:r>
                     </a:p>
                   </a:txBody>
                   <a:tcPr>
@@ -10766,6 +10846,52 @@
                         </a:rPr>
                         <a:t>: </a:t>
                       </a:r>
+                      <a:endParaRPr kumimoji="0" lang="fr-FR" sz="1600" u="none" kern="1200" noProof="0" dirty="0" smtClean="0">
+                        <a:solidFill>
+                          <a:schemeClr val="tx1"/>
+                        </a:solidFill>
+                        <a:latin typeface="+mn-lt"/>
+                        <a:ea typeface="+mn-ea"/>
+                        <a:cs typeface="+mn-cs"/>
+                      </a:endParaRPr>
+                    </a:p>
+                    <a:p>
+                      <a:r>
+                        <a:rPr kumimoji="0" lang="fr-FR" sz="1200" u="none" kern="1200" noProof="0" dirty="0" smtClean="0">
+                          <a:solidFill>
+                            <a:schemeClr val="tx1"/>
+                          </a:solidFill>
+                          <a:latin typeface="+mn-lt"/>
+                          <a:ea typeface="+mn-ea"/>
+                          <a:cs typeface="+mn-cs"/>
+                        </a:rPr>
+                        <a:t>Problème</a:t>
+                      </a:r>
+                      <a:r>
+                        <a:rPr kumimoji="0" lang="fr-FR" sz="1200" u="none" kern="1200" baseline="0" noProof="0" dirty="0" smtClean="0">
+                          <a:solidFill>
+                            <a:schemeClr val="tx1"/>
+                          </a:solidFill>
+                          <a:latin typeface="+mn-lt"/>
+                          <a:ea typeface="+mn-ea"/>
+                          <a:cs typeface="+mn-cs"/>
+                        </a:rPr>
+                        <a:t> de mise à jour des fiches </a:t>
+                      </a:r>
+                      <a:r>
+                        <a:rPr kumimoji="0" lang="fr-FR" sz="1200" u="none" kern="1200" baseline="0" noProof="0" dirty="0" smtClean="0">
+                          <a:solidFill>
+                            <a:schemeClr val="tx1"/>
+                          </a:solidFill>
+                          <a:latin typeface="+mn-lt"/>
+                          <a:ea typeface="+mn-ea"/>
+                          <a:cs typeface="+mn-cs"/>
+                          <a:sym typeface="Wingdings" pitchFamily="2" charset="2"/>
+                        </a:rPr>
+                        <a:t> relance </a:t>
+                      </a:r>
+                    </a:p>
+                    <a:p>
                       <a:r>
                         <a:rPr kumimoji="0" lang="fr-FR" sz="1600" u="none" kern="1200" noProof="0" dirty="0" smtClean="0">
                           <a:solidFill>
@@ -10775,11 +10901,22 @@
                           <a:ea typeface="+mn-ea"/>
                           <a:cs typeface="+mn-cs"/>
                         </a:rPr>
-                        <a:t>  </a:t>
+                        <a:t> </a:t>
                       </a:r>
                     </a:p>
                   </a:txBody>
                   <a:tcPr>
+                    <a:lnR w="12700" cap="flat" cmpd="sng" algn="ctr">
+                      <a:solidFill>
+                        <a:schemeClr val="bg2">
+                          <a:lumMod val="75000"/>
+                        </a:schemeClr>
+                      </a:solidFill>
+                      <a:prstDash val="solid"/>
+                      <a:round/>
+                      <a:headEnd type="none" w="med" len="med"/>
+                      <a:tailEnd type="none" w="med" len="med"/>
+                    </a:lnR>
                     <a:lnT w="28575" cap="flat" cmpd="sng" algn="ctr">
                       <a:solidFill>
                         <a:schemeClr val="bg2">
@@ -10802,6 +10939,46 @@
                     </a:p>
                   </a:txBody>
                   <a:tcPr/>
+                </a:tc>
+                <a:tc>
+                  <a:txBody>
+                    <a:bodyPr/>
+                    <a:lstStyle/>
+                    <a:p>
+                      <a:endParaRPr kumimoji="0" lang="fr-FR" sz="1600" u="none" kern="1200" noProof="0" dirty="0" smtClean="0">
+                        <a:solidFill>
+                          <a:schemeClr val="tx1"/>
+                        </a:solidFill>
+                        <a:latin typeface="+mn-lt"/>
+                        <a:ea typeface="+mn-ea"/>
+                        <a:cs typeface="+mn-cs"/>
+                      </a:endParaRPr>
+                    </a:p>
+                  </a:txBody>
+                  <a:tcPr>
+                    <a:lnL w="12700" cap="flat" cmpd="sng" algn="ctr">
+                      <a:solidFill>
+                        <a:schemeClr val="bg2">
+                          <a:lumMod val="75000"/>
+                        </a:schemeClr>
+                      </a:solidFill>
+                      <a:prstDash val="solid"/>
+                      <a:round/>
+                      <a:headEnd type="none" w="med" len="med"/>
+                      <a:tailEnd type="none" w="med" len="med"/>
+                    </a:lnL>
+                    <a:lnT w="28575" cap="flat" cmpd="sng" algn="ctr">
+                      <a:solidFill>
+                        <a:schemeClr val="bg2">
+                          <a:lumMod val="50000"/>
+                        </a:schemeClr>
+                      </a:solidFill>
+                      <a:prstDash val="solid"/>
+                      <a:round/>
+                      <a:headEnd type="none" w="med" len="med"/>
+                      <a:tailEnd type="none" w="med" len="med"/>
+                    </a:lnT>
+                  </a:tcPr>
                 </a:tc>
               </a:tr>
               <a:tr h="1360834">
@@ -10828,7 +11005,7 @@
                         <a:defRPr/>
                       </a:pPr>
                       <a:r>
-                        <a:rPr kumimoji="0" lang="fr-FR" sz="1600" u="sng" kern="1200" noProof="0" dirty="0" smtClean="0">
+                        <a:rPr kumimoji="0" lang="fr-FR" sz="1600" u="sng" kern="1200" noProof="0" smtClean="0">
                           <a:solidFill>
                             <a:schemeClr val="tx1"/>
                           </a:solidFill>
@@ -10840,8 +11017,79 @@
                       </a:r>
                     </a:p>
                     <a:p>
+                      <a:pPr marL="0" marR="0" indent="0" algn="l" defTabSz="914400" rtl="0" eaLnBrk="1" fontAlgn="auto" latinLnBrk="0" hangingPunct="1">
+                        <a:lnSpc>
+                          <a:spcPct val="100000"/>
+                        </a:lnSpc>
+                        <a:spcBef>
+                          <a:spcPts val="0"/>
+                        </a:spcBef>
+                        <a:spcAft>
+                          <a:spcPts val="0"/>
+                        </a:spcAft>
+                        <a:buClrTx/>
+                        <a:buSzTx/>
+                        <a:buFontTx/>
+                        <a:buNone/>
+                        <a:tabLst/>
+                        <a:defRPr/>
+                      </a:pPr>
+                      <a:r>
+                        <a:rPr kumimoji="0" lang="fr-FR" sz="1200" kern="1200" noProof="0" smtClean="0">
+                          <a:solidFill>
+                            <a:schemeClr val="tx1"/>
+                          </a:solidFill>
+                          <a:latin typeface="+mn-lt"/>
+                          <a:ea typeface="+mn-ea"/>
+                          <a:cs typeface="+mn-cs"/>
+                        </a:rPr>
+                        <a:t>Planning respecté</a:t>
+                      </a:r>
+                      <a:r>
+                        <a:rPr kumimoji="0" lang="fr-FR" sz="1200" kern="1200" baseline="0" noProof="0" smtClean="0">
+                          <a:solidFill>
+                            <a:schemeClr val="tx1"/>
+                          </a:solidFill>
+                          <a:latin typeface="+mn-lt"/>
+                          <a:ea typeface="+mn-ea"/>
+                          <a:cs typeface="+mn-cs"/>
+                        </a:rPr>
+                        <a:t> : </a:t>
+                      </a:r>
+                      <a:r>
+                        <a:rPr kumimoji="0" lang="fr-FR" sz="1200" u="none" kern="1200" baseline="0" noProof="0" smtClean="0">
+                          <a:solidFill>
+                            <a:schemeClr val="tx1"/>
+                          </a:solidFill>
+                          <a:latin typeface="+mn-lt"/>
+                          <a:ea typeface="+mn-ea"/>
+                          <a:cs typeface="+mn-cs"/>
+                        </a:rPr>
+                        <a:t> Fin le 28 / 11/ 2016</a:t>
+                      </a:r>
+                      <a:endParaRPr kumimoji="0" lang="fr-FR" sz="1200" u="none" kern="1200" noProof="0" smtClean="0">
+                        <a:solidFill>
+                          <a:schemeClr val="tx1"/>
+                        </a:solidFill>
+                        <a:latin typeface="+mn-lt"/>
+                        <a:ea typeface="+mn-ea"/>
+                        <a:cs typeface="+mn-cs"/>
+                      </a:endParaRPr>
+                    </a:p>
+                    <a:p>
                       <a:pPr marL="0" algn="l" rtl="0" eaLnBrk="1" latinLnBrk="0" hangingPunct="1"/>
-                      <a:endParaRPr kumimoji="0" lang="fr-FR" kern="1200" noProof="0" dirty="0">
+                      <a:r>
+                        <a:rPr kumimoji="0" lang="fr-FR" sz="1200" kern="1200" noProof="0" smtClean="0">
+                          <a:solidFill>
+                            <a:schemeClr val="tx1"/>
+                          </a:solidFill>
+                          <a:latin typeface="+mn-lt"/>
+                          <a:ea typeface="+mn-ea"/>
+                          <a:cs typeface="+mn-cs"/>
+                        </a:rPr>
+                        <a:t>Livrable choix technique OK </a:t>
+                      </a:r>
+                      <a:endParaRPr kumimoji="0" lang="fr-FR" sz="1200" kern="1200" noProof="0">
                         <a:solidFill>
                           <a:schemeClr val="tx1"/>
                         </a:solidFill>
@@ -10853,7 +11101,7 @@
                   </a:txBody>
                   <a:tcPr/>
                 </a:tc>
-                <a:tc gridSpan="2">
+                <a:tc gridSpan="3">
                   <a:txBody>
                     <a:bodyPr/>
                     <a:lstStyle/>
@@ -10876,7 +11124,7 @@
                         <a:defRPr/>
                       </a:pPr>
                       <a:r>
-                        <a:rPr kumimoji="0" lang="fr-FR" sz="1600" u="sng" kern="1200" noProof="0" dirty="0" smtClean="0">
+                        <a:rPr kumimoji="0" lang="fr-FR" sz="1600" u="sng" kern="1200" noProof="0" dirty="0" err="1" smtClean="0">
                           <a:solidFill>
                             <a:schemeClr val="tx1"/>
                           </a:solidFill>
@@ -10884,18 +11132,7 @@
                           <a:ea typeface="+mn-ea"/>
                           <a:cs typeface="+mn-cs"/>
                         </a:rPr>
-                        <a:t>N</a:t>
-                      </a:r>
-                      <a:r>
-                        <a:rPr kumimoji="0" lang="en-GB" sz="1600" u="sng" kern="1200" noProof="0" dirty="0" smtClean="0">
-                          <a:solidFill>
-                            <a:schemeClr val="tx1"/>
-                          </a:solidFill>
-                          <a:latin typeface="+mn-lt"/>
-                          <a:ea typeface="+mn-ea"/>
-                          <a:cs typeface="+mn-cs"/>
-                        </a:rPr>
-                        <a:t>ext steps :</a:t>
+                        <a:t>Next</a:t>
                       </a:r>
                       <a:r>
                         <a:rPr kumimoji="0" lang="fr-FR" sz="1600" u="sng" kern="1200" noProof="0" dirty="0" smtClean="0">
@@ -10908,7 +11145,71 @@
                         </a:rPr>
                         <a:t> </a:t>
                       </a:r>
-                      <a:endParaRPr kumimoji="0" lang="en-GB" sz="1600" u="sng" kern="1200" noProof="0" dirty="0" smtClean="0">
+                      <a:r>
+                        <a:rPr kumimoji="0" lang="fr-FR" sz="1600" u="sng" kern="1200" noProof="0" dirty="0" err="1" smtClean="0">
+                          <a:solidFill>
+                            <a:schemeClr val="tx1"/>
+                          </a:solidFill>
+                          <a:latin typeface="+mn-lt"/>
+                          <a:ea typeface="+mn-ea"/>
+                          <a:cs typeface="+mn-cs"/>
+                        </a:rPr>
+                        <a:t>steps</a:t>
+                      </a:r>
+                      <a:r>
+                        <a:rPr kumimoji="0" lang="fr-FR" sz="1600" u="sng" kern="1200" noProof="0" dirty="0" smtClean="0">
+                          <a:solidFill>
+                            <a:schemeClr val="tx1"/>
+                          </a:solidFill>
+                          <a:latin typeface="+mn-lt"/>
+                          <a:ea typeface="+mn-ea"/>
+                          <a:cs typeface="+mn-cs"/>
+                        </a:rPr>
+                        <a:t> : </a:t>
+                      </a:r>
+                    </a:p>
+                    <a:p>
+                      <a:pPr marL="0" marR="0" indent="0" algn="l" defTabSz="914400" rtl="0" eaLnBrk="1" fontAlgn="auto" latinLnBrk="0" hangingPunct="1">
+                        <a:lnSpc>
+                          <a:spcPct val="100000"/>
+                        </a:lnSpc>
+                        <a:spcBef>
+                          <a:spcPts val="0"/>
+                        </a:spcBef>
+                        <a:spcAft>
+                          <a:spcPts val="0"/>
+                        </a:spcAft>
+                        <a:buClrTx/>
+                        <a:buSzTx/>
+                        <a:buFontTx/>
+                        <a:buNone/>
+                        <a:tabLst/>
+                        <a:defRPr/>
+                      </a:pPr>
+                      <a:r>
+                        <a:rPr kumimoji="0" lang="fr-FR" sz="1200" u="none" kern="1200" noProof="0" dirty="0" smtClean="0">
+                          <a:solidFill>
+                            <a:schemeClr val="tx1"/>
+                          </a:solidFill>
+                          <a:latin typeface="+mn-lt"/>
+                          <a:ea typeface="+mn-ea"/>
+                          <a:cs typeface="+mn-cs"/>
+                        </a:rPr>
+                        <a:t>Phase terminé </a:t>
+                      </a:r>
+                      <a:r>
+                        <a:rPr kumimoji="0" lang="fr-FR" sz="1200" u="none" kern="1200" noProof="0" dirty="0" smtClean="0">
+                          <a:solidFill>
+                            <a:schemeClr val="tx1"/>
+                          </a:solidFill>
+                          <a:latin typeface="+mn-lt"/>
+                          <a:ea typeface="+mn-ea"/>
+                          <a:cs typeface="+mn-cs"/>
+                          <a:sym typeface="Wingdings" pitchFamily="2" charset="2"/>
+                        </a:rPr>
+                        <a:t> début de phase B et C</a:t>
+                      </a:r>
+                      <a:endParaRPr kumimoji="0" lang="fr-FR" sz="1200" u="none" kern="1200" noProof="0" dirty="0" smtClean="0">
                         <a:solidFill>
                           <a:schemeClr val="tx1"/>
                         </a:solidFill>
@@ -10926,6 +11227,16 @@
                     <a:lstStyle/>
                     <a:p>
                       <a:endParaRPr lang="fr-FR" dirty="0"/>
+                    </a:p>
+                  </a:txBody>
+                  <a:tcPr/>
+                </a:tc>
+                <a:tc hMerge="1">
+                  <a:txBody>
+                    <a:bodyPr/>
+                    <a:lstStyle/>
+                    <a:p>
+                      <a:endParaRPr lang="fr-FR"/>
                     </a:p>
                   </a:txBody>
                   <a:tcPr/>
@@ -11056,6 +11367,54 @@
               <a:t>C. Bibliographie</a:t>
             </a:r>
             <a:endParaRPr lang="fr-FR" sz="2700" dirty="0"/>
+          </a:p>
+        </p:txBody>
+      </p:sp>
+      <p:sp>
+        <p:nvSpPr>
+          <p:cNvPr id="8" name="Ellipse 7"/>
+          <p:cNvSpPr/>
+          <p:nvPr/>
+        </p:nvSpPr>
+        <p:spPr>
+          <a:xfrm>
+            <a:off x="8382864" y="3180015"/>
+            <a:ext cx="180000" cy="180000"/>
+          </a:xfrm>
+          <a:prstGeom prst="ellipse">
+            <a:avLst/>
+          </a:prstGeom>
+          <a:solidFill>
+            <a:srgbClr val="92D050"/>
+          </a:solidFill>
+          <a:ln>
+            <a:solidFill>
+              <a:srgbClr val="92D050"/>
+            </a:solidFill>
+          </a:ln>
+        </p:spPr>
+        <p:style>
+          <a:lnRef idx="2">
+            <a:schemeClr val="accent1">
+              <a:shade val="50000"/>
+            </a:schemeClr>
+          </a:lnRef>
+          <a:fillRef idx="1">
+            <a:schemeClr val="accent1"/>
+          </a:fillRef>
+          <a:effectRef idx="0">
+            <a:schemeClr val="accent1"/>
+          </a:effectRef>
+          <a:fontRef idx="minor">
+            <a:schemeClr val="lt1"/>
+          </a:fontRef>
+        </p:style>
+        <p:txBody>
+          <a:bodyPr rtlCol="0" anchor="ctr"/>
+          <a:lstStyle/>
+          <a:p>
+            <a:pPr algn="ctr"/>
+            <a:endParaRPr lang="fr-FR"/>
           </a:p>
         </p:txBody>
       </p:sp>
@@ -11226,8 +11585,8 @@
           </p:nvPr>
         </p:nvGraphicFramePr>
         <p:xfrm>
-          <a:off x="440472" y="1546227"/>
-          <a:ext cx="8246328" cy="4283074"/>
+          <a:off x="440472" y="2179287"/>
+          <a:ext cx="8246328" cy="2348683"/>
         </p:xfrm>
         <a:graphic>
           <a:graphicData uri="http://schemas.openxmlformats.org/drawingml/2006/table">
@@ -11339,17 +11698,17 @@
                 </a:tc>
               </a:tr>
               <a:tr h="341365">
-                <a:tc rowSpan="9">
+                <a:tc rowSpan="4">
                   <a:txBody>
                     <a:bodyPr/>
                     <a:lstStyle/>
                     <a:p>
                       <a:pPr algn="ctr"/>
                       <a:r>
-                        <a:rPr lang="fr-FR" sz="1100" noProof="0" dirty="0" smtClean="0"/>
-                        <a:t>Programme Management</a:t>
+                        <a:rPr lang="fr-FR" sz="2000" noProof="0" dirty="0" smtClean="0"/>
+                        <a:t>Bibliographie</a:t>
                       </a:r>
-                      <a:endParaRPr lang="fr-FR" sz="1100" noProof="0" dirty="0"/>
+                      <a:endParaRPr lang="fr-FR" sz="2000" noProof="0" dirty="0"/>
                     </a:p>
                   </a:txBody>
                   <a:tcPr marL="36000" marR="36000" marT="10800" marB="10800" vert="vert270" anchor="ctr"/>
@@ -11359,35 +11718,15 @@
                     <a:bodyPr/>
                     <a:lstStyle/>
                     <a:p>
-                      <a:pPr marL="0" marR="0" indent="0" algn="l" defTabSz="914400" rtl="0" eaLnBrk="1" fontAlgn="auto" latinLnBrk="0" hangingPunct="1">
-                        <a:lnSpc>
-                          <a:spcPct val="100000"/>
-                        </a:lnSpc>
-                        <a:spcBef>
-                          <a:spcPts val="0"/>
-                        </a:spcBef>
-                        <a:spcAft>
-                          <a:spcPts val="0"/>
-                        </a:spcAft>
-                        <a:buClrTx/>
-                        <a:buSzTx/>
-                        <a:buFontTx/>
-                        <a:buNone/>
-                        <a:tabLst/>
-                        <a:defRPr/>
-                      </a:pPr>
                       <a:r>
-                        <a:rPr lang="fr-FR" sz="1100" kern="1200" noProof="0" smtClean="0"/>
-                        <a:t>Development Planning </a:t>
+                        <a:rPr lang="fr-FR" sz="1400" dirty="0" smtClean="0"/>
+                        <a:t>Fiche</a:t>
                       </a:r>
-                      <a:endParaRPr lang="fr-FR" sz="1100" kern="1200" noProof="0" smtClean="0">
-                        <a:solidFill>
-                          <a:schemeClr val="dk1"/>
-                        </a:solidFill>
-                        <a:latin typeface="+mn-lt"/>
-                        <a:ea typeface="+mn-ea"/>
-                        <a:cs typeface="+mn-cs"/>
-                      </a:endParaRPr>
+                      <a:r>
+                        <a:rPr lang="fr-FR" sz="1400" baseline="0" dirty="0" smtClean="0"/>
+                        <a:t> de lecture à jour</a:t>
+                      </a:r>
+                      <a:endParaRPr lang="fr-FR" sz="1400" dirty="0"/>
                     </a:p>
                   </a:txBody>
                   <a:tcPr marL="36000" marR="36000" marT="10800" marB="10800"/>
@@ -11455,51 +11794,15 @@
                     <a:bodyPr/>
                     <a:lstStyle/>
                     <a:p>
-                      <a:pPr marL="0" marR="0" indent="0" algn="l" defTabSz="914400" rtl="0" eaLnBrk="1" fontAlgn="auto" latinLnBrk="0" hangingPunct="1">
-                        <a:lnSpc>
-                          <a:spcPct val="100000"/>
-                        </a:lnSpc>
-                        <a:spcBef>
-                          <a:spcPts val="0"/>
-                        </a:spcBef>
-                        <a:spcAft>
-                          <a:spcPts val="0"/>
-                        </a:spcAft>
-                        <a:buClrTx/>
-                        <a:buSzTx/>
-                        <a:buFontTx/>
-                        <a:buNone/>
-                        <a:tabLst/>
-                        <a:defRPr/>
-                      </a:pPr>
                       <a:r>
-                        <a:rPr lang="fr-FR" sz="1100" kern="1200" noProof="0" dirty="0" smtClean="0"/>
-                        <a:t>Transition </a:t>
+                        <a:rPr lang="fr-FR" sz="1400" dirty="0" smtClean="0"/>
+                        <a:t>Compréhension</a:t>
                       </a:r>
                       <a:r>
-                        <a:rPr lang="fr-FR" sz="1100" kern="1200" noProof="0" dirty="0" err="1" smtClean="0"/>
-                        <a:t>from</a:t>
+                        <a:rPr lang="fr-FR" sz="1400" baseline="0" dirty="0" smtClean="0"/>
+                        <a:t> des articles</a:t>
                       </a:r>
-                      <a:r>
-                        <a:rPr lang="fr-FR" sz="1100" kern="1200" noProof="0" dirty="0" smtClean="0"/>
-                        <a:t> </a:t>
-                      </a:r>
-                      <a:r>
-                        <a:rPr lang="fr-FR" sz="1100" kern="1200" noProof="0" dirty="0" err="1" smtClean="0"/>
-                        <a:t>development</a:t>
-                      </a:r>
-                      <a:r>
-                        <a:rPr lang="fr-FR" sz="1100" kern="1200" noProof="0" dirty="0" smtClean="0"/>
-                        <a:t> to serial</a:t>
-                      </a:r>
-                      <a:endParaRPr lang="fr-FR" sz="1100" kern="1200" noProof="0" dirty="0" smtClean="0">
-                        <a:solidFill>
-                          <a:schemeClr val="dk1"/>
-                        </a:solidFill>
-                        <a:latin typeface="+mn-lt"/>
-                        <a:ea typeface="+mn-ea"/>
-                        <a:cs typeface="+mn-cs"/>
-                      </a:endParaRPr>
+                      <a:endParaRPr lang="fr-FR" sz="1400" dirty="0"/>
                     </a:p>
                   </a:txBody>
                   <a:tcPr marL="36000" marR="36000" marT="10800" marB="10800"/>
@@ -11555,34 +11858,14 @@
                     <a:lstStyle/>
                     <a:p>
                       <a:r>
-                        <a:rPr lang="fr-FR" sz="1100" noProof="0" dirty="0" smtClean="0"/>
-                        <a:t>Serial planning : </a:t>
+                        <a:rPr lang="fr-FR" sz="1400" dirty="0" smtClean="0"/>
+                        <a:t>Restitution</a:t>
                       </a:r>
                       <a:r>
-                        <a:rPr lang="fr-FR" sz="900" noProof="0" dirty="0" err="1" smtClean="0"/>
-                        <a:t>Process</a:t>
+                        <a:rPr lang="fr-FR" sz="1400" baseline="0" dirty="0" smtClean="0"/>
+                        <a:t> article</a:t>
                       </a:r>
-                      <a:r>
-                        <a:rPr lang="fr-FR" sz="900" noProof="0" dirty="0" smtClean="0"/>
-                        <a:t>/</a:t>
-                      </a:r>
-                      <a:r>
-                        <a:rPr lang="fr-FR" sz="900" noProof="0" dirty="0" err="1" smtClean="0"/>
-                        <a:t>methods</a:t>
-                      </a:r>
-                      <a:r>
-                        <a:rPr lang="fr-FR" sz="900" noProof="0" dirty="0" smtClean="0"/>
-                        <a:t> &amp; </a:t>
-                      </a:r>
-                      <a:r>
-                        <a:rPr lang="fr-FR" sz="900" noProof="0" dirty="0" err="1" smtClean="0"/>
-                        <a:t>tools</a:t>
-                      </a:r>
-                      <a:r>
-                        <a:rPr lang="fr-FR" sz="900" noProof="0" dirty="0" smtClean="0"/>
-                        <a:t> </a:t>
-                      </a:r>
-                      <a:endParaRPr lang="fr-FR" sz="1100" noProof="0" dirty="0"/>
+                      <a:endParaRPr lang="fr-FR" sz="1400" dirty="0"/>
                     </a:p>
                   </a:txBody>
                   <a:tcPr marL="36000" marR="36000" marT="10800" marB="10800"/>
@@ -11643,32 +11926,11 @@
                     <a:bodyPr/>
                     <a:lstStyle/>
                     <a:p>
-                      <a:pPr marL="0" marR="0" indent="0" algn="l" defTabSz="914400" rtl="0" eaLnBrk="1" fontAlgn="auto" latinLnBrk="0" hangingPunct="1">
-                        <a:lnSpc>
-                          <a:spcPct val="100000"/>
-                        </a:lnSpc>
-                        <a:spcBef>
-                          <a:spcPts val="0"/>
-                        </a:spcBef>
-                        <a:spcAft>
-                          <a:spcPts val="0"/>
-                        </a:spcAft>
-                        <a:buClrTx/>
-                        <a:buSzTx/>
-                        <a:buFontTx/>
-                        <a:buNone/>
-                        <a:tabLst/>
-                        <a:defRPr/>
-                      </a:pPr>
                       <a:r>
-                        <a:rPr lang="fr-FR" sz="1200" noProof="0" smtClean="0"/>
-                        <a:t>Serial planning : </a:t>
+                        <a:rPr lang="fr-FR" sz="1400" dirty="0" smtClean="0"/>
+                        <a:t>Choix technique réalisé</a:t>
                       </a:r>
-                      <a:r>
-                        <a:rPr lang="fr-FR" sz="900" baseline="0" noProof="0" smtClean="0"/>
-                        <a:t>Series Production Programme in APC and SAP</a:t>
-                      </a:r>
-                      <a:endParaRPr lang="fr-FR" sz="1100" noProof="0"/>
+                      <a:endParaRPr lang="fr-FR" sz="1400" dirty="0"/>
                     </a:p>
                   </a:txBody>
                   <a:tcPr marL="36000" marR="36000" marT="10800" marB="10800"/>
@@ -11727,400 +11989,394 @@
                   <a:tcPr marL="36000" marR="36000" marT="10800" marB="10800"/>
                 </a:tc>
               </a:tr>
-              <a:tr h="384730">
-                <a:tc vMerge="1">
-                  <a:txBody>
-                    <a:bodyPr/>
-                    <a:lstStyle/>
-                    <a:p>
-                      <a:endParaRPr lang="en-GB"/>
-                    </a:p>
-                  </a:txBody>
-                  <a:tcPr/>
-                </a:tc>
-                <a:tc>
-                  <a:txBody>
-                    <a:bodyPr/>
-                    <a:lstStyle/>
-                    <a:p>
-                      <a:r>
-                        <a:rPr lang="fr-FR" sz="1100" noProof="0" smtClean="0"/>
-                        <a:t>Risk: Global level of Programme Risks</a:t>
-                      </a:r>
-                      <a:endParaRPr lang="fr-FR" sz="1100" noProof="0"/>
-                    </a:p>
-                  </a:txBody>
-                  <a:tcPr marL="36000" marR="36000" marT="10800" marB="10800"/>
-                </a:tc>
-                <a:tc>
-                  <a:txBody>
-                    <a:bodyPr/>
-                    <a:lstStyle/>
-                    <a:p>
-                      <a:pPr algn="ctr"/>
-                      <a:endParaRPr lang="en-GB" sz="1000" kern="1200" noProof="0" dirty="0">
-                        <a:solidFill>
-                          <a:schemeClr val="dk1"/>
-                        </a:solidFill>
-                        <a:latin typeface="+mn-lt"/>
-                        <a:ea typeface="+mn-ea"/>
-                        <a:cs typeface="+mn-cs"/>
-                      </a:endParaRPr>
-                    </a:p>
-                  </a:txBody>
-                  <a:tcPr marL="36000" marR="36000" marT="10800" marB="10800" anchor="ctr"/>
-                </a:tc>
-                <a:tc>
-                  <a:txBody>
-                    <a:bodyPr/>
-                    <a:lstStyle/>
-                    <a:p>
-                      <a:pPr marL="0" marR="0" indent="0" algn="ctr" defTabSz="914400" rtl="0" eaLnBrk="1" fontAlgn="auto" latinLnBrk="0" hangingPunct="1">
-                        <a:lnSpc>
-                          <a:spcPct val="100000"/>
-                        </a:lnSpc>
-                        <a:spcBef>
-                          <a:spcPts val="0"/>
-                        </a:spcBef>
-                        <a:spcAft>
-                          <a:spcPts val="0"/>
-                        </a:spcAft>
-                        <a:buClrTx/>
-                        <a:buSzTx/>
-                        <a:buFontTx/>
-                        <a:buNone/>
-                        <a:tabLst/>
-                        <a:defRPr/>
-                      </a:pPr>
-                      <a:endParaRPr lang="en-US" sz="1000" b="1" dirty="0" smtClean="0"/>
-                    </a:p>
-                  </a:txBody>
-                  <a:tcPr marL="36000" marR="36000" marT="10800" marB="10800" anchor="ctr"/>
-                </a:tc>
-                <a:tc>
-                  <a:txBody>
-                    <a:bodyPr/>
-                    <a:lstStyle/>
-                    <a:p>
-                      <a:endParaRPr lang="fr-FR" sz="1100" i="1" noProof="0" dirty="0" smtClean="0"/>
-                    </a:p>
-                  </a:txBody>
-                  <a:tcPr marL="36000" marR="36000" marT="10800" marB="10800"/>
-                </a:tc>
-              </a:tr>
-              <a:tr h="565452">
-                <a:tc vMerge="1">
-                  <a:txBody>
-                    <a:bodyPr/>
-                    <a:lstStyle/>
-                    <a:p>
-                      <a:endParaRPr lang="en-GB"/>
-                    </a:p>
-                  </a:txBody>
-                  <a:tcPr/>
-                </a:tc>
-                <a:tc>
-                  <a:txBody>
-                    <a:bodyPr/>
-                    <a:lstStyle/>
-                    <a:p>
-                      <a:r>
-                        <a:rPr lang="fr-FR" sz="1100" noProof="0" dirty="0" err="1" smtClean="0"/>
-                        <a:t>Risk</a:t>
-                      </a:r>
-                      <a:r>
-                        <a:rPr lang="fr-FR" sz="1100" noProof="0" dirty="0" smtClean="0"/>
-                        <a:t>: </a:t>
-                      </a:r>
-                      <a:r>
-                        <a:rPr lang="fr-FR" sz="1100" noProof="0" dirty="0" err="1" smtClean="0"/>
-                        <a:t>Risk</a:t>
-                      </a:r>
-                      <a:r>
-                        <a:rPr lang="fr-FR" sz="1100" noProof="0" dirty="0" smtClean="0"/>
-                        <a:t> Management </a:t>
-                      </a:r>
-                      <a:r>
-                        <a:rPr lang="fr-FR" sz="1100" noProof="0" dirty="0" err="1" smtClean="0"/>
-                        <a:t>Robustness</a:t>
-                      </a:r>
-                      <a:endParaRPr lang="fr-FR" sz="1100" noProof="0" dirty="0"/>
-                    </a:p>
-                  </a:txBody>
-                  <a:tcPr marL="36000" marR="36000" marT="10800" marB="10800"/>
-                </a:tc>
-                <a:tc>
-                  <a:txBody>
-                    <a:bodyPr/>
-                    <a:lstStyle/>
-                    <a:p>
-                      <a:pPr algn="ctr"/>
-                      <a:endParaRPr lang="en-GB" sz="1000" kern="1200" noProof="0" dirty="0">
-                        <a:solidFill>
-                          <a:schemeClr val="dk1"/>
-                        </a:solidFill>
-                        <a:latin typeface="+mn-lt"/>
-                        <a:ea typeface="+mn-ea"/>
-                        <a:cs typeface="+mn-cs"/>
-                      </a:endParaRPr>
-                    </a:p>
-                  </a:txBody>
-                  <a:tcPr marL="36000" marR="36000" marT="10800" marB="10800" anchor="ctr"/>
-                </a:tc>
-                <a:tc>
-                  <a:txBody>
-                    <a:bodyPr/>
-                    <a:lstStyle/>
-                    <a:p>
-                      <a:pPr algn="ctr"/>
-                      <a:endParaRPr lang="en-GB" sz="1000" noProof="0" dirty="0"/>
-                    </a:p>
-                  </a:txBody>
-                  <a:tcPr marL="36000" marR="36000" marT="10800" marB="10800" anchor="ctr"/>
-                </a:tc>
-                <a:tc>
-                  <a:txBody>
-                    <a:bodyPr/>
-                    <a:lstStyle/>
-                    <a:p>
-                      <a:endParaRPr lang="fr-FR" sz="1100" i="1" noProof="0" smtClean="0"/>
-                    </a:p>
-                  </a:txBody>
-                  <a:tcPr marL="36000" marR="36000" marT="10800" marB="10800"/>
-                </a:tc>
-              </a:tr>
-              <a:tr h="321704">
-                <a:tc vMerge="1">
-                  <a:txBody>
-                    <a:bodyPr/>
-                    <a:lstStyle/>
-                    <a:p>
-                      <a:endParaRPr lang="en-US" sz="1100" noProof="0"/>
-                    </a:p>
-                  </a:txBody>
-                  <a:tcPr/>
-                </a:tc>
-                <a:tc>
-                  <a:txBody>
-                    <a:bodyPr/>
-                    <a:lstStyle/>
-                    <a:p>
-                      <a:r>
-                        <a:rPr lang="fr-FR" sz="1100" noProof="0" dirty="0" smtClean="0"/>
-                        <a:t>People</a:t>
-                      </a:r>
-                      <a:r>
-                        <a:rPr lang="fr-FR" sz="1100" baseline="0" noProof="0" dirty="0" smtClean="0"/>
-                        <a:t> </a:t>
-                      </a:r>
-                      <a:r>
-                        <a:rPr lang="fr-FR" sz="1100" baseline="0" noProof="0" dirty="0" err="1" smtClean="0"/>
-                        <a:t>Headcount</a:t>
-                      </a:r>
-                      <a:endParaRPr lang="fr-FR" sz="1100" noProof="0" dirty="0"/>
-                    </a:p>
-                  </a:txBody>
-                  <a:tcPr marL="36000" marR="36000" marT="10800" marB="10800"/>
-                </a:tc>
-                <a:tc>
-                  <a:txBody>
-                    <a:bodyPr/>
-                    <a:lstStyle/>
-                    <a:p>
-                      <a:pPr algn="ctr"/>
-                      <a:endParaRPr lang="en-GB" sz="1000" kern="1200" noProof="0" dirty="0">
-                        <a:solidFill>
-                          <a:schemeClr val="dk1"/>
-                        </a:solidFill>
-                        <a:latin typeface="+mn-lt"/>
-                        <a:ea typeface="+mn-ea"/>
-                        <a:cs typeface="+mn-cs"/>
-                      </a:endParaRPr>
-                    </a:p>
-                  </a:txBody>
-                  <a:tcPr marL="36000" marR="36000" marT="10800" marB="10800" anchor="ctr"/>
-                </a:tc>
-                <a:tc>
-                  <a:txBody>
-                    <a:bodyPr/>
-                    <a:lstStyle/>
-                    <a:p>
-                      <a:pPr algn="ctr"/>
-                      <a:endParaRPr lang="en-GB" sz="1000" noProof="0" dirty="0"/>
-                    </a:p>
-                  </a:txBody>
-                  <a:tcPr marL="36000" marR="36000" marT="10800" marB="10800" anchor="ctr"/>
-                </a:tc>
-                <a:tc>
-                  <a:txBody>
-                    <a:bodyPr/>
-                    <a:lstStyle/>
-                    <a:p>
-                      <a:endParaRPr lang="fr-FR" sz="1100" i="1" noProof="0" smtClean="0"/>
-                    </a:p>
-                  </a:txBody>
-                  <a:tcPr marL="36000" marR="36000" marT="10800" marB="10800"/>
-                </a:tc>
-              </a:tr>
-              <a:tr h="384730">
-                <a:tc vMerge="1">
-                  <a:txBody>
-                    <a:bodyPr/>
-                    <a:lstStyle/>
-                    <a:p>
-                      <a:endParaRPr lang="en-US" sz="1100" noProof="0"/>
-                    </a:p>
-                  </a:txBody>
-                  <a:tcPr/>
-                </a:tc>
-                <a:tc>
-                  <a:txBody>
-                    <a:bodyPr/>
-                    <a:lstStyle/>
-                    <a:p>
-                      <a:r>
-                        <a:rPr lang="fr-FR" sz="1100" kern="1200" noProof="0" smtClean="0"/>
-                        <a:t>Information System ERP</a:t>
-                      </a:r>
-                      <a:endParaRPr lang="fr-FR" sz="1100" kern="1200" noProof="0">
-                        <a:solidFill>
-                          <a:schemeClr val="dk1"/>
-                        </a:solidFill>
-                        <a:latin typeface="+mn-lt"/>
-                        <a:ea typeface="+mn-ea"/>
-                        <a:cs typeface="+mn-cs"/>
-                      </a:endParaRPr>
-                    </a:p>
-                  </a:txBody>
-                  <a:tcPr marL="36000" marR="36000" marT="10800" marB="10800"/>
-                </a:tc>
-                <a:tc>
-                  <a:txBody>
-                    <a:bodyPr/>
-                    <a:lstStyle/>
-                    <a:p>
-                      <a:pPr algn="ctr"/>
-                      <a:endParaRPr lang="en-GB" sz="1000" noProof="0" dirty="0"/>
-                    </a:p>
-                  </a:txBody>
-                  <a:tcPr marL="36000" marR="36000" marT="10800" marB="10800" anchor="ctr"/>
-                </a:tc>
-                <a:tc>
-                  <a:txBody>
-                    <a:bodyPr/>
-                    <a:lstStyle/>
-                    <a:p>
-                      <a:pPr algn="ctr"/>
-                      <a:endParaRPr lang="en-GB" sz="1000" noProof="0" dirty="0"/>
-                    </a:p>
-                  </a:txBody>
-                  <a:tcPr marL="36000" marR="36000" marT="10800" marB="10800" anchor="ctr"/>
-                </a:tc>
-                <a:tc>
-                  <a:txBody>
-                    <a:bodyPr/>
-                    <a:lstStyle/>
-                    <a:p>
-                      <a:endParaRPr lang="fr-FR" sz="1100" noProof="0"/>
-                    </a:p>
-                  </a:txBody>
-                  <a:tcPr marL="36000" marR="36000" marT="10800" marB="10800"/>
-                </a:tc>
-              </a:tr>
-              <a:tr h="384730">
-                <a:tc vMerge="1">
-                  <a:txBody>
-                    <a:bodyPr/>
-                    <a:lstStyle/>
-                    <a:p>
-                      <a:pPr algn="ctr"/>
-                      <a:endParaRPr lang="en-US" sz="1100" kern="1200" noProof="0" dirty="0">
-                        <a:solidFill>
-                          <a:schemeClr val="dk1"/>
-                        </a:solidFill>
-                        <a:latin typeface="+mn-lt"/>
-                        <a:ea typeface="+mn-ea"/>
-                        <a:cs typeface="+mn-cs"/>
-                      </a:endParaRPr>
-                    </a:p>
-                  </a:txBody>
-                  <a:tcPr marL="36000" marR="36000" marT="10800" marB="10800" vert="vert270" anchor="ctr"/>
-                </a:tc>
-                <a:tc>
-                  <a:txBody>
-                    <a:bodyPr/>
-                    <a:lstStyle/>
-                    <a:p>
-                      <a:pPr marL="0" marR="0" indent="0" algn="l" defTabSz="914400" rtl="0" eaLnBrk="1" fontAlgn="auto" latinLnBrk="0" hangingPunct="1">
-                        <a:lnSpc>
-                          <a:spcPct val="100000"/>
-                        </a:lnSpc>
-                        <a:spcBef>
-                          <a:spcPts val="0"/>
-                        </a:spcBef>
-                        <a:spcAft>
-                          <a:spcPts val="0"/>
-                        </a:spcAft>
-                        <a:buClrTx/>
-                        <a:buSzTx/>
-                        <a:buFontTx/>
-                        <a:buNone/>
-                        <a:tabLst/>
-                        <a:defRPr/>
-                      </a:pPr>
-                      <a:r>
-                        <a:rPr lang="fr-FR" sz="1100" kern="1200" noProof="0" smtClean="0"/>
-                        <a:t>Information System PLM</a:t>
-                      </a:r>
-                      <a:endParaRPr lang="fr-FR" noProof="0"/>
-                    </a:p>
-                  </a:txBody>
-                  <a:tcPr marL="36000" marR="36000" marT="10800" marB="10800"/>
-                </a:tc>
-                <a:tc>
-                  <a:txBody>
-                    <a:bodyPr/>
-                    <a:lstStyle/>
-                    <a:p>
-                      <a:pPr algn="ctr"/>
-                      <a:endParaRPr lang="en-GB" sz="1000" noProof="0" dirty="0"/>
-                    </a:p>
-                  </a:txBody>
-                  <a:tcPr marL="36000" marR="36000" marT="10800" marB="10800" anchor="ctr"/>
-                </a:tc>
-                <a:tc>
-                  <a:txBody>
-                    <a:bodyPr/>
-                    <a:lstStyle/>
-                    <a:p>
-                      <a:pPr algn="ctr"/>
-                      <a:endParaRPr lang="en-GB" sz="1000" noProof="0" dirty="0"/>
-                    </a:p>
-                  </a:txBody>
-                  <a:tcPr marL="36000" marR="36000" marT="10800" marB="10800" anchor="ctr"/>
-                </a:tc>
-                <a:tc>
-                  <a:txBody>
-                    <a:bodyPr/>
-                    <a:lstStyle/>
-                    <a:p>
-                      <a:endParaRPr lang="fr-FR" sz="1100" kern="1200" noProof="0" dirty="0" smtClean="0">
-                        <a:solidFill>
-                          <a:schemeClr val="dk1"/>
-                        </a:solidFill>
-                        <a:latin typeface="+mn-lt"/>
-                        <a:ea typeface="+mn-ea"/>
-                        <a:cs typeface="+mn-cs"/>
-                      </a:endParaRPr>
-                    </a:p>
-                  </a:txBody>
-                  <a:tcPr marL="36000" marR="36000" marT="10800" marB="10800"/>
-                </a:tc>
-              </a:tr>
             </a:tbl>
           </a:graphicData>
         </a:graphic>
       </p:graphicFrame>
+      <p:sp>
+        <p:nvSpPr>
+          <p:cNvPr id="7" name="Ellipse 6"/>
+          <p:cNvSpPr/>
+          <p:nvPr/>
+        </p:nvSpPr>
+        <p:spPr>
+          <a:xfrm>
+            <a:off x="3042579" y="2883890"/>
+            <a:ext cx="180000" cy="180000"/>
+          </a:xfrm>
+          <a:prstGeom prst="ellipse">
+            <a:avLst/>
+          </a:prstGeom>
+          <a:solidFill>
+            <a:srgbClr val="92D050"/>
+          </a:solidFill>
+          <a:ln>
+            <a:solidFill>
+              <a:srgbClr val="92D050"/>
+            </a:solidFill>
+          </a:ln>
+        </p:spPr>
+        <p:style>
+          <a:lnRef idx="2">
+            <a:schemeClr val="accent1">
+              <a:shade val="50000"/>
+            </a:schemeClr>
+          </a:lnRef>
+          <a:fillRef idx="1">
+            <a:schemeClr val="accent1"/>
+          </a:fillRef>
+          <a:effectRef idx="0">
+            <a:schemeClr val="accent1"/>
+          </a:effectRef>
+          <a:fontRef idx="minor">
+            <a:schemeClr val="lt1"/>
+          </a:fontRef>
+        </p:style>
+        <p:txBody>
+          <a:bodyPr rtlCol="0" anchor="ctr"/>
+          <a:lstStyle/>
+          <a:p>
+            <a:pPr algn="ctr"/>
+            <a:endParaRPr lang="fr-FR"/>
+          </a:p>
+        </p:txBody>
+      </p:sp>
+      <p:sp>
+        <p:nvSpPr>
+          <p:cNvPr id="8" name="Ellipse 7"/>
+          <p:cNvSpPr/>
+          <p:nvPr/>
+        </p:nvSpPr>
+        <p:spPr>
+          <a:xfrm>
+            <a:off x="3042579" y="3319988"/>
+            <a:ext cx="180000" cy="180000"/>
+          </a:xfrm>
+          <a:prstGeom prst="ellipse">
+            <a:avLst/>
+          </a:prstGeom>
+          <a:solidFill>
+            <a:srgbClr val="92D050"/>
+          </a:solidFill>
+          <a:ln>
+            <a:solidFill>
+              <a:srgbClr val="92D050"/>
+            </a:solidFill>
+          </a:ln>
+        </p:spPr>
+        <p:style>
+          <a:lnRef idx="2">
+            <a:schemeClr val="accent1">
+              <a:shade val="50000"/>
+            </a:schemeClr>
+          </a:lnRef>
+          <a:fillRef idx="1">
+            <a:schemeClr val="accent1"/>
+          </a:fillRef>
+          <a:effectRef idx="0">
+            <a:schemeClr val="accent1"/>
+          </a:effectRef>
+          <a:fontRef idx="minor">
+            <a:schemeClr val="lt1"/>
+          </a:fontRef>
+        </p:style>
+        <p:txBody>
+          <a:bodyPr rtlCol="0" anchor="ctr"/>
+          <a:lstStyle/>
+          <a:p>
+            <a:pPr algn="ctr"/>
+            <a:endParaRPr lang="fr-FR"/>
+          </a:p>
+        </p:txBody>
+      </p:sp>
+      <p:sp>
+        <p:nvSpPr>
+          <p:cNvPr id="9" name="Ellipse 8"/>
+          <p:cNvSpPr/>
+          <p:nvPr/>
+        </p:nvSpPr>
+        <p:spPr>
+          <a:xfrm>
+            <a:off x="3042579" y="3715135"/>
+            <a:ext cx="180000" cy="180000"/>
+          </a:xfrm>
+          <a:prstGeom prst="ellipse">
+            <a:avLst/>
+          </a:prstGeom>
+          <a:solidFill>
+            <a:srgbClr val="92D050"/>
+          </a:solidFill>
+          <a:ln>
+            <a:solidFill>
+              <a:srgbClr val="92D050"/>
+            </a:solidFill>
+          </a:ln>
+        </p:spPr>
+        <p:style>
+          <a:lnRef idx="2">
+            <a:schemeClr val="accent1">
+              <a:shade val="50000"/>
+            </a:schemeClr>
+          </a:lnRef>
+          <a:fillRef idx="1">
+            <a:schemeClr val="accent1"/>
+          </a:fillRef>
+          <a:effectRef idx="0">
+            <a:schemeClr val="accent1"/>
+          </a:effectRef>
+          <a:fontRef idx="minor">
+            <a:schemeClr val="lt1"/>
+          </a:fontRef>
+        </p:style>
+        <p:txBody>
+          <a:bodyPr rtlCol="0" anchor="ctr"/>
+          <a:lstStyle/>
+          <a:p>
+            <a:pPr algn="ctr"/>
+            <a:endParaRPr lang="fr-FR"/>
+          </a:p>
+        </p:txBody>
+      </p:sp>
+      <p:sp>
+        <p:nvSpPr>
+          <p:cNvPr id="10" name="Ellipse 9"/>
+          <p:cNvSpPr/>
+          <p:nvPr/>
+        </p:nvSpPr>
+        <p:spPr>
+          <a:xfrm>
+            <a:off x="3042579" y="4179739"/>
+            <a:ext cx="180000" cy="180000"/>
+          </a:xfrm>
+          <a:prstGeom prst="ellipse">
+            <a:avLst/>
+          </a:prstGeom>
+          <a:solidFill>
+            <a:srgbClr val="92D050"/>
+          </a:solidFill>
+          <a:ln>
+            <a:solidFill>
+              <a:srgbClr val="92D050"/>
+            </a:solidFill>
+          </a:ln>
+        </p:spPr>
+        <p:style>
+          <a:lnRef idx="2">
+            <a:schemeClr val="accent1">
+              <a:shade val="50000"/>
+            </a:schemeClr>
+          </a:lnRef>
+          <a:fillRef idx="1">
+            <a:schemeClr val="accent1"/>
+          </a:fillRef>
+          <a:effectRef idx="0">
+            <a:schemeClr val="accent1"/>
+          </a:effectRef>
+          <a:fontRef idx="minor">
+            <a:schemeClr val="lt1"/>
+          </a:fontRef>
+        </p:style>
+        <p:txBody>
+          <a:bodyPr rtlCol="0" anchor="ctr"/>
+          <a:lstStyle/>
+          <a:p>
+            <a:pPr algn="ctr"/>
+            <a:endParaRPr lang="fr-FR"/>
+          </a:p>
+        </p:txBody>
+      </p:sp>
+      <p:sp>
+        <p:nvSpPr>
+          <p:cNvPr id="11" name="Ellipse 10"/>
+          <p:cNvSpPr/>
+          <p:nvPr/>
+        </p:nvSpPr>
+        <p:spPr>
+          <a:xfrm>
+            <a:off x="3742179" y="2864230"/>
+            <a:ext cx="180000" cy="180000"/>
+          </a:xfrm>
+          <a:prstGeom prst="ellipse">
+            <a:avLst/>
+          </a:prstGeom>
+          <a:solidFill>
+            <a:srgbClr val="92D050"/>
+          </a:solidFill>
+          <a:ln>
+            <a:solidFill>
+              <a:srgbClr val="92D050"/>
+            </a:solidFill>
+          </a:ln>
+        </p:spPr>
+        <p:style>
+          <a:lnRef idx="2">
+            <a:schemeClr val="accent1">
+              <a:shade val="50000"/>
+            </a:schemeClr>
+          </a:lnRef>
+          <a:fillRef idx="1">
+            <a:schemeClr val="accent1"/>
+          </a:fillRef>
+          <a:effectRef idx="0">
+            <a:schemeClr val="accent1"/>
+          </a:effectRef>
+          <a:fontRef idx="minor">
+            <a:schemeClr val="lt1"/>
+          </a:fontRef>
+        </p:style>
+        <p:txBody>
+          <a:bodyPr rtlCol="0" anchor="ctr"/>
+          <a:lstStyle/>
+          <a:p>
+            <a:pPr algn="ctr"/>
+            <a:endParaRPr lang="fr-FR"/>
+          </a:p>
+        </p:txBody>
+      </p:sp>
+      <p:sp>
+        <p:nvSpPr>
+          <p:cNvPr id="12" name="Ellipse 11"/>
+          <p:cNvSpPr/>
+          <p:nvPr/>
+        </p:nvSpPr>
+        <p:spPr>
+          <a:xfrm>
+            <a:off x="3742179" y="3319988"/>
+            <a:ext cx="180000" cy="180000"/>
+          </a:xfrm>
+          <a:prstGeom prst="ellipse">
+            <a:avLst/>
+          </a:prstGeom>
+          <a:solidFill>
+            <a:srgbClr val="92D050"/>
+          </a:solidFill>
+          <a:ln>
+            <a:solidFill>
+              <a:srgbClr val="92D050"/>
+            </a:solidFill>
+          </a:ln>
+        </p:spPr>
+        <p:style>
+          <a:lnRef idx="2">
+            <a:schemeClr val="accent1">
+              <a:shade val="50000"/>
+            </a:schemeClr>
+          </a:lnRef>
+          <a:fillRef idx="1">
+            <a:schemeClr val="accent1"/>
+          </a:fillRef>
+          <a:effectRef idx="0">
+            <a:schemeClr val="accent1"/>
+          </a:effectRef>
+          <a:fontRef idx="minor">
+            <a:schemeClr val="lt1"/>
+          </a:fontRef>
+        </p:style>
+        <p:txBody>
+          <a:bodyPr rtlCol="0" anchor="ctr"/>
+          <a:lstStyle/>
+          <a:p>
+            <a:pPr algn="ctr"/>
+            <a:endParaRPr lang="fr-FR"/>
+          </a:p>
+        </p:txBody>
+      </p:sp>
+      <p:sp>
+        <p:nvSpPr>
+          <p:cNvPr id="13" name="Ellipse 12"/>
+          <p:cNvSpPr/>
+          <p:nvPr/>
+        </p:nvSpPr>
+        <p:spPr>
+          <a:xfrm>
+            <a:off x="3742179" y="3715135"/>
+            <a:ext cx="180000" cy="180000"/>
+          </a:xfrm>
+          <a:prstGeom prst="ellipse">
+            <a:avLst/>
+          </a:prstGeom>
+          <a:solidFill>
+            <a:srgbClr val="92D050"/>
+          </a:solidFill>
+          <a:ln>
+            <a:solidFill>
+              <a:srgbClr val="92D050"/>
+            </a:solidFill>
+          </a:ln>
+        </p:spPr>
+        <p:style>
+          <a:lnRef idx="2">
+            <a:schemeClr val="accent1">
+              <a:shade val="50000"/>
+            </a:schemeClr>
+          </a:lnRef>
+          <a:fillRef idx="1">
+            <a:schemeClr val="accent1"/>
+          </a:fillRef>
+          <a:effectRef idx="0">
+            <a:schemeClr val="accent1"/>
+          </a:effectRef>
+          <a:fontRef idx="minor">
+            <a:schemeClr val="lt1"/>
+          </a:fontRef>
+        </p:style>
+        <p:txBody>
+          <a:bodyPr rtlCol="0" anchor="ctr"/>
+          <a:lstStyle/>
+          <a:p>
+            <a:pPr algn="ctr"/>
+            <a:endParaRPr lang="fr-FR"/>
+          </a:p>
+        </p:txBody>
+      </p:sp>
+      <p:sp>
+        <p:nvSpPr>
+          <p:cNvPr id="14" name="Ellipse 13"/>
+          <p:cNvSpPr/>
+          <p:nvPr/>
+        </p:nvSpPr>
+        <p:spPr>
+          <a:xfrm>
+            <a:off x="3742179" y="4179739"/>
+            <a:ext cx="180000" cy="180000"/>
+          </a:xfrm>
+          <a:prstGeom prst="ellipse">
+            <a:avLst/>
+          </a:prstGeom>
+          <a:solidFill>
+            <a:srgbClr val="92D050"/>
+          </a:solidFill>
+          <a:ln>
+            <a:solidFill>
+              <a:srgbClr val="92D050"/>
+            </a:solidFill>
+          </a:ln>
+        </p:spPr>
+        <p:style>
+          <a:lnRef idx="2">
+            <a:schemeClr val="accent1">
+              <a:shade val="50000"/>
+            </a:schemeClr>
+          </a:lnRef>
+          <a:fillRef idx="1">
+            <a:schemeClr val="accent1"/>
+          </a:fillRef>
+          <a:effectRef idx="0">
+            <a:schemeClr val="accent1"/>
+          </a:effectRef>
+          <a:fontRef idx="minor">
+            <a:schemeClr val="lt1"/>
+          </a:fontRef>
+        </p:style>
+        <p:txBody>
+          <a:bodyPr rtlCol="0" anchor="ctr"/>
+          <a:lstStyle/>
+          <a:p>
+            <a:pPr algn="ctr"/>
+            <a:endParaRPr lang="fr-FR"/>
+          </a:p>
+        </p:txBody>
+      </p:sp>
     </p:spTree>
   </p:cSld>
   <p:clrMapOvr>
@@ -12677,18 +12933,7 @@
                   </a:schemeClr>
                 </a:solidFill>
               </a:rPr>
-              <a:t>D</a:t>
-            </a:r>
-            <a:r>
-              <a:rPr lang="fr-FR" sz="2700" dirty="0" smtClean="0">
-                <a:solidFill>
-                  <a:schemeClr val="tx2">
-                    <a:lumMod val="60000"/>
-                    <a:lumOff val="40000"/>
-                  </a:schemeClr>
-                </a:solidFill>
-              </a:rPr>
-              <a:t>. Développement</a:t>
+              <a:t>D. Développement</a:t>
             </a:r>
             <a:endParaRPr lang="fr-FR" sz="2700" dirty="0"/>
           </a:p>
@@ -12859,10 +13104,10 @@
         </p:nvGrpSpPr>
         <p:grpSpPr>
           <a:xfrm>
-            <a:off x="507241" y="1408347"/>
-            <a:ext cx="8229600" cy="4525962"/>
-            <a:chOff x="679939" y="1349380"/>
-            <a:chExt cx="7876443" cy="4945059"/>
+            <a:off x="507241" y="1342682"/>
+            <a:ext cx="8229600" cy="4591627"/>
+            <a:chOff x="679939" y="1277634"/>
+            <a:chExt cx="7876443" cy="5016805"/>
           </a:xfrm>
         </p:grpSpPr>
         <p:sp>
@@ -13175,7 +13420,6420 @@
           </p:nvSpPr>
           <p:spPr bwMode="auto">
             <a:xfrm>
-              <a:off x="5264746" y="1454162"/>
+              <a:off x="5264746" y="1277634"/>
+              <a:ext cx="3078491" cy="461666"/>
+            </a:xfrm>
+            <a:prstGeom prst="rect">
+              <a:avLst/>
+            </a:prstGeom>
+            <a:noFill/>
+            <a:ln w="6350">
+              <a:noFill/>
+              <a:miter lim="800000"/>
+              <a:headEnd/>
+              <a:tailEnd/>
+            </a:ln>
+            <a:effectLst/>
+          </p:spPr>
+          <p:txBody>
+            <a:bodyPr wrap="square" lIns="0" tIns="0" rIns="0" bIns="0">
+              <a:spAutoFit/>
+            </a:bodyPr>
+            <a:lstStyle>
+              <a:defPPr>
+                <a:defRPr lang="de-DE"/>
+              </a:defPPr>
+              <a:lvl1pPr algn="l" rtl="0" fontAlgn="base">
+                <a:spcBef>
+                  <a:spcPct val="0"/>
+                </a:spcBef>
+                <a:spcAft>
+                  <a:spcPct val="0"/>
+                </a:spcAft>
+                <a:defRPr sz="1300" b="1" kern="1200">
+                  <a:solidFill>
+                    <a:schemeClr val="tx1"/>
+                  </a:solidFill>
+                  <a:latin typeface="Arial" charset="0"/>
+                  <a:ea typeface="+mn-ea"/>
+                  <a:cs typeface="+mn-cs"/>
+                </a:defRPr>
+              </a:lvl1pPr>
+              <a:lvl2pPr marL="457200" algn="l" rtl="0" fontAlgn="base">
+                <a:spcBef>
+                  <a:spcPct val="0"/>
+                </a:spcBef>
+                <a:spcAft>
+                  <a:spcPct val="0"/>
+                </a:spcAft>
+                <a:defRPr sz="1300" b="1" kern="1200">
+                  <a:solidFill>
+                    <a:schemeClr val="tx1"/>
+                  </a:solidFill>
+                  <a:latin typeface="Arial" charset="0"/>
+                  <a:ea typeface="+mn-ea"/>
+                  <a:cs typeface="+mn-cs"/>
+                </a:defRPr>
+              </a:lvl2pPr>
+              <a:lvl3pPr marL="914400" algn="l" rtl="0" fontAlgn="base">
+                <a:spcBef>
+                  <a:spcPct val="0"/>
+                </a:spcBef>
+                <a:spcAft>
+                  <a:spcPct val="0"/>
+                </a:spcAft>
+                <a:defRPr sz="1300" b="1" kern="1200">
+                  <a:solidFill>
+                    <a:schemeClr val="tx1"/>
+                  </a:solidFill>
+                  <a:latin typeface="Arial" charset="0"/>
+                  <a:ea typeface="+mn-ea"/>
+                  <a:cs typeface="+mn-cs"/>
+                </a:defRPr>
+              </a:lvl3pPr>
+              <a:lvl4pPr marL="1371600" algn="l" rtl="0" fontAlgn="base">
+                <a:spcBef>
+                  <a:spcPct val="0"/>
+                </a:spcBef>
+                <a:spcAft>
+                  <a:spcPct val="0"/>
+                </a:spcAft>
+                <a:defRPr sz="1300" b="1" kern="1200">
+                  <a:solidFill>
+                    <a:schemeClr val="tx1"/>
+                  </a:solidFill>
+                  <a:latin typeface="Arial" charset="0"/>
+                  <a:ea typeface="+mn-ea"/>
+                  <a:cs typeface="+mn-cs"/>
+                </a:defRPr>
+              </a:lvl4pPr>
+              <a:lvl5pPr marL="1828800" algn="l" rtl="0" fontAlgn="base">
+                <a:spcBef>
+                  <a:spcPct val="0"/>
+                </a:spcBef>
+                <a:spcAft>
+                  <a:spcPct val="0"/>
+                </a:spcAft>
+                <a:defRPr sz="1300" b="1" kern="1200">
+                  <a:solidFill>
+                    <a:schemeClr val="tx1"/>
+                  </a:solidFill>
+                  <a:latin typeface="Arial" charset="0"/>
+                  <a:ea typeface="+mn-ea"/>
+                  <a:cs typeface="+mn-cs"/>
+                </a:defRPr>
+              </a:lvl5pPr>
+              <a:lvl6pPr marL="2286000" algn="l" defTabSz="914400" rtl="0" eaLnBrk="1" latinLnBrk="0" hangingPunct="1">
+                <a:defRPr sz="1300" b="1" kern="1200">
+                  <a:solidFill>
+                    <a:schemeClr val="tx1"/>
+                  </a:solidFill>
+                  <a:latin typeface="Arial" charset="0"/>
+                  <a:ea typeface="+mn-ea"/>
+                  <a:cs typeface="+mn-cs"/>
+                </a:defRPr>
+              </a:lvl6pPr>
+              <a:lvl7pPr marL="2743200" algn="l" defTabSz="914400" rtl="0" eaLnBrk="1" latinLnBrk="0" hangingPunct="1">
+                <a:defRPr sz="1300" b="1" kern="1200">
+                  <a:solidFill>
+                    <a:schemeClr val="tx1"/>
+                  </a:solidFill>
+                  <a:latin typeface="Arial" charset="0"/>
+                  <a:ea typeface="+mn-ea"/>
+                  <a:cs typeface="+mn-cs"/>
+                </a:defRPr>
+              </a:lvl7pPr>
+              <a:lvl8pPr marL="3200400" algn="l" defTabSz="914400" rtl="0" eaLnBrk="1" latinLnBrk="0" hangingPunct="1">
+                <a:defRPr sz="1300" b="1" kern="1200">
+                  <a:solidFill>
+                    <a:schemeClr val="tx1"/>
+                  </a:solidFill>
+                  <a:latin typeface="Arial" charset="0"/>
+                  <a:ea typeface="+mn-ea"/>
+                  <a:cs typeface="+mn-cs"/>
+                </a:defRPr>
+              </a:lvl8pPr>
+              <a:lvl9pPr marL="3657600" algn="l" defTabSz="914400" rtl="0" eaLnBrk="1" latinLnBrk="0" hangingPunct="1">
+                <a:defRPr sz="1300" b="1" kern="1200">
+                  <a:solidFill>
+                    <a:schemeClr val="tx1"/>
+                  </a:solidFill>
+                  <a:latin typeface="Arial" charset="0"/>
+                  <a:ea typeface="+mn-ea"/>
+                  <a:cs typeface="+mn-cs"/>
+                </a:defRPr>
+              </a:lvl9pPr>
+            </a:lstStyle>
+            <a:p>
+              <a:pPr defTabSz="330200">
+                <a:buClr>
+                  <a:srgbClr val="000000"/>
+                </a:buClr>
+                <a:buSzPct val="100000"/>
+                <a:buFont typeface="Arial"/>
+              </a:pPr>
+              <a:r>
+                <a:rPr lang="fr-FR" altLang="de-DE" sz="1500" dirty="0" smtClean="0">
+                  <a:latin typeface="+mn-lt"/>
+                </a:rPr>
+                <a:t>Description des principaux risque et problème </a:t>
+              </a:r>
+              <a:endParaRPr lang="fr-FR" altLang="de-DE" sz="1500" b="0" dirty="0">
+                <a:latin typeface="+mn-lt"/>
+              </a:endParaRPr>
+            </a:p>
+          </p:txBody>
+        </p:sp>
+        <p:sp>
+          <p:nvSpPr>
+            <p:cNvPr id="12" name="RbNavigator"/>
+            <p:cNvSpPr/>
+            <p:nvPr>
+              <p:custDataLst>
+                <p:tags r:id="rId1"/>
+              </p:custDataLst>
+            </p:nvPr>
+          </p:nvSpPr>
+          <p:spPr>
+            <a:xfrm>
+              <a:off x="679939" y="6020120"/>
+              <a:ext cx="253218" cy="274319"/>
+            </a:xfrm>
+            <a:prstGeom prst="rect">
+              <a:avLst/>
+            </a:prstGeom>
+            <a:solidFill>
+              <a:schemeClr val="bg2">
+                <a:lumMod val="50000"/>
+              </a:schemeClr>
+            </a:solidFill>
+            <a:ln w="9525" cmpd="sng">
+              <a:noFill/>
+            </a:ln>
+            <a:effectLst/>
+          </p:spPr>
+          <p:style>
+            <a:lnRef idx="2">
+              <a:schemeClr val="accent1">
+                <a:shade val="50000"/>
+              </a:schemeClr>
+            </a:lnRef>
+            <a:fillRef idx="1">
+              <a:schemeClr val="accent1"/>
+            </a:fillRef>
+            <a:effectRef idx="0">
+              <a:schemeClr val="accent1"/>
+            </a:effectRef>
+            <a:fontRef idx="minor">
+              <a:schemeClr val="lt1"/>
+            </a:fontRef>
+          </p:style>
+          <p:txBody>
+            <a:bodyPr lIns="0" tIns="0" rIns="0" bIns="0" rtlCol="0" anchor="ctr">
+              <a:noAutofit/>
+            </a:bodyPr>
+            <a:lstStyle/>
+            <a:p>
+              <a:pPr algn="ctr">
+                <a:buSzPct val="100000"/>
+                <a:buFont typeface="Arial"/>
+              </a:pPr>
+              <a:r>
+                <a:rPr kumimoji="1" lang="en-US" sz="1300" b="1" dirty="0" smtClean="0">
+                  <a:solidFill>
+                    <a:schemeClr val="bg1"/>
+                  </a:solidFill>
+                  <a:cs typeface="Arial" pitchFamily="34" charset="0"/>
+                </a:rPr>
+                <a:t>4</a:t>
+              </a:r>
+            </a:p>
+          </p:txBody>
+        </p:sp>
+        <p:sp>
+          <p:nvSpPr>
+            <p:cNvPr id="13" name="Textframe 11"/>
+            <p:cNvSpPr>
+              <a:spLocks noChangeArrowheads="1"/>
+            </p:cNvSpPr>
+            <p:nvPr>
+              <p:custDataLst>
+                <p:tags r:id="rId2"/>
+              </p:custDataLst>
+            </p:nvPr>
+          </p:nvSpPr>
+          <p:spPr bwMode="auto">
+            <a:xfrm>
+              <a:off x="1015499" y="6053456"/>
+              <a:ext cx="3078491" cy="230832"/>
+            </a:xfrm>
+            <a:prstGeom prst="rect">
+              <a:avLst/>
+            </a:prstGeom>
+            <a:noFill/>
+            <a:ln w="6350">
+              <a:noFill/>
+              <a:miter lim="800000"/>
+              <a:headEnd/>
+              <a:tailEnd/>
+            </a:ln>
+            <a:effectLst/>
+          </p:spPr>
+          <p:txBody>
+            <a:bodyPr wrap="square" lIns="0" tIns="0" rIns="0" bIns="0">
+              <a:spAutoFit/>
+            </a:bodyPr>
+            <a:lstStyle>
+              <a:defPPr>
+                <a:defRPr lang="de-DE"/>
+              </a:defPPr>
+              <a:lvl1pPr algn="l" rtl="0" fontAlgn="base">
+                <a:spcBef>
+                  <a:spcPct val="0"/>
+                </a:spcBef>
+                <a:spcAft>
+                  <a:spcPct val="0"/>
+                </a:spcAft>
+                <a:defRPr sz="1300" b="1" kern="1200">
+                  <a:solidFill>
+                    <a:schemeClr val="tx1"/>
+                  </a:solidFill>
+                  <a:latin typeface="Arial" charset="0"/>
+                  <a:ea typeface="+mn-ea"/>
+                  <a:cs typeface="+mn-cs"/>
+                </a:defRPr>
+              </a:lvl1pPr>
+              <a:lvl2pPr marL="457200" algn="l" rtl="0" fontAlgn="base">
+                <a:spcBef>
+                  <a:spcPct val="0"/>
+                </a:spcBef>
+                <a:spcAft>
+                  <a:spcPct val="0"/>
+                </a:spcAft>
+                <a:defRPr sz="1300" b="1" kern="1200">
+                  <a:solidFill>
+                    <a:schemeClr val="tx1"/>
+                  </a:solidFill>
+                  <a:latin typeface="Arial" charset="0"/>
+                  <a:ea typeface="+mn-ea"/>
+                  <a:cs typeface="+mn-cs"/>
+                </a:defRPr>
+              </a:lvl2pPr>
+              <a:lvl3pPr marL="914400" algn="l" rtl="0" fontAlgn="base">
+                <a:spcBef>
+                  <a:spcPct val="0"/>
+                </a:spcBef>
+                <a:spcAft>
+                  <a:spcPct val="0"/>
+                </a:spcAft>
+                <a:defRPr sz="1300" b="1" kern="1200">
+                  <a:solidFill>
+                    <a:schemeClr val="tx1"/>
+                  </a:solidFill>
+                  <a:latin typeface="Arial" charset="0"/>
+                  <a:ea typeface="+mn-ea"/>
+                  <a:cs typeface="+mn-cs"/>
+                </a:defRPr>
+              </a:lvl3pPr>
+              <a:lvl4pPr marL="1371600" algn="l" rtl="0" fontAlgn="base">
+                <a:spcBef>
+                  <a:spcPct val="0"/>
+                </a:spcBef>
+                <a:spcAft>
+                  <a:spcPct val="0"/>
+                </a:spcAft>
+                <a:defRPr sz="1300" b="1" kern="1200">
+                  <a:solidFill>
+                    <a:schemeClr val="tx1"/>
+                  </a:solidFill>
+                  <a:latin typeface="Arial" charset="0"/>
+                  <a:ea typeface="+mn-ea"/>
+                  <a:cs typeface="+mn-cs"/>
+                </a:defRPr>
+              </a:lvl4pPr>
+              <a:lvl5pPr marL="1828800" algn="l" rtl="0" fontAlgn="base">
+                <a:spcBef>
+                  <a:spcPct val="0"/>
+                </a:spcBef>
+                <a:spcAft>
+                  <a:spcPct val="0"/>
+                </a:spcAft>
+                <a:defRPr sz="1300" b="1" kern="1200">
+                  <a:solidFill>
+                    <a:schemeClr val="tx1"/>
+                  </a:solidFill>
+                  <a:latin typeface="Arial" charset="0"/>
+                  <a:ea typeface="+mn-ea"/>
+                  <a:cs typeface="+mn-cs"/>
+                </a:defRPr>
+              </a:lvl5pPr>
+              <a:lvl6pPr marL="2286000" algn="l" defTabSz="914400" rtl="0" eaLnBrk="1" latinLnBrk="0" hangingPunct="1">
+                <a:defRPr sz="1300" b="1" kern="1200">
+                  <a:solidFill>
+                    <a:schemeClr val="tx1"/>
+                  </a:solidFill>
+                  <a:latin typeface="Arial" charset="0"/>
+                  <a:ea typeface="+mn-ea"/>
+                  <a:cs typeface="+mn-cs"/>
+                </a:defRPr>
+              </a:lvl6pPr>
+              <a:lvl7pPr marL="2743200" algn="l" defTabSz="914400" rtl="0" eaLnBrk="1" latinLnBrk="0" hangingPunct="1">
+                <a:defRPr sz="1300" b="1" kern="1200">
+                  <a:solidFill>
+                    <a:schemeClr val="tx1"/>
+                  </a:solidFill>
+                  <a:latin typeface="Arial" charset="0"/>
+                  <a:ea typeface="+mn-ea"/>
+                  <a:cs typeface="+mn-cs"/>
+                </a:defRPr>
+              </a:lvl7pPr>
+              <a:lvl8pPr marL="3200400" algn="l" defTabSz="914400" rtl="0" eaLnBrk="1" latinLnBrk="0" hangingPunct="1">
+                <a:defRPr sz="1300" b="1" kern="1200">
+                  <a:solidFill>
+                    <a:schemeClr val="tx1"/>
+                  </a:solidFill>
+                  <a:latin typeface="Arial" charset="0"/>
+                  <a:ea typeface="+mn-ea"/>
+                  <a:cs typeface="+mn-cs"/>
+                </a:defRPr>
+              </a:lvl8pPr>
+              <a:lvl9pPr marL="3657600" algn="l" defTabSz="914400" rtl="0" eaLnBrk="1" latinLnBrk="0" hangingPunct="1">
+                <a:defRPr sz="1300" b="1" kern="1200">
+                  <a:solidFill>
+                    <a:schemeClr val="tx1"/>
+                  </a:solidFill>
+                  <a:latin typeface="Arial" charset="0"/>
+                  <a:ea typeface="+mn-ea"/>
+                  <a:cs typeface="+mn-cs"/>
+                </a:defRPr>
+              </a:lvl9pPr>
+            </a:lstStyle>
+            <a:p>
+              <a:pPr defTabSz="330200">
+                <a:buClr>
+                  <a:srgbClr val="000000"/>
+                </a:buClr>
+                <a:buSzPct val="100000"/>
+                <a:buFont typeface="Arial"/>
+              </a:pPr>
+              <a:r>
+                <a:rPr lang="fr-FR" altLang="de-DE" sz="1500" dirty="0" smtClean="0">
+                  <a:latin typeface="+mn-lt"/>
+                </a:rPr>
+                <a:t>Impacte</a:t>
+              </a:r>
+              <a:endParaRPr lang="en-US" altLang="de-DE" sz="1500" b="0" dirty="0">
+                <a:latin typeface="+mn-lt"/>
+              </a:endParaRPr>
+            </a:p>
+          </p:txBody>
+        </p:sp>
+        <p:sp>
+          <p:nvSpPr>
+            <p:cNvPr id="14" name="RbNavigator"/>
+            <p:cNvSpPr/>
+            <p:nvPr>
+              <p:custDataLst>
+                <p:tags r:id="rId3"/>
+              </p:custDataLst>
+            </p:nvPr>
+          </p:nvSpPr>
+          <p:spPr>
+            <a:xfrm>
+              <a:off x="4929186" y="6020120"/>
+              <a:ext cx="253218" cy="274319"/>
+            </a:xfrm>
+            <a:prstGeom prst="rect">
+              <a:avLst/>
+            </a:prstGeom>
+            <a:solidFill>
+              <a:schemeClr val="bg2">
+                <a:lumMod val="50000"/>
+              </a:schemeClr>
+            </a:solidFill>
+            <a:ln w="9525" cmpd="sng">
+              <a:noFill/>
+            </a:ln>
+            <a:effectLst/>
+          </p:spPr>
+          <p:style>
+            <a:lnRef idx="2">
+              <a:schemeClr val="accent1">
+                <a:shade val="50000"/>
+              </a:schemeClr>
+            </a:lnRef>
+            <a:fillRef idx="1">
+              <a:schemeClr val="accent1"/>
+            </a:fillRef>
+            <a:effectRef idx="0">
+              <a:schemeClr val="accent1"/>
+            </a:effectRef>
+            <a:fontRef idx="minor">
+              <a:schemeClr val="lt1"/>
+            </a:fontRef>
+          </p:style>
+          <p:txBody>
+            <a:bodyPr lIns="0" tIns="0" rIns="0" bIns="0" rtlCol="0" anchor="ctr">
+              <a:noAutofit/>
+            </a:bodyPr>
+            <a:lstStyle/>
+            <a:p>
+              <a:pPr algn="ctr">
+                <a:buSzPct val="100000"/>
+                <a:buFont typeface="Arial"/>
+              </a:pPr>
+              <a:r>
+                <a:rPr kumimoji="1" lang="en-US" sz="1300" b="1" dirty="0" smtClean="0">
+                  <a:solidFill>
+                    <a:schemeClr val="bg1"/>
+                  </a:solidFill>
+                  <a:cs typeface="Arial" pitchFamily="34" charset="0"/>
+                </a:rPr>
+                <a:t>3</a:t>
+              </a:r>
+            </a:p>
+          </p:txBody>
+        </p:sp>
+        <p:sp>
+          <p:nvSpPr>
+            <p:cNvPr id="15" name="Textframe 11"/>
+            <p:cNvSpPr>
+              <a:spLocks noChangeArrowheads="1"/>
+            </p:cNvSpPr>
+            <p:nvPr>
+              <p:custDataLst>
+                <p:tags r:id="rId4"/>
+              </p:custDataLst>
+            </p:nvPr>
+          </p:nvSpPr>
+          <p:spPr bwMode="auto">
+            <a:xfrm>
+              <a:off x="5264746" y="6053456"/>
+              <a:ext cx="3078491" cy="230832"/>
+            </a:xfrm>
+            <a:prstGeom prst="rect">
+              <a:avLst/>
+            </a:prstGeom>
+            <a:noFill/>
+            <a:ln w="6350">
+              <a:noFill/>
+              <a:miter lim="800000"/>
+              <a:headEnd/>
+              <a:tailEnd/>
+            </a:ln>
+            <a:effectLst/>
+          </p:spPr>
+          <p:txBody>
+            <a:bodyPr wrap="square" lIns="0" tIns="0" rIns="0" bIns="0">
+              <a:spAutoFit/>
+            </a:bodyPr>
+            <a:lstStyle>
+              <a:defPPr>
+                <a:defRPr lang="de-DE"/>
+              </a:defPPr>
+              <a:lvl1pPr algn="l" rtl="0" fontAlgn="base">
+                <a:spcBef>
+                  <a:spcPct val="0"/>
+                </a:spcBef>
+                <a:spcAft>
+                  <a:spcPct val="0"/>
+                </a:spcAft>
+                <a:defRPr sz="1300" b="1" kern="1200">
+                  <a:solidFill>
+                    <a:schemeClr val="tx1"/>
+                  </a:solidFill>
+                  <a:latin typeface="Arial" charset="0"/>
+                  <a:ea typeface="+mn-ea"/>
+                  <a:cs typeface="+mn-cs"/>
+                </a:defRPr>
+              </a:lvl1pPr>
+              <a:lvl2pPr marL="457200" algn="l" rtl="0" fontAlgn="base">
+                <a:spcBef>
+                  <a:spcPct val="0"/>
+                </a:spcBef>
+                <a:spcAft>
+                  <a:spcPct val="0"/>
+                </a:spcAft>
+                <a:defRPr sz="1300" b="1" kern="1200">
+                  <a:solidFill>
+                    <a:schemeClr val="tx1"/>
+                  </a:solidFill>
+                  <a:latin typeface="Arial" charset="0"/>
+                  <a:ea typeface="+mn-ea"/>
+                  <a:cs typeface="+mn-cs"/>
+                </a:defRPr>
+              </a:lvl2pPr>
+              <a:lvl3pPr marL="914400" algn="l" rtl="0" fontAlgn="base">
+                <a:spcBef>
+                  <a:spcPct val="0"/>
+                </a:spcBef>
+                <a:spcAft>
+                  <a:spcPct val="0"/>
+                </a:spcAft>
+                <a:defRPr sz="1300" b="1" kern="1200">
+                  <a:solidFill>
+                    <a:schemeClr val="tx1"/>
+                  </a:solidFill>
+                  <a:latin typeface="Arial" charset="0"/>
+                  <a:ea typeface="+mn-ea"/>
+                  <a:cs typeface="+mn-cs"/>
+                </a:defRPr>
+              </a:lvl3pPr>
+              <a:lvl4pPr marL="1371600" algn="l" rtl="0" fontAlgn="base">
+                <a:spcBef>
+                  <a:spcPct val="0"/>
+                </a:spcBef>
+                <a:spcAft>
+                  <a:spcPct val="0"/>
+                </a:spcAft>
+                <a:defRPr sz="1300" b="1" kern="1200">
+                  <a:solidFill>
+                    <a:schemeClr val="tx1"/>
+                  </a:solidFill>
+                  <a:latin typeface="Arial" charset="0"/>
+                  <a:ea typeface="+mn-ea"/>
+                  <a:cs typeface="+mn-cs"/>
+                </a:defRPr>
+              </a:lvl4pPr>
+              <a:lvl5pPr marL="1828800" algn="l" rtl="0" fontAlgn="base">
+                <a:spcBef>
+                  <a:spcPct val="0"/>
+                </a:spcBef>
+                <a:spcAft>
+                  <a:spcPct val="0"/>
+                </a:spcAft>
+                <a:defRPr sz="1300" b="1" kern="1200">
+                  <a:solidFill>
+                    <a:schemeClr val="tx1"/>
+                  </a:solidFill>
+                  <a:latin typeface="Arial" charset="0"/>
+                  <a:ea typeface="+mn-ea"/>
+                  <a:cs typeface="+mn-cs"/>
+                </a:defRPr>
+              </a:lvl5pPr>
+              <a:lvl6pPr marL="2286000" algn="l" defTabSz="914400" rtl="0" eaLnBrk="1" latinLnBrk="0" hangingPunct="1">
+                <a:defRPr sz="1300" b="1" kern="1200">
+                  <a:solidFill>
+                    <a:schemeClr val="tx1"/>
+                  </a:solidFill>
+                  <a:latin typeface="Arial" charset="0"/>
+                  <a:ea typeface="+mn-ea"/>
+                  <a:cs typeface="+mn-cs"/>
+                </a:defRPr>
+              </a:lvl6pPr>
+              <a:lvl7pPr marL="2743200" algn="l" defTabSz="914400" rtl="0" eaLnBrk="1" latinLnBrk="0" hangingPunct="1">
+                <a:defRPr sz="1300" b="1" kern="1200">
+                  <a:solidFill>
+                    <a:schemeClr val="tx1"/>
+                  </a:solidFill>
+                  <a:latin typeface="Arial" charset="0"/>
+                  <a:ea typeface="+mn-ea"/>
+                  <a:cs typeface="+mn-cs"/>
+                </a:defRPr>
+              </a:lvl7pPr>
+              <a:lvl8pPr marL="3200400" algn="l" defTabSz="914400" rtl="0" eaLnBrk="1" latinLnBrk="0" hangingPunct="1">
+                <a:defRPr sz="1300" b="1" kern="1200">
+                  <a:solidFill>
+                    <a:schemeClr val="tx1"/>
+                  </a:solidFill>
+                  <a:latin typeface="Arial" charset="0"/>
+                  <a:ea typeface="+mn-ea"/>
+                  <a:cs typeface="+mn-cs"/>
+                </a:defRPr>
+              </a:lvl8pPr>
+              <a:lvl9pPr marL="3657600" algn="l" defTabSz="914400" rtl="0" eaLnBrk="1" latinLnBrk="0" hangingPunct="1">
+                <a:defRPr sz="1300" b="1" kern="1200">
+                  <a:solidFill>
+                    <a:schemeClr val="tx1"/>
+                  </a:solidFill>
+                  <a:latin typeface="Arial" charset="0"/>
+                  <a:ea typeface="+mn-ea"/>
+                  <a:cs typeface="+mn-cs"/>
+                </a:defRPr>
+              </a:lvl9pPr>
+            </a:lstStyle>
+            <a:p>
+              <a:pPr defTabSz="330200">
+                <a:buClr>
+                  <a:srgbClr val="000000"/>
+                </a:buClr>
+                <a:buSzPct val="100000"/>
+                <a:buFont typeface="Arial"/>
+              </a:pPr>
+              <a:r>
+                <a:rPr lang="fr-FR" altLang="de-DE" sz="1500" dirty="0" smtClean="0">
+                  <a:latin typeface="+mn-lt"/>
+                </a:rPr>
+                <a:t>Changement</a:t>
+              </a:r>
+              <a:endParaRPr lang="fr-FR" altLang="de-DE" sz="1500" b="0" dirty="0">
+                <a:latin typeface="+mn-lt"/>
+              </a:endParaRPr>
+            </a:p>
+          </p:txBody>
+        </p:sp>
+        <p:grpSp>
+          <p:nvGrpSpPr>
+            <p:cNvPr id="7" name="Group 66"/>
+            <p:cNvGrpSpPr/>
+            <p:nvPr/>
+          </p:nvGrpSpPr>
+          <p:grpSpPr>
+            <a:xfrm>
+              <a:off x="681377" y="1349380"/>
+              <a:ext cx="7875005" cy="4722826"/>
+              <a:chOff x="738158" y="1349380"/>
+              <a:chExt cx="8531255" cy="4722826"/>
+            </a:xfrm>
+          </p:grpSpPr>
+          <p:sp>
+            <p:nvSpPr>
+              <p:cNvPr id="17" name="Textframe 11"/>
+              <p:cNvSpPr>
+                <a:spLocks noChangeArrowheads="1"/>
+              </p:cNvSpPr>
+              <p:nvPr>
+                <p:custDataLst>
+                  <p:tags r:id="rId5"/>
+                </p:custDataLst>
+              </p:nvPr>
+            </p:nvSpPr>
+            <p:spPr bwMode="auto">
+              <a:xfrm>
+                <a:off x="3888559" y="3442977"/>
+                <a:ext cx="2230452" cy="276999"/>
+              </a:xfrm>
+              <a:prstGeom prst="rect">
+                <a:avLst/>
+              </a:prstGeom>
+              <a:noFill/>
+              <a:ln w="6350">
+                <a:noFill/>
+                <a:miter lim="800000"/>
+                <a:headEnd/>
+                <a:tailEnd/>
+              </a:ln>
+              <a:effectLst/>
+            </p:spPr>
+            <p:txBody>
+              <a:bodyPr wrap="square" lIns="0" tIns="0" rIns="0" bIns="0">
+                <a:spAutoFit/>
+              </a:bodyPr>
+              <a:lstStyle>
+                <a:defPPr>
+                  <a:defRPr lang="de-DE"/>
+                </a:defPPr>
+                <a:lvl1pPr algn="l" rtl="0" fontAlgn="base">
+                  <a:spcBef>
+                    <a:spcPct val="0"/>
+                  </a:spcBef>
+                  <a:spcAft>
+                    <a:spcPct val="0"/>
+                  </a:spcAft>
+                  <a:defRPr sz="1300" b="1" kern="1200">
+                    <a:solidFill>
+                      <a:schemeClr val="tx1"/>
+                    </a:solidFill>
+                    <a:latin typeface="Arial" charset="0"/>
+                    <a:ea typeface="+mn-ea"/>
+                    <a:cs typeface="+mn-cs"/>
+                  </a:defRPr>
+                </a:lvl1pPr>
+                <a:lvl2pPr marL="457200" algn="l" rtl="0" fontAlgn="base">
+                  <a:spcBef>
+                    <a:spcPct val="0"/>
+                  </a:spcBef>
+                  <a:spcAft>
+                    <a:spcPct val="0"/>
+                  </a:spcAft>
+                  <a:defRPr sz="1300" b="1" kern="1200">
+                    <a:solidFill>
+                      <a:schemeClr val="tx1"/>
+                    </a:solidFill>
+                    <a:latin typeface="Arial" charset="0"/>
+                    <a:ea typeface="+mn-ea"/>
+                    <a:cs typeface="+mn-cs"/>
+                  </a:defRPr>
+                </a:lvl2pPr>
+                <a:lvl3pPr marL="914400" algn="l" rtl="0" fontAlgn="base">
+                  <a:spcBef>
+                    <a:spcPct val="0"/>
+                  </a:spcBef>
+                  <a:spcAft>
+                    <a:spcPct val="0"/>
+                  </a:spcAft>
+                  <a:defRPr sz="1300" b="1" kern="1200">
+                    <a:solidFill>
+                      <a:schemeClr val="tx1"/>
+                    </a:solidFill>
+                    <a:latin typeface="Arial" charset="0"/>
+                    <a:ea typeface="+mn-ea"/>
+                    <a:cs typeface="+mn-cs"/>
+                  </a:defRPr>
+                </a:lvl3pPr>
+                <a:lvl4pPr marL="1371600" algn="l" rtl="0" fontAlgn="base">
+                  <a:spcBef>
+                    <a:spcPct val="0"/>
+                  </a:spcBef>
+                  <a:spcAft>
+                    <a:spcPct val="0"/>
+                  </a:spcAft>
+                  <a:defRPr sz="1300" b="1" kern="1200">
+                    <a:solidFill>
+                      <a:schemeClr val="tx1"/>
+                    </a:solidFill>
+                    <a:latin typeface="Arial" charset="0"/>
+                    <a:ea typeface="+mn-ea"/>
+                    <a:cs typeface="+mn-cs"/>
+                  </a:defRPr>
+                </a:lvl4pPr>
+                <a:lvl5pPr marL="1828800" algn="l" rtl="0" fontAlgn="base">
+                  <a:spcBef>
+                    <a:spcPct val="0"/>
+                  </a:spcBef>
+                  <a:spcAft>
+                    <a:spcPct val="0"/>
+                  </a:spcAft>
+                  <a:defRPr sz="1300" b="1" kern="1200">
+                    <a:solidFill>
+                      <a:schemeClr val="tx1"/>
+                    </a:solidFill>
+                    <a:latin typeface="Arial" charset="0"/>
+                    <a:ea typeface="+mn-ea"/>
+                    <a:cs typeface="+mn-cs"/>
+                  </a:defRPr>
+                </a:lvl5pPr>
+                <a:lvl6pPr marL="2286000" algn="l" defTabSz="914400" rtl="0" eaLnBrk="1" latinLnBrk="0" hangingPunct="1">
+                  <a:defRPr sz="1300" b="1" kern="1200">
+                    <a:solidFill>
+                      <a:schemeClr val="tx1"/>
+                    </a:solidFill>
+                    <a:latin typeface="Arial" charset="0"/>
+                    <a:ea typeface="+mn-ea"/>
+                    <a:cs typeface="+mn-cs"/>
+                  </a:defRPr>
+                </a:lvl6pPr>
+                <a:lvl7pPr marL="2743200" algn="l" defTabSz="914400" rtl="0" eaLnBrk="1" latinLnBrk="0" hangingPunct="1">
+                  <a:defRPr sz="1300" b="1" kern="1200">
+                    <a:solidFill>
+                      <a:schemeClr val="tx1"/>
+                    </a:solidFill>
+                    <a:latin typeface="Arial" charset="0"/>
+                    <a:ea typeface="+mn-ea"/>
+                    <a:cs typeface="+mn-cs"/>
+                  </a:defRPr>
+                </a:lvl7pPr>
+                <a:lvl8pPr marL="3200400" algn="l" defTabSz="914400" rtl="0" eaLnBrk="1" latinLnBrk="0" hangingPunct="1">
+                  <a:defRPr sz="1300" b="1" kern="1200">
+                    <a:solidFill>
+                      <a:schemeClr val="tx1"/>
+                    </a:solidFill>
+                    <a:latin typeface="Arial" charset="0"/>
+                    <a:ea typeface="+mn-ea"/>
+                    <a:cs typeface="+mn-cs"/>
+                  </a:defRPr>
+                </a:lvl8pPr>
+                <a:lvl9pPr marL="3657600" algn="l" defTabSz="914400" rtl="0" eaLnBrk="1" latinLnBrk="0" hangingPunct="1">
+                  <a:defRPr sz="1300" b="1" kern="1200">
+                    <a:solidFill>
+                      <a:schemeClr val="tx1"/>
+                    </a:solidFill>
+                    <a:latin typeface="Arial" charset="0"/>
+                    <a:ea typeface="+mn-ea"/>
+                    <a:cs typeface="+mn-cs"/>
+                  </a:defRPr>
+                </a:lvl9pPr>
+              </a:lstStyle>
+              <a:p>
+                <a:pPr algn="ctr" defTabSz="330200">
+                  <a:buClr>
+                    <a:srgbClr val="000000"/>
+                  </a:buClr>
+                  <a:buSzPct val="100000"/>
+                  <a:buFont typeface="Arial"/>
+                </a:pPr>
+                <a:endParaRPr lang="en-US" altLang="de-DE" sz="1800" b="0" dirty="0">
+                  <a:latin typeface="+mn-lt"/>
+                </a:endParaRPr>
+              </a:p>
+            </p:txBody>
+          </p:sp>
+          <p:grpSp>
+            <p:nvGrpSpPr>
+              <p:cNvPr id="16" name="Group 65"/>
+              <p:cNvGrpSpPr/>
+              <p:nvPr/>
+            </p:nvGrpSpPr>
+            <p:grpSpPr>
+              <a:xfrm>
+                <a:off x="738158" y="1349380"/>
+                <a:ext cx="8531255" cy="4722826"/>
+                <a:chOff x="738158" y="1349380"/>
+                <a:chExt cx="8531255" cy="4722826"/>
+              </a:xfrm>
+            </p:grpSpPr>
+            <p:sp>
+              <p:nvSpPr>
+                <p:cNvPr id="19" name="Freeform 5"/>
+                <p:cNvSpPr>
+                  <a:spLocks/>
+                </p:cNvSpPr>
+                <p:nvPr>
+                  <p:custDataLst>
+                    <p:tags r:id="rId6"/>
+                  </p:custDataLst>
+                </p:nvPr>
+              </p:nvSpPr>
+              <p:spPr bwMode="auto">
+                <a:xfrm flipV="1">
+                  <a:off x="738158" y="3773470"/>
+                  <a:ext cx="4197433" cy="2298736"/>
+                </a:xfrm>
+                <a:custGeom>
+                  <a:avLst/>
+                  <a:gdLst>
+                    <a:gd name="connsiteX0" fmla="*/ 0 w 10000"/>
+                    <a:gd name="connsiteY0" fmla="*/ 9992 h 10000"/>
+                    <a:gd name="connsiteX1" fmla="*/ 7419 w 10000"/>
+                    <a:gd name="connsiteY1" fmla="*/ 10000 h 10000"/>
+                    <a:gd name="connsiteX2" fmla="*/ 7419 w 10000"/>
+                    <a:gd name="connsiteY2" fmla="*/ 7227 h 10000"/>
+                    <a:gd name="connsiteX3" fmla="*/ 10000 w 10000"/>
+                    <a:gd name="connsiteY3" fmla="*/ 8736 h 10000"/>
+                    <a:gd name="connsiteX4" fmla="*/ 10000 w 10000"/>
+                    <a:gd name="connsiteY4" fmla="*/ 0 h 10000"/>
+                    <a:gd name="connsiteX0" fmla="*/ 0 w 10000"/>
+                    <a:gd name="connsiteY0" fmla="*/ 9992 h 10000"/>
+                    <a:gd name="connsiteX1" fmla="*/ 7419 w 10000"/>
+                    <a:gd name="connsiteY1" fmla="*/ 10000 h 10000"/>
+                    <a:gd name="connsiteX2" fmla="*/ 7390 w 10000"/>
+                    <a:gd name="connsiteY2" fmla="*/ 8736 h 10000"/>
+                    <a:gd name="connsiteX3" fmla="*/ 10000 w 10000"/>
+                    <a:gd name="connsiteY3" fmla="*/ 8736 h 10000"/>
+                    <a:gd name="connsiteX4" fmla="*/ 10000 w 10000"/>
+                    <a:gd name="connsiteY4" fmla="*/ 0 h 10000"/>
+                    <a:gd name="connsiteX0" fmla="*/ 915 w 10915"/>
+                    <a:gd name="connsiteY0" fmla="*/ 9992 h 10000"/>
+                    <a:gd name="connsiteX1" fmla="*/ 0 w 10915"/>
+                    <a:gd name="connsiteY1" fmla="*/ 10000 h 10000"/>
+                    <a:gd name="connsiteX2" fmla="*/ 8334 w 10915"/>
+                    <a:gd name="connsiteY2" fmla="*/ 10000 h 10000"/>
+                    <a:gd name="connsiteX3" fmla="*/ 8305 w 10915"/>
+                    <a:gd name="connsiteY3" fmla="*/ 8736 h 10000"/>
+                    <a:gd name="connsiteX4" fmla="*/ 10915 w 10915"/>
+                    <a:gd name="connsiteY4" fmla="*/ 8736 h 10000"/>
+                    <a:gd name="connsiteX5" fmla="*/ 10915 w 10915"/>
+                    <a:gd name="connsiteY5" fmla="*/ 0 h 10000"/>
+                    <a:gd name="connsiteX0" fmla="*/ 915 w 10915"/>
+                    <a:gd name="connsiteY0" fmla="*/ 9992 h 10000"/>
+                    <a:gd name="connsiteX1" fmla="*/ 0 w 10915"/>
+                    <a:gd name="connsiteY1" fmla="*/ 10000 h 10000"/>
+                    <a:gd name="connsiteX2" fmla="*/ 8360 w 10915"/>
+                    <a:gd name="connsiteY2" fmla="*/ 10000 h 10000"/>
+                    <a:gd name="connsiteX3" fmla="*/ 8305 w 10915"/>
+                    <a:gd name="connsiteY3" fmla="*/ 8736 h 10000"/>
+                    <a:gd name="connsiteX4" fmla="*/ 10915 w 10915"/>
+                    <a:gd name="connsiteY4" fmla="*/ 8736 h 10000"/>
+                    <a:gd name="connsiteX5" fmla="*/ 10915 w 10915"/>
+                    <a:gd name="connsiteY5" fmla="*/ 0 h 10000"/>
+                    <a:gd name="connsiteX0" fmla="*/ 915 w 10915"/>
+                    <a:gd name="connsiteY0" fmla="*/ 9992 h 10000"/>
+                    <a:gd name="connsiteX1" fmla="*/ 0 w 10915"/>
+                    <a:gd name="connsiteY1" fmla="*/ 10000 h 10000"/>
+                    <a:gd name="connsiteX2" fmla="*/ 8360 w 10915"/>
+                    <a:gd name="connsiteY2" fmla="*/ 10000 h 10000"/>
+                    <a:gd name="connsiteX3" fmla="*/ 8360 w 10915"/>
+                    <a:gd name="connsiteY3" fmla="*/ 8702 h 10000"/>
+                    <a:gd name="connsiteX4" fmla="*/ 10915 w 10915"/>
+                    <a:gd name="connsiteY4" fmla="*/ 8736 h 10000"/>
+                    <a:gd name="connsiteX5" fmla="*/ 10915 w 10915"/>
+                    <a:gd name="connsiteY5" fmla="*/ 0 h 10000"/>
+                  </a:gdLst>
+                  <a:ahLst/>
+                  <a:cxnLst>
+                    <a:cxn ang="0">
+                      <a:pos x="connsiteX0" y="connsiteY0"/>
+                    </a:cxn>
+                    <a:cxn ang="0">
+                      <a:pos x="connsiteX1" y="connsiteY1"/>
+                    </a:cxn>
+                    <a:cxn ang="0">
+                      <a:pos x="connsiteX2" y="connsiteY2"/>
+                    </a:cxn>
+                    <a:cxn ang="0">
+                      <a:pos x="connsiteX3" y="connsiteY3"/>
+                    </a:cxn>
+                    <a:cxn ang="0">
+                      <a:pos x="connsiteX4" y="connsiteY4"/>
+                    </a:cxn>
+                    <a:cxn ang="0">
+                      <a:pos x="connsiteX5" y="connsiteY5"/>
+                    </a:cxn>
+                  </a:cxnLst>
+                  <a:rect l="l" t="t" r="r" b="b"/>
+                  <a:pathLst>
+                    <a:path w="10915" h="10000">
+                      <a:moveTo>
+                        <a:pt x="915" y="9992"/>
+                      </a:moveTo>
+                      <a:lnTo>
+                        <a:pt x="0" y="10000"/>
+                      </a:lnTo>
+                      <a:lnTo>
+                        <a:pt x="8360" y="10000"/>
+                      </a:lnTo>
+                      <a:cubicBezTo>
+                        <a:pt x="8350" y="9579"/>
+                        <a:pt x="8370" y="9123"/>
+                        <a:pt x="8360" y="8702"/>
+                      </a:cubicBezTo>
+                      <a:lnTo>
+                        <a:pt x="10915" y="8736"/>
+                      </a:lnTo>
+                      <a:lnTo>
+                        <a:pt x="10915" y="0"/>
+                      </a:lnTo>
+                    </a:path>
+                  </a:pathLst>
+                </a:custGeom>
+                <a:noFill/>
+                <a:ln w="22225" cap="flat" cmpd="sng">
+                  <a:solidFill>
+                    <a:schemeClr val="accent1"/>
+                  </a:solidFill>
+                  <a:prstDash val="solid"/>
+                  <a:round/>
+                  <a:headEnd/>
+                  <a:tailEnd/>
+                </a:ln>
+                <a:effectLst/>
+              </p:spPr>
+              <p:txBody>
+                <a:bodyPr wrap="none" lIns="0" tIns="0" rIns="0" bIns="0" anchor="ctr">
+                  <a:noAutofit/>
+                </a:bodyPr>
+                <a:lstStyle/>
+                <a:p>
+                  <a:endParaRPr lang="de-DE" sz="1300">
+                    <a:cs typeface="Arial" pitchFamily="34" charset="0"/>
+                  </a:endParaRPr>
+                </a:p>
+              </p:txBody>
+            </p:sp>
+            <p:sp>
+              <p:nvSpPr>
+                <p:cNvPr id="20" name="Freeform 5"/>
+                <p:cNvSpPr>
+                  <a:spLocks/>
+                </p:cNvSpPr>
+                <p:nvPr>
+                  <p:custDataLst>
+                    <p:tags r:id="rId7"/>
+                  </p:custDataLst>
+                </p:nvPr>
+              </p:nvSpPr>
+              <p:spPr bwMode="auto">
+                <a:xfrm>
+                  <a:off x="738158" y="1349380"/>
+                  <a:ext cx="4197433" cy="2277416"/>
+                </a:xfrm>
+                <a:custGeom>
+                  <a:avLst/>
+                  <a:gdLst>
+                    <a:gd name="connsiteX0" fmla="*/ 0 w 10000"/>
+                    <a:gd name="connsiteY0" fmla="*/ 9992 h 10000"/>
+                    <a:gd name="connsiteX1" fmla="*/ 7419 w 10000"/>
+                    <a:gd name="connsiteY1" fmla="*/ 10000 h 10000"/>
+                    <a:gd name="connsiteX2" fmla="*/ 7419 w 10000"/>
+                    <a:gd name="connsiteY2" fmla="*/ 7227 h 10000"/>
+                    <a:gd name="connsiteX3" fmla="*/ 10000 w 10000"/>
+                    <a:gd name="connsiteY3" fmla="*/ 8736 h 10000"/>
+                    <a:gd name="connsiteX4" fmla="*/ 10000 w 10000"/>
+                    <a:gd name="connsiteY4" fmla="*/ 0 h 10000"/>
+                    <a:gd name="connsiteX0" fmla="*/ 0 w 10000"/>
+                    <a:gd name="connsiteY0" fmla="*/ 9992 h 10000"/>
+                    <a:gd name="connsiteX1" fmla="*/ 7419 w 10000"/>
+                    <a:gd name="connsiteY1" fmla="*/ 10000 h 10000"/>
+                    <a:gd name="connsiteX2" fmla="*/ 7390 w 10000"/>
+                    <a:gd name="connsiteY2" fmla="*/ 8736 h 10000"/>
+                    <a:gd name="connsiteX3" fmla="*/ 10000 w 10000"/>
+                    <a:gd name="connsiteY3" fmla="*/ 8736 h 10000"/>
+                    <a:gd name="connsiteX4" fmla="*/ 10000 w 10000"/>
+                    <a:gd name="connsiteY4" fmla="*/ 0 h 10000"/>
+                    <a:gd name="connsiteX0" fmla="*/ 915 w 10915"/>
+                    <a:gd name="connsiteY0" fmla="*/ 9992 h 10000"/>
+                    <a:gd name="connsiteX1" fmla="*/ 0 w 10915"/>
+                    <a:gd name="connsiteY1" fmla="*/ 10000 h 10000"/>
+                    <a:gd name="connsiteX2" fmla="*/ 8334 w 10915"/>
+                    <a:gd name="connsiteY2" fmla="*/ 10000 h 10000"/>
+                    <a:gd name="connsiteX3" fmla="*/ 8305 w 10915"/>
+                    <a:gd name="connsiteY3" fmla="*/ 8736 h 10000"/>
+                    <a:gd name="connsiteX4" fmla="*/ 10915 w 10915"/>
+                    <a:gd name="connsiteY4" fmla="*/ 8736 h 10000"/>
+                    <a:gd name="connsiteX5" fmla="*/ 10915 w 10915"/>
+                    <a:gd name="connsiteY5" fmla="*/ 0 h 10000"/>
+                    <a:gd name="connsiteX0" fmla="*/ 915 w 10915"/>
+                    <a:gd name="connsiteY0" fmla="*/ 9992 h 10000"/>
+                    <a:gd name="connsiteX1" fmla="*/ 0 w 10915"/>
+                    <a:gd name="connsiteY1" fmla="*/ 10000 h 10000"/>
+                    <a:gd name="connsiteX2" fmla="*/ 8360 w 10915"/>
+                    <a:gd name="connsiteY2" fmla="*/ 10000 h 10000"/>
+                    <a:gd name="connsiteX3" fmla="*/ 8305 w 10915"/>
+                    <a:gd name="connsiteY3" fmla="*/ 8736 h 10000"/>
+                    <a:gd name="connsiteX4" fmla="*/ 10915 w 10915"/>
+                    <a:gd name="connsiteY4" fmla="*/ 8736 h 10000"/>
+                    <a:gd name="connsiteX5" fmla="*/ 10915 w 10915"/>
+                    <a:gd name="connsiteY5" fmla="*/ 0 h 10000"/>
+                    <a:gd name="connsiteX0" fmla="*/ 915 w 10915"/>
+                    <a:gd name="connsiteY0" fmla="*/ 9992 h 10000"/>
+                    <a:gd name="connsiteX1" fmla="*/ 0 w 10915"/>
+                    <a:gd name="connsiteY1" fmla="*/ 10000 h 10000"/>
+                    <a:gd name="connsiteX2" fmla="*/ 8360 w 10915"/>
+                    <a:gd name="connsiteY2" fmla="*/ 10000 h 10000"/>
+                    <a:gd name="connsiteX3" fmla="*/ 8360 w 10915"/>
+                    <a:gd name="connsiteY3" fmla="*/ 8702 h 10000"/>
+                    <a:gd name="connsiteX4" fmla="*/ 10915 w 10915"/>
+                    <a:gd name="connsiteY4" fmla="*/ 8736 h 10000"/>
+                    <a:gd name="connsiteX5" fmla="*/ 10915 w 10915"/>
+                    <a:gd name="connsiteY5" fmla="*/ 0 h 10000"/>
+                  </a:gdLst>
+                  <a:ahLst/>
+                  <a:cxnLst>
+                    <a:cxn ang="0">
+                      <a:pos x="connsiteX0" y="connsiteY0"/>
+                    </a:cxn>
+                    <a:cxn ang="0">
+                      <a:pos x="connsiteX1" y="connsiteY1"/>
+                    </a:cxn>
+                    <a:cxn ang="0">
+                      <a:pos x="connsiteX2" y="connsiteY2"/>
+                    </a:cxn>
+                    <a:cxn ang="0">
+                      <a:pos x="connsiteX3" y="connsiteY3"/>
+                    </a:cxn>
+                    <a:cxn ang="0">
+                      <a:pos x="connsiteX4" y="connsiteY4"/>
+                    </a:cxn>
+                    <a:cxn ang="0">
+                      <a:pos x="connsiteX5" y="connsiteY5"/>
+                    </a:cxn>
+                  </a:cxnLst>
+                  <a:rect l="l" t="t" r="r" b="b"/>
+                  <a:pathLst>
+                    <a:path w="10915" h="10000">
+                      <a:moveTo>
+                        <a:pt x="915" y="9992"/>
+                      </a:moveTo>
+                      <a:lnTo>
+                        <a:pt x="0" y="10000"/>
+                      </a:lnTo>
+                      <a:lnTo>
+                        <a:pt x="8360" y="10000"/>
+                      </a:lnTo>
+                      <a:cubicBezTo>
+                        <a:pt x="8350" y="9579"/>
+                        <a:pt x="8370" y="9123"/>
+                        <a:pt x="8360" y="8702"/>
+                      </a:cubicBezTo>
+                      <a:lnTo>
+                        <a:pt x="10915" y="8736"/>
+                      </a:lnTo>
+                      <a:lnTo>
+                        <a:pt x="10915" y="0"/>
+                      </a:lnTo>
+                    </a:path>
+                  </a:pathLst>
+                </a:custGeom>
+                <a:noFill/>
+                <a:ln w="22225" cap="flat" cmpd="sng">
+                  <a:solidFill>
+                    <a:schemeClr val="accent1"/>
+                  </a:solidFill>
+                  <a:prstDash val="solid"/>
+                  <a:round/>
+                  <a:headEnd/>
+                  <a:tailEnd/>
+                </a:ln>
+                <a:effectLst/>
+              </p:spPr>
+              <p:txBody>
+                <a:bodyPr wrap="none" lIns="0" tIns="0" rIns="0" bIns="0" anchor="ctr">
+                  <a:noAutofit/>
+                </a:bodyPr>
+                <a:lstStyle/>
+                <a:p>
+                  <a:endParaRPr lang="de-DE" sz="1300">
+                    <a:cs typeface="Arial" pitchFamily="34" charset="0"/>
+                  </a:endParaRPr>
+                </a:p>
+              </p:txBody>
+            </p:sp>
+            <p:sp>
+              <p:nvSpPr>
+                <p:cNvPr id="21" name="Freeform 5"/>
+                <p:cNvSpPr>
+                  <a:spLocks/>
+                </p:cNvSpPr>
+                <p:nvPr>
+                  <p:custDataLst>
+                    <p:tags r:id="rId8"/>
+                  </p:custDataLst>
+                </p:nvPr>
+              </p:nvSpPr>
+              <p:spPr bwMode="auto">
+                <a:xfrm flipH="1" flipV="1">
+                  <a:off x="5095876" y="3773470"/>
+                  <a:ext cx="4173537" cy="2298736"/>
+                </a:xfrm>
+                <a:custGeom>
+                  <a:avLst/>
+                  <a:gdLst>
+                    <a:gd name="connsiteX0" fmla="*/ 0 w 10000"/>
+                    <a:gd name="connsiteY0" fmla="*/ 9992 h 10000"/>
+                    <a:gd name="connsiteX1" fmla="*/ 7419 w 10000"/>
+                    <a:gd name="connsiteY1" fmla="*/ 10000 h 10000"/>
+                    <a:gd name="connsiteX2" fmla="*/ 7419 w 10000"/>
+                    <a:gd name="connsiteY2" fmla="*/ 7227 h 10000"/>
+                    <a:gd name="connsiteX3" fmla="*/ 10000 w 10000"/>
+                    <a:gd name="connsiteY3" fmla="*/ 8736 h 10000"/>
+                    <a:gd name="connsiteX4" fmla="*/ 10000 w 10000"/>
+                    <a:gd name="connsiteY4" fmla="*/ 0 h 10000"/>
+                    <a:gd name="connsiteX0" fmla="*/ 0 w 10000"/>
+                    <a:gd name="connsiteY0" fmla="*/ 9992 h 10000"/>
+                    <a:gd name="connsiteX1" fmla="*/ 7419 w 10000"/>
+                    <a:gd name="connsiteY1" fmla="*/ 10000 h 10000"/>
+                    <a:gd name="connsiteX2" fmla="*/ 7390 w 10000"/>
+                    <a:gd name="connsiteY2" fmla="*/ 8736 h 10000"/>
+                    <a:gd name="connsiteX3" fmla="*/ 10000 w 10000"/>
+                    <a:gd name="connsiteY3" fmla="*/ 8736 h 10000"/>
+                    <a:gd name="connsiteX4" fmla="*/ 10000 w 10000"/>
+                    <a:gd name="connsiteY4" fmla="*/ 0 h 10000"/>
+                    <a:gd name="connsiteX0" fmla="*/ 915 w 10915"/>
+                    <a:gd name="connsiteY0" fmla="*/ 9992 h 10000"/>
+                    <a:gd name="connsiteX1" fmla="*/ 0 w 10915"/>
+                    <a:gd name="connsiteY1" fmla="*/ 10000 h 10000"/>
+                    <a:gd name="connsiteX2" fmla="*/ 8334 w 10915"/>
+                    <a:gd name="connsiteY2" fmla="*/ 10000 h 10000"/>
+                    <a:gd name="connsiteX3" fmla="*/ 8305 w 10915"/>
+                    <a:gd name="connsiteY3" fmla="*/ 8736 h 10000"/>
+                    <a:gd name="connsiteX4" fmla="*/ 10915 w 10915"/>
+                    <a:gd name="connsiteY4" fmla="*/ 8736 h 10000"/>
+                    <a:gd name="connsiteX5" fmla="*/ 10915 w 10915"/>
+                    <a:gd name="connsiteY5" fmla="*/ 0 h 10000"/>
+                    <a:gd name="connsiteX0" fmla="*/ 915 w 10915"/>
+                    <a:gd name="connsiteY0" fmla="*/ 9992 h 10000"/>
+                    <a:gd name="connsiteX1" fmla="*/ 0 w 10915"/>
+                    <a:gd name="connsiteY1" fmla="*/ 10000 h 10000"/>
+                    <a:gd name="connsiteX2" fmla="*/ 8360 w 10915"/>
+                    <a:gd name="connsiteY2" fmla="*/ 10000 h 10000"/>
+                    <a:gd name="connsiteX3" fmla="*/ 8305 w 10915"/>
+                    <a:gd name="connsiteY3" fmla="*/ 8736 h 10000"/>
+                    <a:gd name="connsiteX4" fmla="*/ 10915 w 10915"/>
+                    <a:gd name="connsiteY4" fmla="*/ 8736 h 10000"/>
+                    <a:gd name="connsiteX5" fmla="*/ 10915 w 10915"/>
+                    <a:gd name="connsiteY5" fmla="*/ 0 h 10000"/>
+                    <a:gd name="connsiteX0" fmla="*/ 915 w 10915"/>
+                    <a:gd name="connsiteY0" fmla="*/ 9992 h 10000"/>
+                    <a:gd name="connsiteX1" fmla="*/ 0 w 10915"/>
+                    <a:gd name="connsiteY1" fmla="*/ 10000 h 10000"/>
+                    <a:gd name="connsiteX2" fmla="*/ 8360 w 10915"/>
+                    <a:gd name="connsiteY2" fmla="*/ 10000 h 10000"/>
+                    <a:gd name="connsiteX3" fmla="*/ 8360 w 10915"/>
+                    <a:gd name="connsiteY3" fmla="*/ 8702 h 10000"/>
+                    <a:gd name="connsiteX4" fmla="*/ 10915 w 10915"/>
+                    <a:gd name="connsiteY4" fmla="*/ 8736 h 10000"/>
+                    <a:gd name="connsiteX5" fmla="*/ 10915 w 10915"/>
+                    <a:gd name="connsiteY5" fmla="*/ 0 h 10000"/>
+                  </a:gdLst>
+                  <a:ahLst/>
+                  <a:cxnLst>
+                    <a:cxn ang="0">
+                      <a:pos x="connsiteX0" y="connsiteY0"/>
+                    </a:cxn>
+                    <a:cxn ang="0">
+                      <a:pos x="connsiteX1" y="connsiteY1"/>
+                    </a:cxn>
+                    <a:cxn ang="0">
+                      <a:pos x="connsiteX2" y="connsiteY2"/>
+                    </a:cxn>
+                    <a:cxn ang="0">
+                      <a:pos x="connsiteX3" y="connsiteY3"/>
+                    </a:cxn>
+                    <a:cxn ang="0">
+                      <a:pos x="connsiteX4" y="connsiteY4"/>
+                    </a:cxn>
+                    <a:cxn ang="0">
+                      <a:pos x="connsiteX5" y="connsiteY5"/>
+                    </a:cxn>
+                  </a:cxnLst>
+                  <a:rect l="l" t="t" r="r" b="b"/>
+                  <a:pathLst>
+                    <a:path w="10915" h="10000">
+                      <a:moveTo>
+                        <a:pt x="915" y="9992"/>
+                      </a:moveTo>
+                      <a:lnTo>
+                        <a:pt x="0" y="10000"/>
+                      </a:lnTo>
+                      <a:lnTo>
+                        <a:pt x="8360" y="10000"/>
+                      </a:lnTo>
+                      <a:cubicBezTo>
+                        <a:pt x="8350" y="9579"/>
+                        <a:pt x="8370" y="9123"/>
+                        <a:pt x="8360" y="8702"/>
+                      </a:cubicBezTo>
+                      <a:lnTo>
+                        <a:pt x="10915" y="8736"/>
+                      </a:lnTo>
+                      <a:lnTo>
+                        <a:pt x="10915" y="0"/>
+                      </a:lnTo>
+                    </a:path>
+                  </a:pathLst>
+                </a:custGeom>
+                <a:noFill/>
+                <a:ln w="22225" cap="flat" cmpd="sng">
+                  <a:solidFill>
+                    <a:schemeClr val="accent1"/>
+                  </a:solidFill>
+                  <a:prstDash val="solid"/>
+                  <a:round/>
+                  <a:headEnd/>
+                  <a:tailEnd/>
+                </a:ln>
+                <a:effectLst/>
+              </p:spPr>
+              <p:txBody>
+                <a:bodyPr wrap="none" lIns="0" tIns="0" rIns="0" bIns="0" anchor="ctr">
+                  <a:noAutofit/>
+                </a:bodyPr>
+                <a:lstStyle/>
+                <a:p>
+                  <a:endParaRPr lang="de-DE" sz="1300">
+                    <a:cs typeface="Arial" pitchFamily="34" charset="0"/>
+                  </a:endParaRPr>
+                </a:p>
+              </p:txBody>
+            </p:sp>
+            <p:sp>
+              <p:nvSpPr>
+                <p:cNvPr id="22" name="Freeform 5"/>
+                <p:cNvSpPr>
+                  <a:spLocks/>
+                </p:cNvSpPr>
+                <p:nvPr>
+                  <p:custDataLst>
+                    <p:tags r:id="rId9"/>
+                  </p:custDataLst>
+                </p:nvPr>
+              </p:nvSpPr>
+              <p:spPr bwMode="auto">
+                <a:xfrm flipH="1">
+                  <a:off x="5095876" y="1349380"/>
+                  <a:ext cx="4173537" cy="2277416"/>
+                </a:xfrm>
+                <a:custGeom>
+                  <a:avLst/>
+                  <a:gdLst>
+                    <a:gd name="connsiteX0" fmla="*/ 0 w 10000"/>
+                    <a:gd name="connsiteY0" fmla="*/ 9992 h 10000"/>
+                    <a:gd name="connsiteX1" fmla="*/ 7419 w 10000"/>
+                    <a:gd name="connsiteY1" fmla="*/ 10000 h 10000"/>
+                    <a:gd name="connsiteX2" fmla="*/ 7419 w 10000"/>
+                    <a:gd name="connsiteY2" fmla="*/ 7227 h 10000"/>
+                    <a:gd name="connsiteX3" fmla="*/ 10000 w 10000"/>
+                    <a:gd name="connsiteY3" fmla="*/ 8736 h 10000"/>
+                    <a:gd name="connsiteX4" fmla="*/ 10000 w 10000"/>
+                    <a:gd name="connsiteY4" fmla="*/ 0 h 10000"/>
+                    <a:gd name="connsiteX0" fmla="*/ 0 w 10000"/>
+                    <a:gd name="connsiteY0" fmla="*/ 9992 h 10000"/>
+                    <a:gd name="connsiteX1" fmla="*/ 7419 w 10000"/>
+                    <a:gd name="connsiteY1" fmla="*/ 10000 h 10000"/>
+                    <a:gd name="connsiteX2" fmla="*/ 7390 w 10000"/>
+                    <a:gd name="connsiteY2" fmla="*/ 8736 h 10000"/>
+                    <a:gd name="connsiteX3" fmla="*/ 10000 w 10000"/>
+                    <a:gd name="connsiteY3" fmla="*/ 8736 h 10000"/>
+                    <a:gd name="connsiteX4" fmla="*/ 10000 w 10000"/>
+                    <a:gd name="connsiteY4" fmla="*/ 0 h 10000"/>
+                    <a:gd name="connsiteX0" fmla="*/ 915 w 10915"/>
+                    <a:gd name="connsiteY0" fmla="*/ 9992 h 10000"/>
+                    <a:gd name="connsiteX1" fmla="*/ 0 w 10915"/>
+                    <a:gd name="connsiteY1" fmla="*/ 10000 h 10000"/>
+                    <a:gd name="connsiteX2" fmla="*/ 8334 w 10915"/>
+                    <a:gd name="connsiteY2" fmla="*/ 10000 h 10000"/>
+                    <a:gd name="connsiteX3" fmla="*/ 8305 w 10915"/>
+                    <a:gd name="connsiteY3" fmla="*/ 8736 h 10000"/>
+                    <a:gd name="connsiteX4" fmla="*/ 10915 w 10915"/>
+                    <a:gd name="connsiteY4" fmla="*/ 8736 h 10000"/>
+                    <a:gd name="connsiteX5" fmla="*/ 10915 w 10915"/>
+                    <a:gd name="connsiteY5" fmla="*/ 0 h 10000"/>
+                    <a:gd name="connsiteX0" fmla="*/ 915 w 10915"/>
+                    <a:gd name="connsiteY0" fmla="*/ 9992 h 10000"/>
+                    <a:gd name="connsiteX1" fmla="*/ 0 w 10915"/>
+                    <a:gd name="connsiteY1" fmla="*/ 10000 h 10000"/>
+                    <a:gd name="connsiteX2" fmla="*/ 8360 w 10915"/>
+                    <a:gd name="connsiteY2" fmla="*/ 10000 h 10000"/>
+                    <a:gd name="connsiteX3" fmla="*/ 8305 w 10915"/>
+                    <a:gd name="connsiteY3" fmla="*/ 8736 h 10000"/>
+                    <a:gd name="connsiteX4" fmla="*/ 10915 w 10915"/>
+                    <a:gd name="connsiteY4" fmla="*/ 8736 h 10000"/>
+                    <a:gd name="connsiteX5" fmla="*/ 10915 w 10915"/>
+                    <a:gd name="connsiteY5" fmla="*/ 0 h 10000"/>
+                    <a:gd name="connsiteX0" fmla="*/ 915 w 10915"/>
+                    <a:gd name="connsiteY0" fmla="*/ 9992 h 10000"/>
+                    <a:gd name="connsiteX1" fmla="*/ 0 w 10915"/>
+                    <a:gd name="connsiteY1" fmla="*/ 10000 h 10000"/>
+                    <a:gd name="connsiteX2" fmla="*/ 8360 w 10915"/>
+                    <a:gd name="connsiteY2" fmla="*/ 10000 h 10000"/>
+                    <a:gd name="connsiteX3" fmla="*/ 8360 w 10915"/>
+                    <a:gd name="connsiteY3" fmla="*/ 8702 h 10000"/>
+                    <a:gd name="connsiteX4" fmla="*/ 10915 w 10915"/>
+                    <a:gd name="connsiteY4" fmla="*/ 8736 h 10000"/>
+                    <a:gd name="connsiteX5" fmla="*/ 10915 w 10915"/>
+                    <a:gd name="connsiteY5" fmla="*/ 0 h 10000"/>
+                  </a:gdLst>
+                  <a:ahLst/>
+                  <a:cxnLst>
+                    <a:cxn ang="0">
+                      <a:pos x="connsiteX0" y="connsiteY0"/>
+                    </a:cxn>
+                    <a:cxn ang="0">
+                      <a:pos x="connsiteX1" y="connsiteY1"/>
+                    </a:cxn>
+                    <a:cxn ang="0">
+                      <a:pos x="connsiteX2" y="connsiteY2"/>
+                    </a:cxn>
+                    <a:cxn ang="0">
+                      <a:pos x="connsiteX3" y="connsiteY3"/>
+                    </a:cxn>
+                    <a:cxn ang="0">
+                      <a:pos x="connsiteX4" y="connsiteY4"/>
+                    </a:cxn>
+                    <a:cxn ang="0">
+                      <a:pos x="connsiteX5" y="connsiteY5"/>
+                    </a:cxn>
+                  </a:cxnLst>
+                  <a:rect l="l" t="t" r="r" b="b"/>
+                  <a:pathLst>
+                    <a:path w="10915" h="10000">
+                      <a:moveTo>
+                        <a:pt x="915" y="9992"/>
+                      </a:moveTo>
+                      <a:lnTo>
+                        <a:pt x="0" y="10000"/>
+                      </a:lnTo>
+                      <a:lnTo>
+                        <a:pt x="8360" y="10000"/>
+                      </a:lnTo>
+                      <a:cubicBezTo>
+                        <a:pt x="8350" y="9579"/>
+                        <a:pt x="8370" y="9123"/>
+                        <a:pt x="8360" y="8702"/>
+                      </a:cubicBezTo>
+                      <a:lnTo>
+                        <a:pt x="10915" y="8736"/>
+                      </a:lnTo>
+                      <a:lnTo>
+                        <a:pt x="10915" y="0"/>
+                      </a:lnTo>
+                    </a:path>
+                  </a:pathLst>
+                </a:custGeom>
+                <a:noFill/>
+                <a:ln w="22225" cap="flat" cmpd="sng">
+                  <a:solidFill>
+                    <a:schemeClr val="accent1"/>
+                  </a:solidFill>
+                  <a:prstDash val="solid"/>
+                  <a:round/>
+                  <a:headEnd/>
+                  <a:tailEnd/>
+                </a:ln>
+                <a:effectLst/>
+              </p:spPr>
+              <p:txBody>
+                <a:bodyPr wrap="none" lIns="0" tIns="0" rIns="0" bIns="0" anchor="ctr">
+                  <a:noAutofit/>
+                </a:bodyPr>
+                <a:lstStyle/>
+                <a:p>
+                  <a:endParaRPr lang="de-DE" sz="1300">
+                    <a:cs typeface="Arial" pitchFamily="34" charset="0"/>
+                  </a:endParaRPr>
+                </a:p>
+              </p:txBody>
+            </p:sp>
+          </p:grpSp>
+        </p:grpSp>
+      </p:grpSp>
+      <p:sp>
+        <p:nvSpPr>
+          <p:cNvPr id="23" name="Rectangle 22"/>
+          <p:cNvSpPr/>
+          <p:nvPr/>
+        </p:nvSpPr>
+        <p:spPr>
+          <a:xfrm>
+            <a:off x="6020972" y="274638"/>
+            <a:ext cx="2715869" cy="836710"/>
+          </a:xfrm>
+          <a:prstGeom prst="rect">
+            <a:avLst/>
+          </a:prstGeom>
+          <a:solidFill>
+            <a:schemeClr val="bg1"/>
+          </a:solidFill>
+          <a:ln/>
+          <a:effectLst/>
+        </p:spPr>
+        <p:style>
+          <a:lnRef idx="1">
+            <a:schemeClr val="accent1"/>
+          </a:lnRef>
+          <a:fillRef idx="2">
+            <a:schemeClr val="accent1"/>
+          </a:fillRef>
+          <a:effectRef idx="1">
+            <a:schemeClr val="accent1"/>
+          </a:effectRef>
+          <a:fontRef idx="minor">
+            <a:schemeClr val="dk1"/>
+          </a:fontRef>
+        </p:style>
+        <p:txBody>
+          <a:bodyPr rtlCol="0" anchor="ctr"/>
+          <a:lstStyle/>
+          <a:p>
+            <a:pPr algn="ctr"/>
+            <a:r>
+              <a:rPr lang="fr-FR" b="1" u="sng" dirty="0" smtClean="0"/>
+              <a:t>FLUX A : Donnée et visualisation – 95 %</a:t>
+            </a:r>
+            <a:endParaRPr lang="fr-FR" b="1" u="sng" dirty="0"/>
+          </a:p>
+        </p:txBody>
+      </p:sp>
+      <p:sp>
+        <p:nvSpPr>
+          <p:cNvPr id="24" name="ZoneTexte 23"/>
+          <p:cNvSpPr txBox="1"/>
+          <p:nvPr/>
+        </p:nvSpPr>
+        <p:spPr>
+          <a:xfrm>
+            <a:off x="457200" y="1926788"/>
+            <a:ext cx="2544286" cy="369332"/>
+          </a:xfrm>
+          <a:prstGeom prst="rect">
+            <a:avLst/>
+          </a:prstGeom>
+          <a:noFill/>
+        </p:spPr>
+        <p:txBody>
+          <a:bodyPr wrap="none" rtlCol="0">
+            <a:spAutoFit/>
+          </a:bodyPr>
+          <a:lstStyle/>
+          <a:p>
+            <a:r>
+              <a:rPr lang="fr-FR" dirty="0" smtClean="0"/>
+              <a:t>Séparateur de phase </a:t>
+            </a:r>
+          </a:p>
+        </p:txBody>
+      </p:sp>
+      <p:sp>
+        <p:nvSpPr>
+          <p:cNvPr id="25" name="Rectangle 24"/>
+          <p:cNvSpPr/>
+          <p:nvPr/>
+        </p:nvSpPr>
+        <p:spPr>
+          <a:xfrm>
+            <a:off x="507241" y="1765221"/>
+            <a:ext cx="3922872" cy="1601493"/>
+          </a:xfrm>
+          <a:prstGeom prst="rect">
+            <a:avLst/>
+          </a:prstGeom>
+          <a:solidFill>
+            <a:schemeClr val="bg1"/>
+          </a:solidFill>
+          <a:ln>
+            <a:solidFill>
+              <a:schemeClr val="bg2">
+                <a:lumMod val="90000"/>
+              </a:schemeClr>
+            </a:solidFill>
+          </a:ln>
+          <a:effectLst/>
+        </p:spPr>
+        <p:style>
+          <a:lnRef idx="1">
+            <a:schemeClr val="accent1"/>
+          </a:lnRef>
+          <a:fillRef idx="2">
+            <a:schemeClr val="accent1"/>
+          </a:fillRef>
+          <a:effectRef idx="1">
+            <a:schemeClr val="accent1"/>
+          </a:effectRef>
+          <a:fontRef idx="minor">
+            <a:schemeClr val="dk1"/>
+          </a:fontRef>
+        </p:style>
+        <p:txBody>
+          <a:bodyPr rtlCol="0" anchor="t"/>
+          <a:lstStyle/>
+          <a:p>
+            <a:r>
+              <a:rPr lang="fr-FR" sz="1400" dirty="0" smtClean="0"/>
+              <a:t>Extraction et visualisation des donnés brutes – OK </a:t>
+            </a:r>
+          </a:p>
+          <a:p>
+            <a:r>
+              <a:rPr lang="fr-FR" sz="1400" dirty="0" smtClean="0"/>
+              <a:t>Visualisation des anomalies par </a:t>
+            </a:r>
+            <a:r>
+              <a:rPr lang="fr-FR" sz="1400" dirty="0" err="1" smtClean="0"/>
+              <a:t>heatmap</a:t>
+            </a:r>
+            <a:r>
+              <a:rPr lang="fr-FR" sz="1400" dirty="0" smtClean="0"/>
+              <a:t> - OK</a:t>
+            </a:r>
+          </a:p>
+          <a:p>
+            <a:r>
+              <a:rPr lang="fr-FR" sz="1400" dirty="0" smtClean="0"/>
+              <a:t>Séparateur de phase – EN COURS</a:t>
+            </a:r>
+          </a:p>
+          <a:p>
+            <a:r>
+              <a:rPr lang="fr-FR" sz="1400" dirty="0" smtClean="0"/>
+              <a:t>Visualisation temps par phase et par port - OK</a:t>
+            </a:r>
+          </a:p>
+          <a:p>
+            <a:endParaRPr lang="fr-FR" sz="1400" dirty="0"/>
+          </a:p>
+        </p:txBody>
+      </p:sp>
+      <p:sp>
+        <p:nvSpPr>
+          <p:cNvPr id="27" name="Rectangle 26"/>
+          <p:cNvSpPr/>
+          <p:nvPr/>
+        </p:nvSpPr>
+        <p:spPr>
+          <a:xfrm>
+            <a:off x="4813969" y="1765221"/>
+            <a:ext cx="3246819" cy="1601493"/>
+          </a:xfrm>
+          <a:prstGeom prst="rect">
+            <a:avLst/>
+          </a:prstGeom>
+          <a:solidFill>
+            <a:schemeClr val="bg1"/>
+          </a:solidFill>
+          <a:ln>
+            <a:solidFill>
+              <a:schemeClr val="bg2">
+                <a:lumMod val="90000"/>
+              </a:schemeClr>
+            </a:solidFill>
+          </a:ln>
+          <a:effectLst/>
+        </p:spPr>
+        <p:style>
+          <a:lnRef idx="1">
+            <a:schemeClr val="accent1"/>
+          </a:lnRef>
+          <a:fillRef idx="2">
+            <a:schemeClr val="accent1"/>
+          </a:fillRef>
+          <a:effectRef idx="1">
+            <a:schemeClr val="accent1"/>
+          </a:effectRef>
+          <a:fontRef idx="minor">
+            <a:schemeClr val="dk1"/>
+          </a:fontRef>
+        </p:style>
+        <p:txBody>
+          <a:bodyPr rtlCol="0" anchor="t"/>
+          <a:lstStyle/>
+          <a:p>
+            <a:pPr>
+              <a:buFont typeface="Arial" pitchFamily="34" charset="0"/>
+              <a:buChar char="•"/>
+            </a:pPr>
+            <a:r>
+              <a:rPr lang="fr-FR" sz="1400" dirty="0" smtClean="0"/>
+              <a:t> Superposition des phases de vol </a:t>
+            </a:r>
+            <a:r>
+              <a:rPr lang="fr-FR" sz="1400" dirty="0" smtClean="0">
+                <a:sym typeface="Wingdings" pitchFamily="2" charset="2"/>
+              </a:rPr>
+              <a:t> Travail en cours chez </a:t>
+            </a:r>
+            <a:r>
+              <a:rPr lang="fr-FR" sz="1400" dirty="0" err="1" smtClean="0">
+                <a:sym typeface="Wingdings" pitchFamily="2" charset="2"/>
+              </a:rPr>
+              <a:t>Liebherr</a:t>
+            </a:r>
+            <a:endParaRPr lang="fr-FR" sz="1400" dirty="0" smtClean="0">
+              <a:sym typeface="Wingdings" pitchFamily="2" charset="2"/>
+            </a:endParaRPr>
+          </a:p>
+          <a:p>
+            <a:pPr>
+              <a:buFont typeface="Arial" pitchFamily="34" charset="0"/>
+              <a:buChar char="•"/>
+            </a:pPr>
+            <a:r>
+              <a:rPr lang="fr-FR" sz="1400" dirty="0" smtClean="0">
+                <a:sym typeface="Wingdings" pitchFamily="2" charset="2"/>
+              </a:rPr>
+              <a:t> Absence de phase sur certaines portions  Travail en cours chez </a:t>
+            </a:r>
+            <a:r>
+              <a:rPr lang="fr-FR" sz="1400" dirty="0" err="1" smtClean="0">
+                <a:sym typeface="Wingdings" pitchFamily="2" charset="2"/>
+              </a:rPr>
+              <a:t>Liebherr</a:t>
+            </a:r>
+            <a:endParaRPr lang="fr-FR" sz="1400" dirty="0" smtClean="0">
+              <a:sym typeface="Wingdings" pitchFamily="2" charset="2"/>
+            </a:endParaRPr>
+          </a:p>
+          <a:p>
+            <a:pPr>
+              <a:buFont typeface="Arial" pitchFamily="34" charset="0"/>
+              <a:buChar char="•"/>
+            </a:pPr>
+            <a:r>
+              <a:rPr lang="fr-FR" sz="1400" dirty="0" smtClean="0">
+                <a:sym typeface="Wingdings" pitchFamily="2" charset="2"/>
+              </a:rPr>
+              <a:t> Donnés trop variable  Filtrage (Hystérésis à besoin de réglage)</a:t>
+            </a:r>
+            <a:endParaRPr lang="fr-FR" sz="1400" dirty="0"/>
+          </a:p>
+        </p:txBody>
+      </p:sp>
+      <p:sp>
+        <p:nvSpPr>
+          <p:cNvPr id="28" name="Rectangle 27"/>
+          <p:cNvSpPr/>
+          <p:nvPr/>
+        </p:nvSpPr>
+        <p:spPr>
+          <a:xfrm>
+            <a:off x="8060788" y="1765221"/>
+            <a:ext cx="676053" cy="1601491"/>
+          </a:xfrm>
+          <a:prstGeom prst="rect">
+            <a:avLst/>
+          </a:prstGeom>
+          <a:solidFill>
+            <a:schemeClr val="bg1"/>
+          </a:solidFill>
+          <a:ln>
+            <a:solidFill>
+              <a:schemeClr val="bg2">
+                <a:lumMod val="90000"/>
+              </a:schemeClr>
+            </a:solidFill>
+          </a:ln>
+          <a:effectLst/>
+        </p:spPr>
+        <p:style>
+          <a:lnRef idx="1">
+            <a:schemeClr val="accent1"/>
+          </a:lnRef>
+          <a:fillRef idx="2">
+            <a:schemeClr val="accent1"/>
+          </a:fillRef>
+          <a:effectRef idx="1">
+            <a:schemeClr val="accent1"/>
+          </a:effectRef>
+          <a:fontRef idx="minor">
+            <a:schemeClr val="dk1"/>
+          </a:fontRef>
+        </p:style>
+        <p:txBody>
+          <a:bodyPr rtlCol="0" anchor="t"/>
+          <a:lstStyle/>
+          <a:p>
+            <a:endParaRPr lang="fr-FR" sz="1200" dirty="0"/>
+          </a:p>
+        </p:txBody>
+      </p:sp>
+      <p:sp>
+        <p:nvSpPr>
+          <p:cNvPr id="30" name="Ellipse 29"/>
+          <p:cNvSpPr/>
+          <p:nvPr/>
+        </p:nvSpPr>
+        <p:spPr>
+          <a:xfrm>
+            <a:off x="8334140" y="2465709"/>
+            <a:ext cx="180000" cy="180000"/>
+          </a:xfrm>
+          <a:prstGeom prst="ellipse">
+            <a:avLst/>
+          </a:prstGeom>
+          <a:solidFill>
+            <a:srgbClr val="FFC000"/>
+          </a:solidFill>
+          <a:ln>
+            <a:solidFill>
+              <a:srgbClr val="FFC000"/>
+            </a:solidFill>
+          </a:ln>
+        </p:spPr>
+        <p:style>
+          <a:lnRef idx="2">
+            <a:schemeClr val="accent1">
+              <a:shade val="50000"/>
+            </a:schemeClr>
+          </a:lnRef>
+          <a:fillRef idx="1">
+            <a:schemeClr val="accent1"/>
+          </a:fillRef>
+          <a:effectRef idx="0">
+            <a:schemeClr val="accent1"/>
+          </a:effectRef>
+          <a:fontRef idx="minor">
+            <a:schemeClr val="lt1"/>
+          </a:fontRef>
+        </p:style>
+        <p:txBody>
+          <a:bodyPr rtlCol="0" anchor="ctr"/>
+          <a:lstStyle/>
+          <a:p>
+            <a:pPr algn="ctr"/>
+            <a:endParaRPr lang="fr-FR" dirty="0">
+              <a:solidFill>
+                <a:srgbClr val="00B050"/>
+              </a:solidFill>
+            </a:endParaRPr>
+          </a:p>
+        </p:txBody>
+      </p:sp>
+      <p:sp>
+        <p:nvSpPr>
+          <p:cNvPr id="31" name="Ellipse 30"/>
+          <p:cNvSpPr/>
+          <p:nvPr/>
+        </p:nvSpPr>
+        <p:spPr>
+          <a:xfrm>
+            <a:off x="8320608" y="1898652"/>
+            <a:ext cx="180000" cy="180000"/>
+          </a:xfrm>
+          <a:prstGeom prst="ellipse">
+            <a:avLst/>
+          </a:prstGeom>
+          <a:solidFill>
+            <a:srgbClr val="FFC000"/>
+          </a:solidFill>
+          <a:ln>
+            <a:solidFill>
+              <a:srgbClr val="FFC000"/>
+            </a:solidFill>
+          </a:ln>
+        </p:spPr>
+        <p:style>
+          <a:lnRef idx="2">
+            <a:schemeClr val="accent1">
+              <a:shade val="50000"/>
+            </a:schemeClr>
+          </a:lnRef>
+          <a:fillRef idx="1">
+            <a:schemeClr val="accent1"/>
+          </a:fillRef>
+          <a:effectRef idx="0">
+            <a:schemeClr val="accent1"/>
+          </a:effectRef>
+          <a:fontRef idx="minor">
+            <a:schemeClr val="lt1"/>
+          </a:fontRef>
+        </p:style>
+        <p:txBody>
+          <a:bodyPr rtlCol="0" anchor="ctr"/>
+          <a:lstStyle/>
+          <a:p>
+            <a:pPr algn="ctr"/>
+            <a:endParaRPr lang="fr-FR" dirty="0">
+              <a:solidFill>
+                <a:srgbClr val="00B050"/>
+              </a:solidFill>
+            </a:endParaRPr>
+          </a:p>
+        </p:txBody>
+      </p:sp>
+      <p:sp>
+        <p:nvSpPr>
+          <p:cNvPr id="33" name="Rectangle 32"/>
+          <p:cNvSpPr/>
+          <p:nvPr/>
+        </p:nvSpPr>
+        <p:spPr>
+          <a:xfrm>
+            <a:off x="508743" y="3798277"/>
+            <a:ext cx="3922872" cy="1659988"/>
+          </a:xfrm>
+          <a:prstGeom prst="rect">
+            <a:avLst/>
+          </a:prstGeom>
+          <a:solidFill>
+            <a:schemeClr val="bg1"/>
+          </a:solidFill>
+          <a:ln>
+            <a:solidFill>
+              <a:schemeClr val="bg2">
+                <a:lumMod val="90000"/>
+              </a:schemeClr>
+            </a:solidFill>
+          </a:ln>
+          <a:effectLst/>
+        </p:spPr>
+        <p:style>
+          <a:lnRef idx="1">
+            <a:schemeClr val="accent1"/>
+          </a:lnRef>
+          <a:fillRef idx="2">
+            <a:schemeClr val="accent1"/>
+          </a:fillRef>
+          <a:effectRef idx="1">
+            <a:schemeClr val="accent1"/>
+          </a:effectRef>
+          <a:fontRef idx="minor">
+            <a:schemeClr val="dk1"/>
+          </a:fontRef>
+        </p:style>
+        <p:txBody>
+          <a:bodyPr rtlCol="0" anchor="ctr"/>
+          <a:lstStyle/>
+          <a:p>
+            <a:pPr>
+              <a:buFont typeface="Arial" pitchFamily="34" charset="0"/>
+              <a:buChar char="•"/>
+            </a:pPr>
+            <a:r>
+              <a:rPr lang="fr-FR" sz="1400" dirty="0" smtClean="0"/>
+              <a:t> Séparateur de phase bientôt terminé </a:t>
+            </a:r>
+            <a:r>
+              <a:rPr lang="fr-FR" sz="1400" dirty="0" smtClean="0">
+                <a:sym typeface="Wingdings" pitchFamily="2" charset="2"/>
+              </a:rPr>
+              <a:t> pas d’impact sur le planning </a:t>
+            </a:r>
+          </a:p>
+          <a:p>
+            <a:pPr>
+              <a:buFont typeface="Arial" pitchFamily="34" charset="0"/>
+              <a:buChar char="•"/>
+            </a:pPr>
+            <a:endParaRPr lang="fr-FR" sz="1400" dirty="0" smtClean="0">
+              <a:sym typeface="Wingdings" pitchFamily="2" charset="2"/>
+            </a:endParaRPr>
+          </a:p>
+          <a:p>
+            <a:pPr>
+              <a:buFont typeface="Arial" pitchFamily="34" charset="0"/>
+              <a:buChar char="•"/>
+            </a:pPr>
+            <a:r>
+              <a:rPr lang="fr-FR" sz="1400" dirty="0" smtClean="0">
+                <a:sym typeface="Wingdings" pitchFamily="2" charset="2"/>
+              </a:rPr>
+              <a:t> Séparateur permet de lancer la dernière phase du flux B (« Prise en compte des phases dans la détection d’anomalie »)</a:t>
+            </a:r>
+            <a:endParaRPr lang="fr-FR" sz="1400" dirty="0"/>
+          </a:p>
+        </p:txBody>
+      </p:sp>
+      <p:sp>
+        <p:nvSpPr>
+          <p:cNvPr id="34" name="Rectangle 33"/>
+          <p:cNvSpPr/>
+          <p:nvPr/>
+        </p:nvSpPr>
+        <p:spPr>
+          <a:xfrm>
+            <a:off x="4813969" y="3798277"/>
+            <a:ext cx="3922872" cy="1659988"/>
+          </a:xfrm>
+          <a:prstGeom prst="rect">
+            <a:avLst/>
+          </a:prstGeom>
+          <a:solidFill>
+            <a:schemeClr val="bg1"/>
+          </a:solidFill>
+          <a:ln>
+            <a:solidFill>
+              <a:schemeClr val="bg2">
+                <a:lumMod val="90000"/>
+              </a:schemeClr>
+            </a:solidFill>
+          </a:ln>
+          <a:effectLst/>
+        </p:spPr>
+        <p:style>
+          <a:lnRef idx="1">
+            <a:schemeClr val="accent1"/>
+          </a:lnRef>
+          <a:fillRef idx="2">
+            <a:schemeClr val="accent1"/>
+          </a:fillRef>
+          <a:effectRef idx="1">
+            <a:schemeClr val="accent1"/>
+          </a:effectRef>
+          <a:fontRef idx="minor">
+            <a:schemeClr val="dk1"/>
+          </a:fontRef>
+        </p:style>
+        <p:txBody>
+          <a:bodyPr rtlCol="0" anchor="ctr"/>
+          <a:lstStyle/>
+          <a:p>
+            <a:r>
+              <a:rPr lang="fr-FR" sz="1600" dirty="0" smtClean="0"/>
+              <a:t>Pas de changement à envisager à cause de ce flux. Avancement est planning OK. </a:t>
+            </a:r>
+            <a:endParaRPr lang="fr-FR" sz="1600" dirty="0"/>
+          </a:p>
+        </p:txBody>
+      </p:sp>
+      <p:sp>
+        <p:nvSpPr>
+          <p:cNvPr id="35" name="Ellipse 34"/>
+          <p:cNvSpPr/>
+          <p:nvPr/>
+        </p:nvSpPr>
+        <p:spPr>
+          <a:xfrm>
+            <a:off x="5009056" y="429386"/>
+            <a:ext cx="530606" cy="555356"/>
+          </a:xfrm>
+          <a:prstGeom prst="ellipse">
+            <a:avLst/>
+          </a:prstGeom>
+          <a:solidFill>
+            <a:srgbClr val="92D050"/>
+          </a:solidFill>
+          <a:ln>
+            <a:solidFill>
+              <a:srgbClr val="92D050"/>
+            </a:solidFill>
+          </a:ln>
+        </p:spPr>
+        <p:style>
+          <a:lnRef idx="2">
+            <a:schemeClr val="accent1">
+              <a:shade val="50000"/>
+            </a:schemeClr>
+          </a:lnRef>
+          <a:fillRef idx="1">
+            <a:schemeClr val="accent1"/>
+          </a:fillRef>
+          <a:effectRef idx="0">
+            <a:schemeClr val="accent1"/>
+          </a:effectRef>
+          <a:fontRef idx="minor">
+            <a:schemeClr val="lt1"/>
+          </a:fontRef>
+        </p:style>
+        <p:txBody>
+          <a:bodyPr rtlCol="0" anchor="ctr"/>
+          <a:lstStyle/>
+          <a:p>
+            <a:pPr algn="ctr"/>
+            <a:endParaRPr lang="fr-FR"/>
+          </a:p>
+        </p:txBody>
+      </p:sp>
+      <p:sp>
+        <p:nvSpPr>
+          <p:cNvPr id="36" name="Ellipse 35"/>
+          <p:cNvSpPr/>
+          <p:nvPr/>
+        </p:nvSpPr>
+        <p:spPr>
+          <a:xfrm>
+            <a:off x="8334140" y="2997409"/>
+            <a:ext cx="180000" cy="180000"/>
+          </a:xfrm>
+          <a:prstGeom prst="ellipse">
+            <a:avLst/>
+          </a:prstGeom>
+          <a:solidFill>
+            <a:srgbClr val="FFC000"/>
+          </a:solidFill>
+          <a:ln>
+            <a:solidFill>
+              <a:srgbClr val="FFC000"/>
+            </a:solidFill>
+          </a:ln>
+        </p:spPr>
+        <p:style>
+          <a:lnRef idx="2">
+            <a:schemeClr val="accent1">
+              <a:shade val="50000"/>
+            </a:schemeClr>
+          </a:lnRef>
+          <a:fillRef idx="1">
+            <a:schemeClr val="accent1"/>
+          </a:fillRef>
+          <a:effectRef idx="0">
+            <a:schemeClr val="accent1"/>
+          </a:effectRef>
+          <a:fontRef idx="minor">
+            <a:schemeClr val="lt1"/>
+          </a:fontRef>
+        </p:style>
+        <p:txBody>
+          <a:bodyPr rtlCol="0" anchor="ctr"/>
+          <a:lstStyle/>
+          <a:p>
+            <a:pPr algn="ctr"/>
+            <a:endParaRPr lang="fr-FR" dirty="0">
+              <a:solidFill>
+                <a:srgbClr val="00B050"/>
+              </a:solidFill>
+            </a:endParaRPr>
+          </a:p>
+        </p:txBody>
+      </p:sp>
+    </p:spTree>
+  </p:cSld>
+  <p:clrMapOvr>
+    <a:masterClrMapping/>
+  </p:clrMapOvr>
+  <p:timing>
+    <p:tnLst>
+      <p:par>
+        <p:cTn id="1" dur="indefinite" restart="never" nodeType="tmRoot"/>
+      </p:par>
+    </p:tnLst>
+  </p:timing>
+</p:sld>
+</file>
+
+<file path=ppt/slides/slide14.xml><?xml version="1.0" encoding="utf-8"?>
+<p:sld xmlns:a="http://schemas.openxmlformats.org/drawingml/2006/main" xmlns:r="http://schemas.openxmlformats.org/officeDocument/2006/relationships" xmlns:p="http://schemas.openxmlformats.org/presentationml/2006/main">
+  <p:cSld>
+    <p:spTree>
+      <p:nvGrpSpPr>
+        <p:cNvPr id="1" name=""/>
+        <p:cNvGrpSpPr/>
+        <p:nvPr/>
+      </p:nvGrpSpPr>
+      <p:grpSpPr>
+        <a:xfrm>
+          <a:off x="0" y="0"/>
+          <a:ext cx="0" cy="0"/>
+          <a:chOff x="0" y="0"/>
+          <a:chExt cx="0" cy="0"/>
+        </a:xfrm>
+      </p:grpSpPr>
+      <p:sp>
+        <p:nvSpPr>
+          <p:cNvPr id="3" name="Espace réservé de la date 2"/>
+          <p:cNvSpPr>
+            <a:spLocks noGrp="1"/>
+          </p:cNvSpPr>
+          <p:nvPr>
+            <p:ph type="dt" sz="half" idx="10"/>
+          </p:nvPr>
+        </p:nvSpPr>
+        <p:spPr/>
+        <p:txBody>
+          <a:bodyPr/>
+          <a:lstStyle/>
+          <a:p>
+            <a:r>
+              <a:rPr lang="fr-FR" smtClean="0"/>
+              <a:t>20/01/2017</a:t>
+            </a:r>
+            <a:endParaRPr lang="fr-FR"/>
+          </a:p>
+        </p:txBody>
+      </p:sp>
+      <p:sp>
+        <p:nvSpPr>
+          <p:cNvPr id="4" name="Espace réservé du pied de page 3"/>
+          <p:cNvSpPr>
+            <a:spLocks noGrp="1"/>
+          </p:cNvSpPr>
+          <p:nvPr>
+            <p:ph type="ftr" sz="quarter" idx="11"/>
+          </p:nvPr>
+        </p:nvSpPr>
+        <p:spPr/>
+        <p:txBody>
+          <a:bodyPr/>
+          <a:lstStyle/>
+          <a:p>
+            <a:r>
+              <a:rPr lang="fr-FR" smtClean="0"/>
+              <a:t>ISAE-SUPAERO : SXS 002</a:t>
+            </a:r>
+            <a:endParaRPr lang="fr-FR"/>
+          </a:p>
+        </p:txBody>
+      </p:sp>
+      <p:sp>
+        <p:nvSpPr>
+          <p:cNvPr id="5" name="Espace réservé du numéro de diapositive 4"/>
+          <p:cNvSpPr>
+            <a:spLocks noGrp="1"/>
+          </p:cNvSpPr>
+          <p:nvPr>
+            <p:ph type="sldNum" sz="quarter" idx="12"/>
+          </p:nvPr>
+        </p:nvSpPr>
+        <p:spPr/>
+        <p:txBody>
+          <a:bodyPr/>
+          <a:lstStyle/>
+          <a:p>
+            <a:fld id="{B8205148-40F1-FD44-9948-BBE2F77BA4D5}" type="slidenum">
+              <a:rPr lang="fr-FR" smtClean="0"/>
+              <a:pPr/>
+              <a:t>14</a:t>
+            </a:fld>
+            <a:endParaRPr lang="fr-FR"/>
+          </a:p>
+        </p:txBody>
+      </p:sp>
+      <p:sp>
+        <p:nvSpPr>
+          <p:cNvPr id="6" name="Titre 5"/>
+          <p:cNvSpPr>
+            <a:spLocks noGrp="1"/>
+          </p:cNvSpPr>
+          <p:nvPr>
+            <p:ph type="title"/>
+          </p:nvPr>
+        </p:nvSpPr>
+        <p:spPr/>
+        <p:txBody>
+          <a:bodyPr>
+            <a:normAutofit/>
+          </a:bodyPr>
+          <a:lstStyle/>
+          <a:p>
+            <a:pPr marL="742950" indent="-742950">
+              <a:buFont typeface="+mj-lt"/>
+              <a:buAutoNum type="arabicPeriod" startAt="3"/>
+            </a:pPr>
+            <a:r>
+              <a:rPr lang="fr-FR" dirty="0" smtClean="0"/>
+              <a:t>Avancement</a:t>
+            </a:r>
+            <a:br>
+              <a:rPr lang="fr-FR" dirty="0" smtClean="0"/>
+            </a:br>
+            <a:r>
+              <a:rPr lang="fr-FR" sz="2700" dirty="0" smtClean="0">
+                <a:solidFill>
+                  <a:schemeClr val="tx2">
+                    <a:lumMod val="60000"/>
+                    <a:lumOff val="40000"/>
+                  </a:schemeClr>
+                </a:solidFill>
+              </a:rPr>
+              <a:t> </a:t>
+            </a:r>
+            <a:r>
+              <a:rPr lang="fr-FR" sz="2700" dirty="0" smtClean="0">
+                <a:solidFill>
+                  <a:schemeClr val="tx2">
+                    <a:lumMod val="60000"/>
+                    <a:lumOff val="40000"/>
+                  </a:schemeClr>
+                </a:solidFill>
+              </a:rPr>
+              <a:t>	D</a:t>
+            </a:r>
+            <a:r>
+              <a:rPr lang="fr-FR" sz="2700" dirty="0" smtClean="0">
+                <a:solidFill>
+                  <a:schemeClr val="tx2">
+                    <a:lumMod val="60000"/>
+                    <a:lumOff val="40000"/>
+                  </a:schemeClr>
+                </a:solidFill>
+              </a:rPr>
+              <a:t>. Développement</a:t>
+            </a:r>
+            <a:r>
+              <a:rPr lang="fr-FR" sz="2700" dirty="0" smtClean="0"/>
+              <a:t> </a:t>
+            </a:r>
+            <a:endParaRPr lang="fr-FR" sz="2700" dirty="0"/>
+          </a:p>
+        </p:txBody>
+      </p:sp>
+      <p:cxnSp>
+        <p:nvCxnSpPr>
+          <p:cNvPr id="8" name="Connecteur droit 7"/>
+          <p:cNvCxnSpPr/>
+          <p:nvPr/>
+        </p:nvCxnSpPr>
+        <p:spPr>
+          <a:xfrm>
+            <a:off x="4572000" y="1631852"/>
+            <a:ext cx="0" cy="3858064"/>
+          </a:xfrm>
+          <a:prstGeom prst="line">
+            <a:avLst/>
+          </a:prstGeom>
+        </p:spPr>
+        <p:style>
+          <a:lnRef idx="1">
+            <a:schemeClr val="accent1"/>
+          </a:lnRef>
+          <a:fillRef idx="0">
+            <a:schemeClr val="accent1"/>
+          </a:fillRef>
+          <a:effectRef idx="0">
+            <a:schemeClr val="accent1"/>
+          </a:effectRef>
+          <a:fontRef idx="minor">
+            <a:schemeClr val="tx1"/>
+          </a:fontRef>
+        </p:style>
+      </p:cxnSp>
+      <p:sp>
+        <p:nvSpPr>
+          <p:cNvPr id="13" name="Rectangle 12"/>
+          <p:cNvSpPr/>
+          <p:nvPr/>
+        </p:nvSpPr>
+        <p:spPr>
+          <a:xfrm>
+            <a:off x="6020972" y="274638"/>
+            <a:ext cx="2715869" cy="836710"/>
+          </a:xfrm>
+          <a:prstGeom prst="rect">
+            <a:avLst/>
+          </a:prstGeom>
+          <a:solidFill>
+            <a:schemeClr val="bg1"/>
+          </a:solidFill>
+          <a:ln/>
+          <a:effectLst/>
+        </p:spPr>
+        <p:style>
+          <a:lnRef idx="1">
+            <a:schemeClr val="accent1"/>
+          </a:lnRef>
+          <a:fillRef idx="2">
+            <a:schemeClr val="accent1"/>
+          </a:fillRef>
+          <a:effectRef idx="1">
+            <a:schemeClr val="accent1"/>
+          </a:effectRef>
+          <a:fontRef idx="minor">
+            <a:schemeClr val="dk1"/>
+          </a:fontRef>
+        </p:style>
+        <p:txBody>
+          <a:bodyPr rtlCol="0" anchor="ctr"/>
+          <a:lstStyle/>
+          <a:p>
+            <a:pPr algn="ctr"/>
+            <a:r>
+              <a:rPr lang="fr-FR" b="1" u="sng" dirty="0" smtClean="0"/>
+              <a:t>FLUX A : Donnée et visualisation – 95 %</a:t>
+            </a:r>
+            <a:endParaRPr lang="fr-FR" b="1" u="sng" dirty="0"/>
+          </a:p>
+        </p:txBody>
+      </p:sp>
+      <p:sp>
+        <p:nvSpPr>
+          <p:cNvPr id="14" name="Rectangle 13"/>
+          <p:cNvSpPr/>
+          <p:nvPr/>
+        </p:nvSpPr>
+        <p:spPr>
+          <a:xfrm>
+            <a:off x="1035989" y="1631852"/>
+            <a:ext cx="2715869" cy="836710"/>
+          </a:xfrm>
+          <a:prstGeom prst="rect">
+            <a:avLst/>
+          </a:prstGeom>
+          <a:solidFill>
+            <a:schemeClr val="bg1"/>
+          </a:solidFill>
+          <a:ln/>
+          <a:effectLst/>
+        </p:spPr>
+        <p:style>
+          <a:lnRef idx="1">
+            <a:schemeClr val="accent1"/>
+          </a:lnRef>
+          <a:fillRef idx="2">
+            <a:schemeClr val="accent1"/>
+          </a:fillRef>
+          <a:effectRef idx="1">
+            <a:schemeClr val="accent1"/>
+          </a:effectRef>
+          <a:fontRef idx="minor">
+            <a:schemeClr val="dk1"/>
+          </a:fontRef>
+        </p:style>
+        <p:txBody>
+          <a:bodyPr rtlCol="0" anchor="ctr"/>
+          <a:lstStyle/>
+          <a:p>
+            <a:pPr algn="ctr"/>
+            <a:r>
+              <a:rPr lang="fr-FR" b="1" u="sng" dirty="0" smtClean="0"/>
+              <a:t>Temps </a:t>
+            </a:r>
+            <a:endParaRPr lang="fr-FR" b="1" u="sng" dirty="0"/>
+          </a:p>
+        </p:txBody>
+      </p:sp>
+      <p:sp>
+        <p:nvSpPr>
+          <p:cNvPr id="15" name="Rectangle 14"/>
+          <p:cNvSpPr/>
+          <p:nvPr/>
+        </p:nvSpPr>
+        <p:spPr>
+          <a:xfrm>
+            <a:off x="5553589" y="1631852"/>
+            <a:ext cx="2715869" cy="836710"/>
+          </a:xfrm>
+          <a:prstGeom prst="rect">
+            <a:avLst/>
+          </a:prstGeom>
+          <a:solidFill>
+            <a:schemeClr val="bg1"/>
+          </a:solidFill>
+          <a:ln/>
+          <a:effectLst/>
+        </p:spPr>
+        <p:style>
+          <a:lnRef idx="1">
+            <a:schemeClr val="accent1"/>
+          </a:lnRef>
+          <a:fillRef idx="2">
+            <a:schemeClr val="accent1"/>
+          </a:fillRef>
+          <a:effectRef idx="1">
+            <a:schemeClr val="accent1"/>
+          </a:effectRef>
+          <a:fontRef idx="minor">
+            <a:schemeClr val="dk1"/>
+          </a:fontRef>
+        </p:style>
+        <p:txBody>
+          <a:bodyPr rtlCol="0" anchor="ctr"/>
+          <a:lstStyle/>
+          <a:p>
+            <a:pPr algn="ctr"/>
+            <a:r>
+              <a:rPr lang="fr-FR" b="1" u="sng" dirty="0" smtClean="0"/>
+              <a:t>Décomposition par phase</a:t>
+            </a:r>
+            <a:endParaRPr lang="fr-FR" b="1" u="sng" dirty="0"/>
+          </a:p>
+        </p:txBody>
+      </p:sp>
+      <p:pic>
+        <p:nvPicPr>
+          <p:cNvPr id="1026" name="Picture 2"/>
+          <p:cNvPicPr>
+            <a:picLocks noChangeAspect="1" noChangeArrowheads="1"/>
+          </p:cNvPicPr>
+          <p:nvPr/>
+        </p:nvPicPr>
+        <p:blipFill>
+          <a:blip r:embed="rId2"/>
+          <a:srcRect/>
+          <a:stretch>
+            <a:fillRect/>
+          </a:stretch>
+        </p:blipFill>
+        <p:spPr bwMode="auto">
+          <a:xfrm>
+            <a:off x="859691" y="2848398"/>
+            <a:ext cx="3060983" cy="2880000"/>
+          </a:xfrm>
+          <a:prstGeom prst="rect">
+            <a:avLst/>
+          </a:prstGeom>
+          <a:noFill/>
+          <a:ln w="9525">
+            <a:noFill/>
+            <a:miter lim="800000"/>
+            <a:headEnd/>
+            <a:tailEnd/>
+          </a:ln>
+        </p:spPr>
+      </p:pic>
+      <p:pic>
+        <p:nvPicPr>
+          <p:cNvPr id="1027" name="Picture 3" descr="C:\Users\Rémy\Downloads\newplot.png"/>
+          <p:cNvPicPr>
+            <a:picLocks noChangeAspect="1" noChangeArrowheads="1"/>
+          </p:cNvPicPr>
+          <p:nvPr/>
+        </p:nvPicPr>
+        <p:blipFill>
+          <a:blip r:embed="rId3"/>
+          <a:srcRect/>
+          <a:stretch>
+            <a:fillRect/>
+          </a:stretch>
+        </p:blipFill>
+        <p:spPr bwMode="auto">
+          <a:xfrm>
+            <a:off x="4693032" y="3087557"/>
+            <a:ext cx="4320000" cy="2468572"/>
+          </a:xfrm>
+          <a:prstGeom prst="rect">
+            <a:avLst/>
+          </a:prstGeom>
+          <a:noFill/>
+        </p:spPr>
+      </p:pic>
+    </p:spTree>
+  </p:cSld>
+  <p:clrMapOvr>
+    <a:masterClrMapping/>
+  </p:clrMapOvr>
+  <p:timing>
+    <p:tnLst>
+      <p:par>
+        <p:cTn id="1" dur="indefinite" restart="never" nodeType="tmRoot"/>
+      </p:par>
+    </p:tnLst>
+  </p:timing>
+</p:sld>
+</file>
+
+<file path=ppt/slides/slide15.xml><?xml version="1.0" encoding="utf-8"?>
+<p:sld xmlns:a="http://schemas.openxmlformats.org/drawingml/2006/main" xmlns:r="http://schemas.openxmlformats.org/officeDocument/2006/relationships" xmlns:p="http://schemas.openxmlformats.org/presentationml/2006/main">
+  <p:cSld>
+    <p:spTree>
+      <p:nvGrpSpPr>
+        <p:cNvPr id="1" name=""/>
+        <p:cNvGrpSpPr/>
+        <p:nvPr/>
+      </p:nvGrpSpPr>
+      <p:grpSpPr>
+        <a:xfrm>
+          <a:off x="0" y="0"/>
+          <a:ext cx="0" cy="0"/>
+          <a:chOff x="0" y="0"/>
+          <a:chExt cx="0" cy="0"/>
+        </a:xfrm>
+      </p:grpSpPr>
+      <p:sp>
+        <p:nvSpPr>
+          <p:cNvPr id="3" name="Espace réservé de la date 2"/>
+          <p:cNvSpPr>
+            <a:spLocks noGrp="1"/>
+          </p:cNvSpPr>
+          <p:nvPr>
+            <p:ph type="dt" sz="half" idx="10"/>
+          </p:nvPr>
+        </p:nvSpPr>
+        <p:spPr/>
+        <p:txBody>
+          <a:bodyPr/>
+          <a:lstStyle/>
+          <a:p>
+            <a:r>
+              <a:rPr lang="fr-FR" smtClean="0"/>
+              <a:t>20/01/2017</a:t>
+            </a:r>
+            <a:endParaRPr lang="fr-FR"/>
+          </a:p>
+        </p:txBody>
+      </p:sp>
+      <p:sp>
+        <p:nvSpPr>
+          <p:cNvPr id="4" name="Espace réservé du pied de page 3"/>
+          <p:cNvSpPr>
+            <a:spLocks noGrp="1"/>
+          </p:cNvSpPr>
+          <p:nvPr>
+            <p:ph type="ftr" sz="quarter" idx="11"/>
+          </p:nvPr>
+        </p:nvSpPr>
+        <p:spPr/>
+        <p:txBody>
+          <a:bodyPr/>
+          <a:lstStyle/>
+          <a:p>
+            <a:r>
+              <a:rPr lang="fr-FR" smtClean="0"/>
+              <a:t>ISAE-SUPAERO : SXS 002</a:t>
+            </a:r>
+            <a:endParaRPr lang="fr-FR"/>
+          </a:p>
+        </p:txBody>
+      </p:sp>
+      <p:sp>
+        <p:nvSpPr>
+          <p:cNvPr id="5" name="Espace réservé du numéro de diapositive 4"/>
+          <p:cNvSpPr>
+            <a:spLocks noGrp="1"/>
+          </p:cNvSpPr>
+          <p:nvPr>
+            <p:ph type="sldNum" sz="quarter" idx="12"/>
+          </p:nvPr>
+        </p:nvSpPr>
+        <p:spPr/>
+        <p:txBody>
+          <a:bodyPr/>
+          <a:lstStyle/>
+          <a:p>
+            <a:fld id="{B8205148-40F1-FD44-9948-BBE2F77BA4D5}" type="slidenum">
+              <a:rPr lang="fr-FR" smtClean="0"/>
+              <a:pPr/>
+              <a:t>15</a:t>
+            </a:fld>
+            <a:endParaRPr lang="fr-FR"/>
+          </a:p>
+        </p:txBody>
+      </p:sp>
+      <p:sp>
+        <p:nvSpPr>
+          <p:cNvPr id="6" name="Titre 5"/>
+          <p:cNvSpPr>
+            <a:spLocks noGrp="1"/>
+          </p:cNvSpPr>
+          <p:nvPr>
+            <p:ph type="title"/>
+          </p:nvPr>
+        </p:nvSpPr>
+        <p:spPr/>
+        <p:txBody>
+          <a:bodyPr>
+            <a:normAutofit/>
+          </a:bodyPr>
+          <a:lstStyle/>
+          <a:p>
+            <a:pPr marL="742950" indent="-742950">
+              <a:buFont typeface="+mj-lt"/>
+              <a:buAutoNum type="arabicPeriod" startAt="3"/>
+            </a:pPr>
+            <a:r>
+              <a:rPr lang="fr-FR" dirty="0" smtClean="0"/>
+              <a:t>Avancement</a:t>
+            </a:r>
+            <a:br>
+              <a:rPr lang="fr-FR" dirty="0" smtClean="0"/>
+            </a:br>
+            <a:r>
+              <a:rPr lang="fr-FR" sz="2700" dirty="0" smtClean="0">
+                <a:solidFill>
+                  <a:schemeClr val="tx2">
+                    <a:lumMod val="60000"/>
+                    <a:lumOff val="40000"/>
+                  </a:schemeClr>
+                </a:solidFill>
+              </a:rPr>
+              <a:t> </a:t>
+            </a:r>
+            <a:r>
+              <a:rPr lang="fr-FR" sz="2700" dirty="0" smtClean="0">
+                <a:solidFill>
+                  <a:schemeClr val="tx2">
+                    <a:lumMod val="60000"/>
+                    <a:lumOff val="40000"/>
+                  </a:schemeClr>
+                </a:solidFill>
+              </a:rPr>
+              <a:t>	D</a:t>
+            </a:r>
+            <a:r>
+              <a:rPr lang="fr-FR" sz="2700" dirty="0" smtClean="0">
+                <a:solidFill>
+                  <a:schemeClr val="tx2">
+                    <a:lumMod val="60000"/>
+                    <a:lumOff val="40000"/>
+                  </a:schemeClr>
+                </a:solidFill>
+              </a:rPr>
+              <a:t>. Développement</a:t>
+            </a:r>
+            <a:r>
+              <a:rPr lang="fr-FR" sz="2700" dirty="0" smtClean="0"/>
+              <a:t> </a:t>
+            </a:r>
+            <a:endParaRPr lang="fr-FR" sz="2700" dirty="0"/>
+          </a:p>
+        </p:txBody>
+      </p:sp>
+      <p:sp>
+        <p:nvSpPr>
+          <p:cNvPr id="13" name="Rectangle 12"/>
+          <p:cNvSpPr/>
+          <p:nvPr/>
+        </p:nvSpPr>
+        <p:spPr>
+          <a:xfrm>
+            <a:off x="6020972" y="274638"/>
+            <a:ext cx="2715869" cy="836710"/>
+          </a:xfrm>
+          <a:prstGeom prst="rect">
+            <a:avLst/>
+          </a:prstGeom>
+          <a:solidFill>
+            <a:schemeClr val="bg1"/>
+          </a:solidFill>
+          <a:ln/>
+          <a:effectLst/>
+        </p:spPr>
+        <p:style>
+          <a:lnRef idx="1">
+            <a:schemeClr val="accent1"/>
+          </a:lnRef>
+          <a:fillRef idx="2">
+            <a:schemeClr val="accent1"/>
+          </a:fillRef>
+          <a:effectRef idx="1">
+            <a:schemeClr val="accent1"/>
+          </a:effectRef>
+          <a:fontRef idx="minor">
+            <a:schemeClr val="dk1"/>
+          </a:fontRef>
+        </p:style>
+        <p:txBody>
+          <a:bodyPr rtlCol="0" anchor="ctr"/>
+          <a:lstStyle/>
+          <a:p>
+            <a:pPr algn="ctr"/>
+            <a:r>
+              <a:rPr lang="fr-FR" b="1" u="sng" dirty="0" smtClean="0"/>
+              <a:t>FLUX A : Donnée et visualisation – 95 %</a:t>
+            </a:r>
+            <a:endParaRPr lang="fr-FR" b="1" u="sng" dirty="0"/>
+          </a:p>
+        </p:txBody>
+      </p:sp>
+      <p:sp>
+        <p:nvSpPr>
+          <p:cNvPr id="14" name="Rectangle 13"/>
+          <p:cNvSpPr/>
+          <p:nvPr/>
+        </p:nvSpPr>
+        <p:spPr>
+          <a:xfrm>
+            <a:off x="280549" y="2468562"/>
+            <a:ext cx="2715869" cy="836710"/>
+          </a:xfrm>
+          <a:prstGeom prst="rect">
+            <a:avLst/>
+          </a:prstGeom>
+          <a:solidFill>
+            <a:schemeClr val="bg1"/>
+          </a:solidFill>
+          <a:ln/>
+          <a:effectLst/>
+        </p:spPr>
+        <p:style>
+          <a:lnRef idx="1">
+            <a:schemeClr val="accent1"/>
+          </a:lnRef>
+          <a:fillRef idx="2">
+            <a:schemeClr val="accent1"/>
+          </a:fillRef>
+          <a:effectRef idx="1">
+            <a:schemeClr val="accent1"/>
+          </a:effectRef>
+          <a:fontRef idx="minor">
+            <a:schemeClr val="dk1"/>
+          </a:fontRef>
+        </p:style>
+        <p:txBody>
+          <a:bodyPr rtlCol="0" anchor="ctr"/>
+          <a:lstStyle/>
+          <a:p>
+            <a:pPr algn="ctr"/>
+            <a:r>
+              <a:rPr lang="fr-FR" b="1" u="sng" dirty="0" err="1" smtClean="0"/>
+              <a:t>HeatMap</a:t>
+            </a:r>
+            <a:r>
+              <a:rPr lang="fr-FR" b="1" u="sng" dirty="0" smtClean="0"/>
+              <a:t> </a:t>
+            </a:r>
+            <a:endParaRPr lang="fr-FR" b="1" u="sng" dirty="0"/>
+          </a:p>
+        </p:txBody>
+      </p:sp>
+      <p:pic>
+        <p:nvPicPr>
+          <p:cNvPr id="3074" name="Picture 2" descr="hm_regul_target_percent_time_over_threshold_all"/>
+          <p:cNvPicPr>
+            <a:picLocks noChangeAspect="1" noChangeArrowheads="1"/>
+          </p:cNvPicPr>
+          <p:nvPr/>
+        </p:nvPicPr>
+        <p:blipFill>
+          <a:blip r:embed="rId2"/>
+          <a:srcRect/>
+          <a:stretch>
+            <a:fillRect/>
+          </a:stretch>
+        </p:blipFill>
+        <p:spPr bwMode="auto">
+          <a:xfrm>
+            <a:off x="3448799" y="1367944"/>
+            <a:ext cx="5564233" cy="5040000"/>
+          </a:xfrm>
+          <a:prstGeom prst="rect">
+            <a:avLst/>
+          </a:prstGeom>
+          <a:noFill/>
+          <a:ln w="9525">
+            <a:noFill/>
+            <a:miter lim="800000"/>
+            <a:headEnd/>
+            <a:tailEnd/>
+          </a:ln>
+        </p:spPr>
+      </p:pic>
+    </p:spTree>
+  </p:cSld>
+  <p:clrMapOvr>
+    <a:masterClrMapping/>
+  </p:clrMapOvr>
+  <p:timing>
+    <p:tnLst>
+      <p:par>
+        <p:cTn id="1" dur="indefinite" restart="never" nodeType="tmRoot"/>
+      </p:par>
+    </p:tnLst>
+  </p:timing>
+</p:sld>
+</file>
+
+<file path=ppt/slides/slide16.xml><?xml version="1.0" encoding="utf-8"?>
+<p:sld xmlns:a="http://schemas.openxmlformats.org/drawingml/2006/main" xmlns:r="http://schemas.openxmlformats.org/officeDocument/2006/relationships" xmlns:p="http://schemas.openxmlformats.org/presentationml/2006/main">
+  <p:cSld>
+    <p:spTree>
+      <p:nvGrpSpPr>
+        <p:cNvPr id="1" name=""/>
+        <p:cNvGrpSpPr/>
+        <p:nvPr/>
+      </p:nvGrpSpPr>
+      <p:grpSpPr>
+        <a:xfrm>
+          <a:off x="0" y="0"/>
+          <a:ext cx="0" cy="0"/>
+          <a:chOff x="0" y="0"/>
+          <a:chExt cx="0" cy="0"/>
+        </a:xfrm>
+      </p:grpSpPr>
+      <p:sp>
+        <p:nvSpPr>
+          <p:cNvPr id="3" name="Espace réservé de la date 2"/>
+          <p:cNvSpPr>
+            <a:spLocks noGrp="1"/>
+          </p:cNvSpPr>
+          <p:nvPr>
+            <p:ph type="dt" sz="half" idx="10"/>
+          </p:nvPr>
+        </p:nvSpPr>
+        <p:spPr/>
+        <p:txBody>
+          <a:bodyPr/>
+          <a:lstStyle/>
+          <a:p>
+            <a:r>
+              <a:rPr lang="fr-FR" smtClean="0"/>
+              <a:t>20/01/2017</a:t>
+            </a:r>
+            <a:endParaRPr lang="fr-FR"/>
+          </a:p>
+        </p:txBody>
+      </p:sp>
+      <p:sp>
+        <p:nvSpPr>
+          <p:cNvPr id="4" name="Espace réservé du pied de page 3"/>
+          <p:cNvSpPr>
+            <a:spLocks noGrp="1"/>
+          </p:cNvSpPr>
+          <p:nvPr>
+            <p:ph type="ftr" sz="quarter" idx="11"/>
+          </p:nvPr>
+        </p:nvSpPr>
+        <p:spPr/>
+        <p:txBody>
+          <a:bodyPr/>
+          <a:lstStyle/>
+          <a:p>
+            <a:r>
+              <a:rPr lang="fr-FR" smtClean="0"/>
+              <a:t>ISAE-SUPAERO : SXS 002</a:t>
+            </a:r>
+            <a:endParaRPr lang="fr-FR"/>
+          </a:p>
+        </p:txBody>
+      </p:sp>
+      <p:sp>
+        <p:nvSpPr>
+          <p:cNvPr id="5" name="Espace réservé du numéro de diapositive 4"/>
+          <p:cNvSpPr>
+            <a:spLocks noGrp="1"/>
+          </p:cNvSpPr>
+          <p:nvPr>
+            <p:ph type="sldNum" sz="quarter" idx="12"/>
+          </p:nvPr>
+        </p:nvSpPr>
+        <p:spPr/>
+        <p:txBody>
+          <a:bodyPr/>
+          <a:lstStyle/>
+          <a:p>
+            <a:fld id="{B8205148-40F1-FD44-9948-BBE2F77BA4D5}" type="slidenum">
+              <a:rPr lang="fr-FR" smtClean="0"/>
+              <a:pPr/>
+              <a:t>16</a:t>
+            </a:fld>
+            <a:endParaRPr lang="fr-FR"/>
+          </a:p>
+        </p:txBody>
+      </p:sp>
+      <p:sp>
+        <p:nvSpPr>
+          <p:cNvPr id="6" name="Titre 5"/>
+          <p:cNvSpPr>
+            <a:spLocks noGrp="1"/>
+          </p:cNvSpPr>
+          <p:nvPr>
+            <p:ph type="title"/>
+          </p:nvPr>
+        </p:nvSpPr>
+        <p:spPr/>
+        <p:txBody>
+          <a:bodyPr>
+            <a:normAutofit fontScale="90000"/>
+          </a:bodyPr>
+          <a:lstStyle/>
+          <a:p>
+            <a:pPr marL="742950" indent="-742950">
+              <a:buFont typeface="+mj-lt"/>
+              <a:buAutoNum type="arabicPeriod" startAt="3"/>
+            </a:pPr>
+            <a:r>
+              <a:rPr lang="fr-FR" dirty="0" smtClean="0"/>
+              <a:t>Avancement</a:t>
+            </a:r>
+            <a:br>
+              <a:rPr lang="fr-FR" dirty="0" smtClean="0"/>
+            </a:br>
+            <a:r>
+              <a:rPr lang="fr-FR" sz="4400" dirty="0" smtClean="0">
+                <a:solidFill>
+                  <a:schemeClr val="tx2">
+                    <a:lumMod val="60000"/>
+                    <a:lumOff val="40000"/>
+                  </a:schemeClr>
+                </a:solidFill>
+              </a:rPr>
+              <a:t> </a:t>
+            </a:r>
+            <a:r>
+              <a:rPr lang="fr-FR" sz="2700" dirty="0" smtClean="0">
+                <a:solidFill>
+                  <a:schemeClr val="tx2">
+                    <a:lumMod val="60000"/>
+                    <a:lumOff val="40000"/>
+                  </a:schemeClr>
+                </a:solidFill>
+              </a:rPr>
+              <a:t>D. Développement</a:t>
+            </a:r>
+            <a:r>
+              <a:rPr lang="fr-FR" sz="2700" dirty="0" smtClean="0"/>
+              <a:t> </a:t>
+            </a:r>
+            <a:endParaRPr lang="fr-FR" sz="2700" dirty="0"/>
+          </a:p>
+        </p:txBody>
+      </p:sp>
+      <p:grpSp>
+        <p:nvGrpSpPr>
+          <p:cNvPr id="2" name="Espace réservé du contenu 6"/>
+          <p:cNvGrpSpPr>
+            <a:grpSpLocks noGrp="1"/>
+          </p:cNvGrpSpPr>
+          <p:nvPr>
+            <p:ph idx="1"/>
+          </p:nvPr>
+        </p:nvGrpSpPr>
+        <p:grpSpPr>
+          <a:xfrm>
+            <a:off x="507241" y="1342682"/>
+            <a:ext cx="8229600" cy="4601899"/>
+            <a:chOff x="679939" y="1277634"/>
+            <a:chExt cx="7876443" cy="5028028"/>
+          </a:xfrm>
+        </p:grpSpPr>
+        <p:sp>
+          <p:nvSpPr>
+            <p:cNvPr id="8" name="RbNavigator"/>
+            <p:cNvSpPr/>
+            <p:nvPr/>
+          </p:nvSpPr>
+          <p:spPr>
+            <a:xfrm>
+              <a:off x="679939" y="1420826"/>
+              <a:ext cx="253218" cy="274319"/>
+            </a:xfrm>
+            <a:prstGeom prst="rect">
+              <a:avLst/>
+            </a:prstGeom>
+            <a:solidFill>
+              <a:schemeClr val="bg2">
+                <a:lumMod val="50000"/>
+              </a:schemeClr>
+            </a:solidFill>
+            <a:ln w="9525" cmpd="sng">
+              <a:noFill/>
+            </a:ln>
+            <a:effectLst/>
+          </p:spPr>
+          <p:style>
+            <a:lnRef idx="2">
+              <a:schemeClr val="accent1">
+                <a:shade val="50000"/>
+              </a:schemeClr>
+            </a:lnRef>
+            <a:fillRef idx="1">
+              <a:schemeClr val="accent1"/>
+            </a:fillRef>
+            <a:effectRef idx="0">
+              <a:schemeClr val="accent1"/>
+            </a:effectRef>
+            <a:fontRef idx="minor">
+              <a:schemeClr val="lt1"/>
+            </a:fontRef>
+          </p:style>
+          <p:txBody>
+            <a:bodyPr lIns="0" tIns="0" rIns="0" bIns="0" rtlCol="0" anchor="ctr">
+              <a:noAutofit/>
+            </a:bodyPr>
+            <a:lstStyle/>
+            <a:p>
+              <a:pPr algn="ctr">
+                <a:buSzPct val="100000"/>
+                <a:buFont typeface="Arial"/>
+              </a:pPr>
+              <a:r>
+                <a:rPr kumimoji="1" lang="en-US" sz="1300" b="1" dirty="0" smtClean="0">
+                  <a:solidFill>
+                    <a:schemeClr val="bg1"/>
+                  </a:solidFill>
+                  <a:cs typeface="Arial" pitchFamily="34" charset="0"/>
+                </a:rPr>
+                <a:t>1</a:t>
+              </a:r>
+            </a:p>
+          </p:txBody>
+        </p:sp>
+        <p:sp>
+          <p:nvSpPr>
+            <p:cNvPr id="9" name="Textframe 11"/>
+            <p:cNvSpPr>
+              <a:spLocks noChangeArrowheads="1"/>
+            </p:cNvSpPr>
+            <p:nvPr/>
+          </p:nvSpPr>
+          <p:spPr bwMode="auto">
+            <a:xfrm>
+              <a:off x="1015499" y="1454162"/>
+              <a:ext cx="3078491" cy="230832"/>
+            </a:xfrm>
+            <a:prstGeom prst="rect">
+              <a:avLst/>
+            </a:prstGeom>
+            <a:noFill/>
+            <a:ln w="6350">
+              <a:noFill/>
+              <a:miter lim="800000"/>
+              <a:headEnd/>
+              <a:tailEnd/>
+            </a:ln>
+            <a:effectLst/>
+          </p:spPr>
+          <p:txBody>
+            <a:bodyPr wrap="square" lIns="0" tIns="0" rIns="0" bIns="0">
+              <a:spAutoFit/>
+            </a:bodyPr>
+            <a:lstStyle>
+              <a:defPPr>
+                <a:defRPr lang="de-DE"/>
+              </a:defPPr>
+              <a:lvl1pPr algn="l" rtl="0" fontAlgn="base">
+                <a:spcBef>
+                  <a:spcPct val="0"/>
+                </a:spcBef>
+                <a:spcAft>
+                  <a:spcPct val="0"/>
+                </a:spcAft>
+                <a:defRPr sz="1300" b="1" kern="1200">
+                  <a:solidFill>
+                    <a:schemeClr val="tx1"/>
+                  </a:solidFill>
+                  <a:latin typeface="Arial" charset="0"/>
+                  <a:ea typeface="+mn-ea"/>
+                  <a:cs typeface="+mn-cs"/>
+                </a:defRPr>
+              </a:lvl1pPr>
+              <a:lvl2pPr marL="457200" algn="l" rtl="0" fontAlgn="base">
+                <a:spcBef>
+                  <a:spcPct val="0"/>
+                </a:spcBef>
+                <a:spcAft>
+                  <a:spcPct val="0"/>
+                </a:spcAft>
+                <a:defRPr sz="1300" b="1" kern="1200">
+                  <a:solidFill>
+                    <a:schemeClr val="tx1"/>
+                  </a:solidFill>
+                  <a:latin typeface="Arial" charset="0"/>
+                  <a:ea typeface="+mn-ea"/>
+                  <a:cs typeface="+mn-cs"/>
+                </a:defRPr>
+              </a:lvl2pPr>
+              <a:lvl3pPr marL="914400" algn="l" rtl="0" fontAlgn="base">
+                <a:spcBef>
+                  <a:spcPct val="0"/>
+                </a:spcBef>
+                <a:spcAft>
+                  <a:spcPct val="0"/>
+                </a:spcAft>
+                <a:defRPr sz="1300" b="1" kern="1200">
+                  <a:solidFill>
+                    <a:schemeClr val="tx1"/>
+                  </a:solidFill>
+                  <a:latin typeface="Arial" charset="0"/>
+                  <a:ea typeface="+mn-ea"/>
+                  <a:cs typeface="+mn-cs"/>
+                </a:defRPr>
+              </a:lvl3pPr>
+              <a:lvl4pPr marL="1371600" algn="l" rtl="0" fontAlgn="base">
+                <a:spcBef>
+                  <a:spcPct val="0"/>
+                </a:spcBef>
+                <a:spcAft>
+                  <a:spcPct val="0"/>
+                </a:spcAft>
+                <a:defRPr sz="1300" b="1" kern="1200">
+                  <a:solidFill>
+                    <a:schemeClr val="tx1"/>
+                  </a:solidFill>
+                  <a:latin typeface="Arial" charset="0"/>
+                  <a:ea typeface="+mn-ea"/>
+                  <a:cs typeface="+mn-cs"/>
+                </a:defRPr>
+              </a:lvl4pPr>
+              <a:lvl5pPr marL="1828800" algn="l" rtl="0" fontAlgn="base">
+                <a:spcBef>
+                  <a:spcPct val="0"/>
+                </a:spcBef>
+                <a:spcAft>
+                  <a:spcPct val="0"/>
+                </a:spcAft>
+                <a:defRPr sz="1300" b="1" kern="1200">
+                  <a:solidFill>
+                    <a:schemeClr val="tx1"/>
+                  </a:solidFill>
+                  <a:latin typeface="Arial" charset="0"/>
+                  <a:ea typeface="+mn-ea"/>
+                  <a:cs typeface="+mn-cs"/>
+                </a:defRPr>
+              </a:lvl5pPr>
+              <a:lvl6pPr marL="2286000" algn="l" defTabSz="914400" rtl="0" eaLnBrk="1" latinLnBrk="0" hangingPunct="1">
+                <a:defRPr sz="1300" b="1" kern="1200">
+                  <a:solidFill>
+                    <a:schemeClr val="tx1"/>
+                  </a:solidFill>
+                  <a:latin typeface="Arial" charset="0"/>
+                  <a:ea typeface="+mn-ea"/>
+                  <a:cs typeface="+mn-cs"/>
+                </a:defRPr>
+              </a:lvl6pPr>
+              <a:lvl7pPr marL="2743200" algn="l" defTabSz="914400" rtl="0" eaLnBrk="1" latinLnBrk="0" hangingPunct="1">
+                <a:defRPr sz="1300" b="1" kern="1200">
+                  <a:solidFill>
+                    <a:schemeClr val="tx1"/>
+                  </a:solidFill>
+                  <a:latin typeface="Arial" charset="0"/>
+                  <a:ea typeface="+mn-ea"/>
+                  <a:cs typeface="+mn-cs"/>
+                </a:defRPr>
+              </a:lvl7pPr>
+              <a:lvl8pPr marL="3200400" algn="l" defTabSz="914400" rtl="0" eaLnBrk="1" latinLnBrk="0" hangingPunct="1">
+                <a:defRPr sz="1300" b="1" kern="1200">
+                  <a:solidFill>
+                    <a:schemeClr val="tx1"/>
+                  </a:solidFill>
+                  <a:latin typeface="Arial" charset="0"/>
+                  <a:ea typeface="+mn-ea"/>
+                  <a:cs typeface="+mn-cs"/>
+                </a:defRPr>
+              </a:lvl8pPr>
+              <a:lvl9pPr marL="3657600" algn="l" defTabSz="914400" rtl="0" eaLnBrk="1" latinLnBrk="0" hangingPunct="1">
+                <a:defRPr sz="1300" b="1" kern="1200">
+                  <a:solidFill>
+                    <a:schemeClr val="tx1"/>
+                  </a:solidFill>
+                  <a:latin typeface="Arial" charset="0"/>
+                  <a:ea typeface="+mn-ea"/>
+                  <a:cs typeface="+mn-cs"/>
+                </a:defRPr>
+              </a:lvl9pPr>
+            </a:lstStyle>
+            <a:p>
+              <a:pPr defTabSz="330200">
+                <a:buClr>
+                  <a:srgbClr val="000000"/>
+                </a:buClr>
+                <a:buSzPct val="100000"/>
+                <a:buFont typeface="Arial"/>
+              </a:pPr>
+              <a:r>
+                <a:rPr lang="fr-FR" altLang="de-DE" sz="1500" dirty="0" smtClean="0">
+                  <a:latin typeface="+mn-lt"/>
+                </a:rPr>
+                <a:t>Statuts synthétique </a:t>
+              </a:r>
+              <a:endParaRPr lang="fr-FR" altLang="de-DE" sz="1500" b="0" dirty="0">
+                <a:latin typeface="+mn-lt"/>
+              </a:endParaRPr>
+            </a:p>
+          </p:txBody>
+        </p:sp>
+        <p:sp>
+          <p:nvSpPr>
+            <p:cNvPr id="10" name="RbNavigator"/>
+            <p:cNvSpPr/>
+            <p:nvPr/>
+          </p:nvSpPr>
+          <p:spPr>
+            <a:xfrm>
+              <a:off x="4929186" y="1420826"/>
+              <a:ext cx="253218" cy="274319"/>
+            </a:xfrm>
+            <a:prstGeom prst="rect">
+              <a:avLst/>
+            </a:prstGeom>
+            <a:solidFill>
+              <a:schemeClr val="bg2">
+                <a:lumMod val="50000"/>
+              </a:schemeClr>
+            </a:solidFill>
+            <a:ln w="9525" cmpd="sng">
+              <a:solidFill>
+                <a:schemeClr val="accent1"/>
+              </a:solidFill>
+            </a:ln>
+            <a:effectLst/>
+          </p:spPr>
+          <p:style>
+            <a:lnRef idx="2">
+              <a:schemeClr val="accent1">
+                <a:shade val="50000"/>
+              </a:schemeClr>
+            </a:lnRef>
+            <a:fillRef idx="1">
+              <a:schemeClr val="accent1"/>
+            </a:fillRef>
+            <a:effectRef idx="0">
+              <a:schemeClr val="accent1"/>
+            </a:effectRef>
+            <a:fontRef idx="minor">
+              <a:schemeClr val="lt1"/>
+            </a:fontRef>
+          </p:style>
+          <p:txBody>
+            <a:bodyPr lIns="0" tIns="0" rIns="0" bIns="0" rtlCol="0" anchor="ctr">
+              <a:noAutofit/>
+            </a:bodyPr>
+            <a:lstStyle/>
+            <a:p>
+              <a:pPr algn="ctr">
+                <a:buSzPct val="100000"/>
+                <a:buFont typeface="Arial"/>
+              </a:pPr>
+              <a:r>
+                <a:rPr kumimoji="1" lang="en-US" sz="1300" b="1" dirty="0" smtClean="0">
+                  <a:solidFill>
+                    <a:schemeClr val="bg1"/>
+                  </a:solidFill>
+                  <a:cs typeface="Arial" pitchFamily="34" charset="0"/>
+                </a:rPr>
+                <a:t>2</a:t>
+              </a:r>
+            </a:p>
+          </p:txBody>
+        </p:sp>
+        <p:sp>
+          <p:nvSpPr>
+            <p:cNvPr id="11" name="Textframe 11"/>
+            <p:cNvSpPr>
+              <a:spLocks noChangeArrowheads="1"/>
+            </p:cNvSpPr>
+            <p:nvPr/>
+          </p:nvSpPr>
+          <p:spPr bwMode="auto">
+            <a:xfrm>
+              <a:off x="5264746" y="1277634"/>
+              <a:ext cx="3078491" cy="461666"/>
+            </a:xfrm>
+            <a:prstGeom prst="rect">
+              <a:avLst/>
+            </a:prstGeom>
+            <a:noFill/>
+            <a:ln w="6350">
+              <a:noFill/>
+              <a:miter lim="800000"/>
+              <a:headEnd/>
+              <a:tailEnd/>
+            </a:ln>
+            <a:effectLst/>
+          </p:spPr>
+          <p:txBody>
+            <a:bodyPr wrap="square" lIns="0" tIns="0" rIns="0" bIns="0">
+              <a:spAutoFit/>
+            </a:bodyPr>
+            <a:lstStyle>
+              <a:defPPr>
+                <a:defRPr lang="de-DE"/>
+              </a:defPPr>
+              <a:lvl1pPr algn="l" rtl="0" fontAlgn="base">
+                <a:spcBef>
+                  <a:spcPct val="0"/>
+                </a:spcBef>
+                <a:spcAft>
+                  <a:spcPct val="0"/>
+                </a:spcAft>
+                <a:defRPr sz="1300" b="1" kern="1200">
+                  <a:solidFill>
+                    <a:schemeClr val="tx1"/>
+                  </a:solidFill>
+                  <a:latin typeface="Arial" charset="0"/>
+                  <a:ea typeface="+mn-ea"/>
+                  <a:cs typeface="+mn-cs"/>
+                </a:defRPr>
+              </a:lvl1pPr>
+              <a:lvl2pPr marL="457200" algn="l" rtl="0" fontAlgn="base">
+                <a:spcBef>
+                  <a:spcPct val="0"/>
+                </a:spcBef>
+                <a:spcAft>
+                  <a:spcPct val="0"/>
+                </a:spcAft>
+                <a:defRPr sz="1300" b="1" kern="1200">
+                  <a:solidFill>
+                    <a:schemeClr val="tx1"/>
+                  </a:solidFill>
+                  <a:latin typeface="Arial" charset="0"/>
+                  <a:ea typeface="+mn-ea"/>
+                  <a:cs typeface="+mn-cs"/>
+                </a:defRPr>
+              </a:lvl2pPr>
+              <a:lvl3pPr marL="914400" algn="l" rtl="0" fontAlgn="base">
+                <a:spcBef>
+                  <a:spcPct val="0"/>
+                </a:spcBef>
+                <a:spcAft>
+                  <a:spcPct val="0"/>
+                </a:spcAft>
+                <a:defRPr sz="1300" b="1" kern="1200">
+                  <a:solidFill>
+                    <a:schemeClr val="tx1"/>
+                  </a:solidFill>
+                  <a:latin typeface="Arial" charset="0"/>
+                  <a:ea typeface="+mn-ea"/>
+                  <a:cs typeface="+mn-cs"/>
+                </a:defRPr>
+              </a:lvl3pPr>
+              <a:lvl4pPr marL="1371600" algn="l" rtl="0" fontAlgn="base">
+                <a:spcBef>
+                  <a:spcPct val="0"/>
+                </a:spcBef>
+                <a:spcAft>
+                  <a:spcPct val="0"/>
+                </a:spcAft>
+                <a:defRPr sz="1300" b="1" kern="1200">
+                  <a:solidFill>
+                    <a:schemeClr val="tx1"/>
+                  </a:solidFill>
+                  <a:latin typeface="Arial" charset="0"/>
+                  <a:ea typeface="+mn-ea"/>
+                  <a:cs typeface="+mn-cs"/>
+                </a:defRPr>
+              </a:lvl4pPr>
+              <a:lvl5pPr marL="1828800" algn="l" rtl="0" fontAlgn="base">
+                <a:spcBef>
+                  <a:spcPct val="0"/>
+                </a:spcBef>
+                <a:spcAft>
+                  <a:spcPct val="0"/>
+                </a:spcAft>
+                <a:defRPr sz="1300" b="1" kern="1200">
+                  <a:solidFill>
+                    <a:schemeClr val="tx1"/>
+                  </a:solidFill>
+                  <a:latin typeface="Arial" charset="0"/>
+                  <a:ea typeface="+mn-ea"/>
+                  <a:cs typeface="+mn-cs"/>
+                </a:defRPr>
+              </a:lvl5pPr>
+              <a:lvl6pPr marL="2286000" algn="l" defTabSz="914400" rtl="0" eaLnBrk="1" latinLnBrk="0" hangingPunct="1">
+                <a:defRPr sz="1300" b="1" kern="1200">
+                  <a:solidFill>
+                    <a:schemeClr val="tx1"/>
+                  </a:solidFill>
+                  <a:latin typeface="Arial" charset="0"/>
+                  <a:ea typeface="+mn-ea"/>
+                  <a:cs typeface="+mn-cs"/>
+                </a:defRPr>
+              </a:lvl6pPr>
+              <a:lvl7pPr marL="2743200" algn="l" defTabSz="914400" rtl="0" eaLnBrk="1" latinLnBrk="0" hangingPunct="1">
+                <a:defRPr sz="1300" b="1" kern="1200">
+                  <a:solidFill>
+                    <a:schemeClr val="tx1"/>
+                  </a:solidFill>
+                  <a:latin typeface="Arial" charset="0"/>
+                  <a:ea typeface="+mn-ea"/>
+                  <a:cs typeface="+mn-cs"/>
+                </a:defRPr>
+              </a:lvl7pPr>
+              <a:lvl8pPr marL="3200400" algn="l" defTabSz="914400" rtl="0" eaLnBrk="1" latinLnBrk="0" hangingPunct="1">
+                <a:defRPr sz="1300" b="1" kern="1200">
+                  <a:solidFill>
+                    <a:schemeClr val="tx1"/>
+                  </a:solidFill>
+                  <a:latin typeface="Arial" charset="0"/>
+                  <a:ea typeface="+mn-ea"/>
+                  <a:cs typeface="+mn-cs"/>
+                </a:defRPr>
+              </a:lvl8pPr>
+              <a:lvl9pPr marL="3657600" algn="l" defTabSz="914400" rtl="0" eaLnBrk="1" latinLnBrk="0" hangingPunct="1">
+                <a:defRPr sz="1300" b="1" kern="1200">
+                  <a:solidFill>
+                    <a:schemeClr val="tx1"/>
+                  </a:solidFill>
+                  <a:latin typeface="Arial" charset="0"/>
+                  <a:ea typeface="+mn-ea"/>
+                  <a:cs typeface="+mn-cs"/>
+                </a:defRPr>
+              </a:lvl9pPr>
+            </a:lstStyle>
+            <a:p>
+              <a:pPr defTabSz="330200">
+                <a:buClr>
+                  <a:srgbClr val="000000"/>
+                </a:buClr>
+                <a:buSzPct val="100000"/>
+                <a:buFont typeface="Arial"/>
+              </a:pPr>
+              <a:r>
+                <a:rPr lang="fr-FR" altLang="de-DE" sz="1500" dirty="0" smtClean="0">
+                  <a:latin typeface="+mn-lt"/>
+                </a:rPr>
+                <a:t>Description des principaux risque et problème </a:t>
+              </a:r>
+              <a:endParaRPr lang="fr-FR" altLang="de-DE" sz="1500" b="0" dirty="0">
+                <a:latin typeface="+mn-lt"/>
+              </a:endParaRPr>
+            </a:p>
+          </p:txBody>
+        </p:sp>
+        <p:sp>
+          <p:nvSpPr>
+            <p:cNvPr id="12" name="RbNavigator"/>
+            <p:cNvSpPr/>
+            <p:nvPr>
+              <p:custDataLst>
+                <p:tags r:id="rId1"/>
+              </p:custDataLst>
+            </p:nvPr>
+          </p:nvSpPr>
+          <p:spPr>
+            <a:xfrm>
+              <a:off x="679939" y="6020120"/>
+              <a:ext cx="253218" cy="274319"/>
+            </a:xfrm>
+            <a:prstGeom prst="rect">
+              <a:avLst/>
+            </a:prstGeom>
+            <a:solidFill>
+              <a:schemeClr val="bg2">
+                <a:lumMod val="50000"/>
+              </a:schemeClr>
+            </a:solidFill>
+            <a:ln w="9525" cmpd="sng">
+              <a:noFill/>
+            </a:ln>
+            <a:effectLst/>
+          </p:spPr>
+          <p:style>
+            <a:lnRef idx="2">
+              <a:schemeClr val="accent1">
+                <a:shade val="50000"/>
+              </a:schemeClr>
+            </a:lnRef>
+            <a:fillRef idx="1">
+              <a:schemeClr val="accent1"/>
+            </a:fillRef>
+            <a:effectRef idx="0">
+              <a:schemeClr val="accent1"/>
+            </a:effectRef>
+            <a:fontRef idx="minor">
+              <a:schemeClr val="lt1"/>
+            </a:fontRef>
+          </p:style>
+          <p:txBody>
+            <a:bodyPr lIns="0" tIns="0" rIns="0" bIns="0" rtlCol="0" anchor="ctr">
+              <a:noAutofit/>
+            </a:bodyPr>
+            <a:lstStyle/>
+            <a:p>
+              <a:pPr algn="ctr">
+                <a:buSzPct val="100000"/>
+                <a:buFont typeface="Arial"/>
+              </a:pPr>
+              <a:r>
+                <a:rPr kumimoji="1" lang="en-US" sz="1300" b="1" dirty="0" smtClean="0">
+                  <a:solidFill>
+                    <a:schemeClr val="bg1"/>
+                  </a:solidFill>
+                  <a:cs typeface="Arial" pitchFamily="34" charset="0"/>
+                </a:rPr>
+                <a:t>4</a:t>
+              </a:r>
+            </a:p>
+          </p:txBody>
+        </p:sp>
+        <p:sp>
+          <p:nvSpPr>
+            <p:cNvPr id="13" name="Textframe 11"/>
+            <p:cNvSpPr>
+              <a:spLocks noChangeArrowheads="1"/>
+            </p:cNvSpPr>
+            <p:nvPr>
+              <p:custDataLst>
+                <p:tags r:id="rId2"/>
+              </p:custDataLst>
+            </p:nvPr>
+          </p:nvSpPr>
+          <p:spPr bwMode="auto">
+            <a:xfrm>
+              <a:off x="1015499" y="6053455"/>
+              <a:ext cx="3078491" cy="252207"/>
+            </a:xfrm>
+            <a:prstGeom prst="rect">
+              <a:avLst/>
+            </a:prstGeom>
+            <a:noFill/>
+            <a:ln w="6350">
+              <a:noFill/>
+              <a:miter lim="800000"/>
+              <a:headEnd/>
+              <a:tailEnd/>
+            </a:ln>
+            <a:effectLst/>
+          </p:spPr>
+          <p:txBody>
+            <a:bodyPr wrap="square" lIns="0" tIns="0" rIns="0" bIns="0">
+              <a:spAutoFit/>
+            </a:bodyPr>
+            <a:lstStyle>
+              <a:defPPr>
+                <a:defRPr lang="de-DE"/>
+              </a:defPPr>
+              <a:lvl1pPr algn="l" rtl="0" fontAlgn="base">
+                <a:spcBef>
+                  <a:spcPct val="0"/>
+                </a:spcBef>
+                <a:spcAft>
+                  <a:spcPct val="0"/>
+                </a:spcAft>
+                <a:defRPr sz="1300" b="1" kern="1200">
+                  <a:solidFill>
+                    <a:schemeClr val="tx1"/>
+                  </a:solidFill>
+                  <a:latin typeface="Arial" charset="0"/>
+                  <a:ea typeface="+mn-ea"/>
+                  <a:cs typeface="+mn-cs"/>
+                </a:defRPr>
+              </a:lvl1pPr>
+              <a:lvl2pPr marL="457200" algn="l" rtl="0" fontAlgn="base">
+                <a:spcBef>
+                  <a:spcPct val="0"/>
+                </a:spcBef>
+                <a:spcAft>
+                  <a:spcPct val="0"/>
+                </a:spcAft>
+                <a:defRPr sz="1300" b="1" kern="1200">
+                  <a:solidFill>
+                    <a:schemeClr val="tx1"/>
+                  </a:solidFill>
+                  <a:latin typeface="Arial" charset="0"/>
+                  <a:ea typeface="+mn-ea"/>
+                  <a:cs typeface="+mn-cs"/>
+                </a:defRPr>
+              </a:lvl2pPr>
+              <a:lvl3pPr marL="914400" algn="l" rtl="0" fontAlgn="base">
+                <a:spcBef>
+                  <a:spcPct val="0"/>
+                </a:spcBef>
+                <a:spcAft>
+                  <a:spcPct val="0"/>
+                </a:spcAft>
+                <a:defRPr sz="1300" b="1" kern="1200">
+                  <a:solidFill>
+                    <a:schemeClr val="tx1"/>
+                  </a:solidFill>
+                  <a:latin typeface="Arial" charset="0"/>
+                  <a:ea typeface="+mn-ea"/>
+                  <a:cs typeface="+mn-cs"/>
+                </a:defRPr>
+              </a:lvl3pPr>
+              <a:lvl4pPr marL="1371600" algn="l" rtl="0" fontAlgn="base">
+                <a:spcBef>
+                  <a:spcPct val="0"/>
+                </a:spcBef>
+                <a:spcAft>
+                  <a:spcPct val="0"/>
+                </a:spcAft>
+                <a:defRPr sz="1300" b="1" kern="1200">
+                  <a:solidFill>
+                    <a:schemeClr val="tx1"/>
+                  </a:solidFill>
+                  <a:latin typeface="Arial" charset="0"/>
+                  <a:ea typeface="+mn-ea"/>
+                  <a:cs typeface="+mn-cs"/>
+                </a:defRPr>
+              </a:lvl4pPr>
+              <a:lvl5pPr marL="1828800" algn="l" rtl="0" fontAlgn="base">
+                <a:spcBef>
+                  <a:spcPct val="0"/>
+                </a:spcBef>
+                <a:spcAft>
+                  <a:spcPct val="0"/>
+                </a:spcAft>
+                <a:defRPr sz="1300" b="1" kern="1200">
+                  <a:solidFill>
+                    <a:schemeClr val="tx1"/>
+                  </a:solidFill>
+                  <a:latin typeface="Arial" charset="0"/>
+                  <a:ea typeface="+mn-ea"/>
+                  <a:cs typeface="+mn-cs"/>
+                </a:defRPr>
+              </a:lvl5pPr>
+              <a:lvl6pPr marL="2286000" algn="l" defTabSz="914400" rtl="0" eaLnBrk="1" latinLnBrk="0" hangingPunct="1">
+                <a:defRPr sz="1300" b="1" kern="1200">
+                  <a:solidFill>
+                    <a:schemeClr val="tx1"/>
+                  </a:solidFill>
+                  <a:latin typeface="Arial" charset="0"/>
+                  <a:ea typeface="+mn-ea"/>
+                  <a:cs typeface="+mn-cs"/>
+                </a:defRPr>
+              </a:lvl6pPr>
+              <a:lvl7pPr marL="2743200" algn="l" defTabSz="914400" rtl="0" eaLnBrk="1" latinLnBrk="0" hangingPunct="1">
+                <a:defRPr sz="1300" b="1" kern="1200">
+                  <a:solidFill>
+                    <a:schemeClr val="tx1"/>
+                  </a:solidFill>
+                  <a:latin typeface="Arial" charset="0"/>
+                  <a:ea typeface="+mn-ea"/>
+                  <a:cs typeface="+mn-cs"/>
+                </a:defRPr>
+              </a:lvl7pPr>
+              <a:lvl8pPr marL="3200400" algn="l" defTabSz="914400" rtl="0" eaLnBrk="1" latinLnBrk="0" hangingPunct="1">
+                <a:defRPr sz="1300" b="1" kern="1200">
+                  <a:solidFill>
+                    <a:schemeClr val="tx1"/>
+                  </a:solidFill>
+                  <a:latin typeface="Arial" charset="0"/>
+                  <a:ea typeface="+mn-ea"/>
+                  <a:cs typeface="+mn-cs"/>
+                </a:defRPr>
+              </a:lvl8pPr>
+              <a:lvl9pPr marL="3657600" algn="l" defTabSz="914400" rtl="0" eaLnBrk="1" latinLnBrk="0" hangingPunct="1">
+                <a:defRPr sz="1300" b="1" kern="1200">
+                  <a:solidFill>
+                    <a:schemeClr val="tx1"/>
+                  </a:solidFill>
+                  <a:latin typeface="Arial" charset="0"/>
+                  <a:ea typeface="+mn-ea"/>
+                  <a:cs typeface="+mn-cs"/>
+                </a:defRPr>
+              </a:lvl9pPr>
+            </a:lstStyle>
+            <a:p>
+              <a:pPr defTabSz="330200">
+                <a:buClr>
+                  <a:srgbClr val="000000"/>
+                </a:buClr>
+                <a:buSzPct val="100000"/>
+                <a:buFont typeface="Arial"/>
+              </a:pPr>
+              <a:r>
+                <a:rPr lang="fr-FR" altLang="de-DE" sz="1500" dirty="0" smtClean="0">
+                  <a:latin typeface="+mn-lt"/>
+                </a:rPr>
+                <a:t>Impacte / </a:t>
+              </a:r>
+              <a:r>
+                <a:rPr lang="fr-FR" altLang="de-DE" sz="1500" dirty="0" err="1" smtClean="0">
+                  <a:latin typeface="+mn-lt"/>
+                </a:rPr>
+                <a:t>next</a:t>
+              </a:r>
+              <a:r>
+                <a:rPr lang="fr-FR" altLang="de-DE" sz="1500" dirty="0" smtClean="0">
+                  <a:latin typeface="+mn-lt"/>
+                </a:rPr>
+                <a:t> </a:t>
+              </a:r>
+              <a:r>
+                <a:rPr lang="fr-FR" altLang="de-DE" sz="1500" dirty="0" err="1" smtClean="0">
+                  <a:latin typeface="+mn-lt"/>
+                </a:rPr>
+                <a:t>step</a:t>
+              </a:r>
+              <a:endParaRPr lang="en-US" altLang="de-DE" sz="1500" b="0" dirty="0">
+                <a:latin typeface="+mn-lt"/>
+              </a:endParaRPr>
+            </a:p>
+          </p:txBody>
+        </p:sp>
+        <p:sp>
+          <p:nvSpPr>
+            <p:cNvPr id="14" name="RbNavigator"/>
+            <p:cNvSpPr/>
+            <p:nvPr>
+              <p:custDataLst>
+                <p:tags r:id="rId3"/>
+              </p:custDataLst>
+            </p:nvPr>
+          </p:nvSpPr>
+          <p:spPr>
+            <a:xfrm>
+              <a:off x="4929186" y="6020120"/>
+              <a:ext cx="253218" cy="274319"/>
+            </a:xfrm>
+            <a:prstGeom prst="rect">
+              <a:avLst/>
+            </a:prstGeom>
+            <a:solidFill>
+              <a:schemeClr val="bg2">
+                <a:lumMod val="50000"/>
+              </a:schemeClr>
+            </a:solidFill>
+            <a:ln w="9525" cmpd="sng">
+              <a:noFill/>
+            </a:ln>
+            <a:effectLst/>
+          </p:spPr>
+          <p:style>
+            <a:lnRef idx="2">
+              <a:schemeClr val="accent1">
+                <a:shade val="50000"/>
+              </a:schemeClr>
+            </a:lnRef>
+            <a:fillRef idx="1">
+              <a:schemeClr val="accent1"/>
+            </a:fillRef>
+            <a:effectRef idx="0">
+              <a:schemeClr val="accent1"/>
+            </a:effectRef>
+            <a:fontRef idx="minor">
+              <a:schemeClr val="lt1"/>
+            </a:fontRef>
+          </p:style>
+          <p:txBody>
+            <a:bodyPr lIns="0" tIns="0" rIns="0" bIns="0" rtlCol="0" anchor="ctr">
+              <a:noAutofit/>
+            </a:bodyPr>
+            <a:lstStyle/>
+            <a:p>
+              <a:pPr algn="ctr">
+                <a:buSzPct val="100000"/>
+                <a:buFont typeface="Arial"/>
+              </a:pPr>
+              <a:r>
+                <a:rPr kumimoji="1" lang="en-US" sz="1300" b="1" dirty="0" smtClean="0">
+                  <a:solidFill>
+                    <a:schemeClr val="bg1"/>
+                  </a:solidFill>
+                  <a:cs typeface="Arial" pitchFamily="34" charset="0"/>
+                </a:rPr>
+                <a:t>3</a:t>
+              </a:r>
+            </a:p>
+          </p:txBody>
+        </p:sp>
+        <p:sp>
+          <p:nvSpPr>
+            <p:cNvPr id="15" name="Textframe 11"/>
+            <p:cNvSpPr>
+              <a:spLocks noChangeArrowheads="1"/>
+            </p:cNvSpPr>
+            <p:nvPr>
+              <p:custDataLst>
+                <p:tags r:id="rId4"/>
+              </p:custDataLst>
+            </p:nvPr>
+          </p:nvSpPr>
+          <p:spPr bwMode="auto">
+            <a:xfrm>
+              <a:off x="5264746" y="6053456"/>
+              <a:ext cx="3078491" cy="230832"/>
+            </a:xfrm>
+            <a:prstGeom prst="rect">
+              <a:avLst/>
+            </a:prstGeom>
+            <a:noFill/>
+            <a:ln w="6350">
+              <a:noFill/>
+              <a:miter lim="800000"/>
+              <a:headEnd/>
+              <a:tailEnd/>
+            </a:ln>
+            <a:effectLst/>
+          </p:spPr>
+          <p:txBody>
+            <a:bodyPr wrap="square" lIns="0" tIns="0" rIns="0" bIns="0">
+              <a:spAutoFit/>
+            </a:bodyPr>
+            <a:lstStyle>
+              <a:defPPr>
+                <a:defRPr lang="de-DE"/>
+              </a:defPPr>
+              <a:lvl1pPr algn="l" rtl="0" fontAlgn="base">
+                <a:spcBef>
+                  <a:spcPct val="0"/>
+                </a:spcBef>
+                <a:spcAft>
+                  <a:spcPct val="0"/>
+                </a:spcAft>
+                <a:defRPr sz="1300" b="1" kern="1200">
+                  <a:solidFill>
+                    <a:schemeClr val="tx1"/>
+                  </a:solidFill>
+                  <a:latin typeface="Arial" charset="0"/>
+                  <a:ea typeface="+mn-ea"/>
+                  <a:cs typeface="+mn-cs"/>
+                </a:defRPr>
+              </a:lvl1pPr>
+              <a:lvl2pPr marL="457200" algn="l" rtl="0" fontAlgn="base">
+                <a:spcBef>
+                  <a:spcPct val="0"/>
+                </a:spcBef>
+                <a:spcAft>
+                  <a:spcPct val="0"/>
+                </a:spcAft>
+                <a:defRPr sz="1300" b="1" kern="1200">
+                  <a:solidFill>
+                    <a:schemeClr val="tx1"/>
+                  </a:solidFill>
+                  <a:latin typeface="Arial" charset="0"/>
+                  <a:ea typeface="+mn-ea"/>
+                  <a:cs typeface="+mn-cs"/>
+                </a:defRPr>
+              </a:lvl2pPr>
+              <a:lvl3pPr marL="914400" algn="l" rtl="0" fontAlgn="base">
+                <a:spcBef>
+                  <a:spcPct val="0"/>
+                </a:spcBef>
+                <a:spcAft>
+                  <a:spcPct val="0"/>
+                </a:spcAft>
+                <a:defRPr sz="1300" b="1" kern="1200">
+                  <a:solidFill>
+                    <a:schemeClr val="tx1"/>
+                  </a:solidFill>
+                  <a:latin typeface="Arial" charset="0"/>
+                  <a:ea typeface="+mn-ea"/>
+                  <a:cs typeface="+mn-cs"/>
+                </a:defRPr>
+              </a:lvl3pPr>
+              <a:lvl4pPr marL="1371600" algn="l" rtl="0" fontAlgn="base">
+                <a:spcBef>
+                  <a:spcPct val="0"/>
+                </a:spcBef>
+                <a:spcAft>
+                  <a:spcPct val="0"/>
+                </a:spcAft>
+                <a:defRPr sz="1300" b="1" kern="1200">
+                  <a:solidFill>
+                    <a:schemeClr val="tx1"/>
+                  </a:solidFill>
+                  <a:latin typeface="Arial" charset="0"/>
+                  <a:ea typeface="+mn-ea"/>
+                  <a:cs typeface="+mn-cs"/>
+                </a:defRPr>
+              </a:lvl4pPr>
+              <a:lvl5pPr marL="1828800" algn="l" rtl="0" fontAlgn="base">
+                <a:spcBef>
+                  <a:spcPct val="0"/>
+                </a:spcBef>
+                <a:spcAft>
+                  <a:spcPct val="0"/>
+                </a:spcAft>
+                <a:defRPr sz="1300" b="1" kern="1200">
+                  <a:solidFill>
+                    <a:schemeClr val="tx1"/>
+                  </a:solidFill>
+                  <a:latin typeface="Arial" charset="0"/>
+                  <a:ea typeface="+mn-ea"/>
+                  <a:cs typeface="+mn-cs"/>
+                </a:defRPr>
+              </a:lvl5pPr>
+              <a:lvl6pPr marL="2286000" algn="l" defTabSz="914400" rtl="0" eaLnBrk="1" latinLnBrk="0" hangingPunct="1">
+                <a:defRPr sz="1300" b="1" kern="1200">
+                  <a:solidFill>
+                    <a:schemeClr val="tx1"/>
+                  </a:solidFill>
+                  <a:latin typeface="Arial" charset="0"/>
+                  <a:ea typeface="+mn-ea"/>
+                  <a:cs typeface="+mn-cs"/>
+                </a:defRPr>
+              </a:lvl6pPr>
+              <a:lvl7pPr marL="2743200" algn="l" defTabSz="914400" rtl="0" eaLnBrk="1" latinLnBrk="0" hangingPunct="1">
+                <a:defRPr sz="1300" b="1" kern="1200">
+                  <a:solidFill>
+                    <a:schemeClr val="tx1"/>
+                  </a:solidFill>
+                  <a:latin typeface="Arial" charset="0"/>
+                  <a:ea typeface="+mn-ea"/>
+                  <a:cs typeface="+mn-cs"/>
+                </a:defRPr>
+              </a:lvl7pPr>
+              <a:lvl8pPr marL="3200400" algn="l" defTabSz="914400" rtl="0" eaLnBrk="1" latinLnBrk="0" hangingPunct="1">
+                <a:defRPr sz="1300" b="1" kern="1200">
+                  <a:solidFill>
+                    <a:schemeClr val="tx1"/>
+                  </a:solidFill>
+                  <a:latin typeface="Arial" charset="0"/>
+                  <a:ea typeface="+mn-ea"/>
+                  <a:cs typeface="+mn-cs"/>
+                </a:defRPr>
+              </a:lvl8pPr>
+              <a:lvl9pPr marL="3657600" algn="l" defTabSz="914400" rtl="0" eaLnBrk="1" latinLnBrk="0" hangingPunct="1">
+                <a:defRPr sz="1300" b="1" kern="1200">
+                  <a:solidFill>
+                    <a:schemeClr val="tx1"/>
+                  </a:solidFill>
+                  <a:latin typeface="Arial" charset="0"/>
+                  <a:ea typeface="+mn-ea"/>
+                  <a:cs typeface="+mn-cs"/>
+                </a:defRPr>
+              </a:lvl9pPr>
+            </a:lstStyle>
+            <a:p>
+              <a:pPr defTabSz="330200">
+                <a:buClr>
+                  <a:srgbClr val="000000"/>
+                </a:buClr>
+                <a:buSzPct val="100000"/>
+                <a:buFont typeface="Arial"/>
+              </a:pPr>
+              <a:r>
+                <a:rPr lang="fr-FR" altLang="de-DE" sz="1500" dirty="0" smtClean="0">
+                  <a:latin typeface="+mn-lt"/>
+                </a:rPr>
+                <a:t>Changement</a:t>
+              </a:r>
+              <a:endParaRPr lang="fr-FR" altLang="de-DE" sz="1500" b="0" dirty="0">
+                <a:latin typeface="+mn-lt"/>
+              </a:endParaRPr>
+            </a:p>
+          </p:txBody>
+        </p:sp>
+        <p:grpSp>
+          <p:nvGrpSpPr>
+            <p:cNvPr id="7" name="Group 66"/>
+            <p:cNvGrpSpPr/>
+            <p:nvPr/>
+          </p:nvGrpSpPr>
+          <p:grpSpPr>
+            <a:xfrm>
+              <a:off x="681377" y="1349380"/>
+              <a:ext cx="7875005" cy="4722826"/>
+              <a:chOff x="738158" y="1349380"/>
+              <a:chExt cx="8531255" cy="4722826"/>
+            </a:xfrm>
+          </p:grpSpPr>
+          <p:sp>
+            <p:nvSpPr>
+              <p:cNvPr id="17" name="Textframe 11"/>
+              <p:cNvSpPr>
+                <a:spLocks noChangeArrowheads="1"/>
+              </p:cNvSpPr>
+              <p:nvPr>
+                <p:custDataLst>
+                  <p:tags r:id="rId5"/>
+                </p:custDataLst>
+              </p:nvPr>
+            </p:nvSpPr>
+            <p:spPr bwMode="auto">
+              <a:xfrm>
+                <a:off x="3888559" y="3442977"/>
+                <a:ext cx="2230452" cy="276999"/>
+              </a:xfrm>
+              <a:prstGeom prst="rect">
+                <a:avLst/>
+              </a:prstGeom>
+              <a:noFill/>
+              <a:ln w="6350">
+                <a:noFill/>
+                <a:miter lim="800000"/>
+                <a:headEnd/>
+                <a:tailEnd/>
+              </a:ln>
+              <a:effectLst/>
+            </p:spPr>
+            <p:txBody>
+              <a:bodyPr wrap="square" lIns="0" tIns="0" rIns="0" bIns="0">
+                <a:spAutoFit/>
+              </a:bodyPr>
+              <a:lstStyle>
+                <a:defPPr>
+                  <a:defRPr lang="de-DE"/>
+                </a:defPPr>
+                <a:lvl1pPr algn="l" rtl="0" fontAlgn="base">
+                  <a:spcBef>
+                    <a:spcPct val="0"/>
+                  </a:spcBef>
+                  <a:spcAft>
+                    <a:spcPct val="0"/>
+                  </a:spcAft>
+                  <a:defRPr sz="1300" b="1" kern="1200">
+                    <a:solidFill>
+                      <a:schemeClr val="tx1"/>
+                    </a:solidFill>
+                    <a:latin typeface="Arial" charset="0"/>
+                    <a:ea typeface="+mn-ea"/>
+                    <a:cs typeface="+mn-cs"/>
+                  </a:defRPr>
+                </a:lvl1pPr>
+                <a:lvl2pPr marL="457200" algn="l" rtl="0" fontAlgn="base">
+                  <a:spcBef>
+                    <a:spcPct val="0"/>
+                  </a:spcBef>
+                  <a:spcAft>
+                    <a:spcPct val="0"/>
+                  </a:spcAft>
+                  <a:defRPr sz="1300" b="1" kern="1200">
+                    <a:solidFill>
+                      <a:schemeClr val="tx1"/>
+                    </a:solidFill>
+                    <a:latin typeface="Arial" charset="0"/>
+                    <a:ea typeface="+mn-ea"/>
+                    <a:cs typeface="+mn-cs"/>
+                  </a:defRPr>
+                </a:lvl2pPr>
+                <a:lvl3pPr marL="914400" algn="l" rtl="0" fontAlgn="base">
+                  <a:spcBef>
+                    <a:spcPct val="0"/>
+                  </a:spcBef>
+                  <a:spcAft>
+                    <a:spcPct val="0"/>
+                  </a:spcAft>
+                  <a:defRPr sz="1300" b="1" kern="1200">
+                    <a:solidFill>
+                      <a:schemeClr val="tx1"/>
+                    </a:solidFill>
+                    <a:latin typeface="Arial" charset="0"/>
+                    <a:ea typeface="+mn-ea"/>
+                    <a:cs typeface="+mn-cs"/>
+                  </a:defRPr>
+                </a:lvl3pPr>
+                <a:lvl4pPr marL="1371600" algn="l" rtl="0" fontAlgn="base">
+                  <a:spcBef>
+                    <a:spcPct val="0"/>
+                  </a:spcBef>
+                  <a:spcAft>
+                    <a:spcPct val="0"/>
+                  </a:spcAft>
+                  <a:defRPr sz="1300" b="1" kern="1200">
+                    <a:solidFill>
+                      <a:schemeClr val="tx1"/>
+                    </a:solidFill>
+                    <a:latin typeface="Arial" charset="0"/>
+                    <a:ea typeface="+mn-ea"/>
+                    <a:cs typeface="+mn-cs"/>
+                  </a:defRPr>
+                </a:lvl4pPr>
+                <a:lvl5pPr marL="1828800" algn="l" rtl="0" fontAlgn="base">
+                  <a:spcBef>
+                    <a:spcPct val="0"/>
+                  </a:spcBef>
+                  <a:spcAft>
+                    <a:spcPct val="0"/>
+                  </a:spcAft>
+                  <a:defRPr sz="1300" b="1" kern="1200">
+                    <a:solidFill>
+                      <a:schemeClr val="tx1"/>
+                    </a:solidFill>
+                    <a:latin typeface="Arial" charset="0"/>
+                    <a:ea typeface="+mn-ea"/>
+                    <a:cs typeface="+mn-cs"/>
+                  </a:defRPr>
+                </a:lvl5pPr>
+                <a:lvl6pPr marL="2286000" algn="l" defTabSz="914400" rtl="0" eaLnBrk="1" latinLnBrk="0" hangingPunct="1">
+                  <a:defRPr sz="1300" b="1" kern="1200">
+                    <a:solidFill>
+                      <a:schemeClr val="tx1"/>
+                    </a:solidFill>
+                    <a:latin typeface="Arial" charset="0"/>
+                    <a:ea typeface="+mn-ea"/>
+                    <a:cs typeface="+mn-cs"/>
+                  </a:defRPr>
+                </a:lvl6pPr>
+                <a:lvl7pPr marL="2743200" algn="l" defTabSz="914400" rtl="0" eaLnBrk="1" latinLnBrk="0" hangingPunct="1">
+                  <a:defRPr sz="1300" b="1" kern="1200">
+                    <a:solidFill>
+                      <a:schemeClr val="tx1"/>
+                    </a:solidFill>
+                    <a:latin typeface="Arial" charset="0"/>
+                    <a:ea typeface="+mn-ea"/>
+                    <a:cs typeface="+mn-cs"/>
+                  </a:defRPr>
+                </a:lvl7pPr>
+                <a:lvl8pPr marL="3200400" algn="l" defTabSz="914400" rtl="0" eaLnBrk="1" latinLnBrk="0" hangingPunct="1">
+                  <a:defRPr sz="1300" b="1" kern="1200">
+                    <a:solidFill>
+                      <a:schemeClr val="tx1"/>
+                    </a:solidFill>
+                    <a:latin typeface="Arial" charset="0"/>
+                    <a:ea typeface="+mn-ea"/>
+                    <a:cs typeface="+mn-cs"/>
+                  </a:defRPr>
+                </a:lvl8pPr>
+                <a:lvl9pPr marL="3657600" algn="l" defTabSz="914400" rtl="0" eaLnBrk="1" latinLnBrk="0" hangingPunct="1">
+                  <a:defRPr sz="1300" b="1" kern="1200">
+                    <a:solidFill>
+                      <a:schemeClr val="tx1"/>
+                    </a:solidFill>
+                    <a:latin typeface="Arial" charset="0"/>
+                    <a:ea typeface="+mn-ea"/>
+                    <a:cs typeface="+mn-cs"/>
+                  </a:defRPr>
+                </a:lvl9pPr>
+              </a:lstStyle>
+              <a:p>
+                <a:pPr algn="ctr" defTabSz="330200">
+                  <a:buClr>
+                    <a:srgbClr val="000000"/>
+                  </a:buClr>
+                  <a:buSzPct val="100000"/>
+                  <a:buFont typeface="Arial"/>
+                </a:pPr>
+                <a:endParaRPr lang="en-US" altLang="de-DE" sz="1800" b="0" dirty="0">
+                  <a:latin typeface="+mn-lt"/>
+                </a:endParaRPr>
+              </a:p>
+            </p:txBody>
+          </p:sp>
+          <p:grpSp>
+            <p:nvGrpSpPr>
+              <p:cNvPr id="16" name="Group 65"/>
+              <p:cNvGrpSpPr/>
+              <p:nvPr/>
+            </p:nvGrpSpPr>
+            <p:grpSpPr>
+              <a:xfrm>
+                <a:off x="738158" y="1349380"/>
+                <a:ext cx="8531255" cy="4722826"/>
+                <a:chOff x="738158" y="1349380"/>
+                <a:chExt cx="8531255" cy="4722826"/>
+              </a:xfrm>
+            </p:grpSpPr>
+            <p:sp>
+              <p:nvSpPr>
+                <p:cNvPr id="19" name="Freeform 5"/>
+                <p:cNvSpPr>
+                  <a:spLocks/>
+                </p:cNvSpPr>
+                <p:nvPr>
+                  <p:custDataLst>
+                    <p:tags r:id="rId6"/>
+                  </p:custDataLst>
+                </p:nvPr>
+              </p:nvSpPr>
+              <p:spPr bwMode="auto">
+                <a:xfrm flipV="1">
+                  <a:off x="738158" y="3773470"/>
+                  <a:ext cx="4197433" cy="2298736"/>
+                </a:xfrm>
+                <a:custGeom>
+                  <a:avLst/>
+                  <a:gdLst>
+                    <a:gd name="connsiteX0" fmla="*/ 0 w 10000"/>
+                    <a:gd name="connsiteY0" fmla="*/ 9992 h 10000"/>
+                    <a:gd name="connsiteX1" fmla="*/ 7419 w 10000"/>
+                    <a:gd name="connsiteY1" fmla="*/ 10000 h 10000"/>
+                    <a:gd name="connsiteX2" fmla="*/ 7419 w 10000"/>
+                    <a:gd name="connsiteY2" fmla="*/ 7227 h 10000"/>
+                    <a:gd name="connsiteX3" fmla="*/ 10000 w 10000"/>
+                    <a:gd name="connsiteY3" fmla="*/ 8736 h 10000"/>
+                    <a:gd name="connsiteX4" fmla="*/ 10000 w 10000"/>
+                    <a:gd name="connsiteY4" fmla="*/ 0 h 10000"/>
+                    <a:gd name="connsiteX0" fmla="*/ 0 w 10000"/>
+                    <a:gd name="connsiteY0" fmla="*/ 9992 h 10000"/>
+                    <a:gd name="connsiteX1" fmla="*/ 7419 w 10000"/>
+                    <a:gd name="connsiteY1" fmla="*/ 10000 h 10000"/>
+                    <a:gd name="connsiteX2" fmla="*/ 7390 w 10000"/>
+                    <a:gd name="connsiteY2" fmla="*/ 8736 h 10000"/>
+                    <a:gd name="connsiteX3" fmla="*/ 10000 w 10000"/>
+                    <a:gd name="connsiteY3" fmla="*/ 8736 h 10000"/>
+                    <a:gd name="connsiteX4" fmla="*/ 10000 w 10000"/>
+                    <a:gd name="connsiteY4" fmla="*/ 0 h 10000"/>
+                    <a:gd name="connsiteX0" fmla="*/ 915 w 10915"/>
+                    <a:gd name="connsiteY0" fmla="*/ 9992 h 10000"/>
+                    <a:gd name="connsiteX1" fmla="*/ 0 w 10915"/>
+                    <a:gd name="connsiteY1" fmla="*/ 10000 h 10000"/>
+                    <a:gd name="connsiteX2" fmla="*/ 8334 w 10915"/>
+                    <a:gd name="connsiteY2" fmla="*/ 10000 h 10000"/>
+                    <a:gd name="connsiteX3" fmla="*/ 8305 w 10915"/>
+                    <a:gd name="connsiteY3" fmla="*/ 8736 h 10000"/>
+                    <a:gd name="connsiteX4" fmla="*/ 10915 w 10915"/>
+                    <a:gd name="connsiteY4" fmla="*/ 8736 h 10000"/>
+                    <a:gd name="connsiteX5" fmla="*/ 10915 w 10915"/>
+                    <a:gd name="connsiteY5" fmla="*/ 0 h 10000"/>
+                    <a:gd name="connsiteX0" fmla="*/ 915 w 10915"/>
+                    <a:gd name="connsiteY0" fmla="*/ 9992 h 10000"/>
+                    <a:gd name="connsiteX1" fmla="*/ 0 w 10915"/>
+                    <a:gd name="connsiteY1" fmla="*/ 10000 h 10000"/>
+                    <a:gd name="connsiteX2" fmla="*/ 8360 w 10915"/>
+                    <a:gd name="connsiteY2" fmla="*/ 10000 h 10000"/>
+                    <a:gd name="connsiteX3" fmla="*/ 8305 w 10915"/>
+                    <a:gd name="connsiteY3" fmla="*/ 8736 h 10000"/>
+                    <a:gd name="connsiteX4" fmla="*/ 10915 w 10915"/>
+                    <a:gd name="connsiteY4" fmla="*/ 8736 h 10000"/>
+                    <a:gd name="connsiteX5" fmla="*/ 10915 w 10915"/>
+                    <a:gd name="connsiteY5" fmla="*/ 0 h 10000"/>
+                    <a:gd name="connsiteX0" fmla="*/ 915 w 10915"/>
+                    <a:gd name="connsiteY0" fmla="*/ 9992 h 10000"/>
+                    <a:gd name="connsiteX1" fmla="*/ 0 w 10915"/>
+                    <a:gd name="connsiteY1" fmla="*/ 10000 h 10000"/>
+                    <a:gd name="connsiteX2" fmla="*/ 8360 w 10915"/>
+                    <a:gd name="connsiteY2" fmla="*/ 10000 h 10000"/>
+                    <a:gd name="connsiteX3" fmla="*/ 8360 w 10915"/>
+                    <a:gd name="connsiteY3" fmla="*/ 8702 h 10000"/>
+                    <a:gd name="connsiteX4" fmla="*/ 10915 w 10915"/>
+                    <a:gd name="connsiteY4" fmla="*/ 8736 h 10000"/>
+                    <a:gd name="connsiteX5" fmla="*/ 10915 w 10915"/>
+                    <a:gd name="connsiteY5" fmla="*/ 0 h 10000"/>
+                  </a:gdLst>
+                  <a:ahLst/>
+                  <a:cxnLst>
+                    <a:cxn ang="0">
+                      <a:pos x="connsiteX0" y="connsiteY0"/>
+                    </a:cxn>
+                    <a:cxn ang="0">
+                      <a:pos x="connsiteX1" y="connsiteY1"/>
+                    </a:cxn>
+                    <a:cxn ang="0">
+                      <a:pos x="connsiteX2" y="connsiteY2"/>
+                    </a:cxn>
+                    <a:cxn ang="0">
+                      <a:pos x="connsiteX3" y="connsiteY3"/>
+                    </a:cxn>
+                    <a:cxn ang="0">
+                      <a:pos x="connsiteX4" y="connsiteY4"/>
+                    </a:cxn>
+                    <a:cxn ang="0">
+                      <a:pos x="connsiteX5" y="connsiteY5"/>
+                    </a:cxn>
+                  </a:cxnLst>
+                  <a:rect l="l" t="t" r="r" b="b"/>
+                  <a:pathLst>
+                    <a:path w="10915" h="10000">
+                      <a:moveTo>
+                        <a:pt x="915" y="9992"/>
+                      </a:moveTo>
+                      <a:lnTo>
+                        <a:pt x="0" y="10000"/>
+                      </a:lnTo>
+                      <a:lnTo>
+                        <a:pt x="8360" y="10000"/>
+                      </a:lnTo>
+                      <a:cubicBezTo>
+                        <a:pt x="8350" y="9579"/>
+                        <a:pt x="8370" y="9123"/>
+                        <a:pt x="8360" y="8702"/>
+                      </a:cubicBezTo>
+                      <a:lnTo>
+                        <a:pt x="10915" y="8736"/>
+                      </a:lnTo>
+                      <a:lnTo>
+                        <a:pt x="10915" y="0"/>
+                      </a:lnTo>
+                    </a:path>
+                  </a:pathLst>
+                </a:custGeom>
+                <a:noFill/>
+                <a:ln w="22225" cap="flat" cmpd="sng">
+                  <a:solidFill>
+                    <a:schemeClr val="accent1"/>
+                  </a:solidFill>
+                  <a:prstDash val="solid"/>
+                  <a:round/>
+                  <a:headEnd/>
+                  <a:tailEnd/>
+                </a:ln>
+                <a:effectLst/>
+              </p:spPr>
+              <p:txBody>
+                <a:bodyPr wrap="none" lIns="0" tIns="0" rIns="0" bIns="0" anchor="ctr">
+                  <a:noAutofit/>
+                </a:bodyPr>
+                <a:lstStyle/>
+                <a:p>
+                  <a:endParaRPr lang="de-DE" sz="1300">
+                    <a:cs typeface="Arial" pitchFamily="34" charset="0"/>
+                  </a:endParaRPr>
+                </a:p>
+              </p:txBody>
+            </p:sp>
+            <p:sp>
+              <p:nvSpPr>
+                <p:cNvPr id="20" name="Freeform 5"/>
+                <p:cNvSpPr>
+                  <a:spLocks/>
+                </p:cNvSpPr>
+                <p:nvPr>
+                  <p:custDataLst>
+                    <p:tags r:id="rId7"/>
+                  </p:custDataLst>
+                </p:nvPr>
+              </p:nvSpPr>
+              <p:spPr bwMode="auto">
+                <a:xfrm>
+                  <a:off x="738158" y="1349380"/>
+                  <a:ext cx="4197433" cy="2277416"/>
+                </a:xfrm>
+                <a:custGeom>
+                  <a:avLst/>
+                  <a:gdLst>
+                    <a:gd name="connsiteX0" fmla="*/ 0 w 10000"/>
+                    <a:gd name="connsiteY0" fmla="*/ 9992 h 10000"/>
+                    <a:gd name="connsiteX1" fmla="*/ 7419 w 10000"/>
+                    <a:gd name="connsiteY1" fmla="*/ 10000 h 10000"/>
+                    <a:gd name="connsiteX2" fmla="*/ 7419 w 10000"/>
+                    <a:gd name="connsiteY2" fmla="*/ 7227 h 10000"/>
+                    <a:gd name="connsiteX3" fmla="*/ 10000 w 10000"/>
+                    <a:gd name="connsiteY3" fmla="*/ 8736 h 10000"/>
+                    <a:gd name="connsiteX4" fmla="*/ 10000 w 10000"/>
+                    <a:gd name="connsiteY4" fmla="*/ 0 h 10000"/>
+                    <a:gd name="connsiteX0" fmla="*/ 0 w 10000"/>
+                    <a:gd name="connsiteY0" fmla="*/ 9992 h 10000"/>
+                    <a:gd name="connsiteX1" fmla="*/ 7419 w 10000"/>
+                    <a:gd name="connsiteY1" fmla="*/ 10000 h 10000"/>
+                    <a:gd name="connsiteX2" fmla="*/ 7390 w 10000"/>
+                    <a:gd name="connsiteY2" fmla="*/ 8736 h 10000"/>
+                    <a:gd name="connsiteX3" fmla="*/ 10000 w 10000"/>
+                    <a:gd name="connsiteY3" fmla="*/ 8736 h 10000"/>
+                    <a:gd name="connsiteX4" fmla="*/ 10000 w 10000"/>
+                    <a:gd name="connsiteY4" fmla="*/ 0 h 10000"/>
+                    <a:gd name="connsiteX0" fmla="*/ 915 w 10915"/>
+                    <a:gd name="connsiteY0" fmla="*/ 9992 h 10000"/>
+                    <a:gd name="connsiteX1" fmla="*/ 0 w 10915"/>
+                    <a:gd name="connsiteY1" fmla="*/ 10000 h 10000"/>
+                    <a:gd name="connsiteX2" fmla="*/ 8334 w 10915"/>
+                    <a:gd name="connsiteY2" fmla="*/ 10000 h 10000"/>
+                    <a:gd name="connsiteX3" fmla="*/ 8305 w 10915"/>
+                    <a:gd name="connsiteY3" fmla="*/ 8736 h 10000"/>
+                    <a:gd name="connsiteX4" fmla="*/ 10915 w 10915"/>
+                    <a:gd name="connsiteY4" fmla="*/ 8736 h 10000"/>
+                    <a:gd name="connsiteX5" fmla="*/ 10915 w 10915"/>
+                    <a:gd name="connsiteY5" fmla="*/ 0 h 10000"/>
+                    <a:gd name="connsiteX0" fmla="*/ 915 w 10915"/>
+                    <a:gd name="connsiteY0" fmla="*/ 9992 h 10000"/>
+                    <a:gd name="connsiteX1" fmla="*/ 0 w 10915"/>
+                    <a:gd name="connsiteY1" fmla="*/ 10000 h 10000"/>
+                    <a:gd name="connsiteX2" fmla="*/ 8360 w 10915"/>
+                    <a:gd name="connsiteY2" fmla="*/ 10000 h 10000"/>
+                    <a:gd name="connsiteX3" fmla="*/ 8305 w 10915"/>
+                    <a:gd name="connsiteY3" fmla="*/ 8736 h 10000"/>
+                    <a:gd name="connsiteX4" fmla="*/ 10915 w 10915"/>
+                    <a:gd name="connsiteY4" fmla="*/ 8736 h 10000"/>
+                    <a:gd name="connsiteX5" fmla="*/ 10915 w 10915"/>
+                    <a:gd name="connsiteY5" fmla="*/ 0 h 10000"/>
+                    <a:gd name="connsiteX0" fmla="*/ 915 w 10915"/>
+                    <a:gd name="connsiteY0" fmla="*/ 9992 h 10000"/>
+                    <a:gd name="connsiteX1" fmla="*/ 0 w 10915"/>
+                    <a:gd name="connsiteY1" fmla="*/ 10000 h 10000"/>
+                    <a:gd name="connsiteX2" fmla="*/ 8360 w 10915"/>
+                    <a:gd name="connsiteY2" fmla="*/ 10000 h 10000"/>
+                    <a:gd name="connsiteX3" fmla="*/ 8360 w 10915"/>
+                    <a:gd name="connsiteY3" fmla="*/ 8702 h 10000"/>
+                    <a:gd name="connsiteX4" fmla="*/ 10915 w 10915"/>
+                    <a:gd name="connsiteY4" fmla="*/ 8736 h 10000"/>
+                    <a:gd name="connsiteX5" fmla="*/ 10915 w 10915"/>
+                    <a:gd name="connsiteY5" fmla="*/ 0 h 10000"/>
+                  </a:gdLst>
+                  <a:ahLst/>
+                  <a:cxnLst>
+                    <a:cxn ang="0">
+                      <a:pos x="connsiteX0" y="connsiteY0"/>
+                    </a:cxn>
+                    <a:cxn ang="0">
+                      <a:pos x="connsiteX1" y="connsiteY1"/>
+                    </a:cxn>
+                    <a:cxn ang="0">
+                      <a:pos x="connsiteX2" y="connsiteY2"/>
+                    </a:cxn>
+                    <a:cxn ang="0">
+                      <a:pos x="connsiteX3" y="connsiteY3"/>
+                    </a:cxn>
+                    <a:cxn ang="0">
+                      <a:pos x="connsiteX4" y="connsiteY4"/>
+                    </a:cxn>
+                    <a:cxn ang="0">
+                      <a:pos x="connsiteX5" y="connsiteY5"/>
+                    </a:cxn>
+                  </a:cxnLst>
+                  <a:rect l="l" t="t" r="r" b="b"/>
+                  <a:pathLst>
+                    <a:path w="10915" h="10000">
+                      <a:moveTo>
+                        <a:pt x="915" y="9992"/>
+                      </a:moveTo>
+                      <a:lnTo>
+                        <a:pt x="0" y="10000"/>
+                      </a:lnTo>
+                      <a:lnTo>
+                        <a:pt x="8360" y="10000"/>
+                      </a:lnTo>
+                      <a:cubicBezTo>
+                        <a:pt x="8350" y="9579"/>
+                        <a:pt x="8370" y="9123"/>
+                        <a:pt x="8360" y="8702"/>
+                      </a:cubicBezTo>
+                      <a:lnTo>
+                        <a:pt x="10915" y="8736"/>
+                      </a:lnTo>
+                      <a:lnTo>
+                        <a:pt x="10915" y="0"/>
+                      </a:lnTo>
+                    </a:path>
+                  </a:pathLst>
+                </a:custGeom>
+                <a:noFill/>
+                <a:ln w="22225" cap="flat" cmpd="sng">
+                  <a:solidFill>
+                    <a:schemeClr val="accent1"/>
+                  </a:solidFill>
+                  <a:prstDash val="solid"/>
+                  <a:round/>
+                  <a:headEnd/>
+                  <a:tailEnd/>
+                </a:ln>
+                <a:effectLst/>
+              </p:spPr>
+              <p:txBody>
+                <a:bodyPr wrap="none" lIns="0" tIns="0" rIns="0" bIns="0" anchor="ctr">
+                  <a:noAutofit/>
+                </a:bodyPr>
+                <a:lstStyle/>
+                <a:p>
+                  <a:endParaRPr lang="de-DE" sz="1300">
+                    <a:cs typeface="Arial" pitchFamily="34" charset="0"/>
+                  </a:endParaRPr>
+                </a:p>
+              </p:txBody>
+            </p:sp>
+            <p:sp>
+              <p:nvSpPr>
+                <p:cNvPr id="21" name="Freeform 5"/>
+                <p:cNvSpPr>
+                  <a:spLocks/>
+                </p:cNvSpPr>
+                <p:nvPr>
+                  <p:custDataLst>
+                    <p:tags r:id="rId8"/>
+                  </p:custDataLst>
+                </p:nvPr>
+              </p:nvSpPr>
+              <p:spPr bwMode="auto">
+                <a:xfrm flipH="1" flipV="1">
+                  <a:off x="5095876" y="3773470"/>
+                  <a:ext cx="4173537" cy="2298736"/>
+                </a:xfrm>
+                <a:custGeom>
+                  <a:avLst/>
+                  <a:gdLst>
+                    <a:gd name="connsiteX0" fmla="*/ 0 w 10000"/>
+                    <a:gd name="connsiteY0" fmla="*/ 9992 h 10000"/>
+                    <a:gd name="connsiteX1" fmla="*/ 7419 w 10000"/>
+                    <a:gd name="connsiteY1" fmla="*/ 10000 h 10000"/>
+                    <a:gd name="connsiteX2" fmla="*/ 7419 w 10000"/>
+                    <a:gd name="connsiteY2" fmla="*/ 7227 h 10000"/>
+                    <a:gd name="connsiteX3" fmla="*/ 10000 w 10000"/>
+                    <a:gd name="connsiteY3" fmla="*/ 8736 h 10000"/>
+                    <a:gd name="connsiteX4" fmla="*/ 10000 w 10000"/>
+                    <a:gd name="connsiteY4" fmla="*/ 0 h 10000"/>
+                    <a:gd name="connsiteX0" fmla="*/ 0 w 10000"/>
+                    <a:gd name="connsiteY0" fmla="*/ 9992 h 10000"/>
+                    <a:gd name="connsiteX1" fmla="*/ 7419 w 10000"/>
+                    <a:gd name="connsiteY1" fmla="*/ 10000 h 10000"/>
+                    <a:gd name="connsiteX2" fmla="*/ 7390 w 10000"/>
+                    <a:gd name="connsiteY2" fmla="*/ 8736 h 10000"/>
+                    <a:gd name="connsiteX3" fmla="*/ 10000 w 10000"/>
+                    <a:gd name="connsiteY3" fmla="*/ 8736 h 10000"/>
+                    <a:gd name="connsiteX4" fmla="*/ 10000 w 10000"/>
+                    <a:gd name="connsiteY4" fmla="*/ 0 h 10000"/>
+                    <a:gd name="connsiteX0" fmla="*/ 915 w 10915"/>
+                    <a:gd name="connsiteY0" fmla="*/ 9992 h 10000"/>
+                    <a:gd name="connsiteX1" fmla="*/ 0 w 10915"/>
+                    <a:gd name="connsiteY1" fmla="*/ 10000 h 10000"/>
+                    <a:gd name="connsiteX2" fmla="*/ 8334 w 10915"/>
+                    <a:gd name="connsiteY2" fmla="*/ 10000 h 10000"/>
+                    <a:gd name="connsiteX3" fmla="*/ 8305 w 10915"/>
+                    <a:gd name="connsiteY3" fmla="*/ 8736 h 10000"/>
+                    <a:gd name="connsiteX4" fmla="*/ 10915 w 10915"/>
+                    <a:gd name="connsiteY4" fmla="*/ 8736 h 10000"/>
+                    <a:gd name="connsiteX5" fmla="*/ 10915 w 10915"/>
+                    <a:gd name="connsiteY5" fmla="*/ 0 h 10000"/>
+                    <a:gd name="connsiteX0" fmla="*/ 915 w 10915"/>
+                    <a:gd name="connsiteY0" fmla="*/ 9992 h 10000"/>
+                    <a:gd name="connsiteX1" fmla="*/ 0 w 10915"/>
+                    <a:gd name="connsiteY1" fmla="*/ 10000 h 10000"/>
+                    <a:gd name="connsiteX2" fmla="*/ 8360 w 10915"/>
+                    <a:gd name="connsiteY2" fmla="*/ 10000 h 10000"/>
+                    <a:gd name="connsiteX3" fmla="*/ 8305 w 10915"/>
+                    <a:gd name="connsiteY3" fmla="*/ 8736 h 10000"/>
+                    <a:gd name="connsiteX4" fmla="*/ 10915 w 10915"/>
+                    <a:gd name="connsiteY4" fmla="*/ 8736 h 10000"/>
+                    <a:gd name="connsiteX5" fmla="*/ 10915 w 10915"/>
+                    <a:gd name="connsiteY5" fmla="*/ 0 h 10000"/>
+                    <a:gd name="connsiteX0" fmla="*/ 915 w 10915"/>
+                    <a:gd name="connsiteY0" fmla="*/ 9992 h 10000"/>
+                    <a:gd name="connsiteX1" fmla="*/ 0 w 10915"/>
+                    <a:gd name="connsiteY1" fmla="*/ 10000 h 10000"/>
+                    <a:gd name="connsiteX2" fmla="*/ 8360 w 10915"/>
+                    <a:gd name="connsiteY2" fmla="*/ 10000 h 10000"/>
+                    <a:gd name="connsiteX3" fmla="*/ 8360 w 10915"/>
+                    <a:gd name="connsiteY3" fmla="*/ 8702 h 10000"/>
+                    <a:gd name="connsiteX4" fmla="*/ 10915 w 10915"/>
+                    <a:gd name="connsiteY4" fmla="*/ 8736 h 10000"/>
+                    <a:gd name="connsiteX5" fmla="*/ 10915 w 10915"/>
+                    <a:gd name="connsiteY5" fmla="*/ 0 h 10000"/>
+                  </a:gdLst>
+                  <a:ahLst/>
+                  <a:cxnLst>
+                    <a:cxn ang="0">
+                      <a:pos x="connsiteX0" y="connsiteY0"/>
+                    </a:cxn>
+                    <a:cxn ang="0">
+                      <a:pos x="connsiteX1" y="connsiteY1"/>
+                    </a:cxn>
+                    <a:cxn ang="0">
+                      <a:pos x="connsiteX2" y="connsiteY2"/>
+                    </a:cxn>
+                    <a:cxn ang="0">
+                      <a:pos x="connsiteX3" y="connsiteY3"/>
+                    </a:cxn>
+                    <a:cxn ang="0">
+                      <a:pos x="connsiteX4" y="connsiteY4"/>
+                    </a:cxn>
+                    <a:cxn ang="0">
+                      <a:pos x="connsiteX5" y="connsiteY5"/>
+                    </a:cxn>
+                  </a:cxnLst>
+                  <a:rect l="l" t="t" r="r" b="b"/>
+                  <a:pathLst>
+                    <a:path w="10915" h="10000">
+                      <a:moveTo>
+                        <a:pt x="915" y="9992"/>
+                      </a:moveTo>
+                      <a:lnTo>
+                        <a:pt x="0" y="10000"/>
+                      </a:lnTo>
+                      <a:lnTo>
+                        <a:pt x="8360" y="10000"/>
+                      </a:lnTo>
+                      <a:cubicBezTo>
+                        <a:pt x="8350" y="9579"/>
+                        <a:pt x="8370" y="9123"/>
+                        <a:pt x="8360" y="8702"/>
+                      </a:cubicBezTo>
+                      <a:lnTo>
+                        <a:pt x="10915" y="8736"/>
+                      </a:lnTo>
+                      <a:lnTo>
+                        <a:pt x="10915" y="0"/>
+                      </a:lnTo>
+                    </a:path>
+                  </a:pathLst>
+                </a:custGeom>
+                <a:noFill/>
+                <a:ln w="22225" cap="flat" cmpd="sng">
+                  <a:solidFill>
+                    <a:schemeClr val="accent1"/>
+                  </a:solidFill>
+                  <a:prstDash val="solid"/>
+                  <a:round/>
+                  <a:headEnd/>
+                  <a:tailEnd/>
+                </a:ln>
+                <a:effectLst/>
+              </p:spPr>
+              <p:txBody>
+                <a:bodyPr wrap="none" lIns="0" tIns="0" rIns="0" bIns="0" anchor="ctr">
+                  <a:noAutofit/>
+                </a:bodyPr>
+                <a:lstStyle/>
+                <a:p>
+                  <a:endParaRPr lang="de-DE" sz="1300">
+                    <a:cs typeface="Arial" pitchFamily="34" charset="0"/>
+                  </a:endParaRPr>
+                </a:p>
+              </p:txBody>
+            </p:sp>
+            <p:sp>
+              <p:nvSpPr>
+                <p:cNvPr id="22" name="Freeform 5"/>
+                <p:cNvSpPr>
+                  <a:spLocks/>
+                </p:cNvSpPr>
+                <p:nvPr>
+                  <p:custDataLst>
+                    <p:tags r:id="rId9"/>
+                  </p:custDataLst>
+                </p:nvPr>
+              </p:nvSpPr>
+              <p:spPr bwMode="auto">
+                <a:xfrm flipH="1">
+                  <a:off x="5095876" y="1349380"/>
+                  <a:ext cx="4173537" cy="2277416"/>
+                </a:xfrm>
+                <a:custGeom>
+                  <a:avLst/>
+                  <a:gdLst>
+                    <a:gd name="connsiteX0" fmla="*/ 0 w 10000"/>
+                    <a:gd name="connsiteY0" fmla="*/ 9992 h 10000"/>
+                    <a:gd name="connsiteX1" fmla="*/ 7419 w 10000"/>
+                    <a:gd name="connsiteY1" fmla="*/ 10000 h 10000"/>
+                    <a:gd name="connsiteX2" fmla="*/ 7419 w 10000"/>
+                    <a:gd name="connsiteY2" fmla="*/ 7227 h 10000"/>
+                    <a:gd name="connsiteX3" fmla="*/ 10000 w 10000"/>
+                    <a:gd name="connsiteY3" fmla="*/ 8736 h 10000"/>
+                    <a:gd name="connsiteX4" fmla="*/ 10000 w 10000"/>
+                    <a:gd name="connsiteY4" fmla="*/ 0 h 10000"/>
+                    <a:gd name="connsiteX0" fmla="*/ 0 w 10000"/>
+                    <a:gd name="connsiteY0" fmla="*/ 9992 h 10000"/>
+                    <a:gd name="connsiteX1" fmla="*/ 7419 w 10000"/>
+                    <a:gd name="connsiteY1" fmla="*/ 10000 h 10000"/>
+                    <a:gd name="connsiteX2" fmla="*/ 7390 w 10000"/>
+                    <a:gd name="connsiteY2" fmla="*/ 8736 h 10000"/>
+                    <a:gd name="connsiteX3" fmla="*/ 10000 w 10000"/>
+                    <a:gd name="connsiteY3" fmla="*/ 8736 h 10000"/>
+                    <a:gd name="connsiteX4" fmla="*/ 10000 w 10000"/>
+                    <a:gd name="connsiteY4" fmla="*/ 0 h 10000"/>
+                    <a:gd name="connsiteX0" fmla="*/ 915 w 10915"/>
+                    <a:gd name="connsiteY0" fmla="*/ 9992 h 10000"/>
+                    <a:gd name="connsiteX1" fmla="*/ 0 w 10915"/>
+                    <a:gd name="connsiteY1" fmla="*/ 10000 h 10000"/>
+                    <a:gd name="connsiteX2" fmla="*/ 8334 w 10915"/>
+                    <a:gd name="connsiteY2" fmla="*/ 10000 h 10000"/>
+                    <a:gd name="connsiteX3" fmla="*/ 8305 w 10915"/>
+                    <a:gd name="connsiteY3" fmla="*/ 8736 h 10000"/>
+                    <a:gd name="connsiteX4" fmla="*/ 10915 w 10915"/>
+                    <a:gd name="connsiteY4" fmla="*/ 8736 h 10000"/>
+                    <a:gd name="connsiteX5" fmla="*/ 10915 w 10915"/>
+                    <a:gd name="connsiteY5" fmla="*/ 0 h 10000"/>
+                    <a:gd name="connsiteX0" fmla="*/ 915 w 10915"/>
+                    <a:gd name="connsiteY0" fmla="*/ 9992 h 10000"/>
+                    <a:gd name="connsiteX1" fmla="*/ 0 w 10915"/>
+                    <a:gd name="connsiteY1" fmla="*/ 10000 h 10000"/>
+                    <a:gd name="connsiteX2" fmla="*/ 8360 w 10915"/>
+                    <a:gd name="connsiteY2" fmla="*/ 10000 h 10000"/>
+                    <a:gd name="connsiteX3" fmla="*/ 8305 w 10915"/>
+                    <a:gd name="connsiteY3" fmla="*/ 8736 h 10000"/>
+                    <a:gd name="connsiteX4" fmla="*/ 10915 w 10915"/>
+                    <a:gd name="connsiteY4" fmla="*/ 8736 h 10000"/>
+                    <a:gd name="connsiteX5" fmla="*/ 10915 w 10915"/>
+                    <a:gd name="connsiteY5" fmla="*/ 0 h 10000"/>
+                    <a:gd name="connsiteX0" fmla="*/ 915 w 10915"/>
+                    <a:gd name="connsiteY0" fmla="*/ 9992 h 10000"/>
+                    <a:gd name="connsiteX1" fmla="*/ 0 w 10915"/>
+                    <a:gd name="connsiteY1" fmla="*/ 10000 h 10000"/>
+                    <a:gd name="connsiteX2" fmla="*/ 8360 w 10915"/>
+                    <a:gd name="connsiteY2" fmla="*/ 10000 h 10000"/>
+                    <a:gd name="connsiteX3" fmla="*/ 8360 w 10915"/>
+                    <a:gd name="connsiteY3" fmla="*/ 8702 h 10000"/>
+                    <a:gd name="connsiteX4" fmla="*/ 10915 w 10915"/>
+                    <a:gd name="connsiteY4" fmla="*/ 8736 h 10000"/>
+                    <a:gd name="connsiteX5" fmla="*/ 10915 w 10915"/>
+                    <a:gd name="connsiteY5" fmla="*/ 0 h 10000"/>
+                  </a:gdLst>
+                  <a:ahLst/>
+                  <a:cxnLst>
+                    <a:cxn ang="0">
+                      <a:pos x="connsiteX0" y="connsiteY0"/>
+                    </a:cxn>
+                    <a:cxn ang="0">
+                      <a:pos x="connsiteX1" y="connsiteY1"/>
+                    </a:cxn>
+                    <a:cxn ang="0">
+                      <a:pos x="connsiteX2" y="connsiteY2"/>
+                    </a:cxn>
+                    <a:cxn ang="0">
+                      <a:pos x="connsiteX3" y="connsiteY3"/>
+                    </a:cxn>
+                    <a:cxn ang="0">
+                      <a:pos x="connsiteX4" y="connsiteY4"/>
+                    </a:cxn>
+                    <a:cxn ang="0">
+                      <a:pos x="connsiteX5" y="connsiteY5"/>
+                    </a:cxn>
+                  </a:cxnLst>
+                  <a:rect l="l" t="t" r="r" b="b"/>
+                  <a:pathLst>
+                    <a:path w="10915" h="10000">
+                      <a:moveTo>
+                        <a:pt x="915" y="9992"/>
+                      </a:moveTo>
+                      <a:lnTo>
+                        <a:pt x="0" y="10000"/>
+                      </a:lnTo>
+                      <a:lnTo>
+                        <a:pt x="8360" y="10000"/>
+                      </a:lnTo>
+                      <a:cubicBezTo>
+                        <a:pt x="8350" y="9579"/>
+                        <a:pt x="8370" y="9123"/>
+                        <a:pt x="8360" y="8702"/>
+                      </a:cubicBezTo>
+                      <a:lnTo>
+                        <a:pt x="10915" y="8736"/>
+                      </a:lnTo>
+                      <a:lnTo>
+                        <a:pt x="10915" y="0"/>
+                      </a:lnTo>
+                    </a:path>
+                  </a:pathLst>
+                </a:custGeom>
+                <a:noFill/>
+                <a:ln w="22225" cap="flat" cmpd="sng">
+                  <a:solidFill>
+                    <a:schemeClr val="accent1"/>
+                  </a:solidFill>
+                  <a:prstDash val="solid"/>
+                  <a:round/>
+                  <a:headEnd/>
+                  <a:tailEnd/>
+                </a:ln>
+                <a:effectLst/>
+              </p:spPr>
+              <p:txBody>
+                <a:bodyPr wrap="none" lIns="0" tIns="0" rIns="0" bIns="0" anchor="ctr">
+                  <a:noAutofit/>
+                </a:bodyPr>
+                <a:lstStyle/>
+                <a:p>
+                  <a:endParaRPr lang="de-DE" sz="1300">
+                    <a:cs typeface="Arial" pitchFamily="34" charset="0"/>
+                  </a:endParaRPr>
+                </a:p>
+              </p:txBody>
+            </p:sp>
+          </p:grpSp>
+        </p:grpSp>
+      </p:grpSp>
+      <p:sp>
+        <p:nvSpPr>
+          <p:cNvPr id="23" name="Rectangle 22"/>
+          <p:cNvSpPr/>
+          <p:nvPr/>
+        </p:nvSpPr>
+        <p:spPr>
+          <a:xfrm>
+            <a:off x="6020972" y="274638"/>
+            <a:ext cx="2715869" cy="836710"/>
+          </a:xfrm>
+          <a:prstGeom prst="rect">
+            <a:avLst/>
+          </a:prstGeom>
+          <a:solidFill>
+            <a:schemeClr val="bg1"/>
+          </a:solidFill>
+          <a:ln/>
+          <a:effectLst/>
+        </p:spPr>
+        <p:style>
+          <a:lnRef idx="1">
+            <a:schemeClr val="accent1"/>
+          </a:lnRef>
+          <a:fillRef idx="2">
+            <a:schemeClr val="accent1"/>
+          </a:fillRef>
+          <a:effectRef idx="1">
+            <a:schemeClr val="accent1"/>
+          </a:effectRef>
+          <a:fontRef idx="minor">
+            <a:schemeClr val="dk1"/>
+          </a:fontRef>
+        </p:style>
+        <p:txBody>
+          <a:bodyPr rtlCol="0" anchor="ctr"/>
+          <a:lstStyle/>
+          <a:p>
+            <a:pPr algn="ctr"/>
+            <a:r>
+              <a:rPr lang="fr-FR" b="1" u="sng" dirty="0" smtClean="0"/>
+              <a:t>FLUX B : Anomalie 1 Vol – 40 %</a:t>
+            </a:r>
+            <a:endParaRPr lang="fr-FR" b="1" u="sng" dirty="0"/>
+          </a:p>
+        </p:txBody>
+      </p:sp>
+      <p:sp>
+        <p:nvSpPr>
+          <p:cNvPr id="24" name="ZoneTexte 23"/>
+          <p:cNvSpPr txBox="1"/>
+          <p:nvPr/>
+        </p:nvSpPr>
+        <p:spPr>
+          <a:xfrm>
+            <a:off x="457200" y="1926788"/>
+            <a:ext cx="2544286" cy="369332"/>
+          </a:xfrm>
+          <a:prstGeom prst="rect">
+            <a:avLst/>
+          </a:prstGeom>
+          <a:noFill/>
+        </p:spPr>
+        <p:txBody>
+          <a:bodyPr wrap="none" rtlCol="0">
+            <a:spAutoFit/>
+          </a:bodyPr>
+          <a:lstStyle/>
+          <a:p>
+            <a:r>
+              <a:rPr lang="fr-FR" dirty="0" smtClean="0"/>
+              <a:t>Séparateur de phase </a:t>
+            </a:r>
+          </a:p>
+        </p:txBody>
+      </p:sp>
+      <p:sp>
+        <p:nvSpPr>
+          <p:cNvPr id="25" name="Rectangle 24"/>
+          <p:cNvSpPr/>
+          <p:nvPr/>
+        </p:nvSpPr>
+        <p:spPr>
+          <a:xfrm>
+            <a:off x="507241" y="1765221"/>
+            <a:ext cx="3922872" cy="1601493"/>
+          </a:xfrm>
+          <a:prstGeom prst="rect">
+            <a:avLst/>
+          </a:prstGeom>
+          <a:solidFill>
+            <a:schemeClr val="bg1"/>
+          </a:solidFill>
+          <a:ln>
+            <a:solidFill>
+              <a:schemeClr val="bg2">
+                <a:lumMod val="90000"/>
+              </a:schemeClr>
+            </a:solidFill>
+          </a:ln>
+          <a:effectLst/>
+        </p:spPr>
+        <p:style>
+          <a:lnRef idx="1">
+            <a:schemeClr val="accent1"/>
+          </a:lnRef>
+          <a:fillRef idx="2">
+            <a:schemeClr val="accent1"/>
+          </a:fillRef>
+          <a:effectRef idx="1">
+            <a:schemeClr val="accent1"/>
+          </a:effectRef>
+          <a:fontRef idx="minor">
+            <a:schemeClr val="dk1"/>
+          </a:fontRef>
+        </p:style>
+        <p:txBody>
+          <a:bodyPr rtlCol="0" anchor="t"/>
+          <a:lstStyle/>
+          <a:p>
+            <a:pPr>
+              <a:buFont typeface="Arial" pitchFamily="34" charset="0"/>
+              <a:buChar char="•"/>
+            </a:pPr>
+            <a:r>
+              <a:rPr lang="fr-FR" sz="1400" dirty="0" smtClean="0"/>
+              <a:t> Taux d’</a:t>
+            </a:r>
+            <a:r>
+              <a:rPr lang="fr-FR" sz="1400" dirty="0" smtClean="0"/>
+              <a:t>e</a:t>
+            </a:r>
+            <a:r>
+              <a:rPr lang="fr-FR" sz="1400" dirty="0" smtClean="0"/>
+              <a:t>rreur entre les différents côtés / canaux – OK</a:t>
+            </a:r>
+          </a:p>
+          <a:p>
+            <a:pPr>
+              <a:buFont typeface="Arial" pitchFamily="34" charset="0"/>
+              <a:buChar char="•"/>
+            </a:pPr>
+            <a:r>
+              <a:rPr lang="fr-FR" sz="1400" dirty="0" smtClean="0"/>
+              <a:t> Analyse du taux d’erreur – En Cours</a:t>
+            </a:r>
+          </a:p>
+          <a:p>
+            <a:pPr>
+              <a:buFont typeface="Arial" pitchFamily="34" charset="0"/>
+              <a:buChar char="•"/>
+            </a:pPr>
+            <a:r>
+              <a:rPr lang="fr-FR" sz="1400" dirty="0" smtClean="0"/>
+              <a:t> Calcul des descripteurs de vol </a:t>
+            </a:r>
+            <a:r>
+              <a:rPr lang="fr-FR" sz="1400" dirty="0" smtClean="0">
+                <a:sym typeface="Wingdings" pitchFamily="2" charset="2"/>
+              </a:rPr>
+              <a:t> OK</a:t>
+            </a:r>
+            <a:r>
+              <a:rPr lang="fr-FR" sz="1400" dirty="0" smtClean="0"/>
+              <a:t> </a:t>
+            </a:r>
+          </a:p>
+          <a:p>
+            <a:pPr>
+              <a:buFont typeface="Arial" pitchFamily="34" charset="0"/>
+              <a:buChar char="•"/>
+            </a:pPr>
+            <a:r>
+              <a:rPr lang="fr-FR" sz="1400" dirty="0" smtClean="0"/>
+              <a:t> Test de OCSVM </a:t>
+            </a:r>
+            <a:r>
+              <a:rPr lang="fr-FR" sz="1400" dirty="0" smtClean="0">
+                <a:sym typeface="Wingdings" pitchFamily="2" charset="2"/>
+              </a:rPr>
+              <a:t> En Cours</a:t>
+            </a:r>
+            <a:endParaRPr lang="fr-FR" sz="1400" dirty="0" smtClean="0"/>
+          </a:p>
+          <a:p>
+            <a:endParaRPr lang="fr-FR" sz="1400" dirty="0"/>
+          </a:p>
+        </p:txBody>
+      </p:sp>
+      <p:sp>
+        <p:nvSpPr>
+          <p:cNvPr id="27" name="Rectangle 26"/>
+          <p:cNvSpPr/>
+          <p:nvPr/>
+        </p:nvSpPr>
+        <p:spPr>
+          <a:xfrm>
+            <a:off x="4813969" y="1765221"/>
+            <a:ext cx="3246819" cy="1601493"/>
+          </a:xfrm>
+          <a:prstGeom prst="rect">
+            <a:avLst/>
+          </a:prstGeom>
+          <a:solidFill>
+            <a:schemeClr val="bg1"/>
+          </a:solidFill>
+          <a:ln>
+            <a:solidFill>
+              <a:schemeClr val="bg2">
+                <a:lumMod val="90000"/>
+              </a:schemeClr>
+            </a:solidFill>
+          </a:ln>
+          <a:effectLst/>
+        </p:spPr>
+        <p:style>
+          <a:lnRef idx="1">
+            <a:schemeClr val="accent1"/>
+          </a:lnRef>
+          <a:fillRef idx="2">
+            <a:schemeClr val="accent1"/>
+          </a:fillRef>
+          <a:effectRef idx="1">
+            <a:schemeClr val="accent1"/>
+          </a:effectRef>
+          <a:fontRef idx="minor">
+            <a:schemeClr val="dk1"/>
+          </a:fontRef>
+        </p:style>
+        <p:txBody>
+          <a:bodyPr rtlCol="0" anchor="t"/>
+          <a:lstStyle/>
+          <a:p>
+            <a:pPr>
+              <a:buFont typeface="Arial" pitchFamily="34" charset="0"/>
+              <a:buChar char="•"/>
+            </a:pPr>
+            <a:r>
+              <a:rPr lang="fr-FR" sz="1400" dirty="0" smtClean="0"/>
+              <a:t> Formation au python nécessaire </a:t>
+            </a:r>
+            <a:r>
+              <a:rPr lang="fr-FR" sz="1400" dirty="0" smtClean="0">
+                <a:sym typeface="Wingdings" pitchFamily="2" charset="2"/>
+              </a:rPr>
+              <a:t> </a:t>
+            </a:r>
+            <a:r>
+              <a:rPr lang="fr-FR" sz="1400" dirty="0" err="1" smtClean="0">
+                <a:sym typeface="Wingdings" pitchFamily="2" charset="2"/>
+              </a:rPr>
+              <a:t>O</a:t>
+            </a:r>
+            <a:r>
+              <a:rPr lang="fr-FR" sz="1400" dirty="0" err="1" smtClean="0">
+                <a:sym typeface="Wingdings" pitchFamily="2" charset="2"/>
+              </a:rPr>
+              <a:t>penClassroom</a:t>
+            </a:r>
+            <a:r>
+              <a:rPr lang="fr-FR" sz="1400" dirty="0" smtClean="0">
+                <a:sym typeface="Wingdings" pitchFamily="2" charset="2"/>
+              </a:rPr>
+              <a:t> </a:t>
+            </a:r>
+          </a:p>
+          <a:p>
+            <a:pPr>
+              <a:buFont typeface="Arial" pitchFamily="34" charset="0"/>
+              <a:buChar char="•"/>
+            </a:pPr>
+            <a:r>
+              <a:rPr lang="fr-FR" sz="1400" dirty="0" smtClean="0">
+                <a:sym typeface="Wingdings" pitchFamily="2" charset="2"/>
+              </a:rPr>
+              <a:t> Faux positif  à régler</a:t>
+            </a:r>
+          </a:p>
+          <a:p>
+            <a:pPr>
+              <a:buFont typeface="Arial" pitchFamily="34" charset="0"/>
+              <a:buChar char="•"/>
+            </a:pPr>
+            <a:r>
+              <a:rPr lang="fr-FR" sz="1400" dirty="0" smtClean="0">
+                <a:sym typeface="Wingdings" pitchFamily="2" charset="2"/>
+              </a:rPr>
+              <a:t> Trop de Réunion avec les donneurs d’ordre  à régler</a:t>
+            </a:r>
+          </a:p>
+          <a:p>
+            <a:pPr>
+              <a:buFont typeface="Arial" pitchFamily="34" charset="0"/>
+              <a:buChar char="•"/>
+            </a:pPr>
+            <a:r>
+              <a:rPr lang="fr-FR" sz="1400" dirty="0" smtClean="0">
+                <a:sym typeface="Wingdings" pitchFamily="2" charset="2"/>
+              </a:rPr>
+              <a:t> OCSVM  Choix des descripteurs  test en cours</a:t>
+            </a:r>
+            <a:endParaRPr lang="fr-FR" sz="1400" dirty="0"/>
+          </a:p>
+        </p:txBody>
+      </p:sp>
+      <p:sp>
+        <p:nvSpPr>
+          <p:cNvPr id="28" name="Rectangle 27"/>
+          <p:cNvSpPr/>
+          <p:nvPr/>
+        </p:nvSpPr>
+        <p:spPr>
+          <a:xfrm>
+            <a:off x="8060788" y="1765221"/>
+            <a:ext cx="676053" cy="1601491"/>
+          </a:xfrm>
+          <a:prstGeom prst="rect">
+            <a:avLst/>
+          </a:prstGeom>
+          <a:solidFill>
+            <a:schemeClr val="bg1"/>
+          </a:solidFill>
+          <a:ln>
+            <a:solidFill>
+              <a:schemeClr val="bg2">
+                <a:lumMod val="90000"/>
+              </a:schemeClr>
+            </a:solidFill>
+          </a:ln>
+          <a:effectLst/>
+        </p:spPr>
+        <p:style>
+          <a:lnRef idx="1">
+            <a:schemeClr val="accent1"/>
+          </a:lnRef>
+          <a:fillRef idx="2">
+            <a:schemeClr val="accent1"/>
+          </a:fillRef>
+          <a:effectRef idx="1">
+            <a:schemeClr val="accent1"/>
+          </a:effectRef>
+          <a:fontRef idx="minor">
+            <a:schemeClr val="dk1"/>
+          </a:fontRef>
+        </p:style>
+        <p:txBody>
+          <a:bodyPr rtlCol="0" anchor="t"/>
+          <a:lstStyle/>
+          <a:p>
+            <a:endParaRPr lang="fr-FR" sz="1200" dirty="0"/>
+          </a:p>
+        </p:txBody>
+      </p:sp>
+      <p:sp>
+        <p:nvSpPr>
+          <p:cNvPr id="33" name="Rectangle 32"/>
+          <p:cNvSpPr/>
+          <p:nvPr/>
+        </p:nvSpPr>
+        <p:spPr>
+          <a:xfrm>
+            <a:off x="508743" y="3798277"/>
+            <a:ext cx="3922872" cy="1659988"/>
+          </a:xfrm>
+          <a:prstGeom prst="rect">
+            <a:avLst/>
+          </a:prstGeom>
+          <a:solidFill>
+            <a:schemeClr val="bg1"/>
+          </a:solidFill>
+          <a:ln>
+            <a:solidFill>
+              <a:schemeClr val="bg2">
+                <a:lumMod val="90000"/>
+              </a:schemeClr>
+            </a:solidFill>
+          </a:ln>
+          <a:effectLst/>
+        </p:spPr>
+        <p:style>
+          <a:lnRef idx="1">
+            <a:schemeClr val="accent1"/>
+          </a:lnRef>
+          <a:fillRef idx="2">
+            <a:schemeClr val="accent1"/>
+          </a:fillRef>
+          <a:effectRef idx="1">
+            <a:schemeClr val="accent1"/>
+          </a:effectRef>
+          <a:fontRef idx="minor">
+            <a:schemeClr val="dk1"/>
+          </a:fontRef>
+        </p:style>
+        <p:txBody>
+          <a:bodyPr rtlCol="0" anchor="ctr"/>
+          <a:lstStyle/>
+          <a:p>
+            <a:pPr>
+              <a:buFont typeface="Arial" pitchFamily="34" charset="0"/>
+              <a:buChar char="•"/>
+            </a:pPr>
+            <a:r>
+              <a:rPr lang="fr-FR" sz="1400" dirty="0" smtClean="0"/>
+              <a:t> Besoin de vérifier les résultats</a:t>
+            </a:r>
+          </a:p>
+          <a:p>
+            <a:pPr>
+              <a:buFont typeface="Arial" pitchFamily="34" charset="0"/>
+              <a:buChar char="•"/>
+            </a:pPr>
+            <a:r>
+              <a:rPr lang="fr-FR" sz="1400" dirty="0" smtClean="0"/>
+              <a:t> Analyse des résultats </a:t>
+            </a:r>
+          </a:p>
+          <a:p>
+            <a:pPr>
+              <a:buFont typeface="Arial" pitchFamily="34" charset="0"/>
+              <a:buChar char="•"/>
+            </a:pPr>
+            <a:r>
+              <a:rPr lang="fr-FR" sz="1400" dirty="0" smtClean="0"/>
+              <a:t> Perte de temps et retard sur avancement </a:t>
+            </a:r>
+            <a:r>
+              <a:rPr lang="fr-FR" sz="1400" dirty="0" smtClean="0">
+                <a:sym typeface="Wingdings" pitchFamily="2" charset="2"/>
+              </a:rPr>
+              <a:t> phase C très peu avancé et phase D pas encore commencé </a:t>
+            </a:r>
+          </a:p>
+          <a:p>
+            <a:pPr>
+              <a:buFont typeface="Arial" pitchFamily="34" charset="0"/>
+              <a:buChar char="•"/>
+            </a:pPr>
+            <a:r>
+              <a:rPr lang="fr-FR" sz="1400" dirty="0" smtClean="0">
+                <a:sym typeface="Wingdings" pitchFamily="2" charset="2"/>
+              </a:rPr>
+              <a:t> </a:t>
+            </a:r>
+            <a:r>
+              <a:rPr lang="fr-FR" sz="1400" dirty="0" smtClean="0">
+                <a:sym typeface="Wingdings" pitchFamily="2" charset="2"/>
+              </a:rPr>
+              <a:t>Faire auto-encodeur</a:t>
+            </a:r>
+          </a:p>
+          <a:p>
+            <a:pPr>
+              <a:buFont typeface="Arial" pitchFamily="34" charset="0"/>
+              <a:buChar char="•"/>
+            </a:pPr>
+            <a:r>
+              <a:rPr lang="fr-FR" sz="1400" dirty="0" smtClean="0">
+                <a:sym typeface="Wingdings" pitchFamily="2" charset="2"/>
+              </a:rPr>
+              <a:t> </a:t>
+            </a:r>
+            <a:r>
+              <a:rPr lang="fr-FR" sz="1400" dirty="0" smtClean="0">
+                <a:sym typeface="Wingdings" pitchFamily="2" charset="2"/>
+              </a:rPr>
+              <a:t>Finir test OCSVM </a:t>
+            </a:r>
+            <a:endParaRPr lang="fr-FR" sz="1400" dirty="0"/>
+          </a:p>
+        </p:txBody>
+      </p:sp>
+      <p:sp>
+        <p:nvSpPr>
+          <p:cNvPr id="34" name="Rectangle 33"/>
+          <p:cNvSpPr/>
+          <p:nvPr/>
+        </p:nvSpPr>
+        <p:spPr>
+          <a:xfrm>
+            <a:off x="4813969" y="3798277"/>
+            <a:ext cx="3922872" cy="1659988"/>
+          </a:xfrm>
+          <a:prstGeom prst="rect">
+            <a:avLst/>
+          </a:prstGeom>
+          <a:solidFill>
+            <a:schemeClr val="bg1"/>
+          </a:solidFill>
+          <a:ln>
+            <a:solidFill>
+              <a:schemeClr val="bg2">
+                <a:lumMod val="90000"/>
+              </a:schemeClr>
+            </a:solidFill>
+          </a:ln>
+          <a:effectLst/>
+        </p:spPr>
+        <p:style>
+          <a:lnRef idx="1">
+            <a:schemeClr val="accent1"/>
+          </a:lnRef>
+          <a:fillRef idx="2">
+            <a:schemeClr val="accent1"/>
+          </a:fillRef>
+          <a:effectRef idx="1">
+            <a:schemeClr val="accent1"/>
+          </a:effectRef>
+          <a:fontRef idx="minor">
+            <a:schemeClr val="dk1"/>
+          </a:fontRef>
+        </p:style>
+        <p:txBody>
+          <a:bodyPr rtlCol="0" anchor="ctr"/>
+          <a:lstStyle/>
+          <a:p>
+            <a:r>
+              <a:rPr lang="fr-FR" sz="1600" dirty="0" smtClean="0"/>
+              <a:t>Suppression du flux D car pas indispensable au projet </a:t>
+            </a:r>
+            <a:endParaRPr lang="fr-FR" sz="1600" dirty="0"/>
+          </a:p>
+        </p:txBody>
+      </p:sp>
+      <p:sp>
+        <p:nvSpPr>
+          <p:cNvPr id="35" name="Ellipse 34"/>
+          <p:cNvSpPr/>
+          <p:nvPr/>
+        </p:nvSpPr>
+        <p:spPr>
+          <a:xfrm>
+            <a:off x="5009056" y="429386"/>
+            <a:ext cx="530606" cy="555356"/>
+          </a:xfrm>
+          <a:prstGeom prst="ellipse">
+            <a:avLst/>
+          </a:prstGeom>
+          <a:solidFill>
+            <a:srgbClr val="FFC000"/>
+          </a:solidFill>
+          <a:ln>
+            <a:solidFill>
+              <a:srgbClr val="FFC000"/>
+            </a:solidFill>
+          </a:ln>
+        </p:spPr>
+        <p:style>
+          <a:lnRef idx="2">
+            <a:schemeClr val="accent1">
+              <a:shade val="50000"/>
+            </a:schemeClr>
+          </a:lnRef>
+          <a:fillRef idx="1">
+            <a:schemeClr val="accent1"/>
+          </a:fillRef>
+          <a:effectRef idx="0">
+            <a:schemeClr val="accent1"/>
+          </a:effectRef>
+          <a:fontRef idx="minor">
+            <a:schemeClr val="lt1"/>
+          </a:fontRef>
+        </p:style>
+        <p:txBody>
+          <a:bodyPr rtlCol="0" anchor="ctr"/>
+          <a:lstStyle/>
+          <a:p>
+            <a:pPr algn="ctr"/>
+            <a:endParaRPr lang="fr-FR"/>
+          </a:p>
+        </p:txBody>
+      </p:sp>
+      <p:sp>
+        <p:nvSpPr>
+          <p:cNvPr id="37" name="Ellipse 36"/>
+          <p:cNvSpPr/>
+          <p:nvPr/>
+        </p:nvSpPr>
+        <p:spPr>
+          <a:xfrm>
+            <a:off x="8334140" y="2568735"/>
+            <a:ext cx="180000" cy="180000"/>
+          </a:xfrm>
+          <a:prstGeom prst="ellipse">
+            <a:avLst/>
+          </a:prstGeom>
+          <a:solidFill>
+            <a:srgbClr val="FF0000"/>
+          </a:solidFill>
+          <a:ln>
+            <a:solidFill>
+              <a:srgbClr val="FF0000"/>
+            </a:solidFill>
+          </a:ln>
+        </p:spPr>
+        <p:style>
+          <a:lnRef idx="2">
+            <a:schemeClr val="accent1">
+              <a:shade val="50000"/>
+            </a:schemeClr>
+          </a:lnRef>
+          <a:fillRef idx="1">
+            <a:schemeClr val="accent1"/>
+          </a:fillRef>
+          <a:effectRef idx="0">
+            <a:schemeClr val="accent1"/>
+          </a:effectRef>
+          <a:fontRef idx="minor">
+            <a:schemeClr val="lt1"/>
+          </a:fontRef>
+        </p:style>
+        <p:txBody>
+          <a:bodyPr rtlCol="0" anchor="ctr"/>
+          <a:lstStyle/>
+          <a:p>
+            <a:pPr algn="ctr"/>
+            <a:endParaRPr lang="fr-FR" dirty="0">
+              <a:solidFill>
+                <a:srgbClr val="00B050"/>
+              </a:solidFill>
+            </a:endParaRPr>
+          </a:p>
+        </p:txBody>
+      </p:sp>
+      <p:sp>
+        <p:nvSpPr>
+          <p:cNvPr id="38" name="Ellipse 37"/>
+          <p:cNvSpPr/>
+          <p:nvPr/>
+        </p:nvSpPr>
+        <p:spPr>
+          <a:xfrm>
+            <a:off x="8334140" y="1926788"/>
+            <a:ext cx="180000" cy="180000"/>
+          </a:xfrm>
+          <a:prstGeom prst="ellipse">
+            <a:avLst/>
+          </a:prstGeom>
+          <a:solidFill>
+            <a:srgbClr val="92D050"/>
+          </a:solidFill>
+          <a:ln>
+            <a:solidFill>
+              <a:srgbClr val="92D050"/>
+            </a:solidFill>
+          </a:ln>
+        </p:spPr>
+        <p:style>
+          <a:lnRef idx="2">
+            <a:schemeClr val="accent1">
+              <a:shade val="50000"/>
+            </a:schemeClr>
+          </a:lnRef>
+          <a:fillRef idx="1">
+            <a:schemeClr val="accent1"/>
+          </a:fillRef>
+          <a:effectRef idx="0">
+            <a:schemeClr val="accent1"/>
+          </a:effectRef>
+          <a:fontRef idx="minor">
+            <a:schemeClr val="lt1"/>
+          </a:fontRef>
+        </p:style>
+        <p:txBody>
+          <a:bodyPr rtlCol="0" anchor="ctr"/>
+          <a:lstStyle/>
+          <a:p>
+            <a:pPr algn="ctr"/>
+            <a:endParaRPr lang="fr-FR"/>
+          </a:p>
+        </p:txBody>
+      </p:sp>
+      <p:sp>
+        <p:nvSpPr>
+          <p:cNvPr id="40" name="Ellipse 39"/>
+          <p:cNvSpPr/>
+          <p:nvPr/>
+        </p:nvSpPr>
+        <p:spPr>
+          <a:xfrm>
+            <a:off x="8334140" y="2259188"/>
+            <a:ext cx="180000" cy="180000"/>
+          </a:xfrm>
+          <a:prstGeom prst="ellipse">
+            <a:avLst/>
+          </a:prstGeom>
+          <a:solidFill>
+            <a:srgbClr val="FFC000"/>
+          </a:solidFill>
+          <a:ln>
+            <a:solidFill>
+              <a:srgbClr val="FFC000"/>
+            </a:solidFill>
+          </a:ln>
+        </p:spPr>
+        <p:style>
+          <a:lnRef idx="2">
+            <a:schemeClr val="accent1">
+              <a:shade val="50000"/>
+            </a:schemeClr>
+          </a:lnRef>
+          <a:fillRef idx="1">
+            <a:schemeClr val="accent1"/>
+          </a:fillRef>
+          <a:effectRef idx="0">
+            <a:schemeClr val="accent1"/>
+          </a:effectRef>
+          <a:fontRef idx="minor">
+            <a:schemeClr val="lt1"/>
+          </a:fontRef>
+        </p:style>
+        <p:txBody>
+          <a:bodyPr rtlCol="0" anchor="ctr"/>
+          <a:lstStyle/>
+          <a:p>
+            <a:pPr algn="ctr"/>
+            <a:endParaRPr lang="fr-FR" dirty="0">
+              <a:solidFill>
+                <a:srgbClr val="00B050"/>
+              </a:solidFill>
+            </a:endParaRPr>
+          </a:p>
+        </p:txBody>
+      </p:sp>
+      <p:sp>
+        <p:nvSpPr>
+          <p:cNvPr id="41" name="Ellipse 40"/>
+          <p:cNvSpPr/>
+          <p:nvPr/>
+        </p:nvSpPr>
+        <p:spPr>
+          <a:xfrm>
+            <a:off x="8334140" y="2968818"/>
+            <a:ext cx="180000" cy="180000"/>
+          </a:xfrm>
+          <a:prstGeom prst="ellipse">
+            <a:avLst/>
+          </a:prstGeom>
+          <a:solidFill>
+            <a:srgbClr val="92D050"/>
+          </a:solidFill>
+          <a:ln>
+            <a:solidFill>
+              <a:srgbClr val="92D050"/>
+            </a:solidFill>
+          </a:ln>
+        </p:spPr>
+        <p:style>
+          <a:lnRef idx="2">
+            <a:schemeClr val="accent1">
+              <a:shade val="50000"/>
+            </a:schemeClr>
+          </a:lnRef>
+          <a:fillRef idx="1">
+            <a:schemeClr val="accent1"/>
+          </a:fillRef>
+          <a:effectRef idx="0">
+            <a:schemeClr val="accent1"/>
+          </a:effectRef>
+          <a:fontRef idx="minor">
+            <a:schemeClr val="lt1"/>
+          </a:fontRef>
+        </p:style>
+        <p:txBody>
+          <a:bodyPr rtlCol="0" anchor="ctr"/>
+          <a:lstStyle/>
+          <a:p>
+            <a:pPr algn="ctr"/>
+            <a:endParaRPr lang="fr-FR"/>
+          </a:p>
+        </p:txBody>
+      </p:sp>
+    </p:spTree>
+  </p:cSld>
+  <p:clrMapOvr>
+    <a:masterClrMapping/>
+  </p:clrMapOvr>
+  <p:timing>
+    <p:tnLst>
+      <p:par>
+        <p:cTn id="1" dur="indefinite" restart="never" nodeType="tmRoot"/>
+      </p:par>
+    </p:tnLst>
+  </p:timing>
+</p:sld>
+</file>
+
+<file path=ppt/slides/slide17.xml><?xml version="1.0" encoding="utf-8"?>
+<p:sld xmlns:a="http://schemas.openxmlformats.org/drawingml/2006/main" xmlns:r="http://schemas.openxmlformats.org/officeDocument/2006/relationships" xmlns:p="http://schemas.openxmlformats.org/presentationml/2006/main">
+  <p:cSld>
+    <p:spTree>
+      <p:nvGrpSpPr>
+        <p:cNvPr id="1" name=""/>
+        <p:cNvGrpSpPr/>
+        <p:nvPr/>
+      </p:nvGrpSpPr>
+      <p:grpSpPr>
+        <a:xfrm>
+          <a:off x="0" y="0"/>
+          <a:ext cx="0" cy="0"/>
+          <a:chOff x="0" y="0"/>
+          <a:chExt cx="0" cy="0"/>
+        </a:xfrm>
+      </p:grpSpPr>
+      <p:sp>
+        <p:nvSpPr>
+          <p:cNvPr id="3" name="Espace réservé de la date 2"/>
+          <p:cNvSpPr>
+            <a:spLocks noGrp="1"/>
+          </p:cNvSpPr>
+          <p:nvPr>
+            <p:ph type="dt" sz="half" idx="10"/>
+          </p:nvPr>
+        </p:nvSpPr>
+        <p:spPr/>
+        <p:txBody>
+          <a:bodyPr/>
+          <a:lstStyle/>
+          <a:p>
+            <a:r>
+              <a:rPr lang="fr-FR" smtClean="0"/>
+              <a:t>20/01/2017</a:t>
+            </a:r>
+            <a:endParaRPr lang="fr-FR"/>
+          </a:p>
+        </p:txBody>
+      </p:sp>
+      <p:sp>
+        <p:nvSpPr>
+          <p:cNvPr id="4" name="Espace réservé du pied de page 3"/>
+          <p:cNvSpPr>
+            <a:spLocks noGrp="1"/>
+          </p:cNvSpPr>
+          <p:nvPr>
+            <p:ph type="ftr" sz="quarter" idx="11"/>
+          </p:nvPr>
+        </p:nvSpPr>
+        <p:spPr/>
+        <p:txBody>
+          <a:bodyPr/>
+          <a:lstStyle/>
+          <a:p>
+            <a:r>
+              <a:rPr lang="fr-FR" smtClean="0"/>
+              <a:t>ISAE-SUPAERO : SXS 002</a:t>
+            </a:r>
+            <a:endParaRPr lang="fr-FR"/>
+          </a:p>
+        </p:txBody>
+      </p:sp>
+      <p:sp>
+        <p:nvSpPr>
+          <p:cNvPr id="5" name="Espace réservé du numéro de diapositive 4"/>
+          <p:cNvSpPr>
+            <a:spLocks noGrp="1"/>
+          </p:cNvSpPr>
+          <p:nvPr>
+            <p:ph type="sldNum" sz="quarter" idx="12"/>
+          </p:nvPr>
+        </p:nvSpPr>
+        <p:spPr/>
+        <p:txBody>
+          <a:bodyPr/>
+          <a:lstStyle/>
+          <a:p>
+            <a:fld id="{B8205148-40F1-FD44-9948-BBE2F77BA4D5}" type="slidenum">
+              <a:rPr lang="fr-FR" smtClean="0"/>
+              <a:pPr/>
+              <a:t>17</a:t>
+            </a:fld>
+            <a:endParaRPr lang="fr-FR"/>
+          </a:p>
+        </p:txBody>
+      </p:sp>
+      <p:sp>
+        <p:nvSpPr>
+          <p:cNvPr id="6" name="Titre 5"/>
+          <p:cNvSpPr>
+            <a:spLocks noGrp="1"/>
+          </p:cNvSpPr>
+          <p:nvPr>
+            <p:ph type="title"/>
+          </p:nvPr>
+        </p:nvSpPr>
+        <p:spPr/>
+        <p:txBody>
+          <a:bodyPr>
+            <a:normAutofit/>
+          </a:bodyPr>
+          <a:lstStyle/>
+          <a:p>
+            <a:pPr marL="742950" indent="-742950">
+              <a:buFont typeface="+mj-lt"/>
+              <a:buAutoNum type="arabicPeriod" startAt="3"/>
+            </a:pPr>
+            <a:r>
+              <a:rPr lang="fr-FR" dirty="0" smtClean="0"/>
+              <a:t>Avancement</a:t>
+            </a:r>
+            <a:br>
+              <a:rPr lang="fr-FR" dirty="0" smtClean="0"/>
+            </a:br>
+            <a:r>
+              <a:rPr lang="fr-FR" sz="2700" dirty="0" smtClean="0">
+                <a:solidFill>
+                  <a:schemeClr val="tx2">
+                    <a:lumMod val="60000"/>
+                    <a:lumOff val="40000"/>
+                  </a:schemeClr>
+                </a:solidFill>
+              </a:rPr>
+              <a:t> </a:t>
+            </a:r>
+            <a:r>
+              <a:rPr lang="fr-FR" sz="2700" dirty="0" smtClean="0">
+                <a:solidFill>
+                  <a:schemeClr val="tx2">
+                    <a:lumMod val="60000"/>
+                    <a:lumOff val="40000"/>
+                  </a:schemeClr>
+                </a:solidFill>
+              </a:rPr>
+              <a:t>	D</a:t>
+            </a:r>
+            <a:r>
+              <a:rPr lang="fr-FR" sz="2700" dirty="0" smtClean="0">
+                <a:solidFill>
+                  <a:schemeClr val="tx2">
+                    <a:lumMod val="60000"/>
+                    <a:lumOff val="40000"/>
+                  </a:schemeClr>
+                </a:solidFill>
+              </a:rPr>
+              <a:t>. Développement</a:t>
+            </a:r>
+            <a:r>
+              <a:rPr lang="fr-FR" sz="2700" dirty="0" smtClean="0"/>
+              <a:t> </a:t>
+            </a:r>
+            <a:endParaRPr lang="fr-FR" sz="2700" dirty="0"/>
+          </a:p>
+        </p:txBody>
+      </p:sp>
+      <p:cxnSp>
+        <p:nvCxnSpPr>
+          <p:cNvPr id="8" name="Connecteur droit 7"/>
+          <p:cNvCxnSpPr/>
+          <p:nvPr/>
+        </p:nvCxnSpPr>
+        <p:spPr>
+          <a:xfrm>
+            <a:off x="4572000" y="1631852"/>
+            <a:ext cx="0" cy="3858064"/>
+          </a:xfrm>
+          <a:prstGeom prst="line">
+            <a:avLst/>
+          </a:prstGeom>
+        </p:spPr>
+        <p:style>
+          <a:lnRef idx="1">
+            <a:schemeClr val="accent1"/>
+          </a:lnRef>
+          <a:fillRef idx="0">
+            <a:schemeClr val="accent1"/>
+          </a:fillRef>
+          <a:effectRef idx="0">
+            <a:schemeClr val="accent1"/>
+          </a:effectRef>
+          <a:fontRef idx="minor">
+            <a:schemeClr val="tx1"/>
+          </a:fontRef>
+        </p:style>
+      </p:cxnSp>
+      <p:sp>
+        <p:nvSpPr>
+          <p:cNvPr id="14" name="Rectangle 13"/>
+          <p:cNvSpPr/>
+          <p:nvPr/>
+        </p:nvSpPr>
+        <p:spPr>
+          <a:xfrm>
+            <a:off x="1035989" y="1631852"/>
+            <a:ext cx="2715869" cy="836710"/>
+          </a:xfrm>
+          <a:prstGeom prst="rect">
+            <a:avLst/>
+          </a:prstGeom>
+          <a:solidFill>
+            <a:schemeClr val="bg1"/>
+          </a:solidFill>
+          <a:ln/>
+          <a:effectLst/>
+        </p:spPr>
+        <p:style>
+          <a:lnRef idx="1">
+            <a:schemeClr val="accent1"/>
+          </a:lnRef>
+          <a:fillRef idx="2">
+            <a:schemeClr val="accent1"/>
+          </a:fillRef>
+          <a:effectRef idx="1">
+            <a:schemeClr val="accent1"/>
+          </a:effectRef>
+          <a:fontRef idx="minor">
+            <a:schemeClr val="dk1"/>
+          </a:fontRef>
+        </p:style>
+        <p:txBody>
+          <a:bodyPr rtlCol="0" anchor="ctr"/>
+          <a:lstStyle/>
+          <a:p>
+            <a:pPr algn="ctr"/>
+            <a:r>
+              <a:rPr lang="fr-FR" b="1" u="sng" dirty="0" smtClean="0"/>
+              <a:t>OCSVN</a:t>
+            </a:r>
+            <a:endParaRPr lang="fr-FR" b="1" u="sng" dirty="0"/>
+          </a:p>
+        </p:txBody>
+      </p:sp>
+      <p:sp>
+        <p:nvSpPr>
+          <p:cNvPr id="15" name="Rectangle 14"/>
+          <p:cNvSpPr/>
+          <p:nvPr/>
+        </p:nvSpPr>
+        <p:spPr>
+          <a:xfrm>
+            <a:off x="5553589" y="1631852"/>
+            <a:ext cx="2715869" cy="836710"/>
+          </a:xfrm>
+          <a:prstGeom prst="rect">
+            <a:avLst/>
+          </a:prstGeom>
+          <a:solidFill>
+            <a:schemeClr val="bg1"/>
+          </a:solidFill>
+          <a:ln/>
+          <a:effectLst/>
+        </p:spPr>
+        <p:style>
+          <a:lnRef idx="1">
+            <a:schemeClr val="accent1"/>
+          </a:lnRef>
+          <a:fillRef idx="2">
+            <a:schemeClr val="accent1"/>
+          </a:fillRef>
+          <a:effectRef idx="1">
+            <a:schemeClr val="accent1"/>
+          </a:effectRef>
+          <a:fontRef idx="minor">
+            <a:schemeClr val="dk1"/>
+          </a:fontRef>
+        </p:style>
+        <p:txBody>
+          <a:bodyPr rtlCol="0" anchor="ctr"/>
+          <a:lstStyle/>
+          <a:p>
+            <a:pPr algn="ctr"/>
+            <a:r>
+              <a:rPr lang="fr-FR" b="1" u="sng" dirty="0" smtClean="0"/>
+              <a:t>Descripteur</a:t>
+            </a:r>
+            <a:endParaRPr lang="fr-FR" b="1" u="sng" dirty="0"/>
+          </a:p>
+        </p:txBody>
+      </p:sp>
+      <p:sp>
+        <p:nvSpPr>
+          <p:cNvPr id="12" name="Rectangle 11"/>
+          <p:cNvSpPr/>
+          <p:nvPr/>
+        </p:nvSpPr>
+        <p:spPr>
+          <a:xfrm>
+            <a:off x="6020972" y="274638"/>
+            <a:ext cx="2715869" cy="836710"/>
+          </a:xfrm>
+          <a:prstGeom prst="rect">
+            <a:avLst/>
+          </a:prstGeom>
+          <a:solidFill>
+            <a:schemeClr val="bg1"/>
+          </a:solidFill>
+          <a:ln/>
+          <a:effectLst/>
+        </p:spPr>
+        <p:style>
+          <a:lnRef idx="1">
+            <a:schemeClr val="accent1"/>
+          </a:lnRef>
+          <a:fillRef idx="2">
+            <a:schemeClr val="accent1"/>
+          </a:fillRef>
+          <a:effectRef idx="1">
+            <a:schemeClr val="accent1"/>
+          </a:effectRef>
+          <a:fontRef idx="minor">
+            <a:schemeClr val="dk1"/>
+          </a:fontRef>
+        </p:style>
+        <p:txBody>
+          <a:bodyPr rtlCol="0" anchor="ctr"/>
+          <a:lstStyle/>
+          <a:p>
+            <a:pPr algn="ctr"/>
+            <a:r>
+              <a:rPr lang="fr-FR" b="1" u="sng" dirty="0" smtClean="0"/>
+              <a:t>FLUX B : Anomalie 1 Vol – 40 %</a:t>
+            </a:r>
+            <a:endParaRPr lang="fr-FR" b="1" u="sng" dirty="0"/>
+          </a:p>
+        </p:txBody>
+      </p:sp>
+      <p:pic>
+        <p:nvPicPr>
+          <p:cNvPr id="2050" name="Picture 2" descr="dummy"/>
+          <p:cNvPicPr>
+            <a:picLocks noChangeAspect="1" noChangeArrowheads="1"/>
+          </p:cNvPicPr>
+          <p:nvPr/>
+        </p:nvPicPr>
+        <p:blipFill>
+          <a:blip r:embed="rId2"/>
+          <a:srcRect/>
+          <a:stretch>
+            <a:fillRect/>
+          </a:stretch>
+        </p:blipFill>
+        <p:spPr bwMode="auto">
+          <a:xfrm>
+            <a:off x="60072" y="2693646"/>
+            <a:ext cx="4320000" cy="3131790"/>
+          </a:xfrm>
+          <a:prstGeom prst="rect">
+            <a:avLst/>
+          </a:prstGeom>
+          <a:noFill/>
+          <a:ln w="9525">
+            <a:noFill/>
+            <a:miter lim="800000"/>
+            <a:headEnd/>
+            <a:tailEnd/>
+          </a:ln>
+        </p:spPr>
+      </p:pic>
+      <p:pic>
+        <p:nvPicPr>
+          <p:cNvPr id="16" name="Picture 2" descr="hm_regul_target_percent_time_over_threshold_all"/>
+          <p:cNvPicPr>
+            <a:picLocks noChangeAspect="1" noChangeArrowheads="1"/>
+          </p:cNvPicPr>
+          <p:nvPr/>
+        </p:nvPicPr>
+        <p:blipFill>
+          <a:blip r:embed="rId3"/>
+          <a:srcRect/>
+          <a:stretch>
+            <a:fillRect/>
+          </a:stretch>
+        </p:blipFill>
+        <p:spPr bwMode="auto">
+          <a:xfrm>
+            <a:off x="4693032" y="2609238"/>
+            <a:ext cx="4320000" cy="3912992"/>
+          </a:xfrm>
+          <a:prstGeom prst="rect">
+            <a:avLst/>
+          </a:prstGeom>
+          <a:noFill/>
+          <a:ln w="9525">
+            <a:noFill/>
+            <a:miter lim="800000"/>
+            <a:headEnd/>
+            <a:tailEnd/>
+          </a:ln>
+        </p:spPr>
+      </p:pic>
+    </p:spTree>
+  </p:cSld>
+  <p:clrMapOvr>
+    <a:masterClrMapping/>
+  </p:clrMapOvr>
+  <p:timing>
+    <p:tnLst>
+      <p:par>
+        <p:cTn id="1" dur="indefinite" restart="never" nodeType="tmRoot"/>
+      </p:par>
+    </p:tnLst>
+  </p:timing>
+</p:sld>
+</file>
+
+<file path=ppt/slides/slide18.xml><?xml version="1.0" encoding="utf-8"?>
+<p:sld xmlns:a="http://schemas.openxmlformats.org/drawingml/2006/main" xmlns:r="http://schemas.openxmlformats.org/officeDocument/2006/relationships" xmlns:p="http://schemas.openxmlformats.org/presentationml/2006/main">
+  <p:cSld>
+    <p:spTree>
+      <p:nvGrpSpPr>
+        <p:cNvPr id="1" name=""/>
+        <p:cNvGrpSpPr/>
+        <p:nvPr/>
+      </p:nvGrpSpPr>
+      <p:grpSpPr>
+        <a:xfrm>
+          <a:off x="0" y="0"/>
+          <a:ext cx="0" cy="0"/>
+          <a:chOff x="0" y="0"/>
+          <a:chExt cx="0" cy="0"/>
+        </a:xfrm>
+      </p:grpSpPr>
+      <p:sp>
+        <p:nvSpPr>
+          <p:cNvPr id="3" name="Espace réservé de la date 2"/>
+          <p:cNvSpPr>
+            <a:spLocks noGrp="1"/>
+          </p:cNvSpPr>
+          <p:nvPr>
+            <p:ph type="dt" sz="half" idx="10"/>
+          </p:nvPr>
+        </p:nvSpPr>
+        <p:spPr/>
+        <p:txBody>
+          <a:bodyPr/>
+          <a:lstStyle/>
+          <a:p>
+            <a:r>
+              <a:rPr lang="fr-FR" smtClean="0"/>
+              <a:t>20/01/2017</a:t>
+            </a:r>
+            <a:endParaRPr lang="fr-FR"/>
+          </a:p>
+        </p:txBody>
+      </p:sp>
+      <p:sp>
+        <p:nvSpPr>
+          <p:cNvPr id="4" name="Espace réservé du pied de page 3"/>
+          <p:cNvSpPr>
+            <a:spLocks noGrp="1"/>
+          </p:cNvSpPr>
+          <p:nvPr>
+            <p:ph type="ftr" sz="quarter" idx="11"/>
+          </p:nvPr>
+        </p:nvSpPr>
+        <p:spPr/>
+        <p:txBody>
+          <a:bodyPr/>
+          <a:lstStyle/>
+          <a:p>
+            <a:r>
+              <a:rPr lang="fr-FR" smtClean="0"/>
+              <a:t>ISAE-SUPAERO : SXS 002</a:t>
+            </a:r>
+            <a:endParaRPr lang="fr-FR"/>
+          </a:p>
+        </p:txBody>
+      </p:sp>
+      <p:sp>
+        <p:nvSpPr>
+          <p:cNvPr id="5" name="Espace réservé du numéro de diapositive 4"/>
+          <p:cNvSpPr>
+            <a:spLocks noGrp="1"/>
+          </p:cNvSpPr>
+          <p:nvPr>
+            <p:ph type="sldNum" sz="quarter" idx="12"/>
+          </p:nvPr>
+        </p:nvSpPr>
+        <p:spPr/>
+        <p:txBody>
+          <a:bodyPr/>
+          <a:lstStyle/>
+          <a:p>
+            <a:fld id="{B8205148-40F1-FD44-9948-BBE2F77BA4D5}" type="slidenum">
+              <a:rPr lang="fr-FR" smtClean="0"/>
+              <a:pPr/>
+              <a:t>18</a:t>
+            </a:fld>
+            <a:endParaRPr lang="fr-FR"/>
+          </a:p>
+        </p:txBody>
+      </p:sp>
+      <p:sp>
+        <p:nvSpPr>
+          <p:cNvPr id="6" name="Titre 5"/>
+          <p:cNvSpPr>
+            <a:spLocks noGrp="1"/>
+          </p:cNvSpPr>
+          <p:nvPr>
+            <p:ph type="title"/>
+          </p:nvPr>
+        </p:nvSpPr>
+        <p:spPr/>
+        <p:txBody>
+          <a:bodyPr>
+            <a:normAutofit fontScale="90000"/>
+          </a:bodyPr>
+          <a:lstStyle/>
+          <a:p>
+            <a:pPr marL="742950" indent="-742950">
+              <a:buFont typeface="+mj-lt"/>
+              <a:buAutoNum type="arabicPeriod" startAt="3"/>
+            </a:pPr>
+            <a:r>
+              <a:rPr lang="fr-FR" dirty="0" smtClean="0"/>
+              <a:t>Avancement</a:t>
+            </a:r>
+            <a:br>
+              <a:rPr lang="fr-FR" dirty="0" smtClean="0"/>
+            </a:br>
+            <a:r>
+              <a:rPr lang="fr-FR" sz="4400" dirty="0" smtClean="0">
+                <a:solidFill>
+                  <a:schemeClr val="tx2">
+                    <a:lumMod val="60000"/>
+                    <a:lumOff val="40000"/>
+                  </a:schemeClr>
+                </a:solidFill>
+              </a:rPr>
+              <a:t> </a:t>
+            </a:r>
+            <a:r>
+              <a:rPr lang="fr-FR" sz="2700" dirty="0" smtClean="0">
+                <a:solidFill>
+                  <a:schemeClr val="tx2">
+                    <a:lumMod val="60000"/>
+                    <a:lumOff val="40000"/>
+                  </a:schemeClr>
+                </a:solidFill>
+              </a:rPr>
+              <a:t>D. Développement</a:t>
+            </a:r>
+            <a:r>
+              <a:rPr lang="fr-FR" sz="2700" dirty="0" smtClean="0"/>
+              <a:t> </a:t>
+            </a:r>
+            <a:endParaRPr lang="fr-FR" sz="2700" dirty="0"/>
+          </a:p>
+        </p:txBody>
+      </p:sp>
+      <p:grpSp>
+        <p:nvGrpSpPr>
+          <p:cNvPr id="2" name="Espace réservé du contenu 6"/>
+          <p:cNvGrpSpPr>
+            <a:grpSpLocks noGrp="1"/>
+          </p:cNvGrpSpPr>
+          <p:nvPr>
+            <p:ph idx="1"/>
+          </p:nvPr>
+        </p:nvGrpSpPr>
+        <p:grpSpPr>
+          <a:xfrm>
+            <a:off x="507241" y="1302269"/>
+            <a:ext cx="8229600" cy="4632040"/>
+            <a:chOff x="679939" y="1233479"/>
+            <a:chExt cx="7876443" cy="5060960"/>
+          </a:xfrm>
+        </p:grpSpPr>
+        <p:sp>
+          <p:nvSpPr>
+            <p:cNvPr id="8" name="RbNavigator"/>
+            <p:cNvSpPr/>
+            <p:nvPr/>
+          </p:nvSpPr>
+          <p:spPr>
+            <a:xfrm>
+              <a:off x="679939" y="1420826"/>
+              <a:ext cx="253218" cy="274319"/>
+            </a:xfrm>
+            <a:prstGeom prst="rect">
+              <a:avLst/>
+            </a:prstGeom>
+            <a:solidFill>
+              <a:schemeClr val="bg2">
+                <a:lumMod val="50000"/>
+              </a:schemeClr>
+            </a:solidFill>
+            <a:ln w="9525" cmpd="sng">
+              <a:noFill/>
+            </a:ln>
+            <a:effectLst/>
+          </p:spPr>
+          <p:style>
+            <a:lnRef idx="2">
+              <a:schemeClr val="accent1">
+                <a:shade val="50000"/>
+              </a:schemeClr>
+            </a:lnRef>
+            <a:fillRef idx="1">
+              <a:schemeClr val="accent1"/>
+            </a:fillRef>
+            <a:effectRef idx="0">
+              <a:schemeClr val="accent1"/>
+            </a:effectRef>
+            <a:fontRef idx="minor">
+              <a:schemeClr val="lt1"/>
+            </a:fontRef>
+          </p:style>
+          <p:txBody>
+            <a:bodyPr lIns="0" tIns="0" rIns="0" bIns="0" rtlCol="0" anchor="ctr">
+              <a:noAutofit/>
+            </a:bodyPr>
+            <a:lstStyle/>
+            <a:p>
+              <a:pPr algn="ctr">
+                <a:buSzPct val="100000"/>
+                <a:buFont typeface="Arial"/>
+              </a:pPr>
+              <a:r>
+                <a:rPr kumimoji="1" lang="en-US" sz="1300" b="1" dirty="0" smtClean="0">
+                  <a:solidFill>
+                    <a:schemeClr val="bg1"/>
+                  </a:solidFill>
+                  <a:cs typeface="Arial" pitchFamily="34" charset="0"/>
+                </a:rPr>
+                <a:t>1</a:t>
+              </a:r>
+            </a:p>
+          </p:txBody>
+        </p:sp>
+        <p:sp>
+          <p:nvSpPr>
+            <p:cNvPr id="9" name="Textframe 11"/>
+            <p:cNvSpPr>
+              <a:spLocks noChangeArrowheads="1"/>
+            </p:cNvSpPr>
+            <p:nvPr/>
+          </p:nvSpPr>
+          <p:spPr bwMode="auto">
+            <a:xfrm>
+              <a:off x="1015499" y="1454162"/>
+              <a:ext cx="3078491" cy="230832"/>
+            </a:xfrm>
+            <a:prstGeom prst="rect">
+              <a:avLst/>
+            </a:prstGeom>
+            <a:noFill/>
+            <a:ln w="6350">
+              <a:noFill/>
+              <a:miter lim="800000"/>
+              <a:headEnd/>
+              <a:tailEnd/>
+            </a:ln>
+            <a:effectLst/>
+          </p:spPr>
+          <p:txBody>
+            <a:bodyPr wrap="square" lIns="0" tIns="0" rIns="0" bIns="0">
+              <a:spAutoFit/>
+            </a:bodyPr>
+            <a:lstStyle>
+              <a:defPPr>
+                <a:defRPr lang="de-DE"/>
+              </a:defPPr>
+              <a:lvl1pPr algn="l" rtl="0" fontAlgn="base">
+                <a:spcBef>
+                  <a:spcPct val="0"/>
+                </a:spcBef>
+                <a:spcAft>
+                  <a:spcPct val="0"/>
+                </a:spcAft>
+                <a:defRPr sz="1300" b="1" kern="1200">
+                  <a:solidFill>
+                    <a:schemeClr val="tx1"/>
+                  </a:solidFill>
+                  <a:latin typeface="Arial" charset="0"/>
+                  <a:ea typeface="+mn-ea"/>
+                  <a:cs typeface="+mn-cs"/>
+                </a:defRPr>
+              </a:lvl1pPr>
+              <a:lvl2pPr marL="457200" algn="l" rtl="0" fontAlgn="base">
+                <a:spcBef>
+                  <a:spcPct val="0"/>
+                </a:spcBef>
+                <a:spcAft>
+                  <a:spcPct val="0"/>
+                </a:spcAft>
+                <a:defRPr sz="1300" b="1" kern="1200">
+                  <a:solidFill>
+                    <a:schemeClr val="tx1"/>
+                  </a:solidFill>
+                  <a:latin typeface="Arial" charset="0"/>
+                  <a:ea typeface="+mn-ea"/>
+                  <a:cs typeface="+mn-cs"/>
+                </a:defRPr>
+              </a:lvl2pPr>
+              <a:lvl3pPr marL="914400" algn="l" rtl="0" fontAlgn="base">
+                <a:spcBef>
+                  <a:spcPct val="0"/>
+                </a:spcBef>
+                <a:spcAft>
+                  <a:spcPct val="0"/>
+                </a:spcAft>
+                <a:defRPr sz="1300" b="1" kern="1200">
+                  <a:solidFill>
+                    <a:schemeClr val="tx1"/>
+                  </a:solidFill>
+                  <a:latin typeface="Arial" charset="0"/>
+                  <a:ea typeface="+mn-ea"/>
+                  <a:cs typeface="+mn-cs"/>
+                </a:defRPr>
+              </a:lvl3pPr>
+              <a:lvl4pPr marL="1371600" algn="l" rtl="0" fontAlgn="base">
+                <a:spcBef>
+                  <a:spcPct val="0"/>
+                </a:spcBef>
+                <a:spcAft>
+                  <a:spcPct val="0"/>
+                </a:spcAft>
+                <a:defRPr sz="1300" b="1" kern="1200">
+                  <a:solidFill>
+                    <a:schemeClr val="tx1"/>
+                  </a:solidFill>
+                  <a:latin typeface="Arial" charset="0"/>
+                  <a:ea typeface="+mn-ea"/>
+                  <a:cs typeface="+mn-cs"/>
+                </a:defRPr>
+              </a:lvl4pPr>
+              <a:lvl5pPr marL="1828800" algn="l" rtl="0" fontAlgn="base">
+                <a:spcBef>
+                  <a:spcPct val="0"/>
+                </a:spcBef>
+                <a:spcAft>
+                  <a:spcPct val="0"/>
+                </a:spcAft>
+                <a:defRPr sz="1300" b="1" kern="1200">
+                  <a:solidFill>
+                    <a:schemeClr val="tx1"/>
+                  </a:solidFill>
+                  <a:latin typeface="Arial" charset="0"/>
+                  <a:ea typeface="+mn-ea"/>
+                  <a:cs typeface="+mn-cs"/>
+                </a:defRPr>
+              </a:lvl5pPr>
+              <a:lvl6pPr marL="2286000" algn="l" defTabSz="914400" rtl="0" eaLnBrk="1" latinLnBrk="0" hangingPunct="1">
+                <a:defRPr sz="1300" b="1" kern="1200">
+                  <a:solidFill>
+                    <a:schemeClr val="tx1"/>
+                  </a:solidFill>
+                  <a:latin typeface="Arial" charset="0"/>
+                  <a:ea typeface="+mn-ea"/>
+                  <a:cs typeface="+mn-cs"/>
+                </a:defRPr>
+              </a:lvl6pPr>
+              <a:lvl7pPr marL="2743200" algn="l" defTabSz="914400" rtl="0" eaLnBrk="1" latinLnBrk="0" hangingPunct="1">
+                <a:defRPr sz="1300" b="1" kern="1200">
+                  <a:solidFill>
+                    <a:schemeClr val="tx1"/>
+                  </a:solidFill>
+                  <a:latin typeface="Arial" charset="0"/>
+                  <a:ea typeface="+mn-ea"/>
+                  <a:cs typeface="+mn-cs"/>
+                </a:defRPr>
+              </a:lvl7pPr>
+              <a:lvl8pPr marL="3200400" algn="l" defTabSz="914400" rtl="0" eaLnBrk="1" latinLnBrk="0" hangingPunct="1">
+                <a:defRPr sz="1300" b="1" kern="1200">
+                  <a:solidFill>
+                    <a:schemeClr val="tx1"/>
+                  </a:solidFill>
+                  <a:latin typeface="Arial" charset="0"/>
+                  <a:ea typeface="+mn-ea"/>
+                  <a:cs typeface="+mn-cs"/>
+                </a:defRPr>
+              </a:lvl8pPr>
+              <a:lvl9pPr marL="3657600" algn="l" defTabSz="914400" rtl="0" eaLnBrk="1" latinLnBrk="0" hangingPunct="1">
+                <a:defRPr sz="1300" b="1" kern="1200">
+                  <a:solidFill>
+                    <a:schemeClr val="tx1"/>
+                  </a:solidFill>
+                  <a:latin typeface="Arial" charset="0"/>
+                  <a:ea typeface="+mn-ea"/>
+                  <a:cs typeface="+mn-cs"/>
+                </a:defRPr>
+              </a:lvl9pPr>
+            </a:lstStyle>
+            <a:p>
+              <a:pPr defTabSz="330200">
+                <a:buClr>
+                  <a:srgbClr val="000000"/>
+                </a:buClr>
+                <a:buSzPct val="100000"/>
+                <a:buFont typeface="Arial"/>
+              </a:pPr>
+              <a:r>
+                <a:rPr lang="fr-FR" altLang="de-DE" sz="1500" dirty="0" smtClean="0">
+                  <a:latin typeface="+mn-lt"/>
+                </a:rPr>
+                <a:t>Statuts synthétique </a:t>
+              </a:r>
+              <a:endParaRPr lang="fr-FR" altLang="de-DE" sz="1500" b="0" dirty="0">
+                <a:latin typeface="+mn-lt"/>
+              </a:endParaRPr>
+            </a:p>
+          </p:txBody>
+        </p:sp>
+        <p:sp>
+          <p:nvSpPr>
+            <p:cNvPr id="10" name="RbNavigator"/>
+            <p:cNvSpPr/>
+            <p:nvPr/>
+          </p:nvSpPr>
+          <p:spPr>
+            <a:xfrm>
+              <a:off x="4929186" y="1420826"/>
+              <a:ext cx="253218" cy="274319"/>
+            </a:xfrm>
+            <a:prstGeom prst="rect">
+              <a:avLst/>
+            </a:prstGeom>
+            <a:solidFill>
+              <a:schemeClr val="bg2">
+                <a:lumMod val="50000"/>
+              </a:schemeClr>
+            </a:solidFill>
+            <a:ln w="9525" cmpd="sng">
+              <a:solidFill>
+                <a:schemeClr val="accent1"/>
+              </a:solidFill>
+            </a:ln>
+            <a:effectLst/>
+          </p:spPr>
+          <p:style>
+            <a:lnRef idx="2">
+              <a:schemeClr val="accent1">
+                <a:shade val="50000"/>
+              </a:schemeClr>
+            </a:lnRef>
+            <a:fillRef idx="1">
+              <a:schemeClr val="accent1"/>
+            </a:fillRef>
+            <a:effectRef idx="0">
+              <a:schemeClr val="accent1"/>
+            </a:effectRef>
+            <a:fontRef idx="minor">
+              <a:schemeClr val="lt1"/>
+            </a:fontRef>
+          </p:style>
+          <p:txBody>
+            <a:bodyPr lIns="0" tIns="0" rIns="0" bIns="0" rtlCol="0" anchor="ctr">
+              <a:noAutofit/>
+            </a:bodyPr>
+            <a:lstStyle/>
+            <a:p>
+              <a:pPr algn="ctr">
+                <a:buSzPct val="100000"/>
+                <a:buFont typeface="Arial"/>
+              </a:pPr>
+              <a:r>
+                <a:rPr kumimoji="1" lang="en-US" sz="1300" b="1" dirty="0" smtClean="0">
+                  <a:solidFill>
+                    <a:schemeClr val="bg1"/>
+                  </a:solidFill>
+                  <a:cs typeface="Arial" pitchFamily="34" charset="0"/>
+                </a:rPr>
+                <a:t>2</a:t>
+              </a:r>
+            </a:p>
+          </p:txBody>
+        </p:sp>
+        <p:sp>
+          <p:nvSpPr>
+            <p:cNvPr id="11" name="Textframe 11"/>
+            <p:cNvSpPr>
+              <a:spLocks noChangeArrowheads="1"/>
+            </p:cNvSpPr>
+            <p:nvPr/>
+          </p:nvSpPr>
+          <p:spPr bwMode="auto">
+            <a:xfrm>
+              <a:off x="5264746" y="1233479"/>
               <a:ext cx="3078491" cy="461665"/>
             </a:xfrm>
             <a:prstGeom prst="rect">
@@ -14622,15 +21280,455 @@
           </p:grpSp>
         </p:grpSp>
       </p:grpSp>
+      <p:sp>
+        <p:nvSpPr>
+          <p:cNvPr id="23" name="Rectangle 22"/>
+          <p:cNvSpPr/>
+          <p:nvPr/>
+        </p:nvSpPr>
+        <p:spPr>
+          <a:xfrm>
+            <a:off x="6020972" y="274638"/>
+            <a:ext cx="2715869" cy="836710"/>
+          </a:xfrm>
+          <a:prstGeom prst="rect">
+            <a:avLst/>
+          </a:prstGeom>
+          <a:solidFill>
+            <a:schemeClr val="bg1"/>
+          </a:solidFill>
+          <a:ln/>
+          <a:effectLst/>
+        </p:spPr>
+        <p:style>
+          <a:lnRef idx="1">
+            <a:schemeClr val="accent1"/>
+          </a:lnRef>
+          <a:fillRef idx="2">
+            <a:schemeClr val="accent1"/>
+          </a:fillRef>
+          <a:effectRef idx="1">
+            <a:schemeClr val="accent1"/>
+          </a:effectRef>
+          <a:fontRef idx="minor">
+            <a:schemeClr val="dk1"/>
+          </a:fontRef>
+        </p:style>
+        <p:txBody>
+          <a:bodyPr rtlCol="0" anchor="ctr"/>
+          <a:lstStyle/>
+          <a:p>
+            <a:pPr algn="ctr"/>
+            <a:r>
+              <a:rPr lang="fr-FR" b="1" u="sng" dirty="0" smtClean="0"/>
+              <a:t>FLUX C : Anomalies N vols – 25 %</a:t>
+            </a:r>
+            <a:endParaRPr lang="fr-FR" b="1" u="sng" dirty="0"/>
+          </a:p>
+        </p:txBody>
+      </p:sp>
+      <p:sp>
+        <p:nvSpPr>
+          <p:cNvPr id="24" name="Rectangle 23"/>
+          <p:cNvSpPr/>
+          <p:nvPr/>
+        </p:nvSpPr>
+        <p:spPr>
+          <a:xfrm>
+            <a:off x="507241" y="1765221"/>
+            <a:ext cx="3922872" cy="1601493"/>
+          </a:xfrm>
+          <a:prstGeom prst="rect">
+            <a:avLst/>
+          </a:prstGeom>
+          <a:solidFill>
+            <a:schemeClr val="bg1"/>
+          </a:solidFill>
+          <a:ln>
+            <a:solidFill>
+              <a:schemeClr val="bg2">
+                <a:lumMod val="90000"/>
+              </a:schemeClr>
+            </a:solidFill>
+          </a:ln>
+          <a:effectLst/>
+        </p:spPr>
+        <p:style>
+          <a:lnRef idx="1">
+            <a:schemeClr val="accent1"/>
+          </a:lnRef>
+          <a:fillRef idx="2">
+            <a:schemeClr val="accent1"/>
+          </a:fillRef>
+          <a:effectRef idx="1">
+            <a:schemeClr val="accent1"/>
+          </a:effectRef>
+          <a:fontRef idx="minor">
+            <a:schemeClr val="dk1"/>
+          </a:fontRef>
+        </p:style>
+        <p:txBody>
+          <a:bodyPr rtlCol="0" anchor="ctr"/>
+          <a:lstStyle/>
+          <a:p>
+            <a:r>
+              <a:rPr lang="fr-FR" sz="1400" dirty="0" smtClean="0"/>
+              <a:t>Descripteur Globaux </a:t>
+            </a:r>
+            <a:r>
+              <a:rPr lang="fr-FR" sz="1400" dirty="0" smtClean="0">
+                <a:sym typeface="Wingdings" pitchFamily="2" charset="2"/>
+              </a:rPr>
+              <a:t> Arrêt </a:t>
+            </a:r>
+          </a:p>
+          <a:p>
+            <a:endParaRPr lang="fr-FR" sz="1400" dirty="0"/>
+          </a:p>
+        </p:txBody>
+      </p:sp>
+      <p:sp>
+        <p:nvSpPr>
+          <p:cNvPr id="25" name="Rectangle 24"/>
+          <p:cNvSpPr/>
+          <p:nvPr/>
+        </p:nvSpPr>
+        <p:spPr>
+          <a:xfrm>
+            <a:off x="4813969" y="1765221"/>
+            <a:ext cx="3246819" cy="1601493"/>
+          </a:xfrm>
+          <a:prstGeom prst="rect">
+            <a:avLst/>
+          </a:prstGeom>
+          <a:solidFill>
+            <a:schemeClr val="bg1"/>
+          </a:solidFill>
+          <a:ln>
+            <a:solidFill>
+              <a:schemeClr val="bg2">
+                <a:lumMod val="90000"/>
+              </a:schemeClr>
+            </a:solidFill>
+          </a:ln>
+          <a:effectLst/>
+        </p:spPr>
+        <p:style>
+          <a:lnRef idx="1">
+            <a:schemeClr val="accent1"/>
+          </a:lnRef>
+          <a:fillRef idx="2">
+            <a:schemeClr val="accent1"/>
+          </a:fillRef>
+          <a:effectRef idx="1">
+            <a:schemeClr val="accent1"/>
+          </a:effectRef>
+          <a:fontRef idx="minor">
+            <a:schemeClr val="dk1"/>
+          </a:fontRef>
+        </p:style>
+        <p:txBody>
+          <a:bodyPr rtlCol="0" anchor="t"/>
+          <a:lstStyle/>
+          <a:p>
+            <a:pPr>
+              <a:buFont typeface="Arial" pitchFamily="34" charset="0"/>
+              <a:buChar char="•"/>
+            </a:pPr>
+            <a:r>
+              <a:rPr lang="fr-FR" sz="1400" dirty="0" smtClean="0"/>
+              <a:t> </a:t>
+            </a:r>
+            <a:r>
+              <a:rPr lang="fr-FR" sz="1400" dirty="0" smtClean="0"/>
+              <a:t>Premier test pas concluants </a:t>
+            </a:r>
+            <a:r>
+              <a:rPr lang="fr-FR" sz="1400" dirty="0" smtClean="0">
+                <a:sym typeface="Wingdings" pitchFamily="2" charset="2"/>
+              </a:rPr>
+              <a:t> arrêt du flux au profit du flux B</a:t>
+            </a:r>
+            <a:endParaRPr lang="fr-FR" sz="1400" dirty="0"/>
+          </a:p>
+        </p:txBody>
+      </p:sp>
+      <p:sp>
+        <p:nvSpPr>
+          <p:cNvPr id="26" name="Rectangle 25"/>
+          <p:cNvSpPr/>
+          <p:nvPr/>
+        </p:nvSpPr>
+        <p:spPr>
+          <a:xfrm>
+            <a:off x="8060788" y="1765221"/>
+            <a:ext cx="676053" cy="1601491"/>
+          </a:xfrm>
+          <a:prstGeom prst="rect">
+            <a:avLst/>
+          </a:prstGeom>
+          <a:solidFill>
+            <a:schemeClr val="bg1"/>
+          </a:solidFill>
+          <a:ln>
+            <a:solidFill>
+              <a:schemeClr val="bg2">
+                <a:lumMod val="90000"/>
+              </a:schemeClr>
+            </a:solidFill>
+          </a:ln>
+          <a:effectLst/>
+        </p:spPr>
+        <p:style>
+          <a:lnRef idx="1">
+            <a:schemeClr val="accent1"/>
+          </a:lnRef>
+          <a:fillRef idx="2">
+            <a:schemeClr val="accent1"/>
+          </a:fillRef>
+          <a:effectRef idx="1">
+            <a:schemeClr val="accent1"/>
+          </a:effectRef>
+          <a:fontRef idx="minor">
+            <a:schemeClr val="dk1"/>
+          </a:fontRef>
+        </p:style>
+        <p:txBody>
+          <a:bodyPr rtlCol="0" anchor="t"/>
+          <a:lstStyle/>
+          <a:p>
+            <a:endParaRPr lang="fr-FR" sz="1200" dirty="0"/>
+          </a:p>
+        </p:txBody>
+      </p:sp>
+      <p:sp>
+        <p:nvSpPr>
+          <p:cNvPr id="27" name="Rectangle 26"/>
+          <p:cNvSpPr/>
+          <p:nvPr/>
+        </p:nvSpPr>
+        <p:spPr>
+          <a:xfrm>
+            <a:off x="508743" y="3798277"/>
+            <a:ext cx="3922872" cy="1659988"/>
+          </a:xfrm>
+          <a:prstGeom prst="rect">
+            <a:avLst/>
+          </a:prstGeom>
+          <a:solidFill>
+            <a:schemeClr val="bg1"/>
+          </a:solidFill>
+          <a:ln>
+            <a:solidFill>
+              <a:schemeClr val="bg2">
+                <a:lumMod val="90000"/>
+              </a:schemeClr>
+            </a:solidFill>
+          </a:ln>
+          <a:effectLst/>
+        </p:spPr>
+        <p:style>
+          <a:lnRef idx="1">
+            <a:schemeClr val="accent1"/>
+          </a:lnRef>
+          <a:fillRef idx="2">
+            <a:schemeClr val="accent1"/>
+          </a:fillRef>
+          <a:effectRef idx="1">
+            <a:schemeClr val="accent1"/>
+          </a:effectRef>
+          <a:fontRef idx="minor">
+            <a:schemeClr val="dk1"/>
+          </a:fontRef>
+        </p:style>
+        <p:txBody>
+          <a:bodyPr rtlCol="0" anchor="ctr"/>
+          <a:lstStyle/>
+          <a:p>
+            <a:pPr>
+              <a:buFont typeface="Arial" pitchFamily="34" charset="0"/>
+              <a:buChar char="•"/>
+            </a:pPr>
+            <a:r>
+              <a:rPr lang="fr-FR" sz="1400" dirty="0" smtClean="0"/>
+              <a:t> </a:t>
+            </a:r>
+            <a:r>
+              <a:rPr lang="fr-FR" sz="1400" dirty="0" smtClean="0"/>
+              <a:t>Retard et décalage du flux C après la fin du flux B </a:t>
+            </a:r>
+            <a:endParaRPr lang="fr-FR" sz="1400" dirty="0"/>
+          </a:p>
+        </p:txBody>
+      </p:sp>
+      <p:sp>
+        <p:nvSpPr>
+          <p:cNvPr id="28" name="Rectangle 27"/>
+          <p:cNvSpPr/>
+          <p:nvPr/>
+        </p:nvSpPr>
+        <p:spPr>
+          <a:xfrm>
+            <a:off x="4813969" y="3798277"/>
+            <a:ext cx="3922872" cy="1659988"/>
+          </a:xfrm>
+          <a:prstGeom prst="rect">
+            <a:avLst/>
+          </a:prstGeom>
+          <a:solidFill>
+            <a:schemeClr val="bg1"/>
+          </a:solidFill>
+          <a:ln>
+            <a:solidFill>
+              <a:schemeClr val="bg2">
+                <a:lumMod val="90000"/>
+              </a:schemeClr>
+            </a:solidFill>
+          </a:ln>
+          <a:effectLst/>
+        </p:spPr>
+        <p:style>
+          <a:lnRef idx="1">
+            <a:schemeClr val="accent1"/>
+          </a:lnRef>
+          <a:fillRef idx="2">
+            <a:schemeClr val="accent1"/>
+          </a:fillRef>
+          <a:effectRef idx="1">
+            <a:schemeClr val="accent1"/>
+          </a:effectRef>
+          <a:fontRef idx="minor">
+            <a:schemeClr val="dk1"/>
+          </a:fontRef>
+        </p:style>
+        <p:txBody>
+          <a:bodyPr rtlCol="0" anchor="ctr"/>
+          <a:lstStyle/>
+          <a:p>
+            <a:r>
+              <a:rPr lang="fr-FR" sz="1600" dirty="0" smtClean="0"/>
+              <a:t>Suppression de la phase D</a:t>
+            </a:r>
+            <a:endParaRPr lang="fr-FR" sz="1600" dirty="0"/>
+          </a:p>
+        </p:txBody>
+      </p:sp>
+      <p:sp>
+        <p:nvSpPr>
+          <p:cNvPr id="29" name="Ellipse 28"/>
+          <p:cNvSpPr/>
+          <p:nvPr/>
+        </p:nvSpPr>
+        <p:spPr>
+          <a:xfrm>
+            <a:off x="5009056" y="429386"/>
+            <a:ext cx="530606" cy="555356"/>
+          </a:xfrm>
+          <a:prstGeom prst="ellipse">
+            <a:avLst/>
+          </a:prstGeom>
+          <a:solidFill>
+            <a:srgbClr val="FF0000"/>
+          </a:solidFill>
+          <a:ln>
+            <a:solidFill>
+              <a:srgbClr val="FF0000"/>
+            </a:solidFill>
+          </a:ln>
+        </p:spPr>
+        <p:style>
+          <a:lnRef idx="2">
+            <a:schemeClr val="accent1">
+              <a:shade val="50000"/>
+            </a:schemeClr>
+          </a:lnRef>
+          <a:fillRef idx="1">
+            <a:schemeClr val="accent1"/>
+          </a:fillRef>
+          <a:effectRef idx="0">
+            <a:schemeClr val="accent1"/>
+          </a:effectRef>
+          <a:fontRef idx="minor">
+            <a:schemeClr val="lt1"/>
+          </a:fontRef>
+        </p:style>
+        <p:txBody>
+          <a:bodyPr rtlCol="0" anchor="ctr"/>
+          <a:lstStyle/>
+          <a:p>
+            <a:pPr algn="ctr"/>
+            <a:endParaRPr lang="fr-FR"/>
+          </a:p>
+        </p:txBody>
+      </p:sp>
+      <p:sp>
+        <p:nvSpPr>
+          <p:cNvPr id="30" name="Ellipse 29"/>
+          <p:cNvSpPr/>
+          <p:nvPr/>
+        </p:nvSpPr>
+        <p:spPr>
+          <a:xfrm>
+            <a:off x="8334140" y="1986138"/>
+            <a:ext cx="180000" cy="180000"/>
+          </a:xfrm>
+          <a:prstGeom prst="ellipse">
+            <a:avLst/>
+          </a:prstGeom>
+          <a:solidFill>
+            <a:srgbClr val="FF0000"/>
+          </a:solidFill>
+          <a:ln>
+            <a:solidFill>
+              <a:srgbClr val="FF0000"/>
+            </a:solidFill>
+          </a:ln>
+        </p:spPr>
+        <p:style>
+          <a:lnRef idx="2">
+            <a:schemeClr val="accent1">
+              <a:shade val="50000"/>
+            </a:schemeClr>
+          </a:lnRef>
+          <a:fillRef idx="1">
+            <a:schemeClr val="accent1"/>
+          </a:fillRef>
+          <a:effectRef idx="0">
+            <a:schemeClr val="accent1"/>
+          </a:effectRef>
+          <a:fontRef idx="minor">
+            <a:schemeClr val="lt1"/>
+          </a:fontRef>
+        </p:style>
+        <p:txBody>
+          <a:bodyPr rtlCol="0" anchor="ctr"/>
+          <a:lstStyle/>
+          <a:p>
+            <a:pPr algn="ctr"/>
+            <a:endParaRPr lang="fr-FR" dirty="0">
+              <a:solidFill>
+                <a:srgbClr val="00B050"/>
+              </a:solidFill>
+            </a:endParaRPr>
+          </a:p>
+        </p:txBody>
+      </p:sp>
     </p:spTree>
   </p:cSld>
   <p:clrMapOvr>
     <a:masterClrMapping/>
   </p:clrMapOvr>
+  <p:timing>
+    <p:tnLst>
+      <p:par>
+        <p:cTn id="1" dur="indefinite" restart="never" nodeType="tmRoot"/>
+      </p:par>
+    </p:tnLst>
+  </p:timing>
 </p:sld>
 </file>
 
-<file path=ppt/slides/slide14.xml><?xml version="1.0" encoding="utf-8"?>
+<file path=ppt/slides/slide19.xml><?xml version="1.0" encoding="utf-8"?>
 <p:sld xmlns:a="http://schemas.openxmlformats.org/drawingml/2006/main" xmlns:r="http://schemas.openxmlformats.org/officeDocument/2006/relationships" xmlns:p="http://schemas.openxmlformats.org/presentationml/2006/main">
   <p:cSld>
     <p:spTree>
@@ -14711,7 +21809,7 @@
             <a:fld id="{B8205148-40F1-FD44-9948-BBE2F77BA4D5}" type="slidenum">
               <a:rPr lang="fr-FR" smtClean="0"/>
               <a:pPr/>
-              <a:t>14</a:t>
+              <a:t>19</a:t>
             </a:fld>
             <a:endParaRPr lang="fr-FR"/>
           </a:p>
@@ -15692,166 +22790,6 @@
 </p:sld>
 </file>
 
-<file path=ppt/slides/slide15.xml><?xml version="1.0" encoding="utf-8"?>
-<p:sld xmlns:a="http://schemas.openxmlformats.org/drawingml/2006/main" xmlns:r="http://schemas.openxmlformats.org/officeDocument/2006/relationships" xmlns:p="http://schemas.openxmlformats.org/presentationml/2006/main">
-  <p:cSld>
-    <p:spTree>
-      <p:nvGrpSpPr>
-        <p:cNvPr id="1" name=""/>
-        <p:cNvGrpSpPr/>
-        <p:nvPr/>
-      </p:nvGrpSpPr>
-      <p:grpSpPr>
-        <a:xfrm>
-          <a:off x="0" y="0"/>
-          <a:ext cx="0" cy="0"/>
-          <a:chOff x="0" y="0"/>
-          <a:chExt cx="0" cy="0"/>
-        </a:xfrm>
-      </p:grpSpPr>
-      <p:sp>
-        <p:nvSpPr>
-          <p:cNvPr id="3" name="Espace réservé de la date 2"/>
-          <p:cNvSpPr>
-            <a:spLocks noGrp="1"/>
-          </p:cNvSpPr>
-          <p:nvPr>
-            <p:ph type="dt" sz="half" idx="10"/>
-          </p:nvPr>
-        </p:nvSpPr>
-        <p:spPr/>
-        <p:txBody>
-          <a:bodyPr/>
-          <a:lstStyle/>
-          <a:p>
-            <a:r>
-              <a:rPr lang="fr-FR" smtClean="0"/>
-              <a:t>20/01/2017</a:t>
-            </a:r>
-            <a:endParaRPr lang="fr-FR"/>
-          </a:p>
-        </p:txBody>
-      </p:sp>
-      <p:sp>
-        <p:nvSpPr>
-          <p:cNvPr id="4" name="Espace réservé du pied de page 3"/>
-          <p:cNvSpPr>
-            <a:spLocks noGrp="1"/>
-          </p:cNvSpPr>
-          <p:nvPr>
-            <p:ph type="ftr" sz="quarter" idx="11"/>
-          </p:nvPr>
-        </p:nvSpPr>
-        <p:spPr/>
-        <p:txBody>
-          <a:bodyPr/>
-          <a:lstStyle/>
-          <a:p>
-            <a:r>
-              <a:rPr lang="fr-FR" smtClean="0"/>
-              <a:t>ISAE-SUPAERO : SXS 002</a:t>
-            </a:r>
-            <a:endParaRPr lang="fr-FR"/>
-          </a:p>
-        </p:txBody>
-      </p:sp>
-      <p:sp>
-        <p:nvSpPr>
-          <p:cNvPr id="5" name="Espace réservé du numéro de diapositive 4"/>
-          <p:cNvSpPr>
-            <a:spLocks noGrp="1"/>
-          </p:cNvSpPr>
-          <p:nvPr>
-            <p:ph type="sldNum" sz="quarter" idx="12"/>
-          </p:nvPr>
-        </p:nvSpPr>
-        <p:spPr/>
-        <p:txBody>
-          <a:bodyPr/>
-          <a:lstStyle/>
-          <a:p>
-            <a:fld id="{B8205148-40F1-FD44-9948-BBE2F77BA4D5}" type="slidenum">
-              <a:rPr lang="fr-FR" smtClean="0"/>
-              <a:pPr/>
-              <a:t>15</a:t>
-            </a:fld>
-            <a:endParaRPr lang="fr-FR"/>
-          </a:p>
-        </p:txBody>
-      </p:sp>
-      <p:sp>
-        <p:nvSpPr>
-          <p:cNvPr id="6" name="Titre 5"/>
-          <p:cNvSpPr>
-            <a:spLocks noGrp="1"/>
-          </p:cNvSpPr>
-          <p:nvPr>
-            <p:ph type="title"/>
-          </p:nvPr>
-        </p:nvSpPr>
-        <p:spPr/>
-        <p:txBody>
-          <a:bodyPr/>
-          <a:lstStyle/>
-          <a:p>
-            <a:pPr marL="742950" indent="-742950">
-              <a:buFont typeface="+mj-lt"/>
-              <a:buAutoNum type="arabicPeriod" startAt="4"/>
-            </a:pPr>
-            <a:r>
-              <a:rPr lang="fr-FR" dirty="0" smtClean="0"/>
-              <a:t>Planning modifié</a:t>
-            </a:r>
-            <a:endParaRPr lang="fr-FR" dirty="0"/>
-          </a:p>
-        </p:txBody>
-      </p:sp>
-      <p:sp>
-        <p:nvSpPr>
-          <p:cNvPr id="7" name="ZoneTexte 6"/>
-          <p:cNvSpPr txBox="1"/>
-          <p:nvPr/>
-        </p:nvSpPr>
-        <p:spPr>
-          <a:xfrm rot="1980000">
-            <a:off x="1685925" y="3133725"/>
-            <a:ext cx="5751896" cy="923330"/>
-          </a:xfrm>
-          <a:prstGeom prst="rect">
-            <a:avLst/>
-          </a:prstGeom>
-          <a:noFill/>
-        </p:spPr>
-        <p:txBody>
-          <a:bodyPr wrap="none" rtlCol="0">
-            <a:spAutoFit/>
-          </a:bodyPr>
-          <a:lstStyle/>
-          <a:p>
-            <a:r>
-              <a:rPr lang="fr-FR" sz="5400" dirty="0" smtClean="0">
-                <a:solidFill>
-                  <a:srgbClr val="FF0000"/>
-                </a:solidFill>
-              </a:rPr>
-              <a:t>UPDATE NEEDED</a:t>
-            </a:r>
-            <a:endParaRPr lang="fr-FR" sz="5400" dirty="0">
-              <a:solidFill>
-                <a:srgbClr val="FF0000"/>
-              </a:solidFill>
-            </a:endParaRPr>
-          </a:p>
-        </p:txBody>
-      </p:sp>
-    </p:spTree>
-  </p:cSld>
-  <p:clrMapOvr>
-    <a:masterClrMapping/>
-  </p:clrMapOvr>
-</p:sld>
-</file>
-
 <file path=ppt/slides/slide2.xml><?xml version="1.0" encoding="utf-8"?>
 <p:sld xmlns:a="http://schemas.openxmlformats.org/drawingml/2006/main" xmlns:r="http://schemas.openxmlformats.org/officeDocument/2006/relationships" xmlns:p="http://schemas.openxmlformats.org/presentationml/2006/main">
   <p:cSld>
@@ -15976,6 +22914,166 @@
             <a:r>
               <a:rPr lang="fr-FR" dirty="0" smtClean="0"/>
               <a:t>Sommaire </a:t>
+            </a:r>
+            <a:endParaRPr lang="fr-FR" dirty="0"/>
+          </a:p>
+        </p:txBody>
+      </p:sp>
+      <p:sp>
+        <p:nvSpPr>
+          <p:cNvPr id="7" name="ZoneTexte 6"/>
+          <p:cNvSpPr txBox="1"/>
+          <p:nvPr/>
+        </p:nvSpPr>
+        <p:spPr>
+          <a:xfrm rot="1980000">
+            <a:off x="1685925" y="3133725"/>
+            <a:ext cx="5751896" cy="923330"/>
+          </a:xfrm>
+          <a:prstGeom prst="rect">
+            <a:avLst/>
+          </a:prstGeom>
+          <a:noFill/>
+        </p:spPr>
+        <p:txBody>
+          <a:bodyPr wrap="none" rtlCol="0">
+            <a:spAutoFit/>
+          </a:bodyPr>
+          <a:lstStyle/>
+          <a:p>
+            <a:r>
+              <a:rPr lang="fr-FR" sz="5400" dirty="0" smtClean="0">
+                <a:solidFill>
+                  <a:srgbClr val="FF0000"/>
+                </a:solidFill>
+              </a:rPr>
+              <a:t>UPDATE NEEDED</a:t>
+            </a:r>
+            <a:endParaRPr lang="fr-FR" sz="5400" dirty="0">
+              <a:solidFill>
+                <a:srgbClr val="FF0000"/>
+              </a:solidFill>
+            </a:endParaRPr>
+          </a:p>
+        </p:txBody>
+      </p:sp>
+    </p:spTree>
+  </p:cSld>
+  <p:clrMapOvr>
+    <a:masterClrMapping/>
+  </p:clrMapOvr>
+</p:sld>
+</file>
+
+<file path=ppt/slides/slide20.xml><?xml version="1.0" encoding="utf-8"?>
+<p:sld xmlns:a="http://schemas.openxmlformats.org/drawingml/2006/main" xmlns:r="http://schemas.openxmlformats.org/officeDocument/2006/relationships" xmlns:p="http://schemas.openxmlformats.org/presentationml/2006/main">
+  <p:cSld>
+    <p:spTree>
+      <p:nvGrpSpPr>
+        <p:cNvPr id="1" name=""/>
+        <p:cNvGrpSpPr/>
+        <p:nvPr/>
+      </p:nvGrpSpPr>
+      <p:grpSpPr>
+        <a:xfrm>
+          <a:off x="0" y="0"/>
+          <a:ext cx="0" cy="0"/>
+          <a:chOff x="0" y="0"/>
+          <a:chExt cx="0" cy="0"/>
+        </a:xfrm>
+      </p:grpSpPr>
+      <p:sp>
+        <p:nvSpPr>
+          <p:cNvPr id="3" name="Espace réservé de la date 2"/>
+          <p:cNvSpPr>
+            <a:spLocks noGrp="1"/>
+          </p:cNvSpPr>
+          <p:nvPr>
+            <p:ph type="dt" sz="half" idx="10"/>
+          </p:nvPr>
+        </p:nvSpPr>
+        <p:spPr/>
+        <p:txBody>
+          <a:bodyPr/>
+          <a:lstStyle/>
+          <a:p>
+            <a:r>
+              <a:rPr lang="fr-FR" smtClean="0"/>
+              <a:t>20/01/2017</a:t>
+            </a:r>
+            <a:endParaRPr lang="fr-FR"/>
+          </a:p>
+        </p:txBody>
+      </p:sp>
+      <p:sp>
+        <p:nvSpPr>
+          <p:cNvPr id="4" name="Espace réservé du pied de page 3"/>
+          <p:cNvSpPr>
+            <a:spLocks noGrp="1"/>
+          </p:cNvSpPr>
+          <p:nvPr>
+            <p:ph type="ftr" sz="quarter" idx="11"/>
+          </p:nvPr>
+        </p:nvSpPr>
+        <p:spPr/>
+        <p:txBody>
+          <a:bodyPr/>
+          <a:lstStyle/>
+          <a:p>
+            <a:r>
+              <a:rPr lang="fr-FR" smtClean="0"/>
+              <a:t>ISAE-SUPAERO : SXS 002</a:t>
+            </a:r>
+            <a:endParaRPr lang="fr-FR"/>
+          </a:p>
+        </p:txBody>
+      </p:sp>
+      <p:sp>
+        <p:nvSpPr>
+          <p:cNvPr id="5" name="Espace réservé du numéro de diapositive 4"/>
+          <p:cNvSpPr>
+            <a:spLocks noGrp="1"/>
+          </p:cNvSpPr>
+          <p:nvPr>
+            <p:ph type="sldNum" sz="quarter" idx="12"/>
+          </p:nvPr>
+        </p:nvSpPr>
+        <p:spPr/>
+        <p:txBody>
+          <a:bodyPr/>
+          <a:lstStyle/>
+          <a:p>
+            <a:fld id="{B8205148-40F1-FD44-9948-BBE2F77BA4D5}" type="slidenum">
+              <a:rPr lang="fr-FR" smtClean="0"/>
+              <a:pPr/>
+              <a:t>20</a:t>
+            </a:fld>
+            <a:endParaRPr lang="fr-FR"/>
+          </a:p>
+        </p:txBody>
+      </p:sp>
+      <p:sp>
+        <p:nvSpPr>
+          <p:cNvPr id="6" name="Titre 5"/>
+          <p:cNvSpPr>
+            <a:spLocks noGrp="1"/>
+          </p:cNvSpPr>
+          <p:nvPr>
+            <p:ph type="title"/>
+          </p:nvPr>
+        </p:nvSpPr>
+        <p:spPr/>
+        <p:txBody>
+          <a:bodyPr/>
+          <a:lstStyle/>
+          <a:p>
+            <a:pPr marL="742950" indent="-742950">
+              <a:buFont typeface="+mj-lt"/>
+              <a:buAutoNum type="arabicPeriod" startAt="4"/>
+            </a:pPr>
+            <a:r>
+              <a:rPr lang="fr-FR" dirty="0" smtClean="0"/>
+              <a:t>Planning modifié</a:t>
             </a:r>
             <a:endParaRPr lang="fr-FR" dirty="0"/>
           </a:p>
@@ -18627,11 +25725,7 @@
                       </a:r>
                       <a:r>
                         <a:rPr lang="fr-FR" sz="1600" b="0" i="0" noProof="0" dirty="0" smtClean="0"/>
-                        <a:t>   </a:t>
-                      </a:r>
-                      <a:r>
-                        <a:rPr lang="fr-FR" sz="1600" b="0" i="0" noProof="0" dirty="0" smtClean="0"/>
-                        <a:t>R.PRIEM</a:t>
+                        <a:t>   R.PRIEM</a:t>
                       </a:r>
                       <a:endParaRPr lang="fr-FR" sz="1600" b="0" i="0" noProof="0" dirty="0"/>
                     </a:p>
@@ -18669,11 +25763,7 @@
                       </a:r>
                       <a:r>
                         <a:rPr lang="fr-FR" sz="1200" u="none" baseline="0" noProof="0" dirty="0" smtClean="0"/>
-                        <a:t> </a:t>
-                      </a:r>
-                      <a:r>
-                        <a:rPr lang="fr-FR" sz="1200" u="none" baseline="0" noProof="0" dirty="0" smtClean="0"/>
-                        <a:t>Management des livrables et des différentes revues au cours de la vie du projet. Il est nécessaire de communiquer régulièrement (toutes les 3 semaines) avec les donneurs d’ordre et lors des revues de projets avec le tuteur de gestion.  </a:t>
+                        <a:t> Management des livrables et des différentes revues au cours de la vie du projet. Il est nécessaire de communiquer régulièrement (toutes les 3 semaines) avec les donneurs d’ordre et lors des revues de projets avec le tuteur de gestion.  </a:t>
                       </a:r>
                       <a:endParaRPr lang="fr-FR" sz="1600" u="sng" noProof="0" dirty="0"/>
                     </a:p>
@@ -18750,29 +25840,7 @@
                           <a:ea typeface="+mn-ea"/>
                           <a:cs typeface="+mn-cs"/>
                         </a:rPr>
-                        <a:t> </a:t>
-                      </a:r>
-                      <a:r>
-                        <a:rPr kumimoji="0" lang="fr-FR" sz="1600" u="sng" kern="1200" baseline="0" noProof="0" dirty="0" smtClean="0">
-                          <a:solidFill>
-                            <a:schemeClr val="tx1"/>
-                          </a:solidFill>
-                          <a:latin typeface="+mn-lt"/>
-                          <a:ea typeface="+mn-ea"/>
-                          <a:cs typeface="+mn-cs"/>
-                        </a:rPr>
-                        <a:t>avec </a:t>
-                      </a:r>
-                      <a:r>
-                        <a:rPr kumimoji="0" lang="fr-FR" sz="1600" u="sng" kern="1200" baseline="0" noProof="0" dirty="0" smtClean="0">
-                          <a:solidFill>
-                            <a:schemeClr val="tx1"/>
-                          </a:solidFill>
-                          <a:latin typeface="+mn-lt"/>
-                          <a:ea typeface="+mn-ea"/>
-                          <a:cs typeface="+mn-cs"/>
-                        </a:rPr>
-                        <a:t>budget </a:t>
+                        <a:t> avec budget </a:t>
                       </a:r>
                       <a:r>
                         <a:rPr kumimoji="0" lang="fr-FR" sz="1600" u="sng" kern="1200" noProof="0" dirty="0" smtClean="0">
@@ -18796,14 +25864,6 @@
                         </a:rPr>
                         <a:t>  </a:t>
                       </a:r>
-                      <a:endParaRPr kumimoji="0" lang="fr-FR" sz="1600" u="none" kern="1200" noProof="0" dirty="0" smtClean="0">
-                        <a:solidFill>
-                          <a:schemeClr val="tx1"/>
-                        </a:solidFill>
-                        <a:latin typeface="+mn-lt"/>
-                        <a:ea typeface="+mn-ea"/>
-                        <a:cs typeface="+mn-cs"/>
-                      </a:endParaRPr>
                     </a:p>
                     <a:p>
                       <a:pPr marL="0" algn="l" rtl="0" eaLnBrk="1" latinLnBrk="0" hangingPunct="1"/>
@@ -19688,29 +26748,7 @@
                           <a:ea typeface="+mn-ea"/>
                           <a:cs typeface="+mn-cs"/>
                         </a:rPr>
-                        <a:t>ext </a:t>
-                      </a:r>
-                      <a:r>
-                        <a:rPr kumimoji="0" lang="en-GB" sz="1600" u="sng" kern="1200" noProof="0" dirty="0" smtClean="0">
-                          <a:solidFill>
-                            <a:schemeClr val="tx1"/>
-                          </a:solidFill>
-                          <a:latin typeface="+mn-lt"/>
-                          <a:ea typeface="+mn-ea"/>
-                          <a:cs typeface="+mn-cs"/>
-                        </a:rPr>
-                        <a:t>steps </a:t>
-                      </a:r>
-                      <a:r>
-                        <a:rPr kumimoji="0" lang="en-GB" sz="1600" u="sng" kern="1200" noProof="0" dirty="0" smtClean="0">
-                          <a:solidFill>
-                            <a:schemeClr val="tx1"/>
-                          </a:solidFill>
-                          <a:latin typeface="+mn-lt"/>
-                          <a:ea typeface="+mn-ea"/>
-                          <a:cs typeface="+mn-cs"/>
-                        </a:rPr>
-                        <a:t>:</a:t>
+                        <a:t>ext steps :</a:t>
                       </a:r>
                       <a:r>
                         <a:rPr kumimoji="0" lang="fr-FR" sz="1600" u="sng" kern="1200" noProof="0" dirty="0" smtClean="0">
@@ -19723,14 +26761,6 @@
                         </a:rPr>
                         <a:t> </a:t>
                       </a:r>
-                      <a:endParaRPr kumimoji="0" lang="fr-FR" sz="1600" u="sng" kern="1200" noProof="0" dirty="0" smtClean="0">
-                        <a:solidFill>
-                          <a:schemeClr val="tx1"/>
-                        </a:solidFill>
-                        <a:latin typeface="+mn-lt"/>
-                        <a:ea typeface="+mn-ea"/>
-                        <a:cs typeface="+mn-cs"/>
-                      </a:endParaRPr>
                     </a:p>
                     <a:p>
                       <a:pPr marL="0" marR="0" indent="0" algn="l" defTabSz="914400" rtl="0" eaLnBrk="1" fontAlgn="auto" latinLnBrk="0" hangingPunct="1">
@@ -20023,18 +27053,7 @@
                   </a:schemeClr>
                 </a:solidFill>
               </a:rPr>
-              <a:t>A. Gestion de Projet</a:t>
-            </a:r>
-            <a:r>
-              <a:rPr lang="fr-FR" sz="2400" dirty="0" smtClean="0">
-                <a:solidFill>
-                  <a:schemeClr val="tx2">
-                    <a:lumMod val="60000"/>
-                    <a:lumOff val="40000"/>
-                  </a:schemeClr>
-                </a:solidFill>
-              </a:rPr>
-              <a:t> </a:t>
+              <a:t>A. Gestion de Projet </a:t>
             </a:r>
             <a:endParaRPr lang="fr-FR" dirty="0">
               <a:solidFill>
@@ -21110,7 +28129,7 @@
         </p:nvSpPr>
         <p:spPr>
           <a:xfrm>
-            <a:off x="3017103" y="4588494"/>
+            <a:off x="3017103" y="4813582"/>
             <a:ext cx="180000" cy="180000"/>
           </a:xfrm>
           <a:prstGeom prst="ellipse">
@@ -21162,7 +28181,7 @@
         </p:nvSpPr>
         <p:spPr>
           <a:xfrm>
-            <a:off x="3017103" y="3377844"/>
+            <a:off x="3017103" y="3602932"/>
             <a:ext cx="180000" cy="180000"/>
           </a:xfrm>
           <a:prstGeom prst="ellipse">
@@ -21210,7 +28229,7 @@
         </p:nvSpPr>
         <p:spPr>
           <a:xfrm>
-            <a:off x="3017103" y="2512044"/>
+            <a:off x="3017103" y="2737132"/>
             <a:ext cx="180000" cy="180000"/>
           </a:xfrm>
           <a:prstGeom prst="ellipse">
@@ -21262,7 +28281,7 @@
         </p:nvSpPr>
         <p:spPr>
           <a:xfrm>
-            <a:off x="3017103" y="3750294"/>
+            <a:off x="3017103" y="3975382"/>
             <a:ext cx="180000" cy="180000"/>
           </a:xfrm>
           <a:prstGeom prst="ellipse">
@@ -21310,7 +28329,7 @@
         </p:nvSpPr>
         <p:spPr>
           <a:xfrm>
-            <a:off x="3017103" y="4121769"/>
+            <a:off x="3017103" y="4346857"/>
             <a:ext cx="180000" cy="180000"/>
           </a:xfrm>
           <a:prstGeom prst="ellipse">
@@ -21358,7 +28377,7 @@
         </p:nvSpPr>
         <p:spPr>
           <a:xfrm>
-            <a:off x="3761028" y="4588494"/>
+            <a:off x="3761028" y="4813582"/>
             <a:ext cx="180000" cy="180000"/>
           </a:xfrm>
           <a:prstGeom prst="ellipse">
@@ -21406,7 +28425,7 @@
         </p:nvSpPr>
         <p:spPr>
           <a:xfrm>
-            <a:off x="3017103" y="2997819"/>
+            <a:off x="3017103" y="3222907"/>
             <a:ext cx="180000" cy="180000"/>
           </a:xfrm>
           <a:prstGeom prst="ellipse">
@@ -21458,7 +28477,7 @@
         </p:nvSpPr>
         <p:spPr>
           <a:xfrm>
-            <a:off x="3761028" y="2512044"/>
+            <a:off x="3761028" y="2737132"/>
             <a:ext cx="180000" cy="180000"/>
           </a:xfrm>
           <a:prstGeom prst="ellipse">
@@ -21510,7 +28529,7 @@
         </p:nvSpPr>
         <p:spPr>
           <a:xfrm>
-            <a:off x="3762003" y="2997819"/>
+            <a:off x="3762003" y="3222907"/>
             <a:ext cx="180000" cy="180000"/>
           </a:xfrm>
           <a:prstGeom prst="ellipse">
@@ -21558,7 +28577,7 @@
         </p:nvSpPr>
         <p:spPr>
           <a:xfrm>
-            <a:off x="3761028" y="3377844"/>
+            <a:off x="3761028" y="3602932"/>
             <a:ext cx="180000" cy="180000"/>
           </a:xfrm>
           <a:prstGeom prst="ellipse">
@@ -21606,7 +28625,7 @@
         </p:nvSpPr>
         <p:spPr>
           <a:xfrm>
-            <a:off x="3761028" y="3750294"/>
+            <a:off x="3761028" y="3975382"/>
             <a:ext cx="180000" cy="180000"/>
           </a:xfrm>
           <a:prstGeom prst="ellipse">
@@ -21654,7 +28673,7 @@
         </p:nvSpPr>
         <p:spPr>
           <a:xfrm>
-            <a:off x="3741978" y="4121769"/>
+            <a:off x="3741978" y="4346857"/>
             <a:ext cx="180000" cy="180000"/>
           </a:xfrm>
           <a:prstGeom prst="ellipse">
@@ -21780,11 +28799,7 @@
                       </a:r>
                       <a:r>
                         <a:rPr lang="fr-FR" sz="1600" b="0" i="0" u="sng" baseline="0" noProof="0" dirty="0" smtClean="0"/>
-                        <a:t> </a:t>
-                      </a:r>
-                      <a:r>
-                        <a:rPr lang="fr-FR" sz="1600" b="0" i="0" u="sng" baseline="0" noProof="0" dirty="0" smtClean="0"/>
-                        <a:t>:</a:t>
+                        <a:t> :</a:t>
                       </a:r>
                       <a:r>
                         <a:rPr lang="fr-FR" sz="1600" b="0" i="0" baseline="0" noProof="0" dirty="0" smtClean="0"/>
@@ -21922,18 +28937,7 @@
                           <a:ea typeface="+mn-ea"/>
                           <a:cs typeface="+mn-cs"/>
                         </a:rPr>
-                        <a:t>Statuts – </a:t>
-                      </a:r>
-                      <a:r>
-                        <a:rPr kumimoji="0" lang="fr-FR" sz="1600" u="sng" kern="1200" noProof="0" smtClean="0">
-                          <a:solidFill>
-                            <a:schemeClr val="tx1"/>
-                          </a:solidFill>
-                          <a:latin typeface="+mn-lt"/>
-                          <a:ea typeface="+mn-ea"/>
-                          <a:cs typeface="+mn-cs"/>
-                        </a:rPr>
-                        <a:t>Résumé</a:t>
+                        <a:t>Statuts – Résumé</a:t>
                       </a:r>
                       <a:r>
                         <a:rPr kumimoji="0" lang="fr-FR" sz="1600" u="sng" kern="1200" baseline="0" noProof="0" smtClean="0">
@@ -21944,18 +28948,7 @@
                           <a:ea typeface="+mn-ea"/>
                           <a:cs typeface="+mn-cs"/>
                         </a:rPr>
-                        <a:t> </a:t>
-                      </a:r>
-                      <a:r>
-                        <a:rPr kumimoji="0" lang="fr-FR" sz="1600" u="sng" kern="1200" baseline="0" noProof="0" smtClean="0">
-                          <a:solidFill>
-                            <a:schemeClr val="tx1"/>
-                          </a:solidFill>
-                          <a:latin typeface="+mn-lt"/>
-                          <a:ea typeface="+mn-ea"/>
-                          <a:cs typeface="+mn-cs"/>
-                        </a:rPr>
-                        <a:t>avec budget </a:t>
+                        <a:t> avec budget </a:t>
                       </a:r>
                       <a:r>
                         <a:rPr kumimoji="0" lang="fr-FR" sz="1600" u="sng" kern="1200" noProof="0" smtClean="0">
@@ -21968,14 +28961,6 @@
                         </a:rPr>
                         <a:t>:  </a:t>
                       </a:r>
-                      <a:endParaRPr kumimoji="0" lang="fr-FR" sz="1600" u="sng" kern="1200" noProof="0" smtClean="0">
-                        <a:solidFill>
-                          <a:schemeClr val="tx1"/>
-                        </a:solidFill>
-                        <a:latin typeface="+mn-lt"/>
-                        <a:ea typeface="+mn-ea"/>
-                        <a:cs typeface="+mn-cs"/>
-                      </a:endParaRPr>
                     </a:p>
                     <a:p>
                       <a:pPr marL="0" algn="l" rtl="0" eaLnBrk="1" latinLnBrk="0" hangingPunct="1">
@@ -22175,17 +29160,6 @@
                           <a:cs typeface="+mn-cs"/>
                         </a:rPr>
                         <a:t>  </a:t>
-                      </a:r>
-                      <a:r>
-                        <a:rPr kumimoji="0" lang="fr-FR" sz="1600" u="none" kern="1200" noProof="0" smtClean="0">
-                          <a:solidFill>
-                            <a:schemeClr val="tx1"/>
-                          </a:solidFill>
-                          <a:latin typeface="+mn-lt"/>
-                          <a:ea typeface="+mn-ea"/>
-                          <a:cs typeface="+mn-cs"/>
-                        </a:rPr>
-                        <a:t/>
                       </a:r>
                       <a:br>
                         <a:rPr kumimoji="0" lang="fr-FR" sz="1600" u="none" kern="1200" noProof="0" smtClean="0">
@@ -22990,14 +29964,6 @@
                         </a:rPr>
                         <a:t> Vérification conflit de version </a:t>
                       </a:r>
-                      <a:endParaRPr kumimoji="0" lang="fr-FR" sz="1050" u="none" kern="1200" noProof="0" dirty="0" smtClean="0">
-                        <a:solidFill>
-                          <a:schemeClr val="tx1"/>
-                        </a:solidFill>
-                        <a:latin typeface="+mn-lt"/>
-                        <a:ea typeface="+mn-ea"/>
-                        <a:cs typeface="+mn-cs"/>
-                      </a:endParaRPr>
                     </a:p>
                   </a:txBody>
                   <a:tcPr/>
@@ -23170,40 +30136,7 @@
                   </a:schemeClr>
                 </a:solidFill>
               </a:rPr>
-              <a:t> </a:t>
-            </a:r>
-            <a:r>
-              <a:rPr lang="fr-FR" sz="2700" dirty="0" smtClean="0">
-                <a:solidFill>
-                  <a:schemeClr val="tx2">
-                    <a:lumMod val="60000"/>
-                    <a:lumOff val="40000"/>
-                  </a:schemeClr>
-                </a:solidFill>
-              </a:rPr>
-              <a:t>B. </a:t>
-            </a:r>
-            <a:r>
-              <a:rPr lang="fr-FR" sz="2700" dirty="0" smtClean="0">
-                <a:solidFill>
-                  <a:schemeClr val="tx2">
-                    <a:lumMod val="60000"/>
-                    <a:lumOff val="40000"/>
-                  </a:schemeClr>
-                </a:solidFill>
-              </a:rPr>
-              <a:t>Gestion </a:t>
-            </a:r>
-            <a:r>
-              <a:rPr lang="fr-FR" sz="2700" dirty="0" smtClean="0">
-                <a:solidFill>
-                  <a:schemeClr val="tx2">
-                    <a:lumMod val="60000"/>
-                    <a:lumOff val="40000"/>
-                  </a:schemeClr>
-                </a:solidFill>
-              </a:rPr>
-              <a:t>du code</a:t>
+              <a:t> B. Gestion du code</a:t>
             </a:r>
             <a:endParaRPr lang="fr-FR" sz="2700" dirty="0"/>
           </a:p>
@@ -23529,10 +30462,6 @@
               <a:rPr lang="fr-FR" dirty="0" smtClean="0"/>
               <a:t>Avancement </a:t>
             </a:r>
-            <a:r>
-              <a:rPr lang="fr-FR" dirty="0" smtClean="0"/>
-              <a:t/>
-            </a:r>
             <a:br>
               <a:rPr lang="fr-FR" dirty="0" smtClean="0"/>
             </a:br>
@@ -23556,18 +30485,7 @@
                   </a:schemeClr>
                 </a:solidFill>
               </a:rPr>
-              <a:t>B. </a:t>
-            </a:r>
-            <a:r>
-              <a:rPr lang="fr-FR" sz="2700" dirty="0" smtClean="0">
-                <a:solidFill>
-                  <a:schemeClr val="tx2">
-                    <a:lumMod val="60000"/>
-                    <a:lumOff val="40000"/>
-                  </a:schemeClr>
-                </a:solidFill>
-              </a:rPr>
-              <a:t>Gestion du code</a:t>
+              <a:t>B. Gestion du code</a:t>
             </a:r>
             <a:endParaRPr lang="fr-FR" sz="2700" dirty="0"/>
           </a:p>
@@ -24151,7 +31069,7 @@
         </p:nvSpPr>
         <p:spPr>
           <a:xfrm>
-            <a:off x="3090375" y="2605575"/>
+            <a:off x="3090375" y="3027615"/>
             <a:ext cx="180000" cy="180000"/>
           </a:xfrm>
           <a:prstGeom prst="ellipse">
@@ -24199,7 +31117,7 @@
         </p:nvSpPr>
         <p:spPr>
           <a:xfrm>
-            <a:off x="3090375" y="3058500"/>
+            <a:off x="3090375" y="3480540"/>
             <a:ext cx="180000" cy="180000"/>
           </a:xfrm>
           <a:prstGeom prst="ellipse">
@@ -24251,7 +31169,7 @@
         </p:nvSpPr>
         <p:spPr>
           <a:xfrm>
-            <a:off x="3090375" y="2220300"/>
+            <a:off x="3090375" y="2642340"/>
             <a:ext cx="180000" cy="180000"/>
           </a:xfrm>
           <a:prstGeom prst="ellipse">
@@ -24303,7 +31221,7 @@
         </p:nvSpPr>
         <p:spPr>
           <a:xfrm>
-            <a:off x="3763350" y="2667975"/>
+            <a:off x="3763350" y="3090015"/>
             <a:ext cx="180000" cy="180000"/>
           </a:xfrm>
           <a:prstGeom prst="ellipse">
@@ -24351,7 +31269,7 @@
         </p:nvSpPr>
         <p:spPr>
           <a:xfrm>
-            <a:off x="3062775" y="3480900"/>
+            <a:off x="3062775" y="3902940"/>
             <a:ext cx="180000" cy="180000"/>
           </a:xfrm>
           <a:prstGeom prst="ellipse">
@@ -24403,7 +31321,7 @@
         </p:nvSpPr>
         <p:spPr>
           <a:xfrm>
-            <a:off x="3062775" y="3887175"/>
+            <a:off x="3062775" y="4309215"/>
             <a:ext cx="180000" cy="180000"/>
           </a:xfrm>
           <a:prstGeom prst="ellipse">
@@ -24455,7 +31373,7 @@
         </p:nvSpPr>
         <p:spPr>
           <a:xfrm>
-            <a:off x="3062775" y="4296750"/>
+            <a:off x="3062775" y="4718790"/>
             <a:ext cx="180000" cy="180000"/>
           </a:xfrm>
           <a:prstGeom prst="ellipse">
@@ -24507,7 +31425,7 @@
         </p:nvSpPr>
         <p:spPr>
           <a:xfrm>
-            <a:off x="3763350" y="3058500"/>
+            <a:off x="3763350" y="3480540"/>
             <a:ext cx="180000" cy="180000"/>
           </a:xfrm>
           <a:prstGeom prst="ellipse">
@@ -24555,7 +31473,7 @@
         </p:nvSpPr>
         <p:spPr>
           <a:xfrm>
-            <a:off x="3763350" y="3480900"/>
+            <a:off x="3763350" y="3902940"/>
             <a:ext cx="180000" cy="180000"/>
           </a:xfrm>
           <a:prstGeom prst="ellipse">
@@ -24603,7 +31521,7 @@
         </p:nvSpPr>
         <p:spPr>
           <a:xfrm>
-            <a:off x="3763350" y="4296750"/>
+            <a:off x="3763350" y="4718790"/>
             <a:ext cx="180000" cy="180000"/>
           </a:xfrm>
           <a:prstGeom prst="ellipse">
@@ -24651,7 +31569,7 @@
         </p:nvSpPr>
         <p:spPr>
           <a:xfrm>
-            <a:off x="3763350" y="2220300"/>
+            <a:off x="3763350" y="2642340"/>
             <a:ext cx="180000" cy="180000"/>
           </a:xfrm>
           <a:prstGeom prst="ellipse">
@@ -24703,7 +31621,7 @@
         </p:nvSpPr>
         <p:spPr>
           <a:xfrm>
-            <a:off x="3763350" y="3887175"/>
+            <a:off x="3763350" y="4309215"/>
             <a:ext cx="180000" cy="180000"/>
           </a:xfrm>
           <a:prstGeom prst="ellipse">
@@ -24781,7 +31699,43 @@
 
 <file path=ppt/tags/tag13.xml><?xml version="1.0" encoding="utf-8"?>
 <p:tagLst xmlns:a="http://schemas.openxmlformats.org/drawingml/2006/main" xmlns:r="http://schemas.openxmlformats.org/officeDocument/2006/relationships" xmlns:p="http://schemas.openxmlformats.org/presentationml/2006/main">
-  <p:tag name="THINKCELLSHAPEDONOTDELETE" val="pez2bXEFQ_0KB6WlXn0Vyzw"/>
+  <p:tag name="THINKCELLSHAPEDONOTDELETE" val="paS4J8cXZUEqYmVvyKlR.ag"/>
+</p:tagLst>
+</file>
+
+<file path=ppt/tags/tag14.xml><?xml version="1.0" encoding="utf-8"?>
+<p:tagLst xmlns:a="http://schemas.openxmlformats.org/drawingml/2006/main" xmlns:r="http://schemas.openxmlformats.org/officeDocument/2006/relationships" xmlns:p="http://schemas.openxmlformats.org/presentationml/2006/main">
+  <p:tag name="THINKCELLSHAPEDONOTDELETE" val="puq9M.QABw0eb.YJs42jXqg"/>
+</p:tagLst>
+</file>
+
+<file path=ppt/tags/tag15.xml><?xml version="1.0" encoding="utf-8"?>
+<p:tagLst xmlns:a="http://schemas.openxmlformats.org/drawingml/2006/main" xmlns:r="http://schemas.openxmlformats.org/officeDocument/2006/relationships" xmlns:p="http://schemas.openxmlformats.org/presentationml/2006/main">
+  <p:tag name="THINKCELLSHAPEDONOTDELETE" val="psWQu9mhMd0.1fXlquSDeOQ"/>
+</p:tagLst>
+</file>
+
+<file path=ppt/tags/tag16.xml><?xml version="1.0" encoding="utf-8"?>
+<p:tagLst xmlns:a="http://schemas.openxmlformats.org/drawingml/2006/main" xmlns:r="http://schemas.openxmlformats.org/officeDocument/2006/relationships" xmlns:p="http://schemas.openxmlformats.org/presentationml/2006/main">
+  <p:tag name="THINKCELLSHAPEDONOTDELETE" val="pD8G9hMt4gUqErVg3beHd9Q"/>
+</p:tagLst>
+</file>
+
+<file path=ppt/tags/tag17.xml><?xml version="1.0" encoding="utf-8"?>
+<p:tagLst xmlns:a="http://schemas.openxmlformats.org/drawingml/2006/main" xmlns:r="http://schemas.openxmlformats.org/officeDocument/2006/relationships" xmlns:p="http://schemas.openxmlformats.org/presentationml/2006/main">
+  <p:tag name="THINKCELLSHAPEDONOTDELETE" val="pGaZLqCb5WECUt6j0FuCnPg"/>
+</p:tagLst>
+</file>
+
+<file path=ppt/tags/tag18.xml><?xml version="1.0" encoding="utf-8"?>
+<p:tagLst xmlns:a="http://schemas.openxmlformats.org/drawingml/2006/main" xmlns:r="http://schemas.openxmlformats.org/officeDocument/2006/relationships" xmlns:p="http://schemas.openxmlformats.org/presentationml/2006/main">
+  <p:tag name="THINKCELLSHAPEDONOTDELETE" val="pwnqIHsEM2UqvcAVCjQKjig"/>
+</p:tagLst>
+</file>
+
+<file path=ppt/tags/tag19.xml><?xml version="1.0" encoding="utf-8"?>
+<p:tagLst xmlns:a="http://schemas.openxmlformats.org/drawingml/2006/main" xmlns:r="http://schemas.openxmlformats.org/officeDocument/2006/relationships" xmlns:p="http://schemas.openxmlformats.org/presentationml/2006/main">
+  <p:tag name="THINKCELLSHAPEDONOTDELETE" val="pwnqIHsEM2UqvcAVCjQKjig"/>
 </p:tagLst>
 </file>
 
@@ -24791,7 +31745,79 @@
 </p:tagLst>
 </file>
 
+<file path=ppt/tags/tag20.xml><?xml version="1.0" encoding="utf-8"?>
+<p:tagLst xmlns:a="http://schemas.openxmlformats.org/drawingml/2006/main" xmlns:r="http://schemas.openxmlformats.org/officeDocument/2006/relationships" xmlns:p="http://schemas.openxmlformats.org/presentationml/2006/main">
+  <p:tag name="THINKCELLSHAPEDONOTDELETE" val="pwnqIHsEM2UqvcAVCjQKjig"/>
+</p:tagLst>
+</file>
+
+<file path=ppt/tags/tag21.xml><?xml version="1.0" encoding="utf-8"?>
+<p:tagLst xmlns:a="http://schemas.openxmlformats.org/drawingml/2006/main" xmlns:r="http://schemas.openxmlformats.org/officeDocument/2006/relationships" xmlns:p="http://schemas.openxmlformats.org/presentationml/2006/main">
+  <p:tag name="THINKCELLSHAPEDONOTDELETE" val="pwnqIHsEM2UqvcAVCjQKjig"/>
+</p:tagLst>
+</file>
+
+<file path=ppt/tags/tag22.xml><?xml version="1.0" encoding="utf-8"?>
+<p:tagLst xmlns:a="http://schemas.openxmlformats.org/drawingml/2006/main" xmlns:r="http://schemas.openxmlformats.org/officeDocument/2006/relationships" xmlns:p="http://schemas.openxmlformats.org/presentationml/2006/main">
+  <p:tag name="THINKCELLSHAPEDONOTDELETE" val="paS4J8cXZUEqYmVvyKlR.ag"/>
+</p:tagLst>
+</file>
+
+<file path=ppt/tags/tag23.xml><?xml version="1.0" encoding="utf-8"?>
+<p:tagLst xmlns:a="http://schemas.openxmlformats.org/drawingml/2006/main" xmlns:r="http://schemas.openxmlformats.org/officeDocument/2006/relationships" xmlns:p="http://schemas.openxmlformats.org/presentationml/2006/main">
+  <p:tag name="THINKCELLSHAPEDONOTDELETE" val="puq9M.QABw0eb.YJs42jXqg"/>
+</p:tagLst>
+</file>
+
+<file path=ppt/tags/tag24.xml><?xml version="1.0" encoding="utf-8"?>
+<p:tagLst xmlns:a="http://schemas.openxmlformats.org/drawingml/2006/main" xmlns:r="http://schemas.openxmlformats.org/officeDocument/2006/relationships" xmlns:p="http://schemas.openxmlformats.org/presentationml/2006/main">
+  <p:tag name="THINKCELLSHAPEDONOTDELETE" val="psWQu9mhMd0.1fXlquSDeOQ"/>
+</p:tagLst>
+</file>
+
+<file path=ppt/tags/tag25.xml><?xml version="1.0" encoding="utf-8"?>
+<p:tagLst xmlns:a="http://schemas.openxmlformats.org/drawingml/2006/main" xmlns:r="http://schemas.openxmlformats.org/officeDocument/2006/relationships" xmlns:p="http://schemas.openxmlformats.org/presentationml/2006/main">
+  <p:tag name="THINKCELLSHAPEDONOTDELETE" val="pD8G9hMt4gUqErVg3beHd9Q"/>
+</p:tagLst>
+</file>
+
+<file path=ppt/tags/tag26.xml><?xml version="1.0" encoding="utf-8"?>
+<p:tagLst xmlns:a="http://schemas.openxmlformats.org/drawingml/2006/main" xmlns:r="http://schemas.openxmlformats.org/officeDocument/2006/relationships" xmlns:p="http://schemas.openxmlformats.org/presentationml/2006/main">
+  <p:tag name="THINKCELLSHAPEDONOTDELETE" val="pGaZLqCb5WECUt6j0FuCnPg"/>
+</p:tagLst>
+</file>
+
+<file path=ppt/tags/tag27.xml><?xml version="1.0" encoding="utf-8"?>
+<p:tagLst xmlns:a="http://schemas.openxmlformats.org/drawingml/2006/main" xmlns:r="http://schemas.openxmlformats.org/officeDocument/2006/relationships" xmlns:p="http://schemas.openxmlformats.org/presentationml/2006/main">
+  <p:tag name="THINKCELLSHAPEDONOTDELETE" val="pwnqIHsEM2UqvcAVCjQKjig"/>
+</p:tagLst>
+</file>
+
+<file path=ppt/tags/tag28.xml><?xml version="1.0" encoding="utf-8"?>
+<p:tagLst xmlns:a="http://schemas.openxmlformats.org/drawingml/2006/main" xmlns:r="http://schemas.openxmlformats.org/officeDocument/2006/relationships" xmlns:p="http://schemas.openxmlformats.org/presentationml/2006/main">
+  <p:tag name="THINKCELLSHAPEDONOTDELETE" val="pwnqIHsEM2UqvcAVCjQKjig"/>
+</p:tagLst>
+</file>
+
+<file path=ppt/tags/tag29.xml><?xml version="1.0" encoding="utf-8"?>
+<p:tagLst xmlns:a="http://schemas.openxmlformats.org/drawingml/2006/main" xmlns:r="http://schemas.openxmlformats.org/officeDocument/2006/relationships" xmlns:p="http://schemas.openxmlformats.org/presentationml/2006/main">
+  <p:tag name="THINKCELLSHAPEDONOTDELETE" val="pwnqIHsEM2UqvcAVCjQKjig"/>
+</p:tagLst>
+</file>
+
 <file path=ppt/tags/tag3.xml><?xml version="1.0" encoding="utf-8"?>
+<p:tagLst xmlns:a="http://schemas.openxmlformats.org/drawingml/2006/main" xmlns:r="http://schemas.openxmlformats.org/officeDocument/2006/relationships" xmlns:p="http://schemas.openxmlformats.org/presentationml/2006/main">
+  <p:tag name="THINKCELLSHAPEDONOTDELETE" val="pez2bXEFQ_0KB6WlXn0Vyzw"/>
+</p:tagLst>
+</file>
+
+<file path=ppt/tags/tag30.xml><?xml version="1.0" encoding="utf-8"?>
+<p:tagLst xmlns:a="http://schemas.openxmlformats.org/drawingml/2006/main" xmlns:r="http://schemas.openxmlformats.org/officeDocument/2006/relationships" xmlns:p="http://schemas.openxmlformats.org/presentationml/2006/main">
+  <p:tag name="THINKCELLSHAPEDONOTDELETE" val="pwnqIHsEM2UqvcAVCjQKjig"/>
+</p:tagLst>
+</file>
+
+<file path=ppt/tags/tag31.xml><?xml version="1.0" encoding="utf-8"?>
 <p:tagLst xmlns:a="http://schemas.openxmlformats.org/drawingml/2006/main" xmlns:r="http://schemas.openxmlformats.org/officeDocument/2006/relationships" xmlns:p="http://schemas.openxmlformats.org/presentationml/2006/main">
   <p:tag name="THINKCELLSHAPEDONOTDELETE" val="pez2bXEFQ_0KB6WlXn0Vyzw"/>
 </p:tagLst>
